--- a/presentation/IoT Bootcamp.pptx
+++ b/presentation/IoT Bootcamp.pptx
@@ -6,7 +6,7 @@
     <p:sldMasterId id="2147483662" r:id="rId2"/>
   </p:sldMasterIdLst>
   <p:notesMasterIdLst>
-    <p:notesMasterId r:id="rId43"/>
+    <p:notesMasterId r:id="rId44"/>
   </p:notesMasterIdLst>
   <p:sldIdLst>
     <p:sldId id="335" r:id="rId3"/>
@@ -47,8 +47,9 @@
     <p:sldId id="320" r:id="rId38"/>
     <p:sldId id="328" r:id="rId39"/>
     <p:sldId id="334" r:id="rId40"/>
-    <p:sldId id="279" r:id="rId41"/>
-    <p:sldId id="280" r:id="rId42"/>
+    <p:sldId id="344" r:id="rId41"/>
+    <p:sldId id="279" r:id="rId42"/>
+    <p:sldId id="280" r:id="rId43"/>
   </p:sldIdLst>
   <p:sldSz cx="12192000" cy="6858000"/>
   <p:notesSz cx="6858000" cy="9144000"/>
@@ -155,6 +156,10 @@
 </p:presentation>
 </file>
 
+<file path=ppt/revisionInfo.xml><?xml version="1.0" encoding="utf-8"?>
+<p1510:revInfo xmlns:a="http://schemas.openxmlformats.org/drawingml/2006/main" xmlns:r="http://schemas.openxmlformats.org/officeDocument/2006/relationships" xmlns:p1510="http://schemas.microsoft.com/office/powerpoint/2015/10/main"/>
+</file>
+
 <file path=ppt/notesMasters/notesMaster1.xml><?xml version="1.0" encoding="utf-8"?>
 <p:notesMaster xmlns:a="http://schemas.openxmlformats.org/drawingml/2006/main" xmlns:r="http://schemas.openxmlformats.org/officeDocument/2006/relationships" xmlns:p="http://schemas.openxmlformats.org/presentationml/2006/main">
   <p:cSld>
@@ -237,7 +242,7 @@
           <a:p>
             <a:fld id="{47191C74-6111-46D8-81BE-7574AEA0A196}" type="datetimeFigureOut">
               <a:rPr lang="en-US" smtClean="0"/>
-              <a:t>5/30/2017</a:t>
+              <a:t>5/31/2017</a:t>
             </a:fld>
             <a:endParaRPr lang="en-US"/>
           </a:p>
@@ -1585,7 +1590,7 @@
           <a:p>
             <a:fld id="{7FB44AF9-6A08-4C3A-94E4-CB0AC0068279}" type="slidenum">
               <a:rPr lang="sv-SE" smtClean="0"/>
-              <a:t>39</a:t>
+              <a:t>40</a:t>
             </a:fld>
             <a:endParaRPr lang="sv-SE"/>
           </a:p>
@@ -2313,7 +2318,7 @@
           <a:p>
             <a:fld id="{7FB44AF9-6A08-4C3A-94E4-CB0AC0068279}" type="slidenum">
               <a:rPr lang="sv-SE" smtClean="0"/>
-              <a:t>40</a:t>
+              <a:t>41</a:t>
             </a:fld>
             <a:endParaRPr lang="sv-SE"/>
           </a:p>
@@ -12657,7 +12662,7 @@
           <a:p>
             <a:fld id="{BA60C446-6CB1-44A3-A74E-6FB4AF0231F5}" type="datetimeFigureOut">
               <a:rPr lang="en-US" smtClean="0"/>
-              <a:t>5/30/2017</a:t>
+              <a:t>5/31/2017</a:t>
             </a:fld>
             <a:endParaRPr lang="en-US"/>
           </a:p>
@@ -26777,7 +26782,7 @@
 </file>
 
 <file path=ppt/slides/slide39.xml><?xml version="1.0" encoding="utf-8"?>
-<p:sld xmlns:a="http://schemas.openxmlformats.org/drawingml/2006/main" xmlns:r="http://schemas.openxmlformats.org/officeDocument/2006/relationships" xmlns:p="http://schemas.openxmlformats.org/presentationml/2006/main" show="0">
+<p:sld xmlns:a="http://schemas.openxmlformats.org/drawingml/2006/main" xmlns:r="http://schemas.openxmlformats.org/officeDocument/2006/relationships" xmlns:p="http://schemas.openxmlformats.org/presentationml/2006/main">
   <p:cSld>
     <p:spTree>
       <p:nvGrpSpPr>
@@ -26793,47 +26798,6 @@
           <a:chExt cx="0" cy="0"/>
         </a:xfrm>
       </p:grpSpPr>
-      <p:pic>
-        <p:nvPicPr>
-          <p:cNvPr id="4" name="Picture 2" descr="C:\Users\wmmih\AppData\Local\Temp\SNAGHTML1288bdde.PNG"/>
-          <p:cNvPicPr>
-            <a:picLocks noChangeAspect="1" noChangeArrowheads="1"/>
-          </p:cNvPicPr>
-          <p:nvPr/>
-        </p:nvPicPr>
-        <p:blipFill>
-          <a:blip r:embed="rId3">
-            <a:extLst>
-              <a:ext uri="{28A0092B-C50C-407E-A947-70E740481C1C}">
-                <a14:useLocalDpi xmlns:a14="http://schemas.microsoft.com/office/drawing/2010/main" val="0"/>
-              </a:ext>
-            </a:extLst>
-          </a:blip>
-          <a:srcRect/>
-          <a:stretch>
-            <a:fillRect/>
-          </a:stretch>
-        </p:blipFill>
-        <p:spPr bwMode="auto">
-          <a:xfrm>
-            <a:off x="433136" y="1485107"/>
-            <a:ext cx="11389895" cy="5164346"/>
-          </a:xfrm>
-          <a:prstGeom prst="rect">
-            <a:avLst/>
-          </a:prstGeom>
-          <a:noFill/>
-          <a:extLst>
-            <a:ext uri="{909E8E84-426E-40DD-AFC4-6F175D3DCCD1}">
-              <a14:hiddenFill xmlns:a14="http://schemas.microsoft.com/office/drawing/2010/main">
-                <a:solidFill>
-                  <a:srgbClr val="FFFFFF"/>
-                </a:solidFill>
-              </a14:hiddenFill>
-            </a:ext>
-          </a:extLst>
-        </p:spPr>
-      </p:pic>
       <p:sp>
         <p:nvSpPr>
           <p:cNvPr id="2" name="Title 1"/>
@@ -26850,22 +26814,63 @@
           <a:lstStyle/>
           <a:p>
             <a:r>
-              <a:rPr lang="en-US" dirty="0"/>
-              <a:t>JavaScript – modules</a:t>
+              <a:rPr lang="en-GB" dirty="0"/>
+              <a:t>Node Package Manager (NPM)</a:t>
             </a:r>
           </a:p>
         </p:txBody>
       </p:sp>
+      <p:pic>
+        <p:nvPicPr>
+          <p:cNvPr id="8194" name="Picture 2" descr="Image result for npm logo"/>
+          <p:cNvPicPr>
+            <a:picLocks noChangeAspect="1" noChangeArrowheads="1"/>
+          </p:cNvPicPr>
+          <p:nvPr/>
+        </p:nvPicPr>
+        <p:blipFill>
+          <a:blip r:embed="rId2">
+            <a:extLst>
+              <a:ext uri="{28A0092B-C50C-407E-A947-70E740481C1C}">
+                <a14:useLocalDpi xmlns:a14="http://schemas.microsoft.com/office/drawing/2010/main" val="0"/>
+              </a:ext>
+            </a:extLst>
+          </a:blip>
+          <a:srcRect/>
+          <a:stretch>
+            <a:fillRect/>
+          </a:stretch>
+        </p:blipFill>
+        <p:spPr bwMode="auto">
+          <a:xfrm>
+            <a:off x="4014439" y="2025225"/>
+            <a:ext cx="3847170" cy="1496789"/>
+          </a:xfrm>
+          <a:prstGeom prst="rect">
+            <a:avLst/>
+          </a:prstGeom>
+          <a:noFill/>
+          <a:extLst>
+            <a:ext uri="{909E8E84-426E-40DD-AFC4-6F175D3DCCD1}">
+              <a14:hiddenFill xmlns:a14="http://schemas.microsoft.com/office/drawing/2010/main">
+                <a:solidFill>
+                  <a:srgbClr val="FFFFFF"/>
+                </a:solidFill>
+              </a14:hiddenFill>
+            </a:ext>
+          </a:extLst>
+        </p:spPr>
+      </p:pic>
       <p:sp>
         <p:nvSpPr>
-          <p:cNvPr id="7" name="TextBox 6"/>
+          <p:cNvPr id="4" name="TextBox 3"/>
           <p:cNvSpPr txBox="1"/>
           <p:nvPr/>
         </p:nvSpPr>
         <p:spPr>
           <a:xfrm>
-            <a:off x="1016000" y="2069814"/>
-            <a:ext cx="10039928" cy="3785652"/>
+            <a:off x="1553132" y="4189874"/>
+            <a:ext cx="9085735" cy="1015663"/>
           </a:xfrm>
           <a:prstGeom prst="rect">
             <a:avLst/>
@@ -26873,442 +26878,23 @@
           <a:noFill/>
         </p:spPr>
         <p:txBody>
-          <a:bodyPr wrap="none" rtlCol="0">
+          <a:bodyPr wrap="square" rtlCol="0">
             <a:spAutoFit/>
           </a:bodyPr>
           <a:lstStyle/>
           <a:p>
             <a:r>
-              <a:rPr lang="en-US" sz="2400" dirty="0">
-                <a:solidFill>
-                  <a:srgbClr val="0000FF"/>
-                </a:solidFill>
-                <a:latin typeface="Consolas" panose="020B0609020204030204" pitchFamily="49" charset="0"/>
-              </a:rPr>
-              <a:t>function</a:t>
-            </a:r>
-            <a:r>
-              <a:rPr lang="en-US" sz="2400" dirty="0">
-                <a:solidFill>
-                  <a:srgbClr val="000000"/>
-                </a:solidFill>
-                <a:latin typeface="Consolas" panose="020B0609020204030204" pitchFamily="49" charset="0"/>
-              </a:rPr>
-              <a:t> Contact(first, last, phone) {</a:t>
-            </a:r>
-          </a:p>
-          <a:p>
-            <a:r>
-              <a:rPr lang="en-US" sz="2400" dirty="0">
-                <a:solidFill>
-                  <a:srgbClr val="000000"/>
-                </a:solidFill>
-                <a:latin typeface="Consolas" panose="020B0609020204030204" pitchFamily="49" charset="0"/>
-              </a:rPr>
-              <a:t>    </a:t>
-            </a:r>
-            <a:r>
-              <a:rPr lang="en-US" sz="2400" dirty="0" err="1">
-                <a:solidFill>
-                  <a:srgbClr val="0000FF"/>
-                </a:solidFill>
-                <a:latin typeface="Consolas" panose="020B0609020204030204" pitchFamily="49" charset="0"/>
-              </a:rPr>
-              <a:t>this.</a:t>
-            </a:r>
-            <a:r>
-              <a:rPr lang="en-US" sz="2400" dirty="0" err="1">
-                <a:solidFill>
-                  <a:srgbClr val="000000"/>
-                </a:solidFill>
-                <a:latin typeface="Consolas" panose="020B0609020204030204" pitchFamily="49" charset="0"/>
-              </a:rPr>
-              <a:t>firstName</a:t>
-            </a:r>
-            <a:r>
-              <a:rPr lang="en-US" sz="2400" dirty="0">
-                <a:solidFill>
-                  <a:srgbClr val="000000"/>
-                </a:solidFill>
-                <a:latin typeface="Consolas" panose="020B0609020204030204" pitchFamily="49" charset="0"/>
-              </a:rPr>
-              <a:t> = first;</a:t>
-            </a:r>
-          </a:p>
-          <a:p>
-            <a:r>
-              <a:rPr lang="en-US" sz="2400" dirty="0">
-                <a:solidFill>
-                  <a:srgbClr val="000000"/>
-                </a:solidFill>
-                <a:latin typeface="Consolas" panose="020B0609020204030204" pitchFamily="49" charset="0"/>
-              </a:rPr>
-              <a:t>    </a:t>
-            </a:r>
-            <a:r>
-              <a:rPr lang="en-US" sz="2400" dirty="0" err="1">
-                <a:solidFill>
-                  <a:srgbClr val="0000FF"/>
-                </a:solidFill>
-                <a:latin typeface="Consolas" panose="020B0609020204030204" pitchFamily="49" charset="0"/>
-              </a:rPr>
-              <a:t>this.</a:t>
-            </a:r>
-            <a:r>
-              <a:rPr lang="en-US" sz="2400" dirty="0" err="1">
-                <a:solidFill>
-                  <a:srgbClr val="000000"/>
-                </a:solidFill>
-                <a:latin typeface="Consolas" panose="020B0609020204030204" pitchFamily="49" charset="0"/>
-              </a:rPr>
-              <a:t>lastName</a:t>
-            </a:r>
-            <a:r>
-              <a:rPr lang="en-US" sz="2400" dirty="0">
-                <a:solidFill>
-                  <a:srgbClr val="000000"/>
-                </a:solidFill>
-                <a:latin typeface="Consolas" panose="020B0609020204030204" pitchFamily="49" charset="0"/>
-              </a:rPr>
-              <a:t> = last;</a:t>
-            </a:r>
-          </a:p>
-          <a:p>
-            <a:r>
-              <a:rPr lang="en-US" sz="2400" dirty="0">
-                <a:solidFill>
-                  <a:srgbClr val="000000"/>
-                </a:solidFill>
-                <a:latin typeface="Consolas" panose="020B0609020204030204" pitchFamily="49" charset="0"/>
-              </a:rPr>
-              <a:t>    </a:t>
-            </a:r>
-            <a:r>
-              <a:rPr lang="en-US" sz="2400" dirty="0" err="1">
-                <a:solidFill>
-                  <a:srgbClr val="0000FF"/>
-                </a:solidFill>
-                <a:latin typeface="Consolas" panose="020B0609020204030204" pitchFamily="49" charset="0"/>
-              </a:rPr>
-              <a:t>this.</a:t>
-            </a:r>
-            <a:r>
-              <a:rPr lang="en-US" sz="2400" dirty="0" err="1">
-                <a:solidFill>
-                  <a:srgbClr val="000000"/>
-                </a:solidFill>
-                <a:latin typeface="Consolas" panose="020B0609020204030204" pitchFamily="49" charset="0"/>
-              </a:rPr>
-              <a:t>phoneNumber</a:t>
-            </a:r>
-            <a:r>
-              <a:rPr lang="en-US" sz="2400" dirty="0">
-                <a:solidFill>
-                  <a:srgbClr val="000000"/>
-                </a:solidFill>
-                <a:latin typeface="Consolas" panose="020B0609020204030204" pitchFamily="49" charset="0"/>
-              </a:rPr>
-              <a:t> = phone;</a:t>
-            </a:r>
-          </a:p>
-          <a:p>
-            <a:r>
-              <a:rPr lang="en-US" sz="2400" dirty="0">
-                <a:solidFill>
-                  <a:srgbClr val="000000"/>
-                </a:solidFill>
-                <a:latin typeface="Consolas" panose="020B0609020204030204" pitchFamily="49" charset="0"/>
-              </a:rPr>
-              <a:t>    </a:t>
-            </a:r>
-            <a:r>
-              <a:rPr lang="en-US" sz="2400" dirty="0">
-                <a:solidFill>
-                  <a:srgbClr val="0000FF"/>
-                </a:solidFill>
-                <a:latin typeface="Consolas" panose="020B0609020204030204" pitchFamily="49" charset="0"/>
-              </a:rPr>
-              <a:t>this.</a:t>
-            </a:r>
-            <a:r>
-              <a:rPr lang="en-US" sz="2400" dirty="0">
-                <a:solidFill>
-                  <a:srgbClr val="000000"/>
-                </a:solidFill>
-                <a:latin typeface="Consolas" panose="020B0609020204030204" pitchFamily="49" charset="0"/>
-              </a:rPr>
-              <a:t>name = </a:t>
-            </a:r>
-            <a:r>
-              <a:rPr lang="en-US" sz="2400" dirty="0">
-                <a:solidFill>
-                  <a:srgbClr val="0000FF"/>
-                </a:solidFill>
-                <a:latin typeface="Consolas" panose="020B0609020204030204" pitchFamily="49" charset="0"/>
-              </a:rPr>
-              <a:t>function</a:t>
-            </a:r>
-            <a:r>
-              <a:rPr lang="en-US" sz="2400" dirty="0">
-                <a:solidFill>
-                  <a:srgbClr val="000000"/>
-                </a:solidFill>
-                <a:latin typeface="Consolas" panose="020B0609020204030204" pitchFamily="49" charset="0"/>
-              </a:rPr>
-              <a:t> () {</a:t>
-            </a:r>
-          </a:p>
-          <a:p>
-            <a:r>
-              <a:rPr lang="en-US" sz="2400" dirty="0">
-                <a:solidFill>
-                  <a:srgbClr val="000000"/>
-                </a:solidFill>
-                <a:latin typeface="Consolas" panose="020B0609020204030204" pitchFamily="49" charset="0"/>
-              </a:rPr>
-              <a:t>        </a:t>
-            </a:r>
-            <a:r>
-              <a:rPr lang="en-US" sz="2400" dirty="0">
-                <a:solidFill>
-                  <a:srgbClr val="0000FF"/>
-                </a:solidFill>
-                <a:latin typeface="Consolas" panose="020B0609020204030204" pitchFamily="49" charset="0"/>
-              </a:rPr>
-              <a:t>return</a:t>
-            </a:r>
-            <a:r>
-              <a:rPr lang="en-US" sz="2400" dirty="0">
-                <a:solidFill>
-                  <a:srgbClr val="000000"/>
-                </a:solidFill>
-                <a:latin typeface="Consolas" panose="020B0609020204030204" pitchFamily="49" charset="0"/>
-              </a:rPr>
-              <a:t> </a:t>
-            </a:r>
-            <a:r>
-              <a:rPr lang="en-US" sz="2400" dirty="0" err="1">
-                <a:solidFill>
-                  <a:srgbClr val="0000FF"/>
-                </a:solidFill>
-                <a:latin typeface="Consolas" panose="020B0609020204030204" pitchFamily="49" charset="0"/>
-              </a:rPr>
-              <a:t>this.</a:t>
-            </a:r>
-            <a:r>
-              <a:rPr lang="en-US" sz="2400" dirty="0" err="1">
-                <a:solidFill>
-                  <a:srgbClr val="000000"/>
-                </a:solidFill>
-                <a:latin typeface="Consolas" panose="020B0609020204030204" pitchFamily="49" charset="0"/>
-              </a:rPr>
-              <a:t>firstName</a:t>
-            </a:r>
-            <a:r>
-              <a:rPr lang="en-US" sz="2400" dirty="0">
-                <a:solidFill>
-                  <a:srgbClr val="000000"/>
-                </a:solidFill>
-                <a:latin typeface="Consolas" panose="020B0609020204030204" pitchFamily="49" charset="0"/>
-              </a:rPr>
-              <a:t> + </a:t>
-            </a:r>
-            <a:r>
-              <a:rPr lang="en-US" sz="2400" dirty="0">
-                <a:solidFill>
-                  <a:srgbClr val="A31515"/>
-                </a:solidFill>
-                <a:latin typeface="Consolas" panose="020B0609020204030204" pitchFamily="49" charset="0"/>
-              </a:rPr>
-              <a:t>" "</a:t>
-            </a:r>
-            <a:r>
-              <a:rPr lang="en-US" sz="2400" dirty="0">
-                <a:solidFill>
-                  <a:srgbClr val="000000"/>
-                </a:solidFill>
-                <a:latin typeface="Consolas" panose="020B0609020204030204" pitchFamily="49" charset="0"/>
-              </a:rPr>
-              <a:t> + </a:t>
-            </a:r>
-            <a:r>
-              <a:rPr lang="en-US" sz="2400" dirty="0" err="1">
-                <a:solidFill>
-                  <a:srgbClr val="0000FF"/>
-                </a:solidFill>
-                <a:latin typeface="Consolas" panose="020B0609020204030204" pitchFamily="49" charset="0"/>
-              </a:rPr>
-              <a:t>this.</a:t>
-            </a:r>
-            <a:r>
-              <a:rPr lang="en-US" sz="2400" dirty="0" err="1">
-                <a:solidFill>
-                  <a:srgbClr val="000000"/>
-                </a:solidFill>
-                <a:latin typeface="Consolas" panose="020B0609020204030204" pitchFamily="49" charset="0"/>
-              </a:rPr>
-              <a:t>lastName</a:t>
-            </a:r>
-            <a:r>
-              <a:rPr lang="en-US" sz="2400" dirty="0">
-                <a:solidFill>
-                  <a:srgbClr val="000000"/>
-                </a:solidFill>
-                <a:latin typeface="Consolas" panose="020B0609020204030204" pitchFamily="49" charset="0"/>
-              </a:rPr>
-              <a:t>;</a:t>
-            </a:r>
-          </a:p>
-          <a:p>
-            <a:r>
-              <a:rPr lang="en-US" sz="2400" dirty="0">
-                <a:solidFill>
-                  <a:srgbClr val="000000"/>
-                </a:solidFill>
-                <a:latin typeface="Consolas" panose="020B0609020204030204" pitchFamily="49" charset="0"/>
-              </a:rPr>
-              <a:t>    };</a:t>
-            </a:r>
-          </a:p>
-          <a:p>
-            <a:r>
-              <a:rPr lang="en-US" sz="2400" dirty="0">
-                <a:solidFill>
-                  <a:srgbClr val="000000"/>
-                </a:solidFill>
-                <a:latin typeface="Consolas" panose="020B0609020204030204" pitchFamily="49" charset="0"/>
-              </a:rPr>
-              <a:t>}</a:t>
-            </a:r>
-          </a:p>
-          <a:p>
-            <a:r>
-              <a:rPr lang="en-US" sz="2400" dirty="0" err="1">
-                <a:solidFill>
-                  <a:srgbClr val="0000FF"/>
-                </a:solidFill>
-                <a:latin typeface="Consolas" panose="020B0609020204030204" pitchFamily="49" charset="0"/>
-              </a:rPr>
-              <a:t>var</a:t>
-            </a:r>
-            <a:r>
-              <a:rPr lang="en-US" sz="2400" dirty="0">
-                <a:solidFill>
-                  <a:srgbClr val="000000"/>
-                </a:solidFill>
-                <a:latin typeface="Consolas" panose="020B0609020204030204" pitchFamily="49" charset="0"/>
-              </a:rPr>
-              <a:t> </a:t>
-            </a:r>
-            <a:r>
-              <a:rPr lang="en-US" sz="2400" dirty="0" err="1">
-                <a:solidFill>
-                  <a:srgbClr val="000000"/>
-                </a:solidFill>
-                <a:latin typeface="Consolas" panose="020B0609020204030204" pitchFamily="49" charset="0"/>
-              </a:rPr>
-              <a:t>theDude</a:t>
-            </a:r>
-            <a:r>
-              <a:rPr lang="en-US" sz="2400" dirty="0">
-                <a:solidFill>
-                  <a:srgbClr val="000000"/>
-                </a:solidFill>
-                <a:latin typeface="Consolas" panose="020B0609020204030204" pitchFamily="49" charset="0"/>
-              </a:rPr>
-              <a:t> = </a:t>
-            </a:r>
-            <a:r>
-              <a:rPr lang="en-US" sz="2400" dirty="0">
-                <a:solidFill>
-                  <a:srgbClr val="0000FF"/>
-                </a:solidFill>
-                <a:latin typeface="Consolas" panose="020B0609020204030204" pitchFamily="49" charset="0"/>
-              </a:rPr>
-              <a:t>new</a:t>
-            </a:r>
-            <a:r>
-              <a:rPr lang="en-US" sz="2400" dirty="0">
-                <a:solidFill>
-                  <a:srgbClr val="000000"/>
-                </a:solidFill>
-                <a:latin typeface="Consolas" panose="020B0609020204030204" pitchFamily="49" charset="0"/>
-              </a:rPr>
-              <a:t> Contact(</a:t>
-            </a:r>
-            <a:r>
-              <a:rPr lang="en-US" sz="2400" dirty="0">
-                <a:solidFill>
-                  <a:srgbClr val="A31515"/>
-                </a:solidFill>
-                <a:latin typeface="Consolas" panose="020B0609020204030204" pitchFamily="49" charset="0"/>
-              </a:rPr>
-              <a:t>"Jeff"</a:t>
-            </a:r>
-            <a:r>
-              <a:rPr lang="en-US" sz="2400" dirty="0">
-                <a:solidFill>
-                  <a:srgbClr val="000000"/>
-                </a:solidFill>
-                <a:latin typeface="Consolas" panose="020B0609020204030204" pitchFamily="49" charset="0"/>
-              </a:rPr>
-              <a:t>, </a:t>
-            </a:r>
-            <a:r>
-              <a:rPr lang="en-US" sz="2400" dirty="0">
-                <a:solidFill>
-                  <a:srgbClr val="A31515"/>
-                </a:solidFill>
-                <a:latin typeface="Consolas" panose="020B0609020204030204" pitchFamily="49" charset="0"/>
-              </a:rPr>
-              <a:t>"Bridges"</a:t>
-            </a:r>
-            <a:r>
-              <a:rPr lang="en-US" sz="2400" dirty="0">
-                <a:solidFill>
-                  <a:srgbClr val="000000"/>
-                </a:solidFill>
-                <a:latin typeface="Consolas" panose="020B0609020204030204" pitchFamily="49" charset="0"/>
-              </a:rPr>
-              <a:t>, </a:t>
-            </a:r>
-            <a:r>
-              <a:rPr lang="en-US" sz="2400" dirty="0">
-                <a:solidFill>
-                  <a:srgbClr val="A31515"/>
-                </a:solidFill>
-                <a:latin typeface="Consolas" panose="020B0609020204030204" pitchFamily="49" charset="0"/>
-              </a:rPr>
-              <a:t>"123456789"</a:t>
-            </a:r>
-            <a:r>
-              <a:rPr lang="en-US" sz="2400" dirty="0">
-                <a:solidFill>
-                  <a:srgbClr val="000000"/>
-                </a:solidFill>
-                <a:latin typeface="Consolas" panose="020B0609020204030204" pitchFamily="49" charset="0"/>
-              </a:rPr>
-              <a:t>);</a:t>
-            </a:r>
-          </a:p>
-          <a:p>
-            <a:r>
-              <a:rPr lang="en-US" sz="2400" dirty="0">
-                <a:solidFill>
-                  <a:srgbClr val="000000"/>
-                </a:solidFill>
-                <a:latin typeface="Consolas" panose="020B0609020204030204" pitchFamily="49" charset="0"/>
-              </a:rPr>
-              <a:t>console.log(theDude.name());</a:t>
-            </a:r>
-            <a:endParaRPr lang="en-US" sz="2400" dirty="0"/>
+              <a:rPr lang="en-US" sz="2000" dirty="0"/>
+              <a:t>npm is the default package manager for the JavaScript runtime environment Node.js and allows users to consume and distribute JavaScript modules that are available on the registry.</a:t>
+            </a:r>
+            <a:endParaRPr lang="en-GB" sz="2000" dirty="0"/>
           </a:p>
         </p:txBody>
       </p:sp>
     </p:spTree>
     <p:extLst>
       <p:ext uri="{BB962C8B-B14F-4D97-AF65-F5344CB8AC3E}">
-        <p14:creationId xmlns:p14="http://schemas.microsoft.com/office/powerpoint/2010/main" val="2959916388"/>
+        <p14:creationId xmlns:p14="http://schemas.microsoft.com/office/powerpoint/2010/main" val="3354612062"/>
       </p:ext>
     </p:extLst>
   </p:cSld>
@@ -27563,6 +27149,548 @@
 </file>
 
 <file path=ppt/slides/slide40.xml><?xml version="1.0" encoding="utf-8"?>
+<p:sld xmlns:a="http://schemas.openxmlformats.org/drawingml/2006/main" xmlns:r="http://schemas.openxmlformats.org/officeDocument/2006/relationships" xmlns:p="http://schemas.openxmlformats.org/presentationml/2006/main" show="0">
+  <p:cSld>
+    <p:spTree>
+      <p:nvGrpSpPr>
+        <p:cNvPr id="1" name=""/>
+        <p:cNvGrpSpPr/>
+        <p:nvPr/>
+      </p:nvGrpSpPr>
+      <p:grpSpPr>
+        <a:xfrm>
+          <a:off x="0" y="0"/>
+          <a:ext cx="0" cy="0"/>
+          <a:chOff x="0" y="0"/>
+          <a:chExt cx="0" cy="0"/>
+        </a:xfrm>
+      </p:grpSpPr>
+      <p:pic>
+        <p:nvPicPr>
+          <p:cNvPr id="4" name="Picture 2" descr="C:\Users\wmmih\AppData\Local\Temp\SNAGHTML1288bdde.PNG"/>
+          <p:cNvPicPr>
+            <a:picLocks noChangeAspect="1" noChangeArrowheads="1"/>
+          </p:cNvPicPr>
+          <p:nvPr/>
+        </p:nvPicPr>
+        <p:blipFill>
+          <a:blip r:embed="rId3">
+            <a:extLst>
+              <a:ext uri="{28A0092B-C50C-407E-A947-70E740481C1C}">
+                <a14:useLocalDpi xmlns:a14="http://schemas.microsoft.com/office/drawing/2010/main" val="0"/>
+              </a:ext>
+            </a:extLst>
+          </a:blip>
+          <a:srcRect/>
+          <a:stretch>
+            <a:fillRect/>
+          </a:stretch>
+        </p:blipFill>
+        <p:spPr bwMode="auto">
+          <a:xfrm>
+            <a:off x="433136" y="1485107"/>
+            <a:ext cx="11389895" cy="5164346"/>
+          </a:xfrm>
+          <a:prstGeom prst="rect">
+            <a:avLst/>
+          </a:prstGeom>
+          <a:noFill/>
+          <a:extLst>
+            <a:ext uri="{909E8E84-426E-40DD-AFC4-6F175D3DCCD1}">
+              <a14:hiddenFill xmlns:a14="http://schemas.microsoft.com/office/drawing/2010/main">
+                <a:solidFill>
+                  <a:srgbClr val="FFFFFF"/>
+                </a:solidFill>
+              </a14:hiddenFill>
+            </a:ext>
+          </a:extLst>
+        </p:spPr>
+      </p:pic>
+      <p:sp>
+        <p:nvSpPr>
+          <p:cNvPr id="2" name="Title 1"/>
+          <p:cNvSpPr>
+            <a:spLocks noGrp="1"/>
+          </p:cNvSpPr>
+          <p:nvPr>
+            <p:ph type="title"/>
+          </p:nvPr>
+        </p:nvSpPr>
+        <p:spPr/>
+        <p:txBody>
+          <a:bodyPr/>
+          <a:lstStyle/>
+          <a:p>
+            <a:r>
+              <a:rPr lang="en-US" dirty="0"/>
+              <a:t>JavaScript – modules</a:t>
+            </a:r>
+          </a:p>
+        </p:txBody>
+      </p:sp>
+      <p:sp>
+        <p:nvSpPr>
+          <p:cNvPr id="7" name="TextBox 6"/>
+          <p:cNvSpPr txBox="1"/>
+          <p:nvPr/>
+        </p:nvSpPr>
+        <p:spPr>
+          <a:xfrm>
+            <a:off x="1016000" y="2069814"/>
+            <a:ext cx="10039928" cy="3785652"/>
+          </a:xfrm>
+          <a:prstGeom prst="rect">
+            <a:avLst/>
+          </a:prstGeom>
+          <a:noFill/>
+        </p:spPr>
+        <p:txBody>
+          <a:bodyPr wrap="none" rtlCol="0">
+            <a:spAutoFit/>
+          </a:bodyPr>
+          <a:lstStyle/>
+          <a:p>
+            <a:r>
+              <a:rPr lang="en-US" sz="2400" dirty="0">
+                <a:solidFill>
+                  <a:srgbClr val="0000FF"/>
+                </a:solidFill>
+                <a:latin typeface="Consolas" panose="020B0609020204030204" pitchFamily="49" charset="0"/>
+              </a:rPr>
+              <a:t>function</a:t>
+            </a:r>
+            <a:r>
+              <a:rPr lang="en-US" sz="2400" dirty="0">
+                <a:solidFill>
+                  <a:srgbClr val="000000"/>
+                </a:solidFill>
+                <a:latin typeface="Consolas" panose="020B0609020204030204" pitchFamily="49" charset="0"/>
+              </a:rPr>
+              <a:t> Contact(first, last, phone) {</a:t>
+            </a:r>
+          </a:p>
+          <a:p>
+            <a:r>
+              <a:rPr lang="en-US" sz="2400" dirty="0">
+                <a:solidFill>
+                  <a:srgbClr val="000000"/>
+                </a:solidFill>
+                <a:latin typeface="Consolas" panose="020B0609020204030204" pitchFamily="49" charset="0"/>
+              </a:rPr>
+              <a:t>    </a:t>
+            </a:r>
+            <a:r>
+              <a:rPr lang="en-US" sz="2400" dirty="0" err="1">
+                <a:solidFill>
+                  <a:srgbClr val="0000FF"/>
+                </a:solidFill>
+                <a:latin typeface="Consolas" panose="020B0609020204030204" pitchFamily="49" charset="0"/>
+              </a:rPr>
+              <a:t>this.</a:t>
+            </a:r>
+            <a:r>
+              <a:rPr lang="en-US" sz="2400" dirty="0" err="1">
+                <a:solidFill>
+                  <a:srgbClr val="000000"/>
+                </a:solidFill>
+                <a:latin typeface="Consolas" panose="020B0609020204030204" pitchFamily="49" charset="0"/>
+              </a:rPr>
+              <a:t>firstName</a:t>
+            </a:r>
+            <a:r>
+              <a:rPr lang="en-US" sz="2400" dirty="0">
+                <a:solidFill>
+                  <a:srgbClr val="000000"/>
+                </a:solidFill>
+                <a:latin typeface="Consolas" panose="020B0609020204030204" pitchFamily="49" charset="0"/>
+              </a:rPr>
+              <a:t> = first;</a:t>
+            </a:r>
+          </a:p>
+          <a:p>
+            <a:r>
+              <a:rPr lang="en-US" sz="2400" dirty="0">
+                <a:solidFill>
+                  <a:srgbClr val="000000"/>
+                </a:solidFill>
+                <a:latin typeface="Consolas" panose="020B0609020204030204" pitchFamily="49" charset="0"/>
+              </a:rPr>
+              <a:t>    </a:t>
+            </a:r>
+            <a:r>
+              <a:rPr lang="en-US" sz="2400" dirty="0" err="1">
+                <a:solidFill>
+                  <a:srgbClr val="0000FF"/>
+                </a:solidFill>
+                <a:latin typeface="Consolas" panose="020B0609020204030204" pitchFamily="49" charset="0"/>
+              </a:rPr>
+              <a:t>this.</a:t>
+            </a:r>
+            <a:r>
+              <a:rPr lang="en-US" sz="2400" dirty="0" err="1">
+                <a:solidFill>
+                  <a:srgbClr val="000000"/>
+                </a:solidFill>
+                <a:latin typeface="Consolas" panose="020B0609020204030204" pitchFamily="49" charset="0"/>
+              </a:rPr>
+              <a:t>lastName</a:t>
+            </a:r>
+            <a:r>
+              <a:rPr lang="en-US" sz="2400" dirty="0">
+                <a:solidFill>
+                  <a:srgbClr val="000000"/>
+                </a:solidFill>
+                <a:latin typeface="Consolas" panose="020B0609020204030204" pitchFamily="49" charset="0"/>
+              </a:rPr>
+              <a:t> = last;</a:t>
+            </a:r>
+          </a:p>
+          <a:p>
+            <a:r>
+              <a:rPr lang="en-US" sz="2400" dirty="0">
+                <a:solidFill>
+                  <a:srgbClr val="000000"/>
+                </a:solidFill>
+                <a:latin typeface="Consolas" panose="020B0609020204030204" pitchFamily="49" charset="0"/>
+              </a:rPr>
+              <a:t>    </a:t>
+            </a:r>
+            <a:r>
+              <a:rPr lang="en-US" sz="2400" dirty="0" err="1">
+                <a:solidFill>
+                  <a:srgbClr val="0000FF"/>
+                </a:solidFill>
+                <a:latin typeface="Consolas" panose="020B0609020204030204" pitchFamily="49" charset="0"/>
+              </a:rPr>
+              <a:t>this.</a:t>
+            </a:r>
+            <a:r>
+              <a:rPr lang="en-US" sz="2400" dirty="0" err="1">
+                <a:solidFill>
+                  <a:srgbClr val="000000"/>
+                </a:solidFill>
+                <a:latin typeface="Consolas" panose="020B0609020204030204" pitchFamily="49" charset="0"/>
+              </a:rPr>
+              <a:t>phoneNumber</a:t>
+            </a:r>
+            <a:r>
+              <a:rPr lang="en-US" sz="2400" dirty="0">
+                <a:solidFill>
+                  <a:srgbClr val="000000"/>
+                </a:solidFill>
+                <a:latin typeface="Consolas" panose="020B0609020204030204" pitchFamily="49" charset="0"/>
+              </a:rPr>
+              <a:t> = phone;</a:t>
+            </a:r>
+          </a:p>
+          <a:p>
+            <a:r>
+              <a:rPr lang="en-US" sz="2400" dirty="0">
+                <a:solidFill>
+                  <a:srgbClr val="000000"/>
+                </a:solidFill>
+                <a:latin typeface="Consolas" panose="020B0609020204030204" pitchFamily="49" charset="0"/>
+              </a:rPr>
+              <a:t>    </a:t>
+            </a:r>
+            <a:r>
+              <a:rPr lang="en-US" sz="2400" dirty="0">
+                <a:solidFill>
+                  <a:srgbClr val="0000FF"/>
+                </a:solidFill>
+                <a:latin typeface="Consolas" panose="020B0609020204030204" pitchFamily="49" charset="0"/>
+              </a:rPr>
+              <a:t>this.</a:t>
+            </a:r>
+            <a:r>
+              <a:rPr lang="en-US" sz="2400" dirty="0">
+                <a:solidFill>
+                  <a:srgbClr val="000000"/>
+                </a:solidFill>
+                <a:latin typeface="Consolas" panose="020B0609020204030204" pitchFamily="49" charset="0"/>
+              </a:rPr>
+              <a:t>name = </a:t>
+            </a:r>
+            <a:r>
+              <a:rPr lang="en-US" sz="2400" dirty="0">
+                <a:solidFill>
+                  <a:srgbClr val="0000FF"/>
+                </a:solidFill>
+                <a:latin typeface="Consolas" panose="020B0609020204030204" pitchFamily="49" charset="0"/>
+              </a:rPr>
+              <a:t>function</a:t>
+            </a:r>
+            <a:r>
+              <a:rPr lang="en-US" sz="2400" dirty="0">
+                <a:solidFill>
+                  <a:srgbClr val="000000"/>
+                </a:solidFill>
+                <a:latin typeface="Consolas" panose="020B0609020204030204" pitchFamily="49" charset="0"/>
+              </a:rPr>
+              <a:t> () {</a:t>
+            </a:r>
+          </a:p>
+          <a:p>
+            <a:r>
+              <a:rPr lang="en-US" sz="2400" dirty="0">
+                <a:solidFill>
+                  <a:srgbClr val="000000"/>
+                </a:solidFill>
+                <a:latin typeface="Consolas" panose="020B0609020204030204" pitchFamily="49" charset="0"/>
+              </a:rPr>
+              <a:t>        </a:t>
+            </a:r>
+            <a:r>
+              <a:rPr lang="en-US" sz="2400" dirty="0">
+                <a:solidFill>
+                  <a:srgbClr val="0000FF"/>
+                </a:solidFill>
+                <a:latin typeface="Consolas" panose="020B0609020204030204" pitchFamily="49" charset="0"/>
+              </a:rPr>
+              <a:t>return</a:t>
+            </a:r>
+            <a:r>
+              <a:rPr lang="en-US" sz="2400" dirty="0">
+                <a:solidFill>
+                  <a:srgbClr val="000000"/>
+                </a:solidFill>
+                <a:latin typeface="Consolas" panose="020B0609020204030204" pitchFamily="49" charset="0"/>
+              </a:rPr>
+              <a:t> </a:t>
+            </a:r>
+            <a:r>
+              <a:rPr lang="en-US" sz="2400" dirty="0" err="1">
+                <a:solidFill>
+                  <a:srgbClr val="0000FF"/>
+                </a:solidFill>
+                <a:latin typeface="Consolas" panose="020B0609020204030204" pitchFamily="49" charset="0"/>
+              </a:rPr>
+              <a:t>this.</a:t>
+            </a:r>
+            <a:r>
+              <a:rPr lang="en-US" sz="2400" dirty="0" err="1">
+                <a:solidFill>
+                  <a:srgbClr val="000000"/>
+                </a:solidFill>
+                <a:latin typeface="Consolas" panose="020B0609020204030204" pitchFamily="49" charset="0"/>
+              </a:rPr>
+              <a:t>firstName</a:t>
+            </a:r>
+            <a:r>
+              <a:rPr lang="en-US" sz="2400" dirty="0">
+                <a:solidFill>
+                  <a:srgbClr val="000000"/>
+                </a:solidFill>
+                <a:latin typeface="Consolas" panose="020B0609020204030204" pitchFamily="49" charset="0"/>
+              </a:rPr>
+              <a:t> + </a:t>
+            </a:r>
+            <a:r>
+              <a:rPr lang="en-US" sz="2400" dirty="0">
+                <a:solidFill>
+                  <a:srgbClr val="A31515"/>
+                </a:solidFill>
+                <a:latin typeface="Consolas" panose="020B0609020204030204" pitchFamily="49" charset="0"/>
+              </a:rPr>
+              <a:t>" "</a:t>
+            </a:r>
+            <a:r>
+              <a:rPr lang="en-US" sz="2400" dirty="0">
+                <a:solidFill>
+                  <a:srgbClr val="000000"/>
+                </a:solidFill>
+                <a:latin typeface="Consolas" panose="020B0609020204030204" pitchFamily="49" charset="0"/>
+              </a:rPr>
+              <a:t> + </a:t>
+            </a:r>
+            <a:r>
+              <a:rPr lang="en-US" sz="2400" dirty="0" err="1">
+                <a:solidFill>
+                  <a:srgbClr val="0000FF"/>
+                </a:solidFill>
+                <a:latin typeface="Consolas" panose="020B0609020204030204" pitchFamily="49" charset="0"/>
+              </a:rPr>
+              <a:t>this.</a:t>
+            </a:r>
+            <a:r>
+              <a:rPr lang="en-US" sz="2400" dirty="0" err="1">
+                <a:solidFill>
+                  <a:srgbClr val="000000"/>
+                </a:solidFill>
+                <a:latin typeface="Consolas" panose="020B0609020204030204" pitchFamily="49" charset="0"/>
+              </a:rPr>
+              <a:t>lastName</a:t>
+            </a:r>
+            <a:r>
+              <a:rPr lang="en-US" sz="2400" dirty="0">
+                <a:solidFill>
+                  <a:srgbClr val="000000"/>
+                </a:solidFill>
+                <a:latin typeface="Consolas" panose="020B0609020204030204" pitchFamily="49" charset="0"/>
+              </a:rPr>
+              <a:t>;</a:t>
+            </a:r>
+          </a:p>
+          <a:p>
+            <a:r>
+              <a:rPr lang="en-US" sz="2400" dirty="0">
+                <a:solidFill>
+                  <a:srgbClr val="000000"/>
+                </a:solidFill>
+                <a:latin typeface="Consolas" panose="020B0609020204030204" pitchFamily="49" charset="0"/>
+              </a:rPr>
+              <a:t>    };</a:t>
+            </a:r>
+          </a:p>
+          <a:p>
+            <a:r>
+              <a:rPr lang="en-US" sz="2400" dirty="0">
+                <a:solidFill>
+                  <a:srgbClr val="000000"/>
+                </a:solidFill>
+                <a:latin typeface="Consolas" panose="020B0609020204030204" pitchFamily="49" charset="0"/>
+              </a:rPr>
+              <a:t>}</a:t>
+            </a:r>
+          </a:p>
+          <a:p>
+            <a:r>
+              <a:rPr lang="en-US" sz="2400" dirty="0" err="1">
+                <a:solidFill>
+                  <a:srgbClr val="0000FF"/>
+                </a:solidFill>
+                <a:latin typeface="Consolas" panose="020B0609020204030204" pitchFamily="49" charset="0"/>
+              </a:rPr>
+              <a:t>var</a:t>
+            </a:r>
+            <a:r>
+              <a:rPr lang="en-US" sz="2400" dirty="0">
+                <a:solidFill>
+                  <a:srgbClr val="000000"/>
+                </a:solidFill>
+                <a:latin typeface="Consolas" panose="020B0609020204030204" pitchFamily="49" charset="0"/>
+              </a:rPr>
+              <a:t> </a:t>
+            </a:r>
+            <a:r>
+              <a:rPr lang="en-US" sz="2400" dirty="0" err="1">
+                <a:solidFill>
+                  <a:srgbClr val="000000"/>
+                </a:solidFill>
+                <a:latin typeface="Consolas" panose="020B0609020204030204" pitchFamily="49" charset="0"/>
+              </a:rPr>
+              <a:t>theDude</a:t>
+            </a:r>
+            <a:r>
+              <a:rPr lang="en-US" sz="2400" dirty="0">
+                <a:solidFill>
+                  <a:srgbClr val="000000"/>
+                </a:solidFill>
+                <a:latin typeface="Consolas" panose="020B0609020204030204" pitchFamily="49" charset="0"/>
+              </a:rPr>
+              <a:t> = </a:t>
+            </a:r>
+            <a:r>
+              <a:rPr lang="en-US" sz="2400" dirty="0">
+                <a:solidFill>
+                  <a:srgbClr val="0000FF"/>
+                </a:solidFill>
+                <a:latin typeface="Consolas" panose="020B0609020204030204" pitchFamily="49" charset="0"/>
+              </a:rPr>
+              <a:t>new</a:t>
+            </a:r>
+            <a:r>
+              <a:rPr lang="en-US" sz="2400" dirty="0">
+                <a:solidFill>
+                  <a:srgbClr val="000000"/>
+                </a:solidFill>
+                <a:latin typeface="Consolas" panose="020B0609020204030204" pitchFamily="49" charset="0"/>
+              </a:rPr>
+              <a:t> Contact(</a:t>
+            </a:r>
+            <a:r>
+              <a:rPr lang="en-US" sz="2400" dirty="0">
+                <a:solidFill>
+                  <a:srgbClr val="A31515"/>
+                </a:solidFill>
+                <a:latin typeface="Consolas" panose="020B0609020204030204" pitchFamily="49" charset="0"/>
+              </a:rPr>
+              <a:t>"Jeff"</a:t>
+            </a:r>
+            <a:r>
+              <a:rPr lang="en-US" sz="2400" dirty="0">
+                <a:solidFill>
+                  <a:srgbClr val="000000"/>
+                </a:solidFill>
+                <a:latin typeface="Consolas" panose="020B0609020204030204" pitchFamily="49" charset="0"/>
+              </a:rPr>
+              <a:t>, </a:t>
+            </a:r>
+            <a:r>
+              <a:rPr lang="en-US" sz="2400" dirty="0">
+                <a:solidFill>
+                  <a:srgbClr val="A31515"/>
+                </a:solidFill>
+                <a:latin typeface="Consolas" panose="020B0609020204030204" pitchFamily="49" charset="0"/>
+              </a:rPr>
+              <a:t>"Bridges"</a:t>
+            </a:r>
+            <a:r>
+              <a:rPr lang="en-US" sz="2400" dirty="0">
+                <a:solidFill>
+                  <a:srgbClr val="000000"/>
+                </a:solidFill>
+                <a:latin typeface="Consolas" panose="020B0609020204030204" pitchFamily="49" charset="0"/>
+              </a:rPr>
+              <a:t>, </a:t>
+            </a:r>
+            <a:r>
+              <a:rPr lang="en-US" sz="2400" dirty="0">
+                <a:solidFill>
+                  <a:srgbClr val="A31515"/>
+                </a:solidFill>
+                <a:latin typeface="Consolas" panose="020B0609020204030204" pitchFamily="49" charset="0"/>
+              </a:rPr>
+              <a:t>"123456789"</a:t>
+            </a:r>
+            <a:r>
+              <a:rPr lang="en-US" sz="2400" dirty="0">
+                <a:solidFill>
+                  <a:srgbClr val="000000"/>
+                </a:solidFill>
+                <a:latin typeface="Consolas" panose="020B0609020204030204" pitchFamily="49" charset="0"/>
+              </a:rPr>
+              <a:t>);</a:t>
+            </a:r>
+          </a:p>
+          <a:p>
+            <a:r>
+              <a:rPr lang="en-US" sz="2400" dirty="0">
+                <a:solidFill>
+                  <a:srgbClr val="000000"/>
+                </a:solidFill>
+                <a:latin typeface="Consolas" panose="020B0609020204030204" pitchFamily="49" charset="0"/>
+              </a:rPr>
+              <a:t>console.log(theDude.name());</a:t>
+            </a:r>
+            <a:endParaRPr lang="en-US" sz="2400" dirty="0"/>
+          </a:p>
+        </p:txBody>
+      </p:sp>
+    </p:spTree>
+    <p:extLst>
+      <p:ext uri="{BB962C8B-B14F-4D97-AF65-F5344CB8AC3E}">
+        <p14:creationId xmlns:p14="http://schemas.microsoft.com/office/powerpoint/2010/main" val="2959916388"/>
+      </p:ext>
+    </p:extLst>
+  </p:cSld>
+  <p:clrMapOvr>
+    <a:masterClrMapping/>
+  </p:clrMapOvr>
+</p:sld>
+</file>
+
+<file path=ppt/slides/slide41.xml><?xml version="1.0" encoding="utf-8"?>
 <p:sld xmlns:a="http://schemas.openxmlformats.org/drawingml/2006/main" xmlns:r="http://schemas.openxmlformats.org/officeDocument/2006/relationships" xmlns:p="http://schemas.openxmlformats.org/presentationml/2006/main">
   <p:cSld>
     <p:spTree>

--- a/presentation/IoT Bootcamp.pptx
+++ b/presentation/IoT Bootcamp.pptx
@@ -6,7 +6,7 @@
     <p:sldMasterId id="2147483662" r:id="rId2"/>
   </p:sldMasterIdLst>
   <p:notesMasterIdLst>
-    <p:notesMasterId r:id="rId44"/>
+    <p:notesMasterId r:id="rId38"/>
   </p:notesMasterIdLst>
   <p:sldIdLst>
     <p:sldId id="335" r:id="rId3"/>
@@ -23,33 +23,27 @@
     <p:sldId id="343" r:id="rId14"/>
     <p:sldId id="260" r:id="rId15"/>
     <p:sldId id="333" r:id="rId16"/>
-    <p:sldId id="331" r:id="rId17"/>
-    <p:sldId id="332" r:id="rId18"/>
-    <p:sldId id="330" r:id="rId19"/>
-    <p:sldId id="261" r:id="rId20"/>
-    <p:sldId id="263" r:id="rId21"/>
-    <p:sldId id="264" r:id="rId22"/>
-    <p:sldId id="265" r:id="rId23"/>
-    <p:sldId id="266" r:id="rId24"/>
-    <p:sldId id="268" r:id="rId25"/>
-    <p:sldId id="267" r:id="rId26"/>
-    <p:sldId id="269" r:id="rId27"/>
-    <p:sldId id="270" r:id="rId28"/>
-    <p:sldId id="271" r:id="rId29"/>
-    <p:sldId id="272" r:id="rId30"/>
-    <p:sldId id="273" r:id="rId31"/>
-    <p:sldId id="274" r:id="rId32"/>
-    <p:sldId id="316" r:id="rId33"/>
-    <p:sldId id="275" r:id="rId34"/>
-    <p:sldId id="317" r:id="rId35"/>
-    <p:sldId id="318" r:id="rId36"/>
-    <p:sldId id="319" r:id="rId37"/>
-    <p:sldId id="320" r:id="rId38"/>
-    <p:sldId id="328" r:id="rId39"/>
-    <p:sldId id="334" r:id="rId40"/>
-    <p:sldId id="344" r:id="rId41"/>
-    <p:sldId id="279" r:id="rId42"/>
-    <p:sldId id="280" r:id="rId43"/>
+    <p:sldId id="330" r:id="rId17"/>
+    <p:sldId id="261" r:id="rId18"/>
+    <p:sldId id="263" r:id="rId19"/>
+    <p:sldId id="264" r:id="rId20"/>
+    <p:sldId id="266" r:id="rId21"/>
+    <p:sldId id="268" r:id="rId22"/>
+    <p:sldId id="267" r:id="rId23"/>
+    <p:sldId id="271" r:id="rId24"/>
+    <p:sldId id="272" r:id="rId25"/>
+    <p:sldId id="273" r:id="rId26"/>
+    <p:sldId id="274" r:id="rId27"/>
+    <p:sldId id="316" r:id="rId28"/>
+    <p:sldId id="275" r:id="rId29"/>
+    <p:sldId id="317" r:id="rId30"/>
+    <p:sldId id="318" r:id="rId31"/>
+    <p:sldId id="319" r:id="rId32"/>
+    <p:sldId id="320" r:id="rId33"/>
+    <p:sldId id="328" r:id="rId34"/>
+    <p:sldId id="334" r:id="rId35"/>
+    <p:sldId id="344" r:id="rId36"/>
+    <p:sldId id="280" r:id="rId37"/>
   </p:sldIdLst>
   <p:sldSz cx="12192000" cy="6858000"/>
   <p:notesSz cx="6858000" cy="9144000"/>
@@ -662,7 +656,7 @@
           <a:p>
             <a:fld id="{7FB44AF9-6A08-4C3A-94E4-CB0AC0068279}" type="slidenum">
               <a:rPr lang="sv-SE" smtClean="0"/>
-              <a:t>25</a:t>
+              <a:t>23</a:t>
             </a:fld>
             <a:endParaRPr lang="sv-SE"/>
           </a:p>
@@ -671,7 +665,7 @@
     </p:spTree>
     <p:extLst>
       <p:ext uri="{BB962C8B-B14F-4D97-AF65-F5344CB8AC3E}">
-        <p14:creationId xmlns:p14="http://schemas.microsoft.com/office/powerpoint/2010/main" val="1905321272"/>
+        <p14:creationId xmlns:p14="http://schemas.microsoft.com/office/powerpoint/2010/main" val="774605360"/>
       </p:ext>
     </p:extLst>
   </p:cSld>
@@ -746,7 +740,7 @@
           <a:p>
             <a:fld id="{7FB44AF9-6A08-4C3A-94E4-CB0AC0068279}" type="slidenum">
               <a:rPr lang="sv-SE" smtClean="0"/>
-              <a:t>26</a:t>
+              <a:t>24</a:t>
             </a:fld>
             <a:endParaRPr lang="sv-SE"/>
           </a:p>
@@ -755,7 +749,7 @@
     </p:spTree>
     <p:extLst>
       <p:ext uri="{BB962C8B-B14F-4D97-AF65-F5344CB8AC3E}">
-        <p14:creationId xmlns:p14="http://schemas.microsoft.com/office/powerpoint/2010/main" val="2685478125"/>
+        <p14:creationId xmlns:p14="http://schemas.microsoft.com/office/powerpoint/2010/main" val="196397718"/>
       </p:ext>
     </p:extLst>
   </p:cSld>
@@ -830,7 +824,7 @@
           <a:p>
             <a:fld id="{7FB44AF9-6A08-4C3A-94E4-CB0AC0068279}" type="slidenum">
               <a:rPr lang="sv-SE" smtClean="0"/>
-              <a:t>27</a:t>
+              <a:t>25</a:t>
             </a:fld>
             <a:endParaRPr lang="sv-SE"/>
           </a:p>
@@ -839,7 +833,7 @@
     </p:spTree>
     <p:extLst>
       <p:ext uri="{BB962C8B-B14F-4D97-AF65-F5344CB8AC3E}">
-        <p14:creationId xmlns:p14="http://schemas.microsoft.com/office/powerpoint/2010/main" val="3315574391"/>
+        <p14:creationId xmlns:p14="http://schemas.microsoft.com/office/powerpoint/2010/main" val="2798807907"/>
       </p:ext>
     </p:extLst>
   </p:cSld>
@@ -914,7 +908,7 @@
           <a:p>
             <a:fld id="{7FB44AF9-6A08-4C3A-94E4-CB0AC0068279}" type="slidenum">
               <a:rPr lang="sv-SE" smtClean="0"/>
-              <a:t>28</a:t>
+              <a:t>27</a:t>
             </a:fld>
             <a:endParaRPr lang="sv-SE"/>
           </a:p>
@@ -923,7 +917,7 @@
     </p:spTree>
     <p:extLst>
       <p:ext uri="{BB962C8B-B14F-4D97-AF65-F5344CB8AC3E}">
-        <p14:creationId xmlns:p14="http://schemas.microsoft.com/office/powerpoint/2010/main" val="774605360"/>
+        <p14:creationId xmlns:p14="http://schemas.microsoft.com/office/powerpoint/2010/main" val="1339243257"/>
       </p:ext>
     </p:extLst>
   </p:cSld>
@@ -998,7 +992,7 @@
           <a:p>
             <a:fld id="{7FB44AF9-6A08-4C3A-94E4-CB0AC0068279}" type="slidenum">
               <a:rPr lang="sv-SE" smtClean="0"/>
-              <a:t>29</a:t>
+              <a:t>28</a:t>
             </a:fld>
             <a:endParaRPr lang="sv-SE"/>
           </a:p>
@@ -1007,7 +1001,7 @@
     </p:spTree>
     <p:extLst>
       <p:ext uri="{BB962C8B-B14F-4D97-AF65-F5344CB8AC3E}">
-        <p14:creationId xmlns:p14="http://schemas.microsoft.com/office/powerpoint/2010/main" val="196397718"/>
+        <p14:creationId xmlns:p14="http://schemas.microsoft.com/office/powerpoint/2010/main" val="1349630692"/>
       </p:ext>
     </p:extLst>
   </p:cSld>
@@ -1082,7 +1076,7 @@
           <a:p>
             <a:fld id="{7FB44AF9-6A08-4C3A-94E4-CB0AC0068279}" type="slidenum">
               <a:rPr lang="sv-SE" smtClean="0"/>
-              <a:t>30</a:t>
+              <a:t>29</a:t>
             </a:fld>
             <a:endParaRPr lang="sv-SE"/>
           </a:p>
@@ -1091,7 +1085,7 @@
     </p:spTree>
     <p:extLst>
       <p:ext uri="{BB962C8B-B14F-4D97-AF65-F5344CB8AC3E}">
-        <p14:creationId xmlns:p14="http://schemas.microsoft.com/office/powerpoint/2010/main" val="2798807907"/>
+        <p14:creationId xmlns:p14="http://schemas.microsoft.com/office/powerpoint/2010/main" val="4082489653"/>
       </p:ext>
     </p:extLst>
   </p:cSld>
@@ -1166,7 +1160,7 @@
           <a:p>
             <a:fld id="{7FB44AF9-6A08-4C3A-94E4-CB0AC0068279}" type="slidenum">
               <a:rPr lang="sv-SE" smtClean="0"/>
-              <a:t>32</a:t>
+              <a:t>31</a:t>
             </a:fld>
             <a:endParaRPr lang="sv-SE"/>
           </a:p>
@@ -1175,7 +1169,7 @@
     </p:spTree>
     <p:extLst>
       <p:ext uri="{BB962C8B-B14F-4D97-AF65-F5344CB8AC3E}">
-        <p14:creationId xmlns:p14="http://schemas.microsoft.com/office/powerpoint/2010/main" val="1339243257"/>
+        <p14:creationId xmlns:p14="http://schemas.microsoft.com/office/powerpoint/2010/main" val="348381579"/>
       </p:ext>
     </p:extLst>
   </p:cSld>
@@ -1231,6 +1225,650 @@
           <a:p>
             <a:endParaRPr lang="sv-SE" dirty="0"/>
           </a:p>
+          <a:p>
+            <a:endParaRPr lang="sv-SE" dirty="0"/>
+          </a:p>
+          <a:p>
+            <a:endParaRPr lang="sv-SE" dirty="0"/>
+          </a:p>
+          <a:p>
+            <a:r>
+              <a:rPr lang="sv-SE" dirty="0"/>
+              <a:t>'</a:t>
+            </a:r>
+            <a:r>
+              <a:rPr lang="sv-SE" dirty="0" err="1"/>
+              <a:t>use</a:t>
+            </a:r>
+            <a:r>
+              <a:rPr lang="sv-SE" dirty="0"/>
+              <a:t> </a:t>
+            </a:r>
+            <a:r>
+              <a:rPr lang="sv-SE" dirty="0" err="1"/>
+              <a:t>strict</a:t>
+            </a:r>
+            <a:r>
+              <a:rPr lang="sv-SE" dirty="0"/>
+              <a:t>'</a:t>
+            </a:r>
+          </a:p>
+          <a:p>
+            <a:endParaRPr lang="sv-SE" dirty="0"/>
+          </a:p>
+          <a:p>
+            <a:r>
+              <a:rPr lang="sv-SE" dirty="0" err="1"/>
+              <a:t>const</a:t>
+            </a:r>
+            <a:r>
+              <a:rPr lang="sv-SE" dirty="0"/>
+              <a:t> VAT = 0.2;</a:t>
+            </a:r>
+          </a:p>
+          <a:p>
+            <a:r>
+              <a:rPr lang="sv-SE" dirty="0" err="1"/>
+              <a:t>const</a:t>
+            </a:r>
+            <a:r>
+              <a:rPr lang="sv-SE" dirty="0"/>
+              <a:t> PRODUCTS = [</a:t>
+            </a:r>
+          </a:p>
+          <a:p>
+            <a:r>
+              <a:rPr lang="sv-SE" dirty="0"/>
+              <a:t>    {id:1, </a:t>
+            </a:r>
+            <a:r>
+              <a:rPr lang="sv-SE" dirty="0" err="1"/>
+              <a:t>name</a:t>
+            </a:r>
+            <a:r>
+              <a:rPr lang="sv-SE" dirty="0"/>
+              <a:t>:"Fazer Kexchoklad", price:12.4},</a:t>
+            </a:r>
+          </a:p>
+          <a:p>
+            <a:r>
+              <a:rPr lang="sv-SE" dirty="0"/>
+              <a:t>    {id:2, </a:t>
+            </a:r>
+            <a:r>
+              <a:rPr lang="sv-SE" dirty="0" err="1"/>
+              <a:t>name</a:t>
+            </a:r>
+            <a:r>
+              <a:rPr lang="sv-SE" dirty="0"/>
+              <a:t>:"Snickers", price:8.2},</a:t>
+            </a:r>
+          </a:p>
+          <a:p>
+            <a:r>
+              <a:rPr lang="sv-SE" dirty="0"/>
+              <a:t>    {id:3, </a:t>
+            </a:r>
+            <a:r>
+              <a:rPr lang="sv-SE" dirty="0" err="1"/>
+              <a:t>name</a:t>
+            </a:r>
+            <a:r>
+              <a:rPr lang="sv-SE" dirty="0"/>
+              <a:t>:"</a:t>
+            </a:r>
+            <a:r>
+              <a:rPr lang="sv-SE" dirty="0" err="1"/>
+              <a:t>Dajm</a:t>
+            </a:r>
+            <a:r>
+              <a:rPr lang="sv-SE" dirty="0"/>
+              <a:t>", price:19.0}</a:t>
+            </a:r>
+          </a:p>
+          <a:p>
+            <a:r>
+              <a:rPr lang="sv-SE" dirty="0"/>
+              <a:t>]</a:t>
+            </a:r>
+          </a:p>
+          <a:p>
+            <a:endParaRPr lang="sv-SE" dirty="0"/>
+          </a:p>
+          <a:p>
+            <a:r>
+              <a:rPr lang="sv-SE" dirty="0"/>
+              <a:t>var </a:t>
+            </a:r>
+            <a:r>
+              <a:rPr lang="sv-SE" dirty="0" err="1"/>
+              <a:t>accountBalance</a:t>
+            </a:r>
+            <a:r>
+              <a:rPr lang="sv-SE" dirty="0"/>
+              <a:t> = 10;</a:t>
+            </a:r>
+          </a:p>
+          <a:p>
+            <a:endParaRPr lang="sv-SE" dirty="0"/>
+          </a:p>
+          <a:p>
+            <a:r>
+              <a:rPr lang="sv-SE" dirty="0" err="1"/>
+              <a:t>function</a:t>
+            </a:r>
+            <a:r>
+              <a:rPr lang="sv-SE" dirty="0"/>
+              <a:t> </a:t>
+            </a:r>
+            <a:r>
+              <a:rPr lang="sv-SE" dirty="0" err="1"/>
+              <a:t>buy</a:t>
+            </a:r>
+            <a:r>
+              <a:rPr lang="sv-SE" dirty="0"/>
+              <a:t>(</a:t>
+            </a:r>
+            <a:r>
+              <a:rPr lang="sv-SE" dirty="0" err="1"/>
+              <a:t>product</a:t>
+            </a:r>
+            <a:r>
+              <a:rPr lang="sv-SE" dirty="0"/>
+              <a:t>, callback){</a:t>
+            </a:r>
+          </a:p>
+          <a:p>
+            <a:r>
+              <a:rPr lang="sv-SE" dirty="0"/>
+              <a:t>    var tax = </a:t>
+            </a:r>
+            <a:r>
+              <a:rPr lang="sv-SE" dirty="0" err="1"/>
+              <a:t>calculateVAT</a:t>
+            </a:r>
+            <a:r>
+              <a:rPr lang="sv-SE" dirty="0"/>
+              <a:t>(</a:t>
+            </a:r>
+            <a:r>
+              <a:rPr lang="sv-SE" dirty="0" err="1"/>
+              <a:t>product.price</a:t>
+            </a:r>
+            <a:r>
+              <a:rPr lang="sv-SE" dirty="0"/>
+              <a:t>);</a:t>
+            </a:r>
+          </a:p>
+          <a:p>
+            <a:r>
+              <a:rPr lang="sv-SE" dirty="0"/>
+              <a:t>    try{</a:t>
+            </a:r>
+          </a:p>
+          <a:p>
+            <a:r>
+              <a:rPr lang="sv-SE" dirty="0"/>
+              <a:t>        </a:t>
+            </a:r>
+            <a:r>
+              <a:rPr lang="sv-SE" dirty="0" err="1"/>
+              <a:t>withdraw</a:t>
+            </a:r>
+            <a:r>
+              <a:rPr lang="sv-SE" dirty="0"/>
+              <a:t>(</a:t>
+            </a:r>
+            <a:r>
+              <a:rPr lang="sv-SE" dirty="0" err="1"/>
+              <a:t>product.price</a:t>
+            </a:r>
+            <a:r>
+              <a:rPr lang="sv-SE" dirty="0"/>
+              <a:t>);</a:t>
+            </a:r>
+          </a:p>
+          <a:p>
+            <a:r>
+              <a:rPr lang="sv-SE" dirty="0"/>
+              <a:t>        console.log("You </a:t>
+            </a:r>
+            <a:r>
+              <a:rPr lang="sv-SE" dirty="0" err="1"/>
+              <a:t>bought</a:t>
+            </a:r>
+            <a:r>
+              <a:rPr lang="sv-SE" dirty="0"/>
+              <a:t> a "+ product.name +" for " + </a:t>
+            </a:r>
+            <a:r>
+              <a:rPr lang="sv-SE" dirty="0" err="1"/>
+              <a:t>product.price</a:t>
+            </a:r>
+            <a:r>
+              <a:rPr lang="sv-SE" dirty="0"/>
+              <a:t>+ " SEK");</a:t>
+            </a:r>
+          </a:p>
+          <a:p>
+            <a:r>
+              <a:rPr lang="sv-SE" dirty="0"/>
+              <a:t>        console.log("VAT: " + </a:t>
+            </a:r>
+            <a:r>
+              <a:rPr lang="sv-SE" dirty="0" err="1"/>
+              <a:t>tax.toFixed</a:t>
+            </a:r>
+            <a:r>
+              <a:rPr lang="sv-SE" dirty="0"/>
+              <a:t>(2) + " SEK");</a:t>
+            </a:r>
+          </a:p>
+          <a:p>
+            <a:r>
+              <a:rPr lang="sv-SE" dirty="0"/>
+              <a:t>        callback();</a:t>
+            </a:r>
+          </a:p>
+          <a:p>
+            <a:r>
+              <a:rPr lang="sv-SE" dirty="0"/>
+              <a:t>    }</a:t>
+            </a:r>
+          </a:p>
+          <a:p>
+            <a:r>
+              <a:rPr lang="sv-SE" dirty="0"/>
+              <a:t>    </a:t>
+            </a:r>
+            <a:r>
+              <a:rPr lang="sv-SE" dirty="0" err="1"/>
+              <a:t>catch</a:t>
+            </a:r>
+            <a:r>
+              <a:rPr lang="sv-SE" dirty="0"/>
+              <a:t>(</a:t>
+            </a:r>
+            <a:r>
+              <a:rPr lang="sv-SE" dirty="0" err="1"/>
+              <a:t>err</a:t>
+            </a:r>
+            <a:r>
+              <a:rPr lang="sv-SE" dirty="0"/>
+              <a:t>){</a:t>
+            </a:r>
+          </a:p>
+          <a:p>
+            <a:r>
+              <a:rPr lang="sv-SE" dirty="0"/>
+              <a:t>        callback(</a:t>
+            </a:r>
+            <a:r>
+              <a:rPr lang="sv-SE" dirty="0" err="1"/>
+              <a:t>err</a:t>
+            </a:r>
+            <a:r>
+              <a:rPr lang="sv-SE" dirty="0"/>
+              <a:t>);</a:t>
+            </a:r>
+          </a:p>
+          <a:p>
+            <a:r>
+              <a:rPr lang="sv-SE" dirty="0"/>
+              <a:t>    }    </a:t>
+            </a:r>
+          </a:p>
+          <a:p>
+            <a:r>
+              <a:rPr lang="sv-SE" dirty="0"/>
+              <a:t>}</a:t>
+            </a:r>
+          </a:p>
+          <a:p>
+            <a:r>
+              <a:rPr lang="sv-SE" dirty="0" err="1"/>
+              <a:t>function</a:t>
+            </a:r>
+            <a:r>
+              <a:rPr lang="sv-SE" dirty="0"/>
+              <a:t> </a:t>
+            </a:r>
+            <a:r>
+              <a:rPr lang="sv-SE" dirty="0" err="1"/>
+              <a:t>calculateVAT</a:t>
+            </a:r>
+            <a:r>
+              <a:rPr lang="sv-SE" dirty="0"/>
+              <a:t>(</a:t>
+            </a:r>
+            <a:r>
+              <a:rPr lang="sv-SE" dirty="0" err="1"/>
+              <a:t>amount</a:t>
+            </a:r>
+            <a:r>
+              <a:rPr lang="sv-SE" dirty="0"/>
+              <a:t>){</a:t>
+            </a:r>
+          </a:p>
+          <a:p>
+            <a:r>
+              <a:rPr lang="sv-SE" dirty="0"/>
+              <a:t>    </a:t>
+            </a:r>
+            <a:r>
+              <a:rPr lang="sv-SE" dirty="0" err="1"/>
+              <a:t>return</a:t>
+            </a:r>
+            <a:r>
+              <a:rPr lang="sv-SE" dirty="0"/>
+              <a:t> </a:t>
+            </a:r>
+            <a:r>
+              <a:rPr lang="sv-SE" dirty="0" err="1"/>
+              <a:t>amount</a:t>
+            </a:r>
+            <a:r>
+              <a:rPr lang="sv-SE" dirty="0"/>
+              <a:t> * VAT;</a:t>
+            </a:r>
+          </a:p>
+          <a:p>
+            <a:r>
+              <a:rPr lang="sv-SE" dirty="0"/>
+              <a:t>}</a:t>
+            </a:r>
+          </a:p>
+          <a:p>
+            <a:r>
+              <a:rPr lang="sv-SE" dirty="0" err="1"/>
+              <a:t>function</a:t>
+            </a:r>
+            <a:r>
+              <a:rPr lang="sv-SE" dirty="0"/>
+              <a:t> </a:t>
+            </a:r>
+            <a:r>
+              <a:rPr lang="sv-SE" dirty="0" err="1"/>
+              <a:t>withdraw</a:t>
+            </a:r>
+            <a:r>
+              <a:rPr lang="sv-SE" dirty="0"/>
+              <a:t>(</a:t>
+            </a:r>
+            <a:r>
+              <a:rPr lang="sv-SE" dirty="0" err="1"/>
+              <a:t>amount</a:t>
+            </a:r>
+            <a:r>
+              <a:rPr lang="sv-SE" dirty="0"/>
+              <a:t>){</a:t>
+            </a:r>
+          </a:p>
+          <a:p>
+            <a:r>
+              <a:rPr lang="sv-SE" dirty="0"/>
+              <a:t>    </a:t>
+            </a:r>
+            <a:r>
+              <a:rPr lang="sv-SE" dirty="0" err="1"/>
+              <a:t>if</a:t>
+            </a:r>
+            <a:r>
+              <a:rPr lang="sv-SE" dirty="0"/>
+              <a:t>(</a:t>
+            </a:r>
+            <a:r>
+              <a:rPr lang="sv-SE" dirty="0" err="1"/>
+              <a:t>amount</a:t>
+            </a:r>
+            <a:r>
+              <a:rPr lang="sv-SE" dirty="0"/>
+              <a:t> &gt; </a:t>
+            </a:r>
+            <a:r>
+              <a:rPr lang="sv-SE" dirty="0" err="1"/>
+              <a:t>accountBalance</a:t>
+            </a:r>
+            <a:r>
+              <a:rPr lang="sv-SE" dirty="0"/>
+              <a:t>){</a:t>
+            </a:r>
+          </a:p>
+          <a:p>
+            <a:r>
+              <a:rPr lang="sv-SE" dirty="0"/>
+              <a:t>        </a:t>
+            </a:r>
+            <a:r>
+              <a:rPr lang="sv-SE" dirty="0" err="1"/>
+              <a:t>throw</a:t>
+            </a:r>
+            <a:r>
+              <a:rPr lang="sv-SE" dirty="0"/>
+              <a:t> "Insufficient </a:t>
+            </a:r>
+            <a:r>
+              <a:rPr lang="sv-SE" dirty="0" err="1"/>
+              <a:t>funds</a:t>
+            </a:r>
+            <a:r>
+              <a:rPr lang="sv-SE" dirty="0"/>
+              <a:t>."</a:t>
+            </a:r>
+          </a:p>
+          <a:p>
+            <a:r>
+              <a:rPr lang="sv-SE" dirty="0"/>
+              <a:t>    }</a:t>
+            </a:r>
+          </a:p>
+          <a:p>
+            <a:r>
+              <a:rPr lang="sv-SE" dirty="0"/>
+              <a:t>    </a:t>
+            </a:r>
+            <a:r>
+              <a:rPr lang="sv-SE" dirty="0" err="1"/>
+              <a:t>accountBalance</a:t>
+            </a:r>
+            <a:r>
+              <a:rPr lang="sv-SE" dirty="0"/>
+              <a:t> -= </a:t>
+            </a:r>
+            <a:r>
+              <a:rPr lang="sv-SE" dirty="0" err="1"/>
+              <a:t>amount</a:t>
+            </a:r>
+            <a:r>
+              <a:rPr lang="sv-SE" dirty="0"/>
+              <a:t>;</a:t>
+            </a:r>
+          </a:p>
+          <a:p>
+            <a:r>
+              <a:rPr lang="sv-SE" dirty="0"/>
+              <a:t>    </a:t>
+            </a:r>
+          </a:p>
+          <a:p>
+            <a:r>
+              <a:rPr lang="sv-SE" dirty="0"/>
+              <a:t>}</a:t>
+            </a:r>
+          </a:p>
+          <a:p>
+            <a:endParaRPr lang="sv-SE" dirty="0"/>
+          </a:p>
+          <a:p>
+            <a:r>
+              <a:rPr lang="sv-SE" dirty="0" err="1"/>
+              <a:t>buy</a:t>
+            </a:r>
+            <a:r>
+              <a:rPr lang="sv-SE" dirty="0"/>
+              <a:t>(PRODUCTS[2],</a:t>
+            </a:r>
+            <a:r>
+              <a:rPr lang="sv-SE" dirty="0" err="1"/>
+              <a:t>function</a:t>
+            </a:r>
+            <a:r>
+              <a:rPr lang="sv-SE" dirty="0"/>
+              <a:t>(</a:t>
+            </a:r>
+            <a:r>
+              <a:rPr lang="sv-SE" dirty="0" err="1"/>
+              <a:t>err</a:t>
+            </a:r>
+            <a:r>
+              <a:rPr lang="sv-SE" dirty="0"/>
+              <a:t>){</a:t>
+            </a:r>
+          </a:p>
+          <a:p>
+            <a:r>
+              <a:rPr lang="sv-SE" dirty="0"/>
+              <a:t>    </a:t>
+            </a:r>
+            <a:r>
+              <a:rPr lang="sv-SE" dirty="0" err="1"/>
+              <a:t>if</a:t>
+            </a:r>
+            <a:r>
+              <a:rPr lang="sv-SE" dirty="0"/>
+              <a:t>(</a:t>
+            </a:r>
+            <a:r>
+              <a:rPr lang="sv-SE" dirty="0" err="1"/>
+              <a:t>err</a:t>
+            </a:r>
+            <a:r>
+              <a:rPr lang="sv-SE" dirty="0"/>
+              <a:t>){</a:t>
+            </a:r>
+          </a:p>
+          <a:p>
+            <a:r>
+              <a:rPr lang="sv-SE" dirty="0"/>
+              <a:t>        console.log(</a:t>
+            </a:r>
+            <a:r>
+              <a:rPr lang="sv-SE" dirty="0" err="1"/>
+              <a:t>err</a:t>
+            </a:r>
+            <a:r>
+              <a:rPr lang="sv-SE" dirty="0"/>
+              <a:t>);</a:t>
+            </a:r>
+          </a:p>
+          <a:p>
+            <a:r>
+              <a:rPr lang="sv-SE" dirty="0"/>
+              <a:t>    }</a:t>
+            </a:r>
+          </a:p>
+          <a:p>
+            <a:r>
+              <a:rPr lang="sv-SE" dirty="0"/>
+              <a:t>    </a:t>
+            </a:r>
+            <a:r>
+              <a:rPr lang="sv-SE" dirty="0" err="1"/>
+              <a:t>else</a:t>
+            </a:r>
+            <a:r>
+              <a:rPr lang="sv-SE" dirty="0"/>
+              <a:t>{</a:t>
+            </a:r>
+          </a:p>
+          <a:p>
+            <a:r>
+              <a:rPr lang="sv-SE" dirty="0"/>
+              <a:t>        console.log("You </a:t>
+            </a:r>
+            <a:r>
+              <a:rPr lang="sv-SE" dirty="0" err="1"/>
+              <a:t>balance</a:t>
+            </a:r>
+            <a:r>
+              <a:rPr lang="sv-SE" dirty="0"/>
+              <a:t> is " + </a:t>
+            </a:r>
+            <a:r>
+              <a:rPr lang="sv-SE" dirty="0" err="1"/>
+              <a:t>accountBalance.toFixed</a:t>
+            </a:r>
+            <a:r>
+              <a:rPr lang="sv-SE" dirty="0"/>
+              <a:t>(2) + " SEK");</a:t>
+            </a:r>
+          </a:p>
+          <a:p>
+            <a:r>
+              <a:rPr lang="sv-SE" dirty="0"/>
+              <a:t>    }</a:t>
+            </a:r>
+          </a:p>
+          <a:p>
+            <a:r>
+              <a:rPr lang="sv-SE" dirty="0"/>
+              <a:t>});</a:t>
+            </a:r>
+          </a:p>
+          <a:p>
+            <a:endParaRPr lang="sv-SE" dirty="0"/>
+          </a:p>
+          <a:p>
+            <a:r>
+              <a:rPr lang="sv-SE" dirty="0"/>
+              <a:t>// </a:t>
+            </a:r>
+            <a:r>
+              <a:rPr lang="sv-SE" dirty="0" err="1"/>
+              <a:t>Expected</a:t>
+            </a:r>
+            <a:r>
+              <a:rPr lang="sv-SE" dirty="0"/>
+              <a:t> output:</a:t>
+            </a:r>
+          </a:p>
+          <a:p>
+            <a:r>
+              <a:rPr lang="sv-SE" dirty="0"/>
+              <a:t>// You </a:t>
+            </a:r>
+            <a:r>
+              <a:rPr lang="sv-SE" dirty="0" err="1"/>
+              <a:t>bought</a:t>
+            </a:r>
+            <a:r>
+              <a:rPr lang="sv-SE" dirty="0"/>
+              <a:t> a Snickers for 8.2 SEK</a:t>
+            </a:r>
+          </a:p>
+          <a:p>
+            <a:r>
+              <a:rPr lang="sv-SE" dirty="0"/>
+              <a:t>// VAT: 1.64 SEK</a:t>
+            </a:r>
+          </a:p>
+          <a:p>
+            <a:r>
+              <a:rPr lang="sv-SE" dirty="0"/>
+              <a:t>// You </a:t>
+            </a:r>
+            <a:r>
+              <a:rPr lang="sv-SE" dirty="0" err="1"/>
+              <a:t>balance</a:t>
+            </a:r>
+            <a:r>
+              <a:rPr lang="sv-SE" dirty="0"/>
+              <a:t> is 91.8 SEK</a:t>
+            </a:r>
+          </a:p>
+          <a:p>
+            <a:endParaRPr lang="sv-SE" dirty="0"/>
+          </a:p>
         </p:txBody>
       </p:sp>
       <p:sp>
@@ -1250,7 +1888,7 @@
           <a:p>
             <a:fld id="{7FB44AF9-6A08-4C3A-94E4-CB0AC0068279}" type="slidenum">
               <a:rPr lang="sv-SE" smtClean="0"/>
-              <a:t>33</a:t>
+              <a:t>35</a:t>
             </a:fld>
             <a:endParaRPr lang="sv-SE"/>
           </a:p>
@@ -1259,175 +1897,7 @@
     </p:spTree>
     <p:extLst>
       <p:ext uri="{BB962C8B-B14F-4D97-AF65-F5344CB8AC3E}">
-        <p14:creationId xmlns:p14="http://schemas.microsoft.com/office/powerpoint/2010/main" val="1349630692"/>
-      </p:ext>
-    </p:extLst>
-  </p:cSld>
-  <p:clrMapOvr>
-    <a:masterClrMapping/>
-  </p:clrMapOvr>
-</p:notes>
-</file>
-
-<file path=ppt/notesSlides/notesSlide18.xml><?xml version="1.0" encoding="utf-8"?>
-<p:notes xmlns:a="http://schemas.openxmlformats.org/drawingml/2006/main" xmlns:r="http://schemas.openxmlformats.org/officeDocument/2006/relationships" xmlns:p="http://schemas.openxmlformats.org/presentationml/2006/main">
-  <p:cSld>
-    <p:spTree>
-      <p:nvGrpSpPr>
-        <p:cNvPr id="1" name=""/>
-        <p:cNvGrpSpPr/>
-        <p:nvPr/>
-      </p:nvGrpSpPr>
-      <p:grpSpPr>
-        <a:xfrm>
-          <a:off x="0" y="0"/>
-          <a:ext cx="0" cy="0"/>
-          <a:chOff x="0" y="0"/>
-          <a:chExt cx="0" cy="0"/>
-        </a:xfrm>
-      </p:grpSpPr>
-      <p:sp>
-        <p:nvSpPr>
-          <p:cNvPr id="2" name="Slide Image Placeholder 1"/>
-          <p:cNvSpPr>
-            <a:spLocks noGrp="1" noRot="1" noChangeAspect="1"/>
-          </p:cNvSpPr>
-          <p:nvPr>
-            <p:ph type="sldImg"/>
-          </p:nvPr>
-        </p:nvSpPr>
-        <p:spPr/>
-      </p:sp>
-      <p:sp>
-        <p:nvSpPr>
-          <p:cNvPr id="3" name="Notes Placeholder 2"/>
-          <p:cNvSpPr>
-            <a:spLocks noGrp="1"/>
-          </p:cNvSpPr>
-          <p:nvPr>
-            <p:ph type="body" idx="1"/>
-          </p:nvPr>
-        </p:nvSpPr>
-        <p:spPr/>
-        <p:txBody>
-          <a:bodyPr/>
-          <a:lstStyle/>
-          <a:p>
-            <a:endParaRPr lang="sv-SE" dirty="0"/>
-          </a:p>
-        </p:txBody>
-      </p:sp>
-      <p:sp>
-        <p:nvSpPr>
-          <p:cNvPr id="4" name="Slide Number Placeholder 3"/>
-          <p:cNvSpPr>
-            <a:spLocks noGrp="1"/>
-          </p:cNvSpPr>
-          <p:nvPr>
-            <p:ph type="sldNum" sz="quarter" idx="10"/>
-          </p:nvPr>
-        </p:nvSpPr>
-        <p:spPr/>
-        <p:txBody>
-          <a:bodyPr/>
-          <a:lstStyle/>
-          <a:p>
-            <a:fld id="{7FB44AF9-6A08-4C3A-94E4-CB0AC0068279}" type="slidenum">
-              <a:rPr lang="sv-SE" smtClean="0"/>
-              <a:t>34</a:t>
-            </a:fld>
-            <a:endParaRPr lang="sv-SE"/>
-          </a:p>
-        </p:txBody>
-      </p:sp>
-    </p:spTree>
-    <p:extLst>
-      <p:ext uri="{BB962C8B-B14F-4D97-AF65-F5344CB8AC3E}">
-        <p14:creationId xmlns:p14="http://schemas.microsoft.com/office/powerpoint/2010/main" val="4082489653"/>
-      </p:ext>
-    </p:extLst>
-  </p:cSld>
-  <p:clrMapOvr>
-    <a:masterClrMapping/>
-  </p:clrMapOvr>
-</p:notes>
-</file>
-
-<file path=ppt/notesSlides/notesSlide19.xml><?xml version="1.0" encoding="utf-8"?>
-<p:notes xmlns:a="http://schemas.openxmlformats.org/drawingml/2006/main" xmlns:r="http://schemas.openxmlformats.org/officeDocument/2006/relationships" xmlns:p="http://schemas.openxmlformats.org/presentationml/2006/main">
-  <p:cSld>
-    <p:spTree>
-      <p:nvGrpSpPr>
-        <p:cNvPr id="1" name=""/>
-        <p:cNvGrpSpPr/>
-        <p:nvPr/>
-      </p:nvGrpSpPr>
-      <p:grpSpPr>
-        <a:xfrm>
-          <a:off x="0" y="0"/>
-          <a:ext cx="0" cy="0"/>
-          <a:chOff x="0" y="0"/>
-          <a:chExt cx="0" cy="0"/>
-        </a:xfrm>
-      </p:grpSpPr>
-      <p:sp>
-        <p:nvSpPr>
-          <p:cNvPr id="2" name="Slide Image Placeholder 1"/>
-          <p:cNvSpPr>
-            <a:spLocks noGrp="1" noRot="1" noChangeAspect="1"/>
-          </p:cNvSpPr>
-          <p:nvPr>
-            <p:ph type="sldImg"/>
-          </p:nvPr>
-        </p:nvSpPr>
-        <p:spPr/>
-      </p:sp>
-      <p:sp>
-        <p:nvSpPr>
-          <p:cNvPr id="3" name="Notes Placeholder 2"/>
-          <p:cNvSpPr>
-            <a:spLocks noGrp="1"/>
-          </p:cNvSpPr>
-          <p:nvPr>
-            <p:ph type="body" idx="1"/>
-          </p:nvPr>
-        </p:nvSpPr>
-        <p:spPr/>
-        <p:txBody>
-          <a:bodyPr/>
-          <a:lstStyle/>
-          <a:p>
-            <a:endParaRPr lang="sv-SE" dirty="0"/>
-          </a:p>
-        </p:txBody>
-      </p:sp>
-      <p:sp>
-        <p:nvSpPr>
-          <p:cNvPr id="4" name="Slide Number Placeholder 3"/>
-          <p:cNvSpPr>
-            <a:spLocks noGrp="1"/>
-          </p:cNvSpPr>
-          <p:nvPr>
-            <p:ph type="sldNum" sz="quarter" idx="10"/>
-          </p:nvPr>
-        </p:nvSpPr>
-        <p:spPr/>
-        <p:txBody>
-          <a:bodyPr/>
-          <a:lstStyle/>
-          <a:p>
-            <a:fld id="{7FB44AF9-6A08-4C3A-94E4-CB0AC0068279}" type="slidenum">
-              <a:rPr lang="sv-SE" smtClean="0"/>
-              <a:t>36</a:t>
-            </a:fld>
-            <a:endParaRPr lang="sv-SE"/>
-          </a:p>
-        </p:txBody>
-      </p:sp>
-    </p:spTree>
-    <p:extLst>
-      <p:ext uri="{BB962C8B-B14F-4D97-AF65-F5344CB8AC3E}">
-        <p14:creationId xmlns:p14="http://schemas.microsoft.com/office/powerpoint/2010/main" val="348381579"/>
+        <p14:creationId xmlns:p14="http://schemas.microsoft.com/office/powerpoint/2010/main" val="860473922"/>
       </p:ext>
     </p:extLst>
   </p:cSld>
@@ -1525,818 +1995,6 @@
 </p:notes>
 </file>
 
-<file path=ppt/notesSlides/notesSlide20.xml><?xml version="1.0" encoding="utf-8"?>
-<p:notes xmlns:a="http://schemas.openxmlformats.org/drawingml/2006/main" xmlns:r="http://schemas.openxmlformats.org/officeDocument/2006/relationships" xmlns:p="http://schemas.openxmlformats.org/presentationml/2006/main">
-  <p:cSld>
-    <p:spTree>
-      <p:nvGrpSpPr>
-        <p:cNvPr id="1" name=""/>
-        <p:cNvGrpSpPr/>
-        <p:nvPr/>
-      </p:nvGrpSpPr>
-      <p:grpSpPr>
-        <a:xfrm>
-          <a:off x="0" y="0"/>
-          <a:ext cx="0" cy="0"/>
-          <a:chOff x="0" y="0"/>
-          <a:chExt cx="0" cy="0"/>
-        </a:xfrm>
-      </p:grpSpPr>
-      <p:sp>
-        <p:nvSpPr>
-          <p:cNvPr id="2" name="Slide Image Placeholder 1"/>
-          <p:cNvSpPr>
-            <a:spLocks noGrp="1" noRot="1" noChangeAspect="1"/>
-          </p:cNvSpPr>
-          <p:nvPr>
-            <p:ph type="sldImg"/>
-          </p:nvPr>
-        </p:nvSpPr>
-        <p:spPr/>
-      </p:sp>
-      <p:sp>
-        <p:nvSpPr>
-          <p:cNvPr id="3" name="Notes Placeholder 2"/>
-          <p:cNvSpPr>
-            <a:spLocks noGrp="1"/>
-          </p:cNvSpPr>
-          <p:nvPr>
-            <p:ph type="body" idx="1"/>
-          </p:nvPr>
-        </p:nvSpPr>
-        <p:spPr/>
-        <p:txBody>
-          <a:bodyPr/>
-          <a:lstStyle/>
-          <a:p>
-            <a:endParaRPr lang="sv-SE" dirty="0"/>
-          </a:p>
-        </p:txBody>
-      </p:sp>
-      <p:sp>
-        <p:nvSpPr>
-          <p:cNvPr id="4" name="Slide Number Placeholder 3"/>
-          <p:cNvSpPr>
-            <a:spLocks noGrp="1"/>
-          </p:cNvSpPr>
-          <p:nvPr>
-            <p:ph type="sldNum" sz="quarter" idx="10"/>
-          </p:nvPr>
-        </p:nvSpPr>
-        <p:spPr/>
-        <p:txBody>
-          <a:bodyPr/>
-          <a:lstStyle/>
-          <a:p>
-            <a:fld id="{7FB44AF9-6A08-4C3A-94E4-CB0AC0068279}" type="slidenum">
-              <a:rPr lang="sv-SE" smtClean="0"/>
-              <a:t>40</a:t>
-            </a:fld>
-            <a:endParaRPr lang="sv-SE"/>
-          </a:p>
-        </p:txBody>
-      </p:sp>
-    </p:spTree>
-    <p:extLst>
-      <p:ext uri="{BB962C8B-B14F-4D97-AF65-F5344CB8AC3E}">
-        <p14:creationId xmlns:p14="http://schemas.microsoft.com/office/powerpoint/2010/main" val="4108832085"/>
-      </p:ext>
-    </p:extLst>
-  </p:cSld>
-  <p:clrMapOvr>
-    <a:masterClrMapping/>
-  </p:clrMapOvr>
-</p:notes>
-</file>
-
-<file path=ppt/notesSlides/notesSlide21.xml><?xml version="1.0" encoding="utf-8"?>
-<p:notes xmlns:a="http://schemas.openxmlformats.org/drawingml/2006/main" xmlns:r="http://schemas.openxmlformats.org/officeDocument/2006/relationships" xmlns:p="http://schemas.openxmlformats.org/presentationml/2006/main">
-  <p:cSld>
-    <p:spTree>
-      <p:nvGrpSpPr>
-        <p:cNvPr id="1" name=""/>
-        <p:cNvGrpSpPr/>
-        <p:nvPr/>
-      </p:nvGrpSpPr>
-      <p:grpSpPr>
-        <a:xfrm>
-          <a:off x="0" y="0"/>
-          <a:ext cx="0" cy="0"/>
-          <a:chOff x="0" y="0"/>
-          <a:chExt cx="0" cy="0"/>
-        </a:xfrm>
-      </p:grpSpPr>
-      <p:sp>
-        <p:nvSpPr>
-          <p:cNvPr id="2" name="Slide Image Placeholder 1"/>
-          <p:cNvSpPr>
-            <a:spLocks noGrp="1" noRot="1" noChangeAspect="1"/>
-          </p:cNvSpPr>
-          <p:nvPr>
-            <p:ph type="sldImg"/>
-          </p:nvPr>
-        </p:nvSpPr>
-        <p:spPr/>
-      </p:sp>
-      <p:sp>
-        <p:nvSpPr>
-          <p:cNvPr id="3" name="Notes Placeholder 2"/>
-          <p:cNvSpPr>
-            <a:spLocks noGrp="1"/>
-          </p:cNvSpPr>
-          <p:nvPr>
-            <p:ph type="body" idx="1"/>
-          </p:nvPr>
-        </p:nvSpPr>
-        <p:spPr/>
-        <p:txBody>
-          <a:bodyPr/>
-          <a:lstStyle/>
-          <a:p>
-            <a:endParaRPr lang="sv-SE" dirty="0"/>
-          </a:p>
-          <a:p>
-            <a:endParaRPr lang="sv-SE" dirty="0"/>
-          </a:p>
-          <a:p>
-            <a:endParaRPr lang="sv-SE" dirty="0"/>
-          </a:p>
-          <a:p>
-            <a:r>
-              <a:rPr lang="sv-SE" dirty="0"/>
-              <a:t>'</a:t>
-            </a:r>
-            <a:r>
-              <a:rPr lang="sv-SE" dirty="0" err="1"/>
-              <a:t>use</a:t>
-            </a:r>
-            <a:r>
-              <a:rPr lang="sv-SE" dirty="0"/>
-              <a:t> </a:t>
-            </a:r>
-            <a:r>
-              <a:rPr lang="sv-SE" dirty="0" err="1"/>
-              <a:t>strict</a:t>
-            </a:r>
-            <a:r>
-              <a:rPr lang="sv-SE" dirty="0"/>
-              <a:t>'</a:t>
-            </a:r>
-          </a:p>
-          <a:p>
-            <a:endParaRPr lang="sv-SE" dirty="0"/>
-          </a:p>
-          <a:p>
-            <a:r>
-              <a:rPr lang="sv-SE" dirty="0" err="1"/>
-              <a:t>const</a:t>
-            </a:r>
-            <a:r>
-              <a:rPr lang="sv-SE" dirty="0"/>
-              <a:t> VAT = 0.2;</a:t>
-            </a:r>
-          </a:p>
-          <a:p>
-            <a:r>
-              <a:rPr lang="sv-SE" dirty="0" err="1"/>
-              <a:t>const</a:t>
-            </a:r>
-            <a:r>
-              <a:rPr lang="sv-SE" dirty="0"/>
-              <a:t> PRODUCTS = [</a:t>
-            </a:r>
-          </a:p>
-          <a:p>
-            <a:r>
-              <a:rPr lang="sv-SE" dirty="0"/>
-              <a:t>    {id:1, </a:t>
-            </a:r>
-            <a:r>
-              <a:rPr lang="sv-SE" dirty="0" err="1"/>
-              <a:t>name</a:t>
-            </a:r>
-            <a:r>
-              <a:rPr lang="sv-SE" dirty="0"/>
-              <a:t>:"Fazer Kexchoklad", price:12.4},</a:t>
-            </a:r>
-          </a:p>
-          <a:p>
-            <a:r>
-              <a:rPr lang="sv-SE" dirty="0"/>
-              <a:t>    {id:2, </a:t>
-            </a:r>
-            <a:r>
-              <a:rPr lang="sv-SE" dirty="0" err="1"/>
-              <a:t>name</a:t>
-            </a:r>
-            <a:r>
-              <a:rPr lang="sv-SE" dirty="0"/>
-              <a:t>:"Snickers", price:8.2},</a:t>
-            </a:r>
-          </a:p>
-          <a:p>
-            <a:r>
-              <a:rPr lang="sv-SE" dirty="0"/>
-              <a:t>    {id:3, </a:t>
-            </a:r>
-            <a:r>
-              <a:rPr lang="sv-SE" dirty="0" err="1"/>
-              <a:t>name</a:t>
-            </a:r>
-            <a:r>
-              <a:rPr lang="sv-SE" dirty="0"/>
-              <a:t>:"</a:t>
-            </a:r>
-            <a:r>
-              <a:rPr lang="sv-SE" dirty="0" err="1"/>
-              <a:t>Dajm</a:t>
-            </a:r>
-            <a:r>
-              <a:rPr lang="sv-SE" dirty="0"/>
-              <a:t>", price:19.0}</a:t>
-            </a:r>
-          </a:p>
-          <a:p>
-            <a:r>
-              <a:rPr lang="sv-SE" dirty="0"/>
-              <a:t>]</a:t>
-            </a:r>
-          </a:p>
-          <a:p>
-            <a:endParaRPr lang="sv-SE" dirty="0"/>
-          </a:p>
-          <a:p>
-            <a:r>
-              <a:rPr lang="sv-SE" dirty="0"/>
-              <a:t>var </a:t>
-            </a:r>
-            <a:r>
-              <a:rPr lang="sv-SE" dirty="0" err="1"/>
-              <a:t>accountBalance</a:t>
-            </a:r>
-            <a:r>
-              <a:rPr lang="sv-SE" dirty="0"/>
-              <a:t> = 10;</a:t>
-            </a:r>
-          </a:p>
-          <a:p>
-            <a:endParaRPr lang="sv-SE" dirty="0"/>
-          </a:p>
-          <a:p>
-            <a:r>
-              <a:rPr lang="sv-SE" dirty="0" err="1"/>
-              <a:t>function</a:t>
-            </a:r>
-            <a:r>
-              <a:rPr lang="sv-SE" dirty="0"/>
-              <a:t> </a:t>
-            </a:r>
-            <a:r>
-              <a:rPr lang="sv-SE" dirty="0" err="1"/>
-              <a:t>buy</a:t>
-            </a:r>
-            <a:r>
-              <a:rPr lang="sv-SE" dirty="0"/>
-              <a:t>(</a:t>
-            </a:r>
-            <a:r>
-              <a:rPr lang="sv-SE" dirty="0" err="1"/>
-              <a:t>product</a:t>
-            </a:r>
-            <a:r>
-              <a:rPr lang="sv-SE" dirty="0"/>
-              <a:t>, callback){</a:t>
-            </a:r>
-          </a:p>
-          <a:p>
-            <a:r>
-              <a:rPr lang="sv-SE" dirty="0"/>
-              <a:t>    var tax = </a:t>
-            </a:r>
-            <a:r>
-              <a:rPr lang="sv-SE" dirty="0" err="1"/>
-              <a:t>calculateVAT</a:t>
-            </a:r>
-            <a:r>
-              <a:rPr lang="sv-SE" dirty="0"/>
-              <a:t>(</a:t>
-            </a:r>
-            <a:r>
-              <a:rPr lang="sv-SE" dirty="0" err="1"/>
-              <a:t>product.price</a:t>
-            </a:r>
-            <a:r>
-              <a:rPr lang="sv-SE" dirty="0"/>
-              <a:t>);</a:t>
-            </a:r>
-          </a:p>
-          <a:p>
-            <a:r>
-              <a:rPr lang="sv-SE" dirty="0"/>
-              <a:t>    try{</a:t>
-            </a:r>
-          </a:p>
-          <a:p>
-            <a:r>
-              <a:rPr lang="sv-SE" dirty="0"/>
-              <a:t>        </a:t>
-            </a:r>
-            <a:r>
-              <a:rPr lang="sv-SE" dirty="0" err="1"/>
-              <a:t>withdraw</a:t>
-            </a:r>
-            <a:r>
-              <a:rPr lang="sv-SE" dirty="0"/>
-              <a:t>(</a:t>
-            </a:r>
-            <a:r>
-              <a:rPr lang="sv-SE" dirty="0" err="1"/>
-              <a:t>product.price</a:t>
-            </a:r>
-            <a:r>
-              <a:rPr lang="sv-SE" dirty="0"/>
-              <a:t>);</a:t>
-            </a:r>
-          </a:p>
-          <a:p>
-            <a:r>
-              <a:rPr lang="sv-SE" dirty="0"/>
-              <a:t>        console.log("You </a:t>
-            </a:r>
-            <a:r>
-              <a:rPr lang="sv-SE" dirty="0" err="1"/>
-              <a:t>bought</a:t>
-            </a:r>
-            <a:r>
-              <a:rPr lang="sv-SE" dirty="0"/>
-              <a:t> a "+ product.name +" for " + </a:t>
-            </a:r>
-            <a:r>
-              <a:rPr lang="sv-SE" dirty="0" err="1"/>
-              <a:t>product.price</a:t>
-            </a:r>
-            <a:r>
-              <a:rPr lang="sv-SE" dirty="0"/>
-              <a:t>+ " SEK");</a:t>
-            </a:r>
-          </a:p>
-          <a:p>
-            <a:r>
-              <a:rPr lang="sv-SE" dirty="0"/>
-              <a:t>        console.log("VAT: " + </a:t>
-            </a:r>
-            <a:r>
-              <a:rPr lang="sv-SE" dirty="0" err="1"/>
-              <a:t>tax.toFixed</a:t>
-            </a:r>
-            <a:r>
-              <a:rPr lang="sv-SE" dirty="0"/>
-              <a:t>(2) + " SEK");</a:t>
-            </a:r>
-          </a:p>
-          <a:p>
-            <a:r>
-              <a:rPr lang="sv-SE" dirty="0"/>
-              <a:t>        callback();</a:t>
-            </a:r>
-          </a:p>
-          <a:p>
-            <a:r>
-              <a:rPr lang="sv-SE" dirty="0"/>
-              <a:t>    }</a:t>
-            </a:r>
-          </a:p>
-          <a:p>
-            <a:r>
-              <a:rPr lang="sv-SE" dirty="0"/>
-              <a:t>    </a:t>
-            </a:r>
-            <a:r>
-              <a:rPr lang="sv-SE" dirty="0" err="1"/>
-              <a:t>catch</a:t>
-            </a:r>
-            <a:r>
-              <a:rPr lang="sv-SE" dirty="0"/>
-              <a:t>(</a:t>
-            </a:r>
-            <a:r>
-              <a:rPr lang="sv-SE" dirty="0" err="1"/>
-              <a:t>err</a:t>
-            </a:r>
-            <a:r>
-              <a:rPr lang="sv-SE" dirty="0"/>
-              <a:t>){</a:t>
-            </a:r>
-          </a:p>
-          <a:p>
-            <a:r>
-              <a:rPr lang="sv-SE" dirty="0"/>
-              <a:t>        callback(</a:t>
-            </a:r>
-            <a:r>
-              <a:rPr lang="sv-SE" dirty="0" err="1"/>
-              <a:t>err</a:t>
-            </a:r>
-            <a:r>
-              <a:rPr lang="sv-SE" dirty="0"/>
-              <a:t>);</a:t>
-            </a:r>
-          </a:p>
-          <a:p>
-            <a:r>
-              <a:rPr lang="sv-SE" dirty="0"/>
-              <a:t>    }    </a:t>
-            </a:r>
-          </a:p>
-          <a:p>
-            <a:r>
-              <a:rPr lang="sv-SE" dirty="0"/>
-              <a:t>}</a:t>
-            </a:r>
-          </a:p>
-          <a:p>
-            <a:r>
-              <a:rPr lang="sv-SE" dirty="0" err="1"/>
-              <a:t>function</a:t>
-            </a:r>
-            <a:r>
-              <a:rPr lang="sv-SE" dirty="0"/>
-              <a:t> </a:t>
-            </a:r>
-            <a:r>
-              <a:rPr lang="sv-SE" dirty="0" err="1"/>
-              <a:t>calculateVAT</a:t>
-            </a:r>
-            <a:r>
-              <a:rPr lang="sv-SE" dirty="0"/>
-              <a:t>(</a:t>
-            </a:r>
-            <a:r>
-              <a:rPr lang="sv-SE" dirty="0" err="1"/>
-              <a:t>amount</a:t>
-            </a:r>
-            <a:r>
-              <a:rPr lang="sv-SE" dirty="0"/>
-              <a:t>){</a:t>
-            </a:r>
-          </a:p>
-          <a:p>
-            <a:r>
-              <a:rPr lang="sv-SE" dirty="0"/>
-              <a:t>    </a:t>
-            </a:r>
-            <a:r>
-              <a:rPr lang="sv-SE" dirty="0" err="1"/>
-              <a:t>return</a:t>
-            </a:r>
-            <a:r>
-              <a:rPr lang="sv-SE" dirty="0"/>
-              <a:t> </a:t>
-            </a:r>
-            <a:r>
-              <a:rPr lang="sv-SE" dirty="0" err="1"/>
-              <a:t>amount</a:t>
-            </a:r>
-            <a:r>
-              <a:rPr lang="sv-SE" dirty="0"/>
-              <a:t> * VAT;</a:t>
-            </a:r>
-          </a:p>
-          <a:p>
-            <a:r>
-              <a:rPr lang="sv-SE" dirty="0"/>
-              <a:t>}</a:t>
-            </a:r>
-          </a:p>
-          <a:p>
-            <a:r>
-              <a:rPr lang="sv-SE" dirty="0" err="1"/>
-              <a:t>function</a:t>
-            </a:r>
-            <a:r>
-              <a:rPr lang="sv-SE" dirty="0"/>
-              <a:t> </a:t>
-            </a:r>
-            <a:r>
-              <a:rPr lang="sv-SE" dirty="0" err="1"/>
-              <a:t>withdraw</a:t>
-            </a:r>
-            <a:r>
-              <a:rPr lang="sv-SE" dirty="0"/>
-              <a:t>(</a:t>
-            </a:r>
-            <a:r>
-              <a:rPr lang="sv-SE" dirty="0" err="1"/>
-              <a:t>amount</a:t>
-            </a:r>
-            <a:r>
-              <a:rPr lang="sv-SE" dirty="0"/>
-              <a:t>){</a:t>
-            </a:r>
-          </a:p>
-          <a:p>
-            <a:r>
-              <a:rPr lang="sv-SE" dirty="0"/>
-              <a:t>    </a:t>
-            </a:r>
-            <a:r>
-              <a:rPr lang="sv-SE" dirty="0" err="1"/>
-              <a:t>if</a:t>
-            </a:r>
-            <a:r>
-              <a:rPr lang="sv-SE" dirty="0"/>
-              <a:t>(</a:t>
-            </a:r>
-            <a:r>
-              <a:rPr lang="sv-SE" dirty="0" err="1"/>
-              <a:t>amount</a:t>
-            </a:r>
-            <a:r>
-              <a:rPr lang="sv-SE" dirty="0"/>
-              <a:t> &gt; </a:t>
-            </a:r>
-            <a:r>
-              <a:rPr lang="sv-SE" dirty="0" err="1"/>
-              <a:t>accountBalance</a:t>
-            </a:r>
-            <a:r>
-              <a:rPr lang="sv-SE" dirty="0"/>
-              <a:t>){</a:t>
-            </a:r>
-          </a:p>
-          <a:p>
-            <a:r>
-              <a:rPr lang="sv-SE" dirty="0"/>
-              <a:t>        </a:t>
-            </a:r>
-            <a:r>
-              <a:rPr lang="sv-SE" dirty="0" err="1"/>
-              <a:t>throw</a:t>
-            </a:r>
-            <a:r>
-              <a:rPr lang="sv-SE" dirty="0"/>
-              <a:t> "Insufficient </a:t>
-            </a:r>
-            <a:r>
-              <a:rPr lang="sv-SE" dirty="0" err="1"/>
-              <a:t>funds</a:t>
-            </a:r>
-            <a:r>
-              <a:rPr lang="sv-SE" dirty="0"/>
-              <a:t>."</a:t>
-            </a:r>
-          </a:p>
-          <a:p>
-            <a:r>
-              <a:rPr lang="sv-SE" dirty="0"/>
-              <a:t>    }</a:t>
-            </a:r>
-          </a:p>
-          <a:p>
-            <a:r>
-              <a:rPr lang="sv-SE" dirty="0"/>
-              <a:t>    </a:t>
-            </a:r>
-            <a:r>
-              <a:rPr lang="sv-SE" dirty="0" err="1"/>
-              <a:t>accountBalance</a:t>
-            </a:r>
-            <a:r>
-              <a:rPr lang="sv-SE" dirty="0"/>
-              <a:t> -= </a:t>
-            </a:r>
-            <a:r>
-              <a:rPr lang="sv-SE" dirty="0" err="1"/>
-              <a:t>amount</a:t>
-            </a:r>
-            <a:r>
-              <a:rPr lang="sv-SE" dirty="0"/>
-              <a:t>;</a:t>
-            </a:r>
-          </a:p>
-          <a:p>
-            <a:r>
-              <a:rPr lang="sv-SE" dirty="0"/>
-              <a:t>    </a:t>
-            </a:r>
-          </a:p>
-          <a:p>
-            <a:r>
-              <a:rPr lang="sv-SE" dirty="0"/>
-              <a:t>}</a:t>
-            </a:r>
-          </a:p>
-          <a:p>
-            <a:endParaRPr lang="sv-SE" dirty="0"/>
-          </a:p>
-          <a:p>
-            <a:r>
-              <a:rPr lang="sv-SE" dirty="0" err="1"/>
-              <a:t>buy</a:t>
-            </a:r>
-            <a:r>
-              <a:rPr lang="sv-SE" dirty="0"/>
-              <a:t>(PRODUCTS[2],</a:t>
-            </a:r>
-            <a:r>
-              <a:rPr lang="sv-SE" dirty="0" err="1"/>
-              <a:t>function</a:t>
-            </a:r>
-            <a:r>
-              <a:rPr lang="sv-SE" dirty="0"/>
-              <a:t>(</a:t>
-            </a:r>
-            <a:r>
-              <a:rPr lang="sv-SE" dirty="0" err="1"/>
-              <a:t>err</a:t>
-            </a:r>
-            <a:r>
-              <a:rPr lang="sv-SE" dirty="0"/>
-              <a:t>){</a:t>
-            </a:r>
-          </a:p>
-          <a:p>
-            <a:r>
-              <a:rPr lang="sv-SE" dirty="0"/>
-              <a:t>    </a:t>
-            </a:r>
-            <a:r>
-              <a:rPr lang="sv-SE" dirty="0" err="1"/>
-              <a:t>if</a:t>
-            </a:r>
-            <a:r>
-              <a:rPr lang="sv-SE" dirty="0"/>
-              <a:t>(</a:t>
-            </a:r>
-            <a:r>
-              <a:rPr lang="sv-SE" dirty="0" err="1"/>
-              <a:t>err</a:t>
-            </a:r>
-            <a:r>
-              <a:rPr lang="sv-SE" dirty="0"/>
-              <a:t>){</a:t>
-            </a:r>
-          </a:p>
-          <a:p>
-            <a:r>
-              <a:rPr lang="sv-SE" dirty="0"/>
-              <a:t>        console.log(</a:t>
-            </a:r>
-            <a:r>
-              <a:rPr lang="sv-SE" dirty="0" err="1"/>
-              <a:t>err</a:t>
-            </a:r>
-            <a:r>
-              <a:rPr lang="sv-SE" dirty="0"/>
-              <a:t>);</a:t>
-            </a:r>
-          </a:p>
-          <a:p>
-            <a:r>
-              <a:rPr lang="sv-SE" dirty="0"/>
-              <a:t>    }</a:t>
-            </a:r>
-          </a:p>
-          <a:p>
-            <a:r>
-              <a:rPr lang="sv-SE" dirty="0"/>
-              <a:t>    </a:t>
-            </a:r>
-            <a:r>
-              <a:rPr lang="sv-SE" dirty="0" err="1"/>
-              <a:t>else</a:t>
-            </a:r>
-            <a:r>
-              <a:rPr lang="sv-SE" dirty="0"/>
-              <a:t>{</a:t>
-            </a:r>
-          </a:p>
-          <a:p>
-            <a:r>
-              <a:rPr lang="sv-SE" dirty="0"/>
-              <a:t>        console.log("You </a:t>
-            </a:r>
-            <a:r>
-              <a:rPr lang="sv-SE" dirty="0" err="1"/>
-              <a:t>balance</a:t>
-            </a:r>
-            <a:r>
-              <a:rPr lang="sv-SE" dirty="0"/>
-              <a:t> is " + </a:t>
-            </a:r>
-            <a:r>
-              <a:rPr lang="sv-SE" dirty="0" err="1"/>
-              <a:t>accountBalance.toFixed</a:t>
-            </a:r>
-            <a:r>
-              <a:rPr lang="sv-SE" dirty="0"/>
-              <a:t>(2) + " SEK");</a:t>
-            </a:r>
-          </a:p>
-          <a:p>
-            <a:r>
-              <a:rPr lang="sv-SE" dirty="0"/>
-              <a:t>    }</a:t>
-            </a:r>
-          </a:p>
-          <a:p>
-            <a:r>
-              <a:rPr lang="sv-SE" dirty="0"/>
-              <a:t>});</a:t>
-            </a:r>
-          </a:p>
-          <a:p>
-            <a:endParaRPr lang="sv-SE" dirty="0"/>
-          </a:p>
-          <a:p>
-            <a:r>
-              <a:rPr lang="sv-SE" dirty="0"/>
-              <a:t>// </a:t>
-            </a:r>
-            <a:r>
-              <a:rPr lang="sv-SE" dirty="0" err="1"/>
-              <a:t>Expected</a:t>
-            </a:r>
-            <a:r>
-              <a:rPr lang="sv-SE" dirty="0"/>
-              <a:t> output:</a:t>
-            </a:r>
-          </a:p>
-          <a:p>
-            <a:r>
-              <a:rPr lang="sv-SE" dirty="0"/>
-              <a:t>// You </a:t>
-            </a:r>
-            <a:r>
-              <a:rPr lang="sv-SE" dirty="0" err="1"/>
-              <a:t>bought</a:t>
-            </a:r>
-            <a:r>
-              <a:rPr lang="sv-SE" dirty="0"/>
-              <a:t> a Snickers for 8.2 SEK</a:t>
-            </a:r>
-          </a:p>
-          <a:p>
-            <a:r>
-              <a:rPr lang="sv-SE" dirty="0"/>
-              <a:t>// VAT: 1.64 SEK</a:t>
-            </a:r>
-          </a:p>
-          <a:p>
-            <a:r>
-              <a:rPr lang="sv-SE" dirty="0"/>
-              <a:t>// You </a:t>
-            </a:r>
-            <a:r>
-              <a:rPr lang="sv-SE" dirty="0" err="1"/>
-              <a:t>balance</a:t>
-            </a:r>
-            <a:r>
-              <a:rPr lang="sv-SE" dirty="0"/>
-              <a:t> is 91.8 SEK</a:t>
-            </a:r>
-          </a:p>
-          <a:p>
-            <a:endParaRPr lang="sv-SE" dirty="0"/>
-          </a:p>
-        </p:txBody>
-      </p:sp>
-      <p:sp>
-        <p:nvSpPr>
-          <p:cNvPr id="4" name="Slide Number Placeholder 3"/>
-          <p:cNvSpPr>
-            <a:spLocks noGrp="1"/>
-          </p:cNvSpPr>
-          <p:nvPr>
-            <p:ph type="sldNum" sz="quarter" idx="10"/>
-          </p:nvPr>
-        </p:nvSpPr>
-        <p:spPr/>
-        <p:txBody>
-          <a:bodyPr/>
-          <a:lstStyle/>
-          <a:p>
-            <a:fld id="{7FB44AF9-6A08-4C3A-94E4-CB0AC0068279}" type="slidenum">
-              <a:rPr lang="sv-SE" smtClean="0"/>
-              <a:t>41</a:t>
-            </a:fld>
-            <a:endParaRPr lang="sv-SE"/>
-          </a:p>
-        </p:txBody>
-      </p:sp>
-    </p:spTree>
-    <p:extLst>
-      <p:ext uri="{BB962C8B-B14F-4D97-AF65-F5344CB8AC3E}">
-        <p14:creationId xmlns:p14="http://schemas.microsoft.com/office/powerpoint/2010/main" val="860473922"/>
-      </p:ext>
-    </p:extLst>
-  </p:cSld>
-  <p:clrMapOvr>
-    <a:masterClrMapping/>
-  </p:clrMapOvr>
-</p:notes>
-</file>
-
 <file path=ppt/notesSlides/notesSlide3.xml><?xml version="1.0" encoding="utf-8"?>
 <p:notes xmlns:a="http://schemas.openxmlformats.org/drawingml/2006/main" xmlns:r="http://schemas.openxmlformats.org/officeDocument/2006/relationships" xmlns:p="http://schemas.openxmlformats.org/presentationml/2006/main">
   <p:cSld>
@@ -2450,7 +2108,7 @@
           <a:p>
             <a:fld id="{7FB44AF9-6A08-4C3A-94E4-CB0AC0068279}" type="slidenum">
               <a:rPr lang="sv-SE" smtClean="0"/>
-              <a:t>18</a:t>
+              <a:t>16</a:t>
             </a:fld>
             <a:endParaRPr lang="sv-SE"/>
           </a:p>
@@ -2575,7 +2233,7 @@
           <a:p>
             <a:fld id="{7FB44AF9-6A08-4C3A-94E4-CB0AC0068279}" type="slidenum">
               <a:rPr lang="sv-SE" smtClean="0"/>
-              <a:t>19</a:t>
+              <a:t>17</a:t>
             </a:fld>
             <a:endParaRPr lang="sv-SE"/>
           </a:p>
@@ -2679,7 +2337,7 @@
           <a:p>
             <a:fld id="{7FB44AF9-6A08-4C3A-94E4-CB0AC0068279}" type="slidenum">
               <a:rPr lang="sv-SE" smtClean="0"/>
-              <a:t>20</a:t>
+              <a:t>18</a:t>
             </a:fld>
             <a:endParaRPr lang="sv-SE"/>
           </a:p>
@@ -2763,7 +2421,7 @@
           <a:p>
             <a:fld id="{7FB44AF9-6A08-4C3A-94E4-CB0AC0068279}" type="slidenum">
               <a:rPr lang="sv-SE" smtClean="0"/>
-              <a:t>21</a:t>
+              <a:t>19</a:t>
             </a:fld>
             <a:endParaRPr lang="sv-SE"/>
           </a:p>
@@ -2772,7 +2430,7 @@
     </p:spTree>
     <p:extLst>
       <p:ext uri="{BB962C8B-B14F-4D97-AF65-F5344CB8AC3E}">
-        <p14:creationId xmlns:p14="http://schemas.microsoft.com/office/powerpoint/2010/main" val="3034054224"/>
+        <p14:creationId xmlns:p14="http://schemas.microsoft.com/office/powerpoint/2010/main" val="508674689"/>
       </p:ext>
     </p:extLst>
   </p:cSld>
@@ -2847,7 +2505,7 @@
           <a:p>
             <a:fld id="{7FB44AF9-6A08-4C3A-94E4-CB0AC0068279}" type="slidenum">
               <a:rPr lang="sv-SE" smtClean="0"/>
-              <a:t>22</a:t>
+              <a:t>20</a:t>
             </a:fld>
             <a:endParaRPr lang="sv-SE"/>
           </a:p>
@@ -2856,7 +2514,7 @@
     </p:spTree>
     <p:extLst>
       <p:ext uri="{BB962C8B-B14F-4D97-AF65-F5344CB8AC3E}">
-        <p14:creationId xmlns:p14="http://schemas.microsoft.com/office/powerpoint/2010/main" val="508674689"/>
+        <p14:creationId xmlns:p14="http://schemas.microsoft.com/office/powerpoint/2010/main" val="2277143331"/>
       </p:ext>
     </p:extLst>
   </p:cSld>
@@ -2912,6 +2570,26 @@
           <a:p>
             <a:endParaRPr lang="sv-SE" dirty="0"/>
           </a:p>
+          <a:p>
+            <a:r>
+              <a:rPr lang="sv-SE" dirty="0"/>
+              <a:t>var a = 12.12345;</a:t>
+            </a:r>
+          </a:p>
+          <a:p>
+            <a:r>
+              <a:rPr lang="sv-SE" dirty="0"/>
+              <a:t>var b = </a:t>
+            </a:r>
+            <a:r>
+              <a:rPr lang="sv-SE" dirty="0" err="1"/>
+              <a:t>a.toFixed</a:t>
+            </a:r>
+            <a:r>
+              <a:rPr lang="sv-SE" dirty="0"/>
+              <a:t>(2) / 1;</a:t>
+            </a:r>
+          </a:p>
         </p:txBody>
       </p:sp>
       <p:sp>
@@ -2931,7 +2609,7 @@
           <a:p>
             <a:fld id="{7FB44AF9-6A08-4C3A-94E4-CB0AC0068279}" type="slidenum">
               <a:rPr lang="sv-SE" smtClean="0"/>
-              <a:t>23</a:t>
+              <a:t>21</a:t>
             </a:fld>
             <a:endParaRPr lang="sv-SE"/>
           </a:p>
@@ -2940,7 +2618,7 @@
     </p:spTree>
     <p:extLst>
       <p:ext uri="{BB962C8B-B14F-4D97-AF65-F5344CB8AC3E}">
-        <p14:creationId xmlns:p14="http://schemas.microsoft.com/office/powerpoint/2010/main" val="2277143331"/>
+        <p14:creationId xmlns:p14="http://schemas.microsoft.com/office/powerpoint/2010/main" val="722343129"/>
       </p:ext>
     </p:extLst>
   </p:cSld>
@@ -2996,26 +2674,6 @@
           <a:p>
             <a:endParaRPr lang="sv-SE" dirty="0"/>
           </a:p>
-          <a:p>
-            <a:r>
-              <a:rPr lang="sv-SE" dirty="0"/>
-              <a:t>var a = 12.12345;</a:t>
-            </a:r>
-          </a:p>
-          <a:p>
-            <a:r>
-              <a:rPr lang="sv-SE" dirty="0"/>
-              <a:t>var b = </a:t>
-            </a:r>
-            <a:r>
-              <a:rPr lang="sv-SE" dirty="0" err="1"/>
-              <a:t>a.toFixed</a:t>
-            </a:r>
-            <a:r>
-              <a:rPr lang="sv-SE" dirty="0"/>
-              <a:t>(2) / 1;</a:t>
-            </a:r>
-          </a:p>
         </p:txBody>
       </p:sp>
       <p:sp>
@@ -3035,7 +2693,7 @@
           <a:p>
             <a:fld id="{7FB44AF9-6A08-4C3A-94E4-CB0AC0068279}" type="slidenum">
               <a:rPr lang="sv-SE" smtClean="0"/>
-              <a:t>24</a:t>
+              <a:t>22</a:t>
             </a:fld>
             <a:endParaRPr lang="sv-SE"/>
           </a:p>
@@ -3044,7 +2702,7 @@
     </p:spTree>
     <p:extLst>
       <p:ext uri="{BB962C8B-B14F-4D97-AF65-F5344CB8AC3E}">
-        <p14:creationId xmlns:p14="http://schemas.microsoft.com/office/powerpoint/2010/main" val="722343129"/>
+        <p14:creationId xmlns:p14="http://schemas.microsoft.com/office/powerpoint/2010/main" val="3315574391"/>
       </p:ext>
     </p:extLst>
   </p:cSld>
@@ -15347,1222 +15005,6 @@
       </p:grpSpPr>
       <p:sp>
         <p:nvSpPr>
-          <p:cNvPr id="10" name="Rectangle 9"/>
-          <p:cNvSpPr/>
-          <p:nvPr/>
-        </p:nvSpPr>
-        <p:spPr>
-          <a:xfrm>
-            <a:off x="0" y="3567350"/>
-            <a:ext cx="12192000" cy="3290650"/>
-          </a:xfrm>
-          <a:prstGeom prst="rect">
-            <a:avLst/>
-          </a:prstGeom>
-          <a:solidFill>
-            <a:schemeClr val="tx1"/>
-          </a:solidFill>
-          <a:ln>
-            <a:noFill/>
-          </a:ln>
-        </p:spPr>
-        <p:style>
-          <a:lnRef idx="2">
-            <a:schemeClr val="accent1">
-              <a:shade val="50000"/>
-            </a:schemeClr>
-          </a:lnRef>
-          <a:fillRef idx="1">
-            <a:schemeClr val="accent1"/>
-          </a:fillRef>
-          <a:effectRef idx="0">
-            <a:schemeClr val="accent1"/>
-          </a:effectRef>
-          <a:fontRef idx="minor">
-            <a:schemeClr val="lt1"/>
-          </a:fontRef>
-        </p:style>
-        <p:txBody>
-          <a:bodyPr rtlCol="0" anchor="ctr"/>
-          <a:lstStyle/>
-          <a:p>
-            <a:pPr algn="ctr"/>
-            <a:endParaRPr lang="en-US"/>
-          </a:p>
-        </p:txBody>
-      </p:sp>
-      <p:sp>
-        <p:nvSpPr>
-          <p:cNvPr id="2" name="Title 1"/>
-          <p:cNvSpPr>
-            <a:spLocks noGrp="1"/>
-          </p:cNvSpPr>
-          <p:nvPr>
-            <p:ph type="title"/>
-          </p:nvPr>
-        </p:nvSpPr>
-        <p:spPr/>
-        <p:txBody>
-          <a:bodyPr/>
-          <a:lstStyle/>
-          <a:p>
-            <a:r>
-              <a:rPr lang="en-US" dirty="0"/>
-              <a:t>What is Node.js?</a:t>
-            </a:r>
-          </a:p>
-        </p:txBody>
-      </p:sp>
-      <p:sp>
-        <p:nvSpPr>
-          <p:cNvPr id="5" name="Content Placeholder 4"/>
-          <p:cNvSpPr>
-            <a:spLocks noGrp="1"/>
-          </p:cNvSpPr>
-          <p:nvPr>
-            <p:ph idx="1"/>
-          </p:nvPr>
-        </p:nvSpPr>
-        <p:spPr>
-          <a:xfrm>
-            <a:off x="838200" y="1196451"/>
-            <a:ext cx="10515600" cy="2234646"/>
-          </a:xfrm>
-        </p:spPr>
-        <p:txBody>
-          <a:bodyPr/>
-          <a:lstStyle/>
-          <a:p>
-            <a:pPr marL="0" indent="0">
-              <a:buNone/>
-            </a:pPr>
-            <a:r>
-              <a:rPr lang="sv-SE" sz="3600" dirty="0"/>
-              <a:t>The </a:t>
-            </a:r>
-            <a:r>
-              <a:rPr lang="sv-SE" sz="3600" dirty="0" err="1"/>
-              <a:t>project</a:t>
-            </a:r>
-            <a:endParaRPr lang="en-US" dirty="0"/>
-          </a:p>
-          <a:p>
-            <a:r>
-              <a:rPr lang="en-US" dirty="0"/>
-              <a:t>The Node.js project is supported by the Node.js Foundation</a:t>
-            </a:r>
-          </a:p>
-          <a:p>
-            <a:r>
-              <a:rPr lang="en-US" dirty="0"/>
-              <a:t>Sourced at </a:t>
-            </a:r>
-            <a:r>
-              <a:rPr lang="en-US" dirty="0" err="1"/>
-              <a:t>Github</a:t>
-            </a:r>
-            <a:endParaRPr lang="en-US" dirty="0"/>
-          </a:p>
-          <a:p>
-            <a:r>
-              <a:rPr lang="en-US" dirty="0"/>
-              <a:t>Managed under an open governance model</a:t>
-            </a:r>
-          </a:p>
-        </p:txBody>
-      </p:sp>
-      <p:pic>
-        <p:nvPicPr>
-          <p:cNvPr id="6" name="Picture 5"/>
-          <p:cNvPicPr>
-            <a:picLocks noChangeAspect="1"/>
-          </p:cNvPicPr>
-          <p:nvPr/>
-        </p:nvPicPr>
-        <p:blipFill>
-          <a:blip r:embed="rId2"/>
-          <a:stretch>
-            <a:fillRect/>
-          </a:stretch>
-        </p:blipFill>
-        <p:spPr>
-          <a:xfrm>
-            <a:off x="1254626" y="3939017"/>
-            <a:ext cx="5295547" cy="2547316"/>
-          </a:xfrm>
-          <a:prstGeom prst="rect">
-            <a:avLst/>
-          </a:prstGeom>
-        </p:spPr>
-      </p:pic>
-      <p:pic>
-        <p:nvPicPr>
-          <p:cNvPr id="9" name="Picture 8"/>
-          <p:cNvPicPr>
-            <a:picLocks noChangeAspect="1"/>
-          </p:cNvPicPr>
-          <p:nvPr/>
-        </p:nvPicPr>
-        <p:blipFill>
-          <a:blip r:embed="rId3"/>
-          <a:stretch>
-            <a:fillRect/>
-          </a:stretch>
-        </p:blipFill>
-        <p:spPr>
-          <a:xfrm>
-            <a:off x="6684397" y="3870090"/>
-            <a:ext cx="4573628" cy="2616243"/>
-          </a:xfrm>
-          <a:prstGeom prst="rect">
-            <a:avLst/>
-          </a:prstGeom>
-        </p:spPr>
-      </p:pic>
-    </p:spTree>
-    <p:extLst>
-      <p:ext uri="{BB962C8B-B14F-4D97-AF65-F5344CB8AC3E}">
-        <p14:creationId xmlns:p14="http://schemas.microsoft.com/office/powerpoint/2010/main" val="1518961375"/>
-      </p:ext>
-    </p:extLst>
-  </p:cSld>
-  <p:clrMapOvr>
-    <a:masterClrMapping/>
-  </p:clrMapOvr>
-</p:sld>
-</file>
-
-<file path=ppt/slides/slide16.xml><?xml version="1.0" encoding="utf-8"?>
-<p:sld xmlns:a="http://schemas.openxmlformats.org/drawingml/2006/main" xmlns:r="http://schemas.openxmlformats.org/officeDocument/2006/relationships" xmlns:p="http://schemas.openxmlformats.org/presentationml/2006/main" show="0">
-  <p:cSld>
-    <p:spTree>
-      <p:nvGrpSpPr>
-        <p:cNvPr id="1" name=""/>
-        <p:cNvGrpSpPr/>
-        <p:nvPr/>
-      </p:nvGrpSpPr>
-      <p:grpSpPr>
-        <a:xfrm>
-          <a:off x="0" y="0"/>
-          <a:ext cx="0" cy="0"/>
-          <a:chOff x="0" y="0"/>
-          <a:chExt cx="0" cy="0"/>
-        </a:xfrm>
-      </p:grpSpPr>
-      <p:grpSp>
-        <p:nvGrpSpPr>
-          <p:cNvPr id="7" name="Group 6"/>
-          <p:cNvGrpSpPr/>
-          <p:nvPr/>
-        </p:nvGrpSpPr>
-        <p:grpSpPr>
-          <a:xfrm>
-            <a:off x="1234440" y="2375710"/>
-            <a:ext cx="9646920" cy="4664355"/>
-            <a:chOff x="1234440" y="2375710"/>
-            <a:chExt cx="9646920" cy="4664355"/>
-          </a:xfrm>
-        </p:grpSpPr>
-        <p:sp>
-          <p:nvSpPr>
-            <p:cNvPr id="4" name="Rectangle 3"/>
-            <p:cNvSpPr/>
-            <p:nvPr/>
-          </p:nvSpPr>
-          <p:spPr>
-            <a:xfrm>
-              <a:off x="1234440" y="2843784"/>
-              <a:ext cx="9646920" cy="3812973"/>
-            </a:xfrm>
-            <a:prstGeom prst="rect">
-              <a:avLst/>
-            </a:prstGeom>
-            <a:solidFill>
-              <a:schemeClr val="tx1"/>
-            </a:solidFill>
-          </p:spPr>
-          <p:style>
-            <a:lnRef idx="2">
-              <a:schemeClr val="accent1">
-                <a:shade val="50000"/>
-              </a:schemeClr>
-            </a:lnRef>
-            <a:fillRef idx="1">
-              <a:schemeClr val="accent1"/>
-            </a:fillRef>
-            <a:effectRef idx="0">
-              <a:schemeClr val="accent1"/>
-            </a:effectRef>
-            <a:fontRef idx="minor">
-              <a:schemeClr val="lt1"/>
-            </a:fontRef>
-          </p:style>
-          <p:txBody>
-            <a:bodyPr rtlCol="0" anchor="ctr"/>
-            <a:lstStyle/>
-            <a:p>
-              <a:pPr algn="ctr"/>
-              <a:endParaRPr lang="en-US"/>
-            </a:p>
-          </p:txBody>
-        </p:sp>
-        <p:pic>
-          <p:nvPicPr>
-            <p:cNvPr id="2050" name="Picture 2" descr="LTS Schedule"/>
-            <p:cNvPicPr>
-              <a:picLocks noChangeAspect="1" noChangeArrowheads="1"/>
-            </p:cNvPicPr>
-            <p:nvPr/>
-          </p:nvPicPr>
-          <p:blipFill>
-            <a:blip r:embed="rId2">
-              <a:extLst>
-                <a:ext uri="{28A0092B-C50C-407E-A947-70E740481C1C}">
-                  <a14:useLocalDpi xmlns:a14="http://schemas.microsoft.com/office/drawing/2010/main" val="0"/>
-                </a:ext>
-              </a:extLst>
-            </a:blip>
-            <a:srcRect/>
-            <a:stretch>
-              <a:fillRect/>
-            </a:stretch>
-          </p:blipFill>
-          <p:spPr bwMode="auto">
-            <a:xfrm>
-              <a:off x="1677721" y="2375710"/>
-              <a:ext cx="8799372" cy="4664355"/>
-            </a:xfrm>
-            <a:prstGeom prst="rect">
-              <a:avLst/>
-            </a:prstGeom>
-            <a:noFill/>
-            <a:extLst>
-              <a:ext uri="{909E8E84-426E-40DD-AFC4-6F175D3DCCD1}">
-                <a14:hiddenFill xmlns:a14="http://schemas.microsoft.com/office/drawing/2010/main">
-                  <a:solidFill>
-                    <a:srgbClr val="FFFFFF"/>
-                  </a:solidFill>
-                </a14:hiddenFill>
-              </a:ext>
-            </a:extLst>
-          </p:spPr>
-        </p:pic>
-      </p:grpSp>
-      <p:sp>
-        <p:nvSpPr>
-          <p:cNvPr id="3" name="Rectangle 2"/>
-          <p:cNvSpPr/>
-          <p:nvPr/>
-        </p:nvSpPr>
-        <p:spPr>
-          <a:xfrm>
-            <a:off x="0" y="146304"/>
-            <a:ext cx="12192000" cy="2759978"/>
-          </a:xfrm>
-          <a:prstGeom prst="rect">
-            <a:avLst/>
-          </a:prstGeom>
-          <a:solidFill>
-            <a:schemeClr val="bg1"/>
-          </a:solidFill>
-          <a:ln>
-            <a:noFill/>
-          </a:ln>
-        </p:spPr>
-        <p:style>
-          <a:lnRef idx="2">
-            <a:schemeClr val="accent1">
-              <a:shade val="50000"/>
-            </a:schemeClr>
-          </a:lnRef>
-          <a:fillRef idx="1">
-            <a:schemeClr val="accent1"/>
-          </a:fillRef>
-          <a:effectRef idx="0">
-            <a:schemeClr val="accent1"/>
-          </a:effectRef>
-          <a:fontRef idx="minor">
-            <a:schemeClr val="lt1"/>
-          </a:fontRef>
-        </p:style>
-        <p:txBody>
-          <a:bodyPr rtlCol="0" anchor="ctr"/>
-          <a:lstStyle/>
-          <a:p>
-            <a:pPr algn="ctr"/>
-            <a:endParaRPr lang="en-US"/>
-          </a:p>
-        </p:txBody>
-      </p:sp>
-      <p:sp>
-        <p:nvSpPr>
-          <p:cNvPr id="2" name="Title 1"/>
-          <p:cNvSpPr>
-            <a:spLocks noGrp="1"/>
-          </p:cNvSpPr>
-          <p:nvPr>
-            <p:ph type="title"/>
-          </p:nvPr>
-        </p:nvSpPr>
-        <p:spPr/>
-        <p:txBody>
-          <a:bodyPr/>
-          <a:lstStyle/>
-          <a:p>
-            <a:r>
-              <a:rPr lang="en-US" dirty="0"/>
-              <a:t>What is Node.js?</a:t>
-            </a:r>
-          </a:p>
-        </p:txBody>
-      </p:sp>
-      <p:sp>
-        <p:nvSpPr>
-          <p:cNvPr id="5" name="Content Placeholder 4"/>
-          <p:cNvSpPr>
-            <a:spLocks noGrp="1"/>
-          </p:cNvSpPr>
-          <p:nvPr>
-            <p:ph idx="1"/>
-          </p:nvPr>
-        </p:nvSpPr>
-        <p:spPr>
-          <a:xfrm>
-            <a:off x="838200" y="1196451"/>
-            <a:ext cx="10515600" cy="2234646"/>
-          </a:xfrm>
-        </p:spPr>
-        <p:txBody>
-          <a:bodyPr/>
-          <a:lstStyle/>
-          <a:p>
-            <a:pPr marL="0" indent="0">
-              <a:buNone/>
-            </a:pPr>
-            <a:r>
-              <a:rPr lang="sv-SE" sz="3600" dirty="0" err="1"/>
-              <a:t>Versioning</a:t>
-            </a:r>
-            <a:endParaRPr lang="en-US" dirty="0"/>
-          </a:p>
-          <a:p>
-            <a:r>
-              <a:rPr lang="en-US" dirty="0"/>
-              <a:t>CURRENT - </a:t>
-            </a:r>
-            <a:r>
-              <a:rPr lang="en-US" sz="2400" i="1" dirty="0"/>
-              <a:t>Released from active development branches of this repository</a:t>
-            </a:r>
-          </a:p>
-          <a:p>
-            <a:r>
-              <a:rPr lang="en-US" dirty="0"/>
-              <a:t>LTS - </a:t>
-            </a:r>
-            <a:r>
-              <a:rPr lang="en-US" sz="2400" i="1" dirty="0"/>
-              <a:t>Releases that receive Long-term Support (18 + </a:t>
-            </a:r>
-            <a:r>
-              <a:rPr lang="en-US" sz="2400" i="1"/>
-              <a:t>12 months)</a:t>
-            </a:r>
-            <a:endParaRPr lang="en-US" sz="2400" i="1" dirty="0"/>
-          </a:p>
-        </p:txBody>
-      </p:sp>
-      <p:sp>
-        <p:nvSpPr>
-          <p:cNvPr id="15" name="Rectangle 14"/>
-          <p:cNvSpPr/>
-          <p:nvPr/>
-        </p:nvSpPr>
-        <p:spPr>
-          <a:xfrm>
-            <a:off x="1677721" y="3374356"/>
-            <a:ext cx="8707773" cy="2877424"/>
-          </a:xfrm>
-          <a:prstGeom prst="rect">
-            <a:avLst/>
-          </a:prstGeom>
-          <a:noFill/>
-          <a:ln>
-            <a:solidFill>
-              <a:schemeClr val="tx1"/>
-            </a:solidFill>
-          </a:ln>
-        </p:spPr>
-        <p:style>
-          <a:lnRef idx="2">
-            <a:schemeClr val="accent1">
-              <a:shade val="50000"/>
-            </a:schemeClr>
-          </a:lnRef>
-          <a:fillRef idx="1">
-            <a:schemeClr val="accent1"/>
-          </a:fillRef>
-          <a:effectRef idx="0">
-            <a:schemeClr val="accent1"/>
-          </a:effectRef>
-          <a:fontRef idx="minor">
-            <a:schemeClr val="lt1"/>
-          </a:fontRef>
-        </p:style>
-        <p:txBody>
-          <a:bodyPr rtlCol="0" anchor="ctr"/>
-          <a:lstStyle/>
-          <a:p>
-            <a:pPr algn="ctr"/>
-            <a:endParaRPr lang="en-US"/>
-          </a:p>
-        </p:txBody>
-      </p:sp>
-      <p:graphicFrame>
-        <p:nvGraphicFramePr>
-          <p:cNvPr id="16" name="Table 15"/>
-          <p:cNvGraphicFramePr>
-            <a:graphicFrameLocks noGrp="1"/>
-          </p:cNvGraphicFramePr>
-          <p:nvPr>
-            <p:extLst>
-              <p:ext uri="{D42A27DB-BD31-4B8C-83A1-F6EECF244321}">
-                <p14:modId xmlns:p14="http://schemas.microsoft.com/office/powerpoint/2010/main" val="703517497"/>
-              </p:ext>
-            </p:extLst>
-          </p:nvPr>
-        </p:nvGraphicFramePr>
-        <p:xfrm>
-          <a:off x="1789417" y="3497210"/>
-          <a:ext cx="8462010" cy="2606040"/>
-        </p:xfrm>
-        <a:graphic>
-          <a:graphicData uri="http://schemas.openxmlformats.org/drawingml/2006/table">
-            <a:tbl>
-              <a:tblPr>
-                <a:tableStyleId>{ED083AE6-46FA-4A59-8FB0-9F97EB10719F}</a:tableStyleId>
-              </a:tblPr>
-              <a:tblGrid>
-                <a:gridCol w="1692402">
-                  <a:extLst>
-                    <a:ext uri="{9D8B030D-6E8A-4147-A177-3AD203B41FA5}">
-                      <a16:colId xmlns:a16="http://schemas.microsoft.com/office/drawing/2014/main" val="2641742158"/>
-                    </a:ext>
-                  </a:extLst>
-                </a:gridCol>
-                <a:gridCol w="1692402">
-                  <a:extLst>
-                    <a:ext uri="{9D8B030D-6E8A-4147-A177-3AD203B41FA5}">
-                      <a16:colId xmlns:a16="http://schemas.microsoft.com/office/drawing/2014/main" val="3120958769"/>
-                    </a:ext>
-                  </a:extLst>
-                </a:gridCol>
-                <a:gridCol w="1692402">
-                  <a:extLst>
-                    <a:ext uri="{9D8B030D-6E8A-4147-A177-3AD203B41FA5}">
-                      <a16:colId xmlns:a16="http://schemas.microsoft.com/office/drawing/2014/main" val="226789329"/>
-                    </a:ext>
-                  </a:extLst>
-                </a:gridCol>
-                <a:gridCol w="1692402">
-                  <a:extLst>
-                    <a:ext uri="{9D8B030D-6E8A-4147-A177-3AD203B41FA5}">
-                      <a16:colId xmlns:a16="http://schemas.microsoft.com/office/drawing/2014/main" val="1744860258"/>
-                    </a:ext>
-                  </a:extLst>
-                </a:gridCol>
-                <a:gridCol w="1692402">
-                  <a:extLst>
-                    <a:ext uri="{9D8B030D-6E8A-4147-A177-3AD203B41FA5}">
-                      <a16:colId xmlns:a16="http://schemas.microsoft.com/office/drawing/2014/main" val="2291356948"/>
-                    </a:ext>
-                  </a:extLst>
-                </a:gridCol>
-              </a:tblGrid>
-              <a:tr h="0">
-                <a:tc>
-                  <a:txBody>
-                    <a:bodyPr/>
-                    <a:lstStyle/>
-                    <a:p>
-                      <a:r>
-                        <a:rPr lang="en-US" b="1" dirty="0">
-                          <a:effectLst/>
-                        </a:rPr>
-                        <a:t>LTS Status</a:t>
-                      </a:r>
-                    </a:p>
-                  </a:txBody>
-                  <a:tcPr marL="123825" marR="123825" marT="57150" marB="57150" anchor="ctr"/>
-                </a:tc>
-                <a:tc>
-                  <a:txBody>
-                    <a:bodyPr/>
-                    <a:lstStyle/>
-                    <a:p>
-                      <a:r>
-                        <a:rPr lang="en-US" b="1">
-                          <a:effectLst/>
-                        </a:rPr>
-                        <a:t>Release</a:t>
-                      </a:r>
-                    </a:p>
-                  </a:txBody>
-                  <a:tcPr marL="123825" marR="123825" marT="57150" marB="57150" anchor="ctr"/>
-                </a:tc>
-                <a:tc>
-                  <a:txBody>
-                    <a:bodyPr/>
-                    <a:lstStyle/>
-                    <a:p>
-                      <a:r>
-                        <a:rPr lang="en-US" b="1">
-                          <a:effectLst/>
-                        </a:rPr>
-                        <a:t>LTS Start</a:t>
-                      </a:r>
-                    </a:p>
-                  </a:txBody>
-                  <a:tcPr marL="123825" marR="123825" marT="57150" marB="57150" anchor="ctr"/>
-                </a:tc>
-                <a:tc>
-                  <a:txBody>
-                    <a:bodyPr/>
-                    <a:lstStyle/>
-                    <a:p>
-                      <a:r>
-                        <a:rPr lang="en-US" b="1">
-                          <a:effectLst/>
-                        </a:rPr>
-                        <a:t>Maintenance Start</a:t>
-                      </a:r>
-                    </a:p>
-                  </a:txBody>
-                  <a:tcPr marL="123825" marR="123825" marT="57150" marB="57150" anchor="ctr"/>
-                </a:tc>
-                <a:tc>
-                  <a:txBody>
-                    <a:bodyPr/>
-                    <a:lstStyle/>
-                    <a:p>
-                      <a:r>
-                        <a:rPr lang="en-US" b="1" dirty="0">
-                          <a:effectLst/>
-                        </a:rPr>
-                        <a:t>LTS End</a:t>
-                      </a:r>
-                    </a:p>
-                  </a:txBody>
-                  <a:tcPr marL="123825" marR="123825" marT="57150" marB="57150" anchor="ctr"/>
-                </a:tc>
-                <a:extLst>
-                  <a:ext uri="{0D108BD9-81ED-4DB2-BD59-A6C34878D82A}">
-                    <a16:rowId xmlns:a16="http://schemas.microsoft.com/office/drawing/2014/main" val="1779886554"/>
-                  </a:ext>
-                </a:extLst>
-              </a:tr>
-              <a:tr h="0">
-                <a:tc>
-                  <a:txBody>
-                    <a:bodyPr/>
-                    <a:lstStyle/>
-                    <a:p>
-                      <a:r>
-                        <a:rPr lang="en-US" b="1">
-                          <a:effectLst/>
-                        </a:rPr>
-                        <a:t>Maintenance</a:t>
-                      </a:r>
-                    </a:p>
-                  </a:txBody>
-                  <a:tcPr marL="123825" marR="123825" marT="57150" marB="57150" anchor="ctr"/>
-                </a:tc>
-                <a:tc>
-                  <a:txBody>
-                    <a:bodyPr/>
-                    <a:lstStyle/>
-                    <a:p>
-                      <a:r>
-                        <a:rPr lang="en-US">
-                          <a:effectLst/>
-                        </a:rPr>
-                        <a:t>v0.10</a:t>
-                      </a:r>
-                    </a:p>
-                  </a:txBody>
-                  <a:tcPr marL="123825" marR="123825" marT="57150" marB="57150" anchor="ctr"/>
-                </a:tc>
-                <a:tc>
-                  <a:txBody>
-                    <a:bodyPr/>
-                    <a:lstStyle/>
-                    <a:p>
-                      <a:r>
-                        <a:rPr lang="en-US">
-                          <a:effectLst/>
-                        </a:rPr>
-                        <a:t>-</a:t>
-                      </a:r>
-                    </a:p>
-                  </a:txBody>
-                  <a:tcPr marL="123825" marR="123825" marT="57150" marB="57150" anchor="ctr"/>
-                </a:tc>
-                <a:tc>
-                  <a:txBody>
-                    <a:bodyPr/>
-                    <a:lstStyle/>
-                    <a:p>
-                      <a:r>
-                        <a:rPr lang="en-US">
-                          <a:effectLst/>
-                        </a:rPr>
-                        <a:t>2015-10-01</a:t>
-                      </a:r>
-                    </a:p>
-                  </a:txBody>
-                  <a:tcPr marL="123825" marR="123825" marT="57150" marB="57150" anchor="ctr"/>
-                </a:tc>
-                <a:tc>
-                  <a:txBody>
-                    <a:bodyPr/>
-                    <a:lstStyle/>
-                    <a:p>
-                      <a:r>
-                        <a:rPr lang="en-US">
-                          <a:effectLst/>
-                        </a:rPr>
-                        <a:t>2016-10-31</a:t>
-                      </a:r>
-                    </a:p>
-                  </a:txBody>
-                  <a:tcPr marL="123825" marR="123825" marT="57150" marB="57150" anchor="ctr"/>
-                </a:tc>
-                <a:extLst>
-                  <a:ext uri="{0D108BD9-81ED-4DB2-BD59-A6C34878D82A}">
-                    <a16:rowId xmlns:a16="http://schemas.microsoft.com/office/drawing/2014/main" val="1172563107"/>
-                  </a:ext>
-                </a:extLst>
-              </a:tr>
-              <a:tr h="0">
-                <a:tc>
-                  <a:txBody>
-                    <a:bodyPr/>
-                    <a:lstStyle/>
-                    <a:p>
-                      <a:r>
-                        <a:rPr lang="en-US" b="1">
-                          <a:effectLst/>
-                        </a:rPr>
-                        <a:t>Maintenance</a:t>
-                      </a:r>
-                    </a:p>
-                  </a:txBody>
-                  <a:tcPr marL="123825" marR="123825" marT="57150" marB="57150" anchor="ctr"/>
-                </a:tc>
-                <a:tc>
-                  <a:txBody>
-                    <a:bodyPr/>
-                    <a:lstStyle/>
-                    <a:p>
-                      <a:r>
-                        <a:rPr lang="en-US">
-                          <a:effectLst/>
-                        </a:rPr>
-                        <a:t>v0.12</a:t>
-                      </a:r>
-                    </a:p>
-                  </a:txBody>
-                  <a:tcPr marL="123825" marR="123825" marT="57150" marB="57150" anchor="ctr"/>
-                </a:tc>
-                <a:tc>
-                  <a:txBody>
-                    <a:bodyPr/>
-                    <a:lstStyle/>
-                    <a:p>
-                      <a:r>
-                        <a:rPr lang="en-US">
-                          <a:effectLst/>
-                        </a:rPr>
-                        <a:t>-</a:t>
-                      </a:r>
-                    </a:p>
-                  </a:txBody>
-                  <a:tcPr marL="123825" marR="123825" marT="57150" marB="57150" anchor="ctr"/>
-                </a:tc>
-                <a:tc>
-                  <a:txBody>
-                    <a:bodyPr/>
-                    <a:lstStyle/>
-                    <a:p>
-                      <a:r>
-                        <a:rPr lang="en-US">
-                          <a:effectLst/>
-                        </a:rPr>
-                        <a:t>2016-04-01</a:t>
-                      </a:r>
-                    </a:p>
-                  </a:txBody>
-                  <a:tcPr marL="123825" marR="123825" marT="57150" marB="57150" anchor="ctr"/>
-                </a:tc>
-                <a:tc>
-                  <a:txBody>
-                    <a:bodyPr/>
-                    <a:lstStyle/>
-                    <a:p>
-                      <a:r>
-                        <a:rPr lang="en-US">
-                          <a:effectLst/>
-                        </a:rPr>
-                        <a:t>2016-12-31</a:t>
-                      </a:r>
-                    </a:p>
-                  </a:txBody>
-                  <a:tcPr marL="123825" marR="123825" marT="57150" marB="57150" anchor="ctr"/>
-                </a:tc>
-                <a:extLst>
-                  <a:ext uri="{0D108BD9-81ED-4DB2-BD59-A6C34878D82A}">
-                    <a16:rowId xmlns:a16="http://schemas.microsoft.com/office/drawing/2014/main" val="1279198617"/>
-                  </a:ext>
-                </a:extLst>
-              </a:tr>
-              <a:tr h="0">
-                <a:tc>
-                  <a:txBody>
-                    <a:bodyPr/>
-                    <a:lstStyle/>
-                    <a:p>
-                      <a:r>
-                        <a:rPr lang="en-US" b="1">
-                          <a:effectLst/>
-                        </a:rPr>
-                        <a:t>Active</a:t>
-                      </a:r>
-                    </a:p>
-                  </a:txBody>
-                  <a:tcPr marL="123825" marR="123825" marT="57150" marB="57150" anchor="ctr"/>
-                </a:tc>
-                <a:tc>
-                  <a:txBody>
-                    <a:bodyPr/>
-                    <a:lstStyle/>
-                    <a:p>
-                      <a:r>
-                        <a:rPr lang="en-US">
-                          <a:effectLst/>
-                        </a:rPr>
-                        <a:t>v4</a:t>
-                      </a:r>
-                    </a:p>
-                  </a:txBody>
-                  <a:tcPr marL="123825" marR="123825" marT="57150" marB="57150" anchor="ctr"/>
-                </a:tc>
-                <a:tc>
-                  <a:txBody>
-                    <a:bodyPr/>
-                    <a:lstStyle/>
-                    <a:p>
-                      <a:r>
-                        <a:rPr lang="en-US">
-                          <a:effectLst/>
-                        </a:rPr>
-                        <a:t>2015-10-01</a:t>
-                      </a:r>
-                    </a:p>
-                  </a:txBody>
-                  <a:tcPr marL="123825" marR="123825" marT="57150" marB="57150" anchor="ctr"/>
-                </a:tc>
-                <a:tc>
-                  <a:txBody>
-                    <a:bodyPr/>
-                    <a:lstStyle/>
-                    <a:p>
-                      <a:r>
-                        <a:rPr lang="en-US">
-                          <a:effectLst/>
-                        </a:rPr>
-                        <a:t>2017-04-01</a:t>
-                      </a:r>
-                    </a:p>
-                  </a:txBody>
-                  <a:tcPr marL="123825" marR="123825" marT="57150" marB="57150" anchor="ctr"/>
-                </a:tc>
-                <a:tc>
-                  <a:txBody>
-                    <a:bodyPr/>
-                    <a:lstStyle/>
-                    <a:p>
-                      <a:r>
-                        <a:rPr lang="en-US">
-                          <a:effectLst/>
-                        </a:rPr>
-                        <a:t>2018-04-01</a:t>
-                      </a:r>
-                    </a:p>
-                  </a:txBody>
-                  <a:tcPr marL="123825" marR="123825" marT="57150" marB="57150" anchor="ctr"/>
-                </a:tc>
-                <a:extLst>
-                  <a:ext uri="{0D108BD9-81ED-4DB2-BD59-A6C34878D82A}">
-                    <a16:rowId xmlns:a16="http://schemas.microsoft.com/office/drawing/2014/main" val="1212233067"/>
-                  </a:ext>
-                </a:extLst>
-              </a:tr>
-              <a:tr h="0">
-                <a:tc>
-                  <a:txBody>
-                    <a:bodyPr/>
-                    <a:lstStyle/>
-                    <a:p>
-                      <a:r>
-                        <a:rPr lang="en-US" b="1">
-                          <a:effectLst/>
-                        </a:rPr>
-                        <a:t>N/A</a:t>
-                      </a:r>
-                    </a:p>
-                  </a:txBody>
-                  <a:tcPr marL="123825" marR="123825" marT="57150" marB="57150" anchor="ctr"/>
-                </a:tc>
-                <a:tc>
-                  <a:txBody>
-                    <a:bodyPr/>
-                    <a:lstStyle/>
-                    <a:p>
-                      <a:r>
-                        <a:rPr lang="en-US">
-                          <a:effectLst/>
-                        </a:rPr>
-                        <a:t>v5</a:t>
-                      </a:r>
-                    </a:p>
-                  </a:txBody>
-                  <a:tcPr marL="123825" marR="123825" marT="57150" marB="57150" anchor="ctr"/>
-                </a:tc>
-                <a:tc gridSpan="3">
-                  <a:txBody>
-                    <a:bodyPr/>
-                    <a:lstStyle/>
-                    <a:p>
-                      <a:pPr algn="ctr"/>
-                      <a:r>
-                        <a:rPr lang="en-US">
-                          <a:effectLst/>
-                        </a:rPr>
-                        <a:t>N/A</a:t>
-                      </a:r>
-                    </a:p>
-                  </a:txBody>
-                  <a:tcPr marL="123825" marR="123825" marT="57150" marB="57150" anchor="ctr"/>
-                </a:tc>
-                <a:tc hMerge="1">
-                  <a:txBody>
-                    <a:bodyPr/>
-                    <a:lstStyle/>
-                    <a:p>
-                      <a:endParaRPr lang="en-US"/>
-                    </a:p>
-                  </a:txBody>
-                  <a:tcPr/>
-                </a:tc>
-                <a:tc hMerge="1">
-                  <a:txBody>
-                    <a:bodyPr/>
-                    <a:lstStyle/>
-                    <a:p>
-                      <a:endParaRPr lang="en-US"/>
-                    </a:p>
-                  </a:txBody>
-                  <a:tcPr/>
-                </a:tc>
-                <a:extLst>
-                  <a:ext uri="{0D108BD9-81ED-4DB2-BD59-A6C34878D82A}">
-                    <a16:rowId xmlns:a16="http://schemas.microsoft.com/office/drawing/2014/main" val="1919411180"/>
-                  </a:ext>
-                </a:extLst>
-              </a:tr>
-              <a:tr h="0">
-                <a:tc>
-                  <a:txBody>
-                    <a:bodyPr/>
-                    <a:lstStyle/>
-                    <a:p>
-                      <a:r>
-                        <a:rPr lang="en-US" b="1" dirty="0">
-                          <a:effectLst/>
-                        </a:rPr>
-                        <a:t>Pending</a:t>
-                      </a:r>
-                    </a:p>
-                  </a:txBody>
-                  <a:tcPr marL="123825" marR="123825" marT="57150" marB="57150" anchor="ctr"/>
-                </a:tc>
-                <a:tc>
-                  <a:txBody>
-                    <a:bodyPr/>
-                    <a:lstStyle/>
-                    <a:p>
-                      <a:r>
-                        <a:rPr lang="en-US">
-                          <a:effectLst/>
-                        </a:rPr>
-                        <a:t>v6</a:t>
-                      </a:r>
-                    </a:p>
-                  </a:txBody>
-                  <a:tcPr marL="123825" marR="123825" marT="57150" marB="57150" anchor="ctr"/>
-                </a:tc>
-                <a:tc>
-                  <a:txBody>
-                    <a:bodyPr/>
-                    <a:lstStyle/>
-                    <a:p>
-                      <a:r>
-                        <a:rPr lang="en-US">
-                          <a:effectLst/>
-                        </a:rPr>
-                        <a:t>2016-10-18</a:t>
-                      </a:r>
-                    </a:p>
-                  </a:txBody>
-                  <a:tcPr marL="123825" marR="123825" marT="57150" marB="57150" anchor="ctr"/>
-                </a:tc>
-                <a:tc>
-                  <a:txBody>
-                    <a:bodyPr/>
-                    <a:lstStyle/>
-                    <a:p>
-                      <a:r>
-                        <a:rPr lang="en-US">
-                          <a:effectLst/>
-                        </a:rPr>
-                        <a:t>2018-04-18</a:t>
-                      </a:r>
-                    </a:p>
-                  </a:txBody>
-                  <a:tcPr marL="123825" marR="123825" marT="57150" marB="57150" anchor="ctr"/>
-                </a:tc>
-                <a:tc>
-                  <a:txBody>
-                    <a:bodyPr/>
-                    <a:lstStyle/>
-                    <a:p>
-                      <a:r>
-                        <a:rPr lang="en-US" dirty="0">
-                          <a:effectLst/>
-                        </a:rPr>
-                        <a:t>2019-04-18</a:t>
-                      </a:r>
-                    </a:p>
-                  </a:txBody>
-                  <a:tcPr marL="123825" marR="123825" marT="57150" marB="57150" anchor="ctr"/>
-                </a:tc>
-                <a:extLst>
-                  <a:ext uri="{0D108BD9-81ED-4DB2-BD59-A6C34878D82A}">
-                    <a16:rowId xmlns:a16="http://schemas.microsoft.com/office/drawing/2014/main" val="2237698370"/>
-                  </a:ext>
-                </a:extLst>
-              </a:tr>
-            </a:tbl>
-          </a:graphicData>
-        </a:graphic>
-      </p:graphicFrame>
-    </p:spTree>
-    <p:extLst>
-      <p:ext uri="{BB962C8B-B14F-4D97-AF65-F5344CB8AC3E}">
-        <p14:creationId xmlns:p14="http://schemas.microsoft.com/office/powerpoint/2010/main" val="2940318096"/>
-      </p:ext>
-    </p:extLst>
-  </p:cSld>
-  <p:clrMapOvr>
-    <a:masterClrMapping/>
-  </p:clrMapOvr>
-  <p:timing>
-    <p:tnLst>
-      <p:par>
-        <p:cTn id="1" dur="indefinite" restart="never" nodeType="tmRoot">
-          <p:childTnLst>
-            <p:seq concurrent="1" nextAc="seek">
-              <p:cTn id="2" dur="indefinite" nodeType="mainSeq">
-                <p:childTnLst>
-                  <p:par>
-                    <p:cTn id="3" fill="hold">
-                      <p:stCondLst>
-                        <p:cond delay="indefinite"/>
-                      </p:stCondLst>
-                      <p:childTnLst>
-                        <p:par>
-                          <p:cTn id="4" fill="hold">
-                            <p:stCondLst>
-                              <p:cond delay="0"/>
-                            </p:stCondLst>
-                            <p:childTnLst>
-                              <p:par>
-                                <p:cTn id="5" presetID="10" presetClass="exit" presetSubtype="0" fill="hold" nodeType="clickEffect">
-                                  <p:stCondLst>
-                                    <p:cond delay="0"/>
-                                  </p:stCondLst>
-                                  <p:childTnLst>
-                                    <p:animEffect transition="out" filter="fade">
-                                      <p:cBhvr>
-                                        <p:cTn id="6" dur="500"/>
-                                        <p:tgtEl>
-                                          <p:spTgt spid="7"/>
-                                        </p:tgtEl>
-                                      </p:cBhvr>
-                                    </p:animEffect>
-                                    <p:set>
-                                      <p:cBhvr>
-                                        <p:cTn id="7" dur="1" fill="hold">
-                                          <p:stCondLst>
-                                            <p:cond delay="499"/>
-                                          </p:stCondLst>
-                                        </p:cTn>
-                                        <p:tgtEl>
-                                          <p:spTgt spid="7"/>
-                                        </p:tgtEl>
-                                        <p:attrNameLst>
-                                          <p:attrName>style.visibility</p:attrName>
-                                        </p:attrNameLst>
-                                      </p:cBhvr>
-                                      <p:to>
-                                        <p:strVal val="hidden"/>
-                                      </p:to>
-                                    </p:set>
-                                  </p:childTnLst>
-                                </p:cTn>
-                              </p:par>
-                            </p:childTnLst>
-                          </p:cTn>
-                        </p:par>
-                        <p:par>
-                          <p:cTn id="8" fill="hold">
-                            <p:stCondLst>
-                              <p:cond delay="500"/>
-                            </p:stCondLst>
-                            <p:childTnLst>
-                              <p:par>
-                                <p:cTn id="9" presetID="10" presetClass="entr" presetSubtype="0" fill="hold" grpId="0" nodeType="afterEffect">
-                                  <p:stCondLst>
-                                    <p:cond delay="0"/>
-                                  </p:stCondLst>
-                                  <p:childTnLst>
-                                    <p:set>
-                                      <p:cBhvr>
-                                        <p:cTn id="10" dur="1" fill="hold">
-                                          <p:stCondLst>
-                                            <p:cond delay="0"/>
-                                          </p:stCondLst>
-                                        </p:cTn>
-                                        <p:tgtEl>
-                                          <p:spTgt spid="15"/>
-                                        </p:tgtEl>
-                                        <p:attrNameLst>
-                                          <p:attrName>style.visibility</p:attrName>
-                                        </p:attrNameLst>
-                                      </p:cBhvr>
-                                      <p:to>
-                                        <p:strVal val="visible"/>
-                                      </p:to>
-                                    </p:set>
-                                    <p:animEffect transition="in" filter="fade">
-                                      <p:cBhvr>
-                                        <p:cTn id="11" dur="500"/>
-                                        <p:tgtEl>
-                                          <p:spTgt spid="15"/>
-                                        </p:tgtEl>
-                                      </p:cBhvr>
-                                    </p:animEffect>
-                                  </p:childTnLst>
-                                </p:cTn>
-                              </p:par>
-                              <p:par>
-                                <p:cTn id="12" presetID="10" presetClass="entr" presetSubtype="0" fill="hold" nodeType="withEffect">
-                                  <p:stCondLst>
-                                    <p:cond delay="0"/>
-                                  </p:stCondLst>
-                                  <p:childTnLst>
-                                    <p:set>
-                                      <p:cBhvr>
-                                        <p:cTn id="13" dur="1" fill="hold">
-                                          <p:stCondLst>
-                                            <p:cond delay="0"/>
-                                          </p:stCondLst>
-                                        </p:cTn>
-                                        <p:tgtEl>
-                                          <p:spTgt spid="16"/>
-                                        </p:tgtEl>
-                                        <p:attrNameLst>
-                                          <p:attrName>style.visibility</p:attrName>
-                                        </p:attrNameLst>
-                                      </p:cBhvr>
-                                      <p:to>
-                                        <p:strVal val="visible"/>
-                                      </p:to>
-                                    </p:set>
-                                    <p:animEffect transition="in" filter="fade">
-                                      <p:cBhvr>
-                                        <p:cTn id="14" dur="500"/>
-                                        <p:tgtEl>
-                                          <p:spTgt spid="16"/>
-                                        </p:tgtEl>
-                                      </p:cBhvr>
-                                    </p:animEffect>
-                                  </p:childTnLst>
-                                </p:cTn>
-                              </p:par>
-                            </p:childTnLst>
-                          </p:cTn>
-                        </p:par>
-                      </p:childTnLst>
-                    </p:cTn>
-                  </p:par>
-                </p:childTnLst>
-              </p:cTn>
-              <p:prevCondLst>
-                <p:cond evt="onPrev" delay="0">
-                  <p:tgtEl>
-                    <p:sldTgt/>
-                  </p:tgtEl>
-                </p:cond>
-              </p:prevCondLst>
-              <p:nextCondLst>
-                <p:cond evt="onNext" delay="0">
-                  <p:tgtEl>
-                    <p:sldTgt/>
-                  </p:tgtEl>
-                </p:cond>
-              </p:nextCondLst>
-            </p:seq>
-          </p:childTnLst>
-        </p:cTn>
-      </p:par>
-    </p:tnLst>
-    <p:bldLst>
-      <p:bldP spid="15" grpId="0" animBg="1"/>
-    </p:bldLst>
-  </p:timing>
-</p:sld>
-</file>
-
-<file path=ppt/slides/slide17.xml><?xml version="1.0" encoding="utf-8"?>
-<p:sld xmlns:a="http://schemas.openxmlformats.org/drawingml/2006/main" xmlns:r="http://schemas.openxmlformats.org/officeDocument/2006/relationships" xmlns:p="http://schemas.openxmlformats.org/presentationml/2006/main">
-  <p:cSld>
-    <p:spTree>
-      <p:nvGrpSpPr>
-        <p:cNvPr id="1" name=""/>
-        <p:cNvGrpSpPr/>
-        <p:nvPr/>
-      </p:nvGrpSpPr>
-      <p:grpSpPr>
-        <a:xfrm>
-          <a:off x="0" y="0"/>
-          <a:ext cx="0" cy="0"/>
-          <a:chOff x="0" y="0"/>
-          <a:chExt cx="0" cy="0"/>
-        </a:xfrm>
-      </p:grpSpPr>
-      <p:sp>
-        <p:nvSpPr>
           <p:cNvPr id="2" name="Title 1"/>
           <p:cNvSpPr>
             <a:spLocks noGrp="1"/>
@@ -18439,7 +16881,7 @@
 </p:sld>
 </file>
 
-<file path=ppt/slides/slide18.xml><?xml version="1.0" encoding="utf-8"?>
+<file path=ppt/slides/slide16.xml><?xml version="1.0" encoding="utf-8"?>
 <p:sld xmlns:a="http://schemas.openxmlformats.org/drawingml/2006/main" xmlns:r="http://schemas.openxmlformats.org/officeDocument/2006/relationships" xmlns:p="http://schemas.openxmlformats.org/presentationml/2006/main">
   <p:cSld>
     <p:spTree>
@@ -18709,6 +17151,297 @@
 </p:sld>
 </file>
 
+<file path=ppt/slides/slide17.xml><?xml version="1.0" encoding="utf-8"?>
+<p:sld xmlns:a="http://schemas.openxmlformats.org/drawingml/2006/main" xmlns:r="http://schemas.openxmlformats.org/officeDocument/2006/relationships" xmlns:p="http://schemas.openxmlformats.org/presentationml/2006/main">
+  <p:cSld>
+    <p:spTree>
+      <p:nvGrpSpPr>
+        <p:cNvPr id="1" name=""/>
+        <p:cNvGrpSpPr/>
+        <p:nvPr/>
+      </p:nvGrpSpPr>
+      <p:grpSpPr>
+        <a:xfrm>
+          <a:off x="0" y="0"/>
+          <a:ext cx="0" cy="0"/>
+          <a:chOff x="0" y="0"/>
+          <a:chExt cx="0" cy="0"/>
+        </a:xfrm>
+      </p:grpSpPr>
+      <p:sp>
+        <p:nvSpPr>
+          <p:cNvPr id="2" name="Title 1"/>
+          <p:cNvSpPr>
+            <a:spLocks noGrp="1"/>
+          </p:cNvSpPr>
+          <p:nvPr>
+            <p:ph type="title"/>
+          </p:nvPr>
+        </p:nvSpPr>
+        <p:spPr/>
+        <p:txBody>
+          <a:bodyPr/>
+          <a:lstStyle/>
+          <a:p>
+            <a:r>
+              <a:rPr lang="sv-SE" dirty="0"/>
+              <a:t>JavaScript Syntax</a:t>
+            </a:r>
+          </a:p>
+        </p:txBody>
+      </p:sp>
+      <p:sp>
+        <p:nvSpPr>
+          <p:cNvPr id="3" name="Content Placeholder 2"/>
+          <p:cNvSpPr>
+            <a:spLocks noGrp="1"/>
+          </p:cNvSpPr>
+          <p:nvPr>
+            <p:ph idx="1"/>
+          </p:nvPr>
+        </p:nvSpPr>
+        <p:spPr>
+          <a:xfrm>
+            <a:off x="3838575" y="1854200"/>
+            <a:ext cx="8515350" cy="4351338"/>
+          </a:xfrm>
+        </p:spPr>
+        <p:txBody>
+          <a:bodyPr/>
+          <a:lstStyle/>
+          <a:p>
+            <a:r>
+              <a:rPr lang="sv-SE" sz="3200" dirty="0" err="1"/>
+              <a:t>Values</a:t>
+            </a:r>
+            <a:r>
+              <a:rPr lang="sv-SE" sz="3200" dirty="0"/>
+              <a:t> and </a:t>
+            </a:r>
+            <a:r>
+              <a:rPr lang="sv-SE" sz="3200" dirty="0" err="1"/>
+              <a:t>Types</a:t>
+            </a:r>
+            <a:endParaRPr lang="sv-SE" sz="3200" dirty="0"/>
+          </a:p>
+          <a:p>
+            <a:r>
+              <a:rPr lang="sv-SE" sz="3200" dirty="0"/>
+              <a:t>Operators</a:t>
+            </a:r>
+          </a:p>
+          <a:p>
+            <a:r>
+              <a:rPr lang="sv-SE" sz="3200" dirty="0" err="1"/>
+              <a:t>Variables</a:t>
+            </a:r>
+            <a:r>
+              <a:rPr lang="sv-SE" sz="3200" dirty="0"/>
+              <a:t> and Blocks</a:t>
+            </a:r>
+          </a:p>
+          <a:p>
+            <a:r>
+              <a:rPr lang="sv-SE" sz="3200" dirty="0" err="1"/>
+              <a:t>Conditional</a:t>
+            </a:r>
+            <a:r>
+              <a:rPr lang="sv-SE" sz="3200" dirty="0"/>
+              <a:t> </a:t>
+            </a:r>
+            <a:r>
+              <a:rPr lang="sv-SE" sz="3200" dirty="0" err="1"/>
+              <a:t>statemets</a:t>
+            </a:r>
+            <a:endParaRPr lang="sv-SE" sz="3200" dirty="0"/>
+          </a:p>
+          <a:p>
+            <a:r>
+              <a:rPr lang="sv-SE" sz="3200" dirty="0"/>
+              <a:t>Loops</a:t>
+            </a:r>
+          </a:p>
+          <a:p>
+            <a:r>
+              <a:rPr lang="sv-SE" sz="3200" dirty="0" err="1"/>
+              <a:t>Functions</a:t>
+            </a:r>
+            <a:endParaRPr lang="sv-SE" sz="3200" dirty="0"/>
+          </a:p>
+          <a:p>
+            <a:endParaRPr lang="sv-SE" dirty="0"/>
+          </a:p>
+        </p:txBody>
+      </p:sp>
+    </p:spTree>
+    <p:extLst>
+      <p:ext uri="{BB962C8B-B14F-4D97-AF65-F5344CB8AC3E}">
+        <p14:creationId xmlns:p14="http://schemas.microsoft.com/office/powerpoint/2010/main" val="1046888011"/>
+      </p:ext>
+    </p:extLst>
+  </p:cSld>
+  <p:clrMapOvr>
+    <a:masterClrMapping/>
+  </p:clrMapOvr>
+</p:sld>
+</file>
+
+<file path=ppt/slides/slide18.xml><?xml version="1.0" encoding="utf-8"?>
+<p:sld xmlns:a="http://schemas.openxmlformats.org/drawingml/2006/main" xmlns:r="http://schemas.openxmlformats.org/officeDocument/2006/relationships" xmlns:p="http://schemas.openxmlformats.org/presentationml/2006/main">
+  <p:cSld>
+    <p:spTree>
+      <p:nvGrpSpPr>
+        <p:cNvPr id="1" name=""/>
+        <p:cNvGrpSpPr/>
+        <p:nvPr/>
+      </p:nvGrpSpPr>
+      <p:grpSpPr>
+        <a:xfrm>
+          <a:off x="0" y="0"/>
+          <a:ext cx="0" cy="0"/>
+          <a:chOff x="0" y="0"/>
+          <a:chExt cx="0" cy="0"/>
+        </a:xfrm>
+      </p:grpSpPr>
+      <p:sp>
+        <p:nvSpPr>
+          <p:cNvPr id="2" name="Title 1"/>
+          <p:cNvSpPr>
+            <a:spLocks noGrp="1"/>
+          </p:cNvSpPr>
+          <p:nvPr>
+            <p:ph type="title"/>
+          </p:nvPr>
+        </p:nvSpPr>
+        <p:spPr/>
+        <p:txBody>
+          <a:bodyPr/>
+          <a:lstStyle/>
+          <a:p>
+            <a:r>
+              <a:rPr lang="sv-SE" dirty="0"/>
+              <a:t>JavaScript – </a:t>
+            </a:r>
+            <a:r>
+              <a:rPr lang="sv-SE" dirty="0" err="1"/>
+              <a:t>Values</a:t>
+            </a:r>
+            <a:r>
+              <a:rPr lang="sv-SE" dirty="0"/>
+              <a:t> and </a:t>
+            </a:r>
+            <a:r>
+              <a:rPr lang="sv-SE" dirty="0" err="1"/>
+              <a:t>Types</a:t>
+            </a:r>
+            <a:endParaRPr lang="sv-SE" dirty="0"/>
+          </a:p>
+        </p:txBody>
+      </p:sp>
+      <p:sp>
+        <p:nvSpPr>
+          <p:cNvPr id="3" name="Content Placeholder 2"/>
+          <p:cNvSpPr>
+            <a:spLocks noGrp="1"/>
+          </p:cNvSpPr>
+          <p:nvPr>
+            <p:ph idx="1"/>
+          </p:nvPr>
+        </p:nvSpPr>
+        <p:spPr>
+          <a:xfrm>
+            <a:off x="1066800" y="1825625"/>
+            <a:ext cx="10286999" cy="4351338"/>
+          </a:xfrm>
+        </p:spPr>
+        <p:txBody>
+          <a:bodyPr>
+            <a:normAutofit/>
+          </a:bodyPr>
+          <a:lstStyle/>
+          <a:p>
+            <a:r>
+              <a:rPr lang="en-US" dirty="0"/>
+              <a:t>Primitive values</a:t>
+            </a:r>
+          </a:p>
+          <a:p>
+            <a:pPr lvl="1"/>
+            <a:r>
+              <a:rPr lang="en-US" dirty="0"/>
+              <a:t>Boolean</a:t>
+            </a:r>
+          </a:p>
+          <a:p>
+            <a:pPr lvl="1"/>
+            <a:r>
+              <a:rPr lang="en-US" dirty="0"/>
+              <a:t>Number</a:t>
+            </a:r>
+          </a:p>
+          <a:p>
+            <a:pPr lvl="1"/>
+            <a:r>
+              <a:rPr lang="en-US" dirty="0"/>
+              <a:t>String</a:t>
+            </a:r>
+          </a:p>
+          <a:p>
+            <a:pPr lvl="1"/>
+            <a:r>
+              <a:rPr lang="en-US" dirty="0"/>
+              <a:t>Null</a:t>
+            </a:r>
+          </a:p>
+          <a:p>
+            <a:pPr lvl="1"/>
+            <a:r>
+              <a:rPr lang="en-US" dirty="0"/>
+              <a:t>Undefined</a:t>
+            </a:r>
+          </a:p>
+          <a:p>
+            <a:r>
+              <a:rPr lang="en-US" dirty="0"/>
+              <a:t>Objects (Functions)</a:t>
+            </a:r>
+          </a:p>
+          <a:p>
+            <a:pPr lvl="1"/>
+            <a:r>
+              <a:rPr lang="en-US" dirty="0"/>
+              <a:t>Date</a:t>
+            </a:r>
+          </a:p>
+          <a:p>
+            <a:pPr lvl="1"/>
+            <a:r>
+              <a:rPr lang="en-US" dirty="0"/>
+              <a:t>Structured data</a:t>
+            </a:r>
+          </a:p>
+          <a:p>
+            <a:pPr lvl="1"/>
+            <a:r>
+              <a:rPr lang="en-US" dirty="0"/>
+              <a:t>Collections</a:t>
+            </a:r>
+          </a:p>
+        </p:txBody>
+      </p:sp>
+    </p:spTree>
+    <p:extLst>
+      <p:ext uri="{BB962C8B-B14F-4D97-AF65-F5344CB8AC3E}">
+        <p14:creationId xmlns:p14="http://schemas.microsoft.com/office/powerpoint/2010/main" val="1662059493"/>
+      </p:ext>
+    </p:extLst>
+  </p:cSld>
+  <p:clrMapOvr>
+    <a:masterClrMapping/>
+  </p:clrMapOvr>
+</p:sld>
+</file>
+
 <file path=ppt/slides/slide19.xml><?xml version="1.0" encoding="utf-8"?>
 <p:sld xmlns:a="http://schemas.openxmlformats.org/drawingml/2006/main" xmlns:r="http://schemas.openxmlformats.org/officeDocument/2006/relationships" xmlns:p="http://schemas.openxmlformats.org/presentationml/2006/main">
   <p:cSld>
@@ -18742,8 +17475,8 @@
           <a:lstStyle/>
           <a:p>
             <a:r>
-              <a:rPr lang="sv-SE" dirty="0"/>
-              <a:t>JavaScript Syntax</a:t>
+              <a:rPr lang="en-US" dirty="0"/>
+              <a:t>JavaScript – Values and Types</a:t>
             </a:r>
           </a:p>
         </p:txBody>
@@ -18760,81 +17493,227 @@
         </p:nvSpPr>
         <p:spPr>
           <a:xfrm>
-            <a:off x="3838575" y="1854200"/>
-            <a:ext cx="8515350" cy="4351338"/>
+            <a:off x="838200" y="2396290"/>
+            <a:ext cx="10515600" cy="3547312"/>
           </a:xfrm>
         </p:spPr>
         <p:txBody>
-          <a:bodyPr/>
+          <a:bodyPr>
+            <a:normAutofit/>
+          </a:bodyPr>
           <a:lstStyle/>
           <a:p>
-            <a:r>
-              <a:rPr lang="sv-SE" sz="3200" dirty="0" err="1"/>
-              <a:t>Values</a:t>
-            </a:r>
-            <a:r>
-              <a:rPr lang="sv-SE" sz="3200" dirty="0"/>
-              <a:t> and </a:t>
-            </a:r>
-            <a:r>
-              <a:rPr lang="sv-SE" sz="3200" dirty="0" err="1"/>
-              <a:t>Types</a:t>
-            </a:r>
-            <a:endParaRPr lang="sv-SE" sz="3200" dirty="0"/>
-          </a:p>
-          <a:p>
-            <a:r>
-              <a:rPr lang="sv-SE" sz="3200" dirty="0"/>
-              <a:t>Operators</a:t>
-            </a:r>
-          </a:p>
-          <a:p>
-            <a:r>
-              <a:rPr lang="sv-SE" sz="3200" dirty="0" err="1"/>
-              <a:t>Variables</a:t>
-            </a:r>
-            <a:r>
-              <a:rPr lang="sv-SE" sz="3200" dirty="0"/>
-              <a:t> and Blocks</a:t>
-            </a:r>
-          </a:p>
-          <a:p>
-            <a:r>
-              <a:rPr lang="sv-SE" sz="3200" dirty="0" err="1"/>
-              <a:t>Conditional</a:t>
-            </a:r>
-            <a:r>
-              <a:rPr lang="sv-SE" sz="3200" dirty="0"/>
+            <a:pPr marL="0" indent="0">
+              <a:buNone/>
+            </a:pPr>
+            <a:r>
+              <a:rPr lang="en-US" dirty="0"/>
+              <a:t>Structured data: JSON</a:t>
+            </a:r>
+          </a:p>
+          <a:p>
+            <a:pPr marL="457200" lvl="1" indent="0">
+              <a:buNone/>
+            </a:pPr>
+            <a:r>
+              <a:rPr lang="sv-SE" dirty="0">
+                <a:solidFill>
+                  <a:srgbClr val="0000FF"/>
+                </a:solidFill>
+                <a:latin typeface="Consolas" panose="020B0609020204030204" pitchFamily="49" charset="0"/>
+              </a:rPr>
+              <a:t>var</a:t>
+            </a:r>
+            <a:r>
+              <a:rPr lang="sv-SE" dirty="0">
+                <a:solidFill>
+                  <a:srgbClr val="000000"/>
+                </a:solidFill>
+                <a:latin typeface="Consolas" panose="020B0609020204030204" pitchFamily="49" charset="0"/>
+              </a:rPr>
               <a:t> </a:t>
             </a:r>
             <a:r>
-              <a:rPr lang="sv-SE" sz="3200" dirty="0" err="1"/>
-              <a:t>statemets</a:t>
-            </a:r>
-            <a:endParaRPr lang="sv-SE" sz="3200" dirty="0"/>
-          </a:p>
-          <a:p>
-            <a:r>
-              <a:rPr lang="sv-SE" sz="3200" dirty="0"/>
-              <a:t>Loops</a:t>
-            </a:r>
-          </a:p>
-          <a:p>
-            <a:r>
-              <a:rPr lang="sv-SE" sz="3200" dirty="0" err="1"/>
-              <a:t>Functions</a:t>
-            </a:r>
-            <a:endParaRPr lang="sv-SE" sz="3200" dirty="0"/>
-          </a:p>
-          <a:p>
-            <a:endParaRPr lang="sv-SE" dirty="0"/>
+              <a:rPr lang="sv-SE" dirty="0" err="1">
+                <a:solidFill>
+                  <a:srgbClr val="000000"/>
+                </a:solidFill>
+                <a:latin typeface="Consolas" panose="020B0609020204030204" pitchFamily="49" charset="0"/>
+              </a:rPr>
+              <a:t>user</a:t>
+            </a:r>
+            <a:r>
+              <a:rPr lang="sv-SE" dirty="0">
+                <a:solidFill>
+                  <a:srgbClr val="000000"/>
+                </a:solidFill>
+                <a:latin typeface="Consolas" panose="020B0609020204030204" pitchFamily="49" charset="0"/>
+              </a:rPr>
+              <a:t> = {</a:t>
+            </a:r>
+          </a:p>
+          <a:p>
+            <a:pPr marL="457200" lvl="1" indent="0">
+              <a:buNone/>
+            </a:pPr>
+            <a:r>
+              <a:rPr lang="sv-SE" dirty="0">
+                <a:solidFill>
+                  <a:srgbClr val="000000"/>
+                </a:solidFill>
+                <a:latin typeface="Consolas" panose="020B0609020204030204" pitchFamily="49" charset="0"/>
+              </a:rPr>
+              <a:t>    id: 1,</a:t>
+            </a:r>
+          </a:p>
+          <a:p>
+            <a:pPr marL="457200" lvl="1" indent="0">
+              <a:buNone/>
+            </a:pPr>
+            <a:r>
+              <a:rPr lang="sv-SE" dirty="0">
+                <a:solidFill>
+                  <a:srgbClr val="000000"/>
+                </a:solidFill>
+                <a:latin typeface="Consolas" panose="020B0609020204030204" pitchFamily="49" charset="0"/>
+              </a:rPr>
+              <a:t>    </a:t>
+            </a:r>
+            <a:r>
+              <a:rPr lang="sv-SE" dirty="0" err="1">
+                <a:solidFill>
+                  <a:srgbClr val="000000"/>
+                </a:solidFill>
+                <a:latin typeface="Consolas" panose="020B0609020204030204" pitchFamily="49" charset="0"/>
+              </a:rPr>
+              <a:t>firstName</a:t>
+            </a:r>
+            <a:r>
+              <a:rPr lang="sv-SE" dirty="0">
+                <a:solidFill>
+                  <a:srgbClr val="000000"/>
+                </a:solidFill>
+                <a:latin typeface="Consolas" panose="020B0609020204030204" pitchFamily="49" charset="0"/>
+              </a:rPr>
+              <a:t>: </a:t>
+            </a:r>
+            <a:r>
+              <a:rPr lang="sv-SE" dirty="0">
+                <a:solidFill>
+                  <a:srgbClr val="A31515"/>
+                </a:solidFill>
+                <a:latin typeface="Consolas" panose="020B0609020204030204" pitchFamily="49" charset="0"/>
+              </a:rPr>
+              <a:t>'Jim'</a:t>
+            </a:r>
+            <a:r>
+              <a:rPr lang="sv-SE" dirty="0">
+                <a:solidFill>
+                  <a:srgbClr val="000000"/>
+                </a:solidFill>
+                <a:latin typeface="Consolas" panose="020B0609020204030204" pitchFamily="49" charset="0"/>
+              </a:rPr>
+              <a:t>,</a:t>
+            </a:r>
+          </a:p>
+          <a:p>
+            <a:pPr marL="457200" lvl="1" indent="0">
+              <a:buNone/>
+            </a:pPr>
+            <a:r>
+              <a:rPr lang="sv-SE" dirty="0">
+                <a:solidFill>
+                  <a:srgbClr val="000000"/>
+                </a:solidFill>
+                <a:latin typeface="Consolas" panose="020B0609020204030204" pitchFamily="49" charset="0"/>
+              </a:rPr>
+              <a:t>    </a:t>
+            </a:r>
+            <a:r>
+              <a:rPr lang="sv-SE" dirty="0" err="1">
+                <a:solidFill>
+                  <a:srgbClr val="000000"/>
+                </a:solidFill>
+                <a:latin typeface="Consolas" panose="020B0609020204030204" pitchFamily="49" charset="0"/>
+              </a:rPr>
+              <a:t>lastName</a:t>
+            </a:r>
+            <a:r>
+              <a:rPr lang="sv-SE" dirty="0">
+                <a:solidFill>
+                  <a:srgbClr val="000000"/>
+                </a:solidFill>
+                <a:latin typeface="Consolas" panose="020B0609020204030204" pitchFamily="49" charset="0"/>
+              </a:rPr>
+              <a:t>: </a:t>
+            </a:r>
+            <a:r>
+              <a:rPr lang="sv-SE" dirty="0">
+                <a:solidFill>
+                  <a:srgbClr val="A31515"/>
+                </a:solidFill>
+                <a:latin typeface="Consolas" panose="020B0609020204030204" pitchFamily="49" charset="0"/>
+              </a:rPr>
+              <a:t>'Morrison'</a:t>
+            </a:r>
+            <a:endParaRPr lang="sv-SE" dirty="0">
+              <a:solidFill>
+                <a:srgbClr val="000000"/>
+              </a:solidFill>
+              <a:latin typeface="Consolas" panose="020B0609020204030204" pitchFamily="49" charset="0"/>
+            </a:endParaRPr>
+          </a:p>
+          <a:p>
+            <a:pPr marL="457200" lvl="1" indent="0">
+              <a:buNone/>
+            </a:pPr>
+            <a:r>
+              <a:rPr lang="sv-SE" dirty="0">
+                <a:solidFill>
+                  <a:srgbClr val="000000"/>
+                </a:solidFill>
+                <a:latin typeface="Consolas" panose="020B0609020204030204" pitchFamily="49" charset="0"/>
+              </a:rPr>
+              <a:t>};</a:t>
+            </a:r>
+            <a:r>
+              <a:rPr lang="en-US" dirty="0"/>
+              <a:t>ions:</a:t>
+            </a:r>
+          </a:p>
+          <a:p>
+            <a:r>
+              <a:rPr lang="en-US" dirty="0"/>
+              <a:t>      </a:t>
+            </a:r>
+            <a:r>
+              <a:rPr lang="da-DK" sz="2400" dirty="0">
+                <a:solidFill>
+                  <a:srgbClr val="0000FF"/>
+                </a:solidFill>
+                <a:latin typeface="Consolas" panose="020B0609020204030204" pitchFamily="49" charset="0"/>
+              </a:rPr>
+              <a:t>var</a:t>
+            </a:r>
+            <a:r>
+              <a:rPr lang="da-DK" sz="2400" dirty="0">
+                <a:solidFill>
+                  <a:srgbClr val="000000"/>
+                </a:solidFill>
+                <a:latin typeface="Consolas" panose="020B0609020204030204" pitchFamily="49" charset="0"/>
+              </a:rPr>
+              <a:t> numbers = [user1, user2, user3, user4];</a:t>
+            </a:r>
+            <a:endParaRPr lang="en-US" sz="2400" dirty="0">
+              <a:latin typeface="Consolas" panose="020B0609020204030204" pitchFamily="49" charset="0"/>
+            </a:endParaRPr>
           </a:p>
         </p:txBody>
       </p:sp>
     </p:spTree>
     <p:extLst>
       <p:ext uri="{BB962C8B-B14F-4D97-AF65-F5344CB8AC3E}">
-        <p14:creationId xmlns:p14="http://schemas.microsoft.com/office/powerpoint/2010/main" val="1046888011"/>
+        <p14:creationId xmlns:p14="http://schemas.microsoft.com/office/powerpoint/2010/main" val="2261632746"/>
       </p:ext>
     </p:extLst>
   </p:cSld>
@@ -18947,661 +17826,6 @@
 </file>
 
 <file path=ppt/slides/slide20.xml><?xml version="1.0" encoding="utf-8"?>
-<p:sld xmlns:a="http://schemas.openxmlformats.org/drawingml/2006/main" xmlns:r="http://schemas.openxmlformats.org/officeDocument/2006/relationships" xmlns:p="http://schemas.openxmlformats.org/presentationml/2006/main">
-  <p:cSld>
-    <p:spTree>
-      <p:nvGrpSpPr>
-        <p:cNvPr id="1" name=""/>
-        <p:cNvGrpSpPr/>
-        <p:nvPr/>
-      </p:nvGrpSpPr>
-      <p:grpSpPr>
-        <a:xfrm>
-          <a:off x="0" y="0"/>
-          <a:ext cx="0" cy="0"/>
-          <a:chOff x="0" y="0"/>
-          <a:chExt cx="0" cy="0"/>
-        </a:xfrm>
-      </p:grpSpPr>
-      <p:sp>
-        <p:nvSpPr>
-          <p:cNvPr id="2" name="Title 1"/>
-          <p:cNvSpPr>
-            <a:spLocks noGrp="1"/>
-          </p:cNvSpPr>
-          <p:nvPr>
-            <p:ph type="title"/>
-          </p:nvPr>
-        </p:nvSpPr>
-        <p:spPr/>
-        <p:txBody>
-          <a:bodyPr/>
-          <a:lstStyle/>
-          <a:p>
-            <a:r>
-              <a:rPr lang="sv-SE" dirty="0"/>
-              <a:t>JavaScript – </a:t>
-            </a:r>
-            <a:r>
-              <a:rPr lang="sv-SE" dirty="0" err="1"/>
-              <a:t>Values</a:t>
-            </a:r>
-            <a:r>
-              <a:rPr lang="sv-SE" dirty="0"/>
-              <a:t> and </a:t>
-            </a:r>
-            <a:r>
-              <a:rPr lang="sv-SE" dirty="0" err="1"/>
-              <a:t>Types</a:t>
-            </a:r>
-            <a:endParaRPr lang="sv-SE" dirty="0"/>
-          </a:p>
-        </p:txBody>
-      </p:sp>
-      <p:sp>
-        <p:nvSpPr>
-          <p:cNvPr id="3" name="Content Placeholder 2"/>
-          <p:cNvSpPr>
-            <a:spLocks noGrp="1"/>
-          </p:cNvSpPr>
-          <p:nvPr>
-            <p:ph idx="1"/>
-          </p:nvPr>
-        </p:nvSpPr>
-        <p:spPr>
-          <a:xfrm>
-            <a:off x="1066800" y="1825625"/>
-            <a:ext cx="10286999" cy="4351338"/>
-          </a:xfrm>
-        </p:spPr>
-        <p:txBody>
-          <a:bodyPr>
-            <a:normAutofit lnSpcReduction="10000"/>
-          </a:bodyPr>
-          <a:lstStyle/>
-          <a:p>
-            <a:r>
-              <a:rPr lang="en-US" dirty="0"/>
-              <a:t>Primitive values</a:t>
-            </a:r>
-          </a:p>
-          <a:p>
-            <a:pPr lvl="1"/>
-            <a:r>
-              <a:rPr lang="en-US" dirty="0"/>
-              <a:t>Boolean</a:t>
-            </a:r>
-          </a:p>
-          <a:p>
-            <a:pPr lvl="1"/>
-            <a:r>
-              <a:rPr lang="en-US" dirty="0"/>
-              <a:t>Number</a:t>
-            </a:r>
-          </a:p>
-          <a:p>
-            <a:pPr lvl="1"/>
-            <a:r>
-              <a:rPr lang="en-US" dirty="0"/>
-              <a:t>String</a:t>
-            </a:r>
-          </a:p>
-          <a:p>
-            <a:pPr lvl="1"/>
-            <a:r>
-              <a:rPr lang="en-US" dirty="0"/>
-              <a:t>Null</a:t>
-            </a:r>
-          </a:p>
-          <a:p>
-            <a:pPr lvl="1"/>
-            <a:r>
-              <a:rPr lang="en-US" dirty="0"/>
-              <a:t>Undefined</a:t>
-            </a:r>
-          </a:p>
-          <a:p>
-            <a:r>
-              <a:rPr lang="en-US" dirty="0"/>
-              <a:t>Objects</a:t>
-            </a:r>
-          </a:p>
-          <a:p>
-            <a:pPr lvl="1"/>
-            <a:r>
-              <a:rPr lang="en-US" dirty="0"/>
-              <a:t>Date</a:t>
-            </a:r>
-          </a:p>
-          <a:p>
-            <a:pPr lvl="1"/>
-            <a:r>
-              <a:rPr lang="en-US" dirty="0"/>
-              <a:t>Structured data</a:t>
-            </a:r>
-          </a:p>
-          <a:p>
-            <a:pPr lvl="1"/>
-            <a:r>
-              <a:rPr lang="en-US" dirty="0"/>
-              <a:t>Collections</a:t>
-            </a:r>
-          </a:p>
-          <a:p>
-            <a:pPr lvl="1"/>
-            <a:r>
-              <a:rPr lang="en-US" dirty="0"/>
-              <a:t>Functions</a:t>
-            </a:r>
-          </a:p>
-        </p:txBody>
-      </p:sp>
-    </p:spTree>
-    <p:extLst>
-      <p:ext uri="{BB962C8B-B14F-4D97-AF65-F5344CB8AC3E}">
-        <p14:creationId xmlns:p14="http://schemas.microsoft.com/office/powerpoint/2010/main" val="1662059493"/>
-      </p:ext>
-    </p:extLst>
-  </p:cSld>
-  <p:clrMapOvr>
-    <a:masterClrMapping/>
-  </p:clrMapOvr>
-</p:sld>
-</file>
-
-<file path=ppt/slides/slide21.xml><?xml version="1.0" encoding="utf-8"?>
-<p:sld xmlns:a="http://schemas.openxmlformats.org/drawingml/2006/main" xmlns:r="http://schemas.openxmlformats.org/officeDocument/2006/relationships" xmlns:p="http://schemas.openxmlformats.org/presentationml/2006/main" show="0">
-  <p:cSld>
-    <p:spTree>
-      <p:nvGrpSpPr>
-        <p:cNvPr id="1" name=""/>
-        <p:cNvGrpSpPr/>
-        <p:nvPr/>
-      </p:nvGrpSpPr>
-      <p:grpSpPr>
-        <a:xfrm>
-          <a:off x="0" y="0"/>
-          <a:ext cx="0" cy="0"/>
-          <a:chOff x="0" y="0"/>
-          <a:chExt cx="0" cy="0"/>
-        </a:xfrm>
-      </p:grpSpPr>
-      <p:sp>
-        <p:nvSpPr>
-          <p:cNvPr id="2" name="Title 1"/>
-          <p:cNvSpPr>
-            <a:spLocks noGrp="1"/>
-          </p:cNvSpPr>
-          <p:nvPr>
-            <p:ph type="title"/>
-          </p:nvPr>
-        </p:nvSpPr>
-        <p:spPr/>
-        <p:txBody>
-          <a:bodyPr/>
-          <a:lstStyle/>
-          <a:p>
-            <a:r>
-              <a:rPr lang="sv-SE" dirty="0"/>
-              <a:t>JavaScript – </a:t>
-            </a:r>
-            <a:r>
-              <a:rPr lang="sv-SE" dirty="0" err="1"/>
-              <a:t>Values</a:t>
-            </a:r>
-            <a:r>
-              <a:rPr lang="sv-SE" dirty="0"/>
-              <a:t> and </a:t>
-            </a:r>
-            <a:r>
-              <a:rPr lang="sv-SE" dirty="0" err="1"/>
-              <a:t>Types</a:t>
-            </a:r>
-            <a:endParaRPr lang="sv-SE" dirty="0"/>
-          </a:p>
-        </p:txBody>
-      </p:sp>
-      <p:sp>
-        <p:nvSpPr>
-          <p:cNvPr id="3" name="Content Placeholder 2"/>
-          <p:cNvSpPr>
-            <a:spLocks noGrp="1"/>
-          </p:cNvSpPr>
-          <p:nvPr>
-            <p:ph idx="1"/>
-          </p:nvPr>
-        </p:nvSpPr>
-        <p:spPr>
-          <a:xfrm>
-            <a:off x="838200" y="1825625"/>
-            <a:ext cx="10782300" cy="4351338"/>
-          </a:xfrm>
-        </p:spPr>
-        <p:txBody>
-          <a:bodyPr>
-            <a:normAutofit fontScale="92500"/>
-          </a:bodyPr>
-          <a:lstStyle/>
-          <a:p>
-            <a:pPr marL="0" indent="0">
-              <a:buNone/>
-            </a:pPr>
-            <a:r>
-              <a:rPr lang="en-US" dirty="0"/>
-              <a:t>Dates</a:t>
-            </a:r>
-          </a:p>
-          <a:p>
-            <a:pPr marL="457200" lvl="1" indent="0">
-              <a:buNone/>
-            </a:pPr>
-            <a:r>
-              <a:rPr lang="en-US" dirty="0">
-                <a:latin typeface="Consolas" panose="020B0609020204030204" pitchFamily="49" charset="0"/>
-              </a:rPr>
-              <a:t>new Date();</a:t>
-            </a:r>
-          </a:p>
-          <a:p>
-            <a:pPr marL="457200" lvl="1" indent="0">
-              <a:buNone/>
-            </a:pPr>
-            <a:r>
-              <a:rPr lang="en-US" dirty="0">
-                <a:latin typeface="Consolas" panose="020B0609020204030204" pitchFamily="49" charset="0"/>
-              </a:rPr>
-              <a:t>new Date(value);</a:t>
-            </a:r>
-          </a:p>
-          <a:p>
-            <a:pPr marL="457200" lvl="1" indent="0">
-              <a:buNone/>
-            </a:pPr>
-            <a:r>
-              <a:rPr lang="en-US" dirty="0">
-                <a:latin typeface="Consolas" panose="020B0609020204030204" pitchFamily="49" charset="0"/>
-              </a:rPr>
-              <a:t>new Date(</a:t>
-            </a:r>
-            <a:r>
-              <a:rPr lang="en-US" dirty="0" err="1">
-                <a:latin typeface="Consolas" panose="020B0609020204030204" pitchFamily="49" charset="0"/>
-              </a:rPr>
-              <a:t>dateString</a:t>
-            </a:r>
-            <a:r>
-              <a:rPr lang="en-US" dirty="0">
-                <a:latin typeface="Consolas" panose="020B0609020204030204" pitchFamily="49" charset="0"/>
-              </a:rPr>
-              <a:t>);</a:t>
-            </a:r>
-          </a:p>
-          <a:p>
-            <a:pPr marL="457200" lvl="1" indent="0">
-              <a:buNone/>
-            </a:pPr>
-            <a:r>
-              <a:rPr lang="en-US" dirty="0">
-                <a:latin typeface="Consolas" panose="020B0609020204030204" pitchFamily="49" charset="0"/>
-              </a:rPr>
-              <a:t>new Date(year, month, day, hour, minutes, seconds, milliseconds);</a:t>
-            </a:r>
-          </a:p>
-          <a:p>
-            <a:pPr marL="457200" lvl="1" indent="0">
-              <a:buNone/>
-            </a:pPr>
-            <a:endParaRPr lang="en-US" dirty="0">
-              <a:latin typeface="Consolas" panose="020B0609020204030204" pitchFamily="49" charset="0"/>
-            </a:endParaRPr>
-          </a:p>
-          <a:p>
-            <a:pPr marL="457200" lvl="1" indent="0">
-              <a:buNone/>
-            </a:pPr>
-            <a:r>
-              <a:rPr lang="en-US" dirty="0"/>
-              <a:t>If no arguments are provided, the constructor creates a JavaScript Date object for the current date and time according to system settings (UTC).</a:t>
-            </a:r>
-          </a:p>
-          <a:p>
-            <a:pPr marL="457200" lvl="1" indent="0">
-              <a:buNone/>
-            </a:pPr>
-            <a:endParaRPr lang="en-US" dirty="0"/>
-          </a:p>
-          <a:p>
-            <a:pPr marL="457200" lvl="1" indent="0">
-              <a:buNone/>
-            </a:pPr>
-            <a:r>
-              <a:rPr lang="en-US" dirty="0" err="1">
-                <a:latin typeface="Consolas" panose="020B0609020204030204" pitchFamily="49" charset="0"/>
-              </a:rPr>
-              <a:t>Date.now</a:t>
-            </a:r>
-            <a:r>
-              <a:rPr lang="en-US" dirty="0">
-                <a:latin typeface="Consolas" panose="020B0609020204030204" pitchFamily="49" charset="0"/>
-              </a:rPr>
-              <a:t>() </a:t>
-            </a:r>
-          </a:p>
-          <a:p>
-            <a:pPr marL="457200" lvl="1" indent="0">
-              <a:buNone/>
-            </a:pPr>
-            <a:r>
-              <a:rPr lang="en-US" dirty="0"/>
-              <a:t>returns the numeric value corresponding to the current time - the number of milliseconds elapsed since 1 January 1970 00:00:00 UTC.</a:t>
-            </a:r>
-          </a:p>
-          <a:p>
-            <a:pPr marL="457200" lvl="1" indent="0">
-              <a:buNone/>
-            </a:pPr>
-            <a:endParaRPr lang="en-US" dirty="0"/>
-          </a:p>
-        </p:txBody>
-      </p:sp>
-    </p:spTree>
-    <p:extLst>
-      <p:ext uri="{BB962C8B-B14F-4D97-AF65-F5344CB8AC3E}">
-        <p14:creationId xmlns:p14="http://schemas.microsoft.com/office/powerpoint/2010/main" val="252648238"/>
-      </p:ext>
-    </p:extLst>
-  </p:cSld>
-  <p:clrMapOvr>
-    <a:masterClrMapping/>
-  </p:clrMapOvr>
-</p:sld>
-</file>
-
-<file path=ppt/slides/slide22.xml><?xml version="1.0" encoding="utf-8"?>
-<p:sld xmlns:a="http://schemas.openxmlformats.org/drawingml/2006/main" xmlns:r="http://schemas.openxmlformats.org/officeDocument/2006/relationships" xmlns:p="http://schemas.openxmlformats.org/presentationml/2006/main">
-  <p:cSld>
-    <p:spTree>
-      <p:nvGrpSpPr>
-        <p:cNvPr id="1" name=""/>
-        <p:cNvGrpSpPr/>
-        <p:nvPr/>
-      </p:nvGrpSpPr>
-      <p:grpSpPr>
-        <a:xfrm>
-          <a:off x="0" y="0"/>
-          <a:ext cx="0" cy="0"/>
-          <a:chOff x="0" y="0"/>
-          <a:chExt cx="0" cy="0"/>
-        </a:xfrm>
-      </p:grpSpPr>
-      <p:sp>
-        <p:nvSpPr>
-          <p:cNvPr id="2" name="Title 1"/>
-          <p:cNvSpPr>
-            <a:spLocks noGrp="1"/>
-          </p:cNvSpPr>
-          <p:nvPr>
-            <p:ph type="title"/>
-          </p:nvPr>
-        </p:nvSpPr>
-        <p:spPr/>
-        <p:txBody>
-          <a:bodyPr/>
-          <a:lstStyle/>
-          <a:p>
-            <a:r>
-              <a:rPr lang="en-US" dirty="0"/>
-              <a:t>JavaScript – Values and Types</a:t>
-            </a:r>
-          </a:p>
-        </p:txBody>
-      </p:sp>
-      <p:sp>
-        <p:nvSpPr>
-          <p:cNvPr id="3" name="Content Placeholder 2"/>
-          <p:cNvSpPr>
-            <a:spLocks noGrp="1"/>
-          </p:cNvSpPr>
-          <p:nvPr>
-            <p:ph idx="1"/>
-          </p:nvPr>
-        </p:nvSpPr>
-        <p:spPr>
-          <a:xfrm>
-            <a:off x="838200" y="2396290"/>
-            <a:ext cx="10515600" cy="3547312"/>
-          </a:xfrm>
-        </p:spPr>
-        <p:txBody>
-          <a:bodyPr>
-            <a:normAutofit/>
-          </a:bodyPr>
-          <a:lstStyle/>
-          <a:p>
-            <a:pPr marL="0" indent="0">
-              <a:buNone/>
-            </a:pPr>
-            <a:r>
-              <a:rPr lang="en-US" dirty="0"/>
-              <a:t>Structured data: JSON</a:t>
-            </a:r>
-          </a:p>
-          <a:p>
-            <a:pPr marL="457200" lvl="1" indent="0">
-              <a:buNone/>
-            </a:pPr>
-            <a:r>
-              <a:rPr lang="sv-SE" dirty="0">
-                <a:solidFill>
-                  <a:srgbClr val="0000FF"/>
-                </a:solidFill>
-                <a:latin typeface="Consolas" panose="020B0609020204030204" pitchFamily="49" charset="0"/>
-              </a:rPr>
-              <a:t>var</a:t>
-            </a:r>
-            <a:r>
-              <a:rPr lang="sv-SE" dirty="0">
-                <a:solidFill>
-                  <a:srgbClr val="000000"/>
-                </a:solidFill>
-                <a:latin typeface="Consolas" panose="020B0609020204030204" pitchFamily="49" charset="0"/>
-              </a:rPr>
-              <a:t> </a:t>
-            </a:r>
-            <a:r>
-              <a:rPr lang="sv-SE" dirty="0" err="1">
-                <a:solidFill>
-                  <a:srgbClr val="000000"/>
-                </a:solidFill>
-                <a:latin typeface="Consolas" panose="020B0609020204030204" pitchFamily="49" charset="0"/>
-              </a:rPr>
-              <a:t>user</a:t>
-            </a:r>
-            <a:r>
-              <a:rPr lang="sv-SE" dirty="0">
-                <a:solidFill>
-                  <a:srgbClr val="000000"/>
-                </a:solidFill>
-                <a:latin typeface="Consolas" panose="020B0609020204030204" pitchFamily="49" charset="0"/>
-              </a:rPr>
-              <a:t> = {</a:t>
-            </a:r>
-          </a:p>
-          <a:p>
-            <a:pPr marL="457200" lvl="1" indent="0">
-              <a:buNone/>
-            </a:pPr>
-            <a:r>
-              <a:rPr lang="sv-SE" dirty="0">
-                <a:solidFill>
-                  <a:srgbClr val="000000"/>
-                </a:solidFill>
-                <a:latin typeface="Consolas" panose="020B0609020204030204" pitchFamily="49" charset="0"/>
-              </a:rPr>
-              <a:t>    id: 1,</a:t>
-            </a:r>
-          </a:p>
-          <a:p>
-            <a:pPr marL="457200" lvl="1" indent="0">
-              <a:buNone/>
-            </a:pPr>
-            <a:r>
-              <a:rPr lang="sv-SE" dirty="0">
-                <a:solidFill>
-                  <a:srgbClr val="000000"/>
-                </a:solidFill>
-                <a:latin typeface="Consolas" panose="020B0609020204030204" pitchFamily="49" charset="0"/>
-              </a:rPr>
-              <a:t>    </a:t>
-            </a:r>
-            <a:r>
-              <a:rPr lang="sv-SE" dirty="0" err="1">
-                <a:solidFill>
-                  <a:srgbClr val="000000"/>
-                </a:solidFill>
-                <a:latin typeface="Consolas" panose="020B0609020204030204" pitchFamily="49" charset="0"/>
-              </a:rPr>
-              <a:t>firstName</a:t>
-            </a:r>
-            <a:r>
-              <a:rPr lang="sv-SE" dirty="0">
-                <a:solidFill>
-                  <a:srgbClr val="000000"/>
-                </a:solidFill>
-                <a:latin typeface="Consolas" panose="020B0609020204030204" pitchFamily="49" charset="0"/>
-              </a:rPr>
-              <a:t>: </a:t>
-            </a:r>
-            <a:r>
-              <a:rPr lang="sv-SE" dirty="0">
-                <a:solidFill>
-                  <a:srgbClr val="A31515"/>
-                </a:solidFill>
-                <a:latin typeface="Consolas" panose="020B0609020204030204" pitchFamily="49" charset="0"/>
-              </a:rPr>
-              <a:t>'Jim'</a:t>
-            </a:r>
-            <a:r>
-              <a:rPr lang="sv-SE" dirty="0">
-                <a:solidFill>
-                  <a:srgbClr val="000000"/>
-                </a:solidFill>
-                <a:latin typeface="Consolas" panose="020B0609020204030204" pitchFamily="49" charset="0"/>
-              </a:rPr>
-              <a:t>,</a:t>
-            </a:r>
-          </a:p>
-          <a:p>
-            <a:pPr marL="457200" lvl="1" indent="0">
-              <a:buNone/>
-            </a:pPr>
-            <a:r>
-              <a:rPr lang="sv-SE" dirty="0">
-                <a:solidFill>
-                  <a:srgbClr val="000000"/>
-                </a:solidFill>
-                <a:latin typeface="Consolas" panose="020B0609020204030204" pitchFamily="49" charset="0"/>
-              </a:rPr>
-              <a:t>    </a:t>
-            </a:r>
-            <a:r>
-              <a:rPr lang="sv-SE" dirty="0" err="1">
-                <a:solidFill>
-                  <a:srgbClr val="000000"/>
-                </a:solidFill>
-                <a:latin typeface="Consolas" panose="020B0609020204030204" pitchFamily="49" charset="0"/>
-              </a:rPr>
-              <a:t>lastName</a:t>
-            </a:r>
-            <a:r>
-              <a:rPr lang="sv-SE" dirty="0">
-                <a:solidFill>
-                  <a:srgbClr val="000000"/>
-                </a:solidFill>
-                <a:latin typeface="Consolas" panose="020B0609020204030204" pitchFamily="49" charset="0"/>
-              </a:rPr>
-              <a:t>: </a:t>
-            </a:r>
-            <a:r>
-              <a:rPr lang="sv-SE" dirty="0">
-                <a:solidFill>
-                  <a:srgbClr val="A31515"/>
-                </a:solidFill>
-                <a:latin typeface="Consolas" panose="020B0609020204030204" pitchFamily="49" charset="0"/>
-              </a:rPr>
-              <a:t>'Morrison'</a:t>
-            </a:r>
-            <a:endParaRPr lang="sv-SE" dirty="0">
-              <a:solidFill>
-                <a:srgbClr val="000000"/>
-              </a:solidFill>
-              <a:latin typeface="Consolas" panose="020B0609020204030204" pitchFamily="49" charset="0"/>
-            </a:endParaRPr>
-          </a:p>
-          <a:p>
-            <a:pPr marL="457200" lvl="1" indent="0">
-              <a:buNone/>
-            </a:pPr>
-            <a:r>
-              <a:rPr lang="sv-SE" dirty="0">
-                <a:solidFill>
-                  <a:srgbClr val="000000"/>
-                </a:solidFill>
-                <a:latin typeface="Consolas" panose="020B0609020204030204" pitchFamily="49" charset="0"/>
-              </a:rPr>
-              <a:t>};</a:t>
-            </a:r>
-            <a:r>
-              <a:rPr lang="en-US" dirty="0"/>
-              <a:t>ions:</a:t>
-            </a:r>
-          </a:p>
-          <a:p>
-            <a:pPr marL="0" indent="0">
-              <a:buNone/>
-            </a:pPr>
-            <a:r>
-              <a:rPr lang="en-US" dirty="0"/>
-              <a:t>      </a:t>
-            </a:r>
-            <a:r>
-              <a:rPr lang="da-DK" sz="2400" dirty="0">
-                <a:solidFill>
-                  <a:srgbClr val="0000FF"/>
-                </a:solidFill>
-                <a:latin typeface="Consolas" panose="020B0609020204030204" pitchFamily="49" charset="0"/>
-              </a:rPr>
-              <a:t>var</a:t>
-            </a:r>
-            <a:r>
-              <a:rPr lang="da-DK" sz="2400" dirty="0">
-                <a:solidFill>
-                  <a:srgbClr val="000000"/>
-                </a:solidFill>
-                <a:latin typeface="Consolas" panose="020B0609020204030204" pitchFamily="49" charset="0"/>
-              </a:rPr>
-              <a:t> numbers = [1, 2, 3, 4];</a:t>
-            </a:r>
-            <a:endParaRPr lang="en-US" sz="2400" dirty="0">
-              <a:latin typeface="Consolas" panose="020B0609020204030204" pitchFamily="49" charset="0"/>
-            </a:endParaRPr>
-          </a:p>
-        </p:txBody>
-      </p:sp>
-    </p:spTree>
-    <p:extLst>
-      <p:ext uri="{BB962C8B-B14F-4D97-AF65-F5344CB8AC3E}">
-        <p14:creationId xmlns:p14="http://schemas.microsoft.com/office/powerpoint/2010/main" val="2261632746"/>
-      </p:ext>
-    </p:extLst>
-  </p:cSld>
-  <p:clrMapOvr>
-    <a:masterClrMapping/>
-  </p:clrMapOvr>
-</p:sld>
-</file>
-
-<file path=ppt/slides/slide23.xml><?xml version="1.0" encoding="utf-8"?>
 <p:sld xmlns:a="http://schemas.openxmlformats.org/drawingml/2006/main" xmlns:r="http://schemas.openxmlformats.org/officeDocument/2006/relationships" xmlns:p="http://schemas.openxmlformats.org/presentationml/2006/main">
   <p:cSld>
     <p:spTree>
@@ -20478,7 +18702,7 @@
 </p:sld>
 </file>
 
-<file path=ppt/slides/slide24.xml><?xml version="1.0" encoding="utf-8"?>
+<file path=ppt/slides/slide21.xml><?xml version="1.0" encoding="utf-8"?>
 <p:sld xmlns:a="http://schemas.openxmlformats.org/drawingml/2006/main" xmlns:r="http://schemas.openxmlformats.org/officeDocument/2006/relationships" xmlns:p="http://schemas.openxmlformats.org/presentationml/2006/main">
   <p:cSld>
     <p:spTree>
@@ -20727,1001 +18951,8 @@
 </p:sld>
 </file>
 
-<file path=ppt/slides/slide25.xml><?xml version="1.0" encoding="utf-8"?>
+<file path=ppt/slides/slide22.xml><?xml version="1.0" encoding="utf-8"?>
 <p:sld xmlns:a="http://schemas.openxmlformats.org/drawingml/2006/main" xmlns:r="http://schemas.openxmlformats.org/officeDocument/2006/relationships" xmlns:p="http://schemas.openxmlformats.org/presentationml/2006/main" show="0">
-  <p:cSld>
-    <p:spTree>
-      <p:nvGrpSpPr>
-        <p:cNvPr id="1" name=""/>
-        <p:cNvGrpSpPr/>
-        <p:nvPr/>
-      </p:nvGrpSpPr>
-      <p:grpSpPr>
-        <a:xfrm>
-          <a:off x="0" y="0"/>
-          <a:ext cx="0" cy="0"/>
-          <a:chOff x="0" y="0"/>
-          <a:chExt cx="0" cy="0"/>
-        </a:xfrm>
-      </p:grpSpPr>
-      <p:pic>
-        <p:nvPicPr>
-          <p:cNvPr id="4" name="Picture 2" descr="C:\Users\wmmih\AppData\Local\Temp\SNAGHTML1288bdde.PNG"/>
-          <p:cNvPicPr>
-            <a:picLocks noChangeAspect="1" noChangeArrowheads="1"/>
-          </p:cNvPicPr>
-          <p:nvPr/>
-        </p:nvPicPr>
-        <p:blipFill>
-          <a:blip r:embed="rId3">
-            <a:extLst>
-              <a:ext uri="{28A0092B-C50C-407E-A947-70E740481C1C}">
-                <a14:useLocalDpi xmlns:a14="http://schemas.microsoft.com/office/drawing/2010/main" val="0"/>
-              </a:ext>
-            </a:extLst>
-          </a:blip>
-          <a:srcRect/>
-          <a:stretch>
-            <a:fillRect/>
-          </a:stretch>
-        </p:blipFill>
-        <p:spPr bwMode="auto">
-          <a:xfrm>
-            <a:off x="2526631" y="2550695"/>
-            <a:ext cx="7579895" cy="2370890"/>
-          </a:xfrm>
-          <a:prstGeom prst="rect">
-            <a:avLst/>
-          </a:prstGeom>
-          <a:noFill/>
-          <a:extLst>
-            <a:ext uri="{909E8E84-426E-40DD-AFC4-6F175D3DCCD1}">
-              <a14:hiddenFill xmlns:a14="http://schemas.microsoft.com/office/drawing/2010/main">
-                <a:solidFill>
-                  <a:srgbClr val="FFFFFF"/>
-                </a:solidFill>
-              </a14:hiddenFill>
-            </a:ext>
-          </a:extLst>
-        </p:spPr>
-      </p:pic>
-      <p:sp>
-        <p:nvSpPr>
-          <p:cNvPr id="2" name="Title 1"/>
-          <p:cNvSpPr>
-            <a:spLocks noGrp="1"/>
-          </p:cNvSpPr>
-          <p:nvPr>
-            <p:ph type="title"/>
-          </p:nvPr>
-        </p:nvSpPr>
-        <p:spPr/>
-        <p:txBody>
-          <a:bodyPr/>
-          <a:lstStyle/>
-          <a:p>
-            <a:r>
-              <a:rPr lang="sv-SE" dirty="0"/>
-              <a:t>JavaScript - </a:t>
-            </a:r>
-            <a:r>
-              <a:rPr lang="sv-SE" dirty="0" err="1"/>
-              <a:t>Variables</a:t>
-            </a:r>
-            <a:r>
-              <a:rPr lang="sv-SE" dirty="0"/>
-              <a:t> and Blocks</a:t>
-            </a:r>
-          </a:p>
-        </p:txBody>
-      </p:sp>
-      <p:sp>
-        <p:nvSpPr>
-          <p:cNvPr id="3" name="Content Placeholder 2"/>
-          <p:cNvSpPr>
-            <a:spLocks noGrp="1"/>
-          </p:cNvSpPr>
-          <p:nvPr>
-            <p:ph idx="1"/>
-          </p:nvPr>
-        </p:nvSpPr>
-        <p:spPr>
-          <a:xfrm>
-            <a:off x="2763253" y="2892425"/>
-            <a:ext cx="6862011" cy="2208964"/>
-          </a:xfrm>
-        </p:spPr>
-        <p:txBody>
-          <a:bodyPr/>
-          <a:lstStyle/>
-          <a:p>
-            <a:pPr marL="0" indent="0">
-              <a:buNone/>
-            </a:pPr>
-            <a:r>
-              <a:rPr lang="en-US" dirty="0" err="1">
-                <a:solidFill>
-                  <a:srgbClr val="0000FF"/>
-                </a:solidFill>
-                <a:latin typeface="Consolas" panose="020B0609020204030204" pitchFamily="49" charset="0"/>
-              </a:rPr>
-              <a:t>var</a:t>
-            </a:r>
-            <a:r>
-              <a:rPr lang="en-US" dirty="0">
-                <a:solidFill>
-                  <a:srgbClr val="000000"/>
-                </a:solidFill>
-                <a:latin typeface="Consolas" panose="020B0609020204030204" pitchFamily="49" charset="0"/>
-              </a:rPr>
-              <a:t> a = 42; </a:t>
-            </a:r>
-            <a:r>
-              <a:rPr lang="en-US" dirty="0">
-                <a:solidFill>
-                  <a:srgbClr val="008000"/>
-                </a:solidFill>
-                <a:latin typeface="Consolas" panose="020B0609020204030204" pitchFamily="49" charset="0"/>
-              </a:rPr>
-              <a:t>//(Function scope)</a:t>
-            </a:r>
-            <a:endParaRPr lang="en-US" dirty="0">
-              <a:solidFill>
-                <a:srgbClr val="000000"/>
-              </a:solidFill>
-              <a:latin typeface="Consolas" panose="020B0609020204030204" pitchFamily="49" charset="0"/>
-            </a:endParaRPr>
-          </a:p>
-          <a:p>
-            <a:pPr marL="0" indent="0">
-              <a:buNone/>
-            </a:pPr>
-            <a:r>
-              <a:rPr lang="en-US" dirty="0">
-                <a:solidFill>
-                  <a:srgbClr val="0000FF"/>
-                </a:solidFill>
-                <a:latin typeface="Consolas" panose="020B0609020204030204" pitchFamily="49" charset="0"/>
-              </a:rPr>
-              <a:t>let</a:t>
-            </a:r>
-            <a:r>
-              <a:rPr lang="en-US" dirty="0">
-                <a:solidFill>
-                  <a:srgbClr val="000000"/>
-                </a:solidFill>
-                <a:latin typeface="Consolas" panose="020B0609020204030204" pitchFamily="49" charset="0"/>
-              </a:rPr>
-              <a:t> b = 16; </a:t>
-            </a:r>
-            <a:r>
-              <a:rPr lang="en-US" dirty="0">
-                <a:solidFill>
-                  <a:srgbClr val="008000"/>
-                </a:solidFill>
-                <a:latin typeface="Consolas" panose="020B0609020204030204" pitchFamily="49" charset="0"/>
-              </a:rPr>
-              <a:t>//(Block scope)</a:t>
-            </a:r>
-            <a:endParaRPr lang="en-US" dirty="0">
-              <a:solidFill>
-                <a:srgbClr val="000000"/>
-              </a:solidFill>
-              <a:latin typeface="Consolas" panose="020B0609020204030204" pitchFamily="49" charset="0"/>
-            </a:endParaRPr>
-          </a:p>
-          <a:p>
-            <a:pPr marL="0" indent="0">
-              <a:buNone/>
-            </a:pPr>
-            <a:r>
-              <a:rPr lang="sv-SE" dirty="0" err="1">
-                <a:solidFill>
-                  <a:srgbClr val="0000FF"/>
-                </a:solidFill>
-                <a:latin typeface="Consolas" panose="020B0609020204030204" pitchFamily="49" charset="0"/>
-              </a:rPr>
-              <a:t>const</a:t>
-            </a:r>
-            <a:r>
-              <a:rPr lang="sv-SE" dirty="0">
-                <a:solidFill>
-                  <a:srgbClr val="000000"/>
-                </a:solidFill>
-                <a:latin typeface="Consolas" panose="020B0609020204030204" pitchFamily="49" charset="0"/>
-              </a:rPr>
-              <a:t> AGE = 7;</a:t>
-            </a:r>
-          </a:p>
-          <a:p>
-            <a:pPr marL="457200" lvl="1" indent="0">
-              <a:buNone/>
-            </a:pPr>
-            <a:endParaRPr lang="sv-SE" dirty="0">
-              <a:latin typeface="Consolas" panose="020B0609020204030204" pitchFamily="49" charset="0"/>
-            </a:endParaRPr>
-          </a:p>
-        </p:txBody>
-      </p:sp>
-    </p:spTree>
-    <p:extLst>
-      <p:ext uri="{BB962C8B-B14F-4D97-AF65-F5344CB8AC3E}">
-        <p14:creationId xmlns:p14="http://schemas.microsoft.com/office/powerpoint/2010/main" val="2145310828"/>
-      </p:ext>
-    </p:extLst>
-  </p:cSld>
-  <p:clrMapOvr>
-    <a:masterClrMapping/>
-  </p:clrMapOvr>
-</p:sld>
-</file>
-
-<file path=ppt/slides/slide26.xml><?xml version="1.0" encoding="utf-8"?>
-<p:sld xmlns:a="http://schemas.openxmlformats.org/drawingml/2006/main" xmlns:r="http://schemas.openxmlformats.org/officeDocument/2006/relationships" xmlns:p="http://schemas.openxmlformats.org/presentationml/2006/main" show="0">
-  <p:cSld>
-    <p:spTree>
-      <p:nvGrpSpPr>
-        <p:cNvPr id="1" name=""/>
-        <p:cNvGrpSpPr/>
-        <p:nvPr/>
-      </p:nvGrpSpPr>
-      <p:grpSpPr>
-        <a:xfrm>
-          <a:off x="0" y="0"/>
-          <a:ext cx="0" cy="0"/>
-          <a:chOff x="0" y="0"/>
-          <a:chExt cx="0" cy="0"/>
-        </a:xfrm>
-      </p:grpSpPr>
-      <p:pic>
-        <p:nvPicPr>
-          <p:cNvPr id="5" name="Picture 2" descr="C:\Users\wmmih\AppData\Local\Temp\SNAGHTML1288bdde.PNG"/>
-          <p:cNvPicPr>
-            <a:picLocks noChangeAspect="1" noChangeArrowheads="1"/>
-          </p:cNvPicPr>
-          <p:nvPr/>
-        </p:nvPicPr>
-        <p:blipFill>
-          <a:blip r:embed="rId3">
-            <a:extLst>
-              <a:ext uri="{28A0092B-C50C-407E-A947-70E740481C1C}">
-                <a14:useLocalDpi xmlns:a14="http://schemas.microsoft.com/office/drawing/2010/main" val="0"/>
-              </a:ext>
-            </a:extLst>
-          </a:blip>
-          <a:srcRect/>
-          <a:stretch>
-            <a:fillRect/>
-          </a:stretch>
-        </p:blipFill>
-        <p:spPr bwMode="auto">
-          <a:xfrm>
-            <a:off x="1171074" y="2253915"/>
-            <a:ext cx="4900863" cy="3777915"/>
-          </a:xfrm>
-          <a:prstGeom prst="rect">
-            <a:avLst/>
-          </a:prstGeom>
-          <a:noFill/>
-          <a:extLst>
-            <a:ext uri="{909E8E84-426E-40DD-AFC4-6F175D3DCCD1}">
-              <a14:hiddenFill xmlns:a14="http://schemas.microsoft.com/office/drawing/2010/main">
-                <a:solidFill>
-                  <a:srgbClr val="FFFFFF"/>
-                </a:solidFill>
-              </a14:hiddenFill>
-            </a:ext>
-          </a:extLst>
-        </p:spPr>
-      </p:pic>
-      <p:sp>
-        <p:nvSpPr>
-          <p:cNvPr id="2" name="Title 1"/>
-          <p:cNvSpPr>
-            <a:spLocks noGrp="1"/>
-          </p:cNvSpPr>
-          <p:nvPr>
-            <p:ph type="title"/>
-          </p:nvPr>
-        </p:nvSpPr>
-        <p:spPr/>
-        <p:txBody>
-          <a:bodyPr/>
-          <a:lstStyle/>
-          <a:p>
-            <a:r>
-              <a:rPr lang="sv-SE" dirty="0"/>
-              <a:t>JavaScript - </a:t>
-            </a:r>
-            <a:r>
-              <a:rPr lang="sv-SE" dirty="0" err="1"/>
-              <a:t>Variables</a:t>
-            </a:r>
-            <a:r>
-              <a:rPr lang="sv-SE" dirty="0"/>
-              <a:t> and Blocks</a:t>
-            </a:r>
-          </a:p>
-        </p:txBody>
-      </p:sp>
-      <p:sp>
-        <p:nvSpPr>
-          <p:cNvPr id="3" name="Content Placeholder 2"/>
-          <p:cNvSpPr>
-            <a:spLocks noGrp="1"/>
-          </p:cNvSpPr>
-          <p:nvPr>
-            <p:ph idx="1"/>
-          </p:nvPr>
-        </p:nvSpPr>
-        <p:spPr>
-          <a:xfrm>
-            <a:off x="1552074" y="1777498"/>
-            <a:ext cx="4287253" cy="4351338"/>
-          </a:xfrm>
-        </p:spPr>
-        <p:txBody>
-          <a:bodyPr/>
-          <a:lstStyle/>
-          <a:p>
-            <a:pPr marL="0" indent="0">
-              <a:buNone/>
-            </a:pPr>
-            <a:r>
-              <a:rPr lang="sv-SE" dirty="0">
-                <a:latin typeface="Consolas" panose="020B0609020204030204" pitchFamily="49" charset="0"/>
-              </a:rPr>
-              <a:t>Block</a:t>
-            </a:r>
-          </a:p>
-          <a:p>
-            <a:pPr marL="0" indent="0">
-              <a:buNone/>
-            </a:pPr>
-            <a:endParaRPr lang="sv-SE" dirty="0">
-              <a:latin typeface="Consolas" panose="020B0609020204030204" pitchFamily="49" charset="0"/>
-            </a:endParaRPr>
-          </a:p>
-          <a:p>
-            <a:pPr marL="457200" lvl="1" indent="0">
-              <a:buNone/>
-            </a:pPr>
-            <a:r>
-              <a:rPr lang="sv-SE" dirty="0">
-                <a:solidFill>
-                  <a:srgbClr val="0000FF"/>
-                </a:solidFill>
-                <a:latin typeface="Consolas" panose="020B0609020204030204" pitchFamily="49" charset="0"/>
-              </a:rPr>
-              <a:t>var</a:t>
-            </a:r>
-            <a:r>
-              <a:rPr lang="sv-SE" dirty="0">
-                <a:solidFill>
-                  <a:srgbClr val="000000"/>
-                </a:solidFill>
-                <a:latin typeface="Consolas" panose="020B0609020204030204" pitchFamily="49" charset="0"/>
-              </a:rPr>
-              <a:t> b = 4;</a:t>
-            </a:r>
-          </a:p>
-          <a:p>
-            <a:pPr marL="457200" lvl="1" indent="0">
-              <a:buNone/>
-            </a:pPr>
-            <a:endParaRPr lang="sv-SE" dirty="0">
-              <a:solidFill>
-                <a:srgbClr val="000000"/>
-              </a:solidFill>
-              <a:latin typeface="Consolas" panose="020B0609020204030204" pitchFamily="49" charset="0"/>
-            </a:endParaRPr>
-          </a:p>
-          <a:p>
-            <a:pPr marL="457200" lvl="1" indent="0">
-              <a:buNone/>
-            </a:pPr>
-            <a:r>
-              <a:rPr lang="sv-SE" dirty="0">
-                <a:solidFill>
-                  <a:srgbClr val="000000"/>
-                </a:solidFill>
-                <a:latin typeface="Consolas" panose="020B0609020204030204" pitchFamily="49" charset="0"/>
-              </a:rPr>
-              <a:t>{</a:t>
-            </a:r>
-          </a:p>
-          <a:p>
-            <a:pPr marL="457200" lvl="1" indent="0">
-              <a:buNone/>
-            </a:pPr>
-            <a:r>
-              <a:rPr lang="sv-SE" dirty="0">
-                <a:solidFill>
-                  <a:srgbClr val="000000"/>
-                </a:solidFill>
-                <a:latin typeface="Consolas" panose="020B0609020204030204" pitchFamily="49" charset="0"/>
-              </a:rPr>
-              <a:t>    </a:t>
-            </a:r>
-            <a:r>
-              <a:rPr lang="sv-SE" dirty="0">
-                <a:solidFill>
-                  <a:srgbClr val="0000FF"/>
-                </a:solidFill>
-                <a:latin typeface="Consolas" panose="020B0609020204030204" pitchFamily="49" charset="0"/>
-              </a:rPr>
-              <a:t>var</a:t>
-            </a:r>
-            <a:r>
-              <a:rPr lang="sv-SE" dirty="0">
-                <a:solidFill>
-                  <a:srgbClr val="000000"/>
-                </a:solidFill>
-                <a:latin typeface="Consolas" panose="020B0609020204030204" pitchFamily="49" charset="0"/>
-              </a:rPr>
-              <a:t> t = 2;</a:t>
-            </a:r>
-          </a:p>
-          <a:p>
-            <a:pPr marL="457200" lvl="1" indent="0">
-              <a:buNone/>
-            </a:pPr>
-            <a:r>
-              <a:rPr lang="sv-SE" dirty="0">
-                <a:solidFill>
-                  <a:srgbClr val="000000"/>
-                </a:solidFill>
-                <a:latin typeface="Consolas" panose="020B0609020204030204" pitchFamily="49" charset="0"/>
-              </a:rPr>
-              <a:t>    console.log(b);</a:t>
-            </a:r>
-          </a:p>
-          <a:p>
-            <a:pPr marL="457200" lvl="1" indent="0">
-              <a:buNone/>
-            </a:pPr>
-            <a:r>
-              <a:rPr lang="sv-SE" dirty="0">
-                <a:solidFill>
-                  <a:srgbClr val="000000"/>
-                </a:solidFill>
-                <a:latin typeface="Consolas" panose="020B0609020204030204" pitchFamily="49" charset="0"/>
-              </a:rPr>
-              <a:t>}</a:t>
-            </a:r>
-          </a:p>
-          <a:p>
-            <a:pPr marL="457200" lvl="1" indent="0">
-              <a:buNone/>
-            </a:pPr>
-            <a:r>
-              <a:rPr lang="sv-SE" dirty="0">
-                <a:solidFill>
-                  <a:schemeClr val="accent6"/>
-                </a:solidFill>
-                <a:latin typeface="Consolas" panose="020B0609020204030204" pitchFamily="49" charset="0"/>
-              </a:rPr>
-              <a:t>console.log(t);</a:t>
-            </a:r>
-          </a:p>
-          <a:p>
-            <a:pPr marL="914400" lvl="2" indent="0">
-              <a:buNone/>
-            </a:pPr>
-            <a:endParaRPr lang="sv-SE" dirty="0">
-              <a:latin typeface="Consolas" panose="020B0609020204030204" pitchFamily="49" charset="0"/>
-            </a:endParaRPr>
-          </a:p>
-          <a:p>
-            <a:pPr marL="457200" lvl="1" indent="0">
-              <a:buNone/>
-            </a:pPr>
-            <a:endParaRPr lang="sv-SE" dirty="0">
-              <a:latin typeface="Consolas" panose="020B0609020204030204" pitchFamily="49" charset="0"/>
-            </a:endParaRPr>
-          </a:p>
-        </p:txBody>
-      </p:sp>
-      <p:grpSp>
-        <p:nvGrpSpPr>
-          <p:cNvPr id="7" name="Group 6"/>
-          <p:cNvGrpSpPr/>
-          <p:nvPr/>
-        </p:nvGrpSpPr>
-        <p:grpSpPr>
-          <a:xfrm>
-            <a:off x="6204285" y="1777498"/>
-            <a:ext cx="4916905" cy="4351338"/>
-            <a:chOff x="6204285" y="1777498"/>
-            <a:chExt cx="4916905" cy="4351338"/>
-          </a:xfrm>
-        </p:grpSpPr>
-        <p:pic>
-          <p:nvPicPr>
-            <p:cNvPr id="6" name="Picture 2" descr="C:\Users\wmmih\AppData\Local\Temp\SNAGHTML1288bdde.PNG"/>
-            <p:cNvPicPr>
-              <a:picLocks noChangeAspect="1" noChangeArrowheads="1"/>
-            </p:cNvPicPr>
-            <p:nvPr/>
-          </p:nvPicPr>
-          <p:blipFill>
-            <a:blip r:embed="rId3">
-              <a:extLst>
-                <a:ext uri="{28A0092B-C50C-407E-A947-70E740481C1C}">
-                  <a14:useLocalDpi xmlns:a14="http://schemas.microsoft.com/office/drawing/2010/main" val="0"/>
-                </a:ext>
-              </a:extLst>
-            </a:blip>
-            <a:srcRect/>
-            <a:stretch>
-              <a:fillRect/>
-            </a:stretch>
-          </p:blipFill>
-          <p:spPr bwMode="auto">
-            <a:xfrm>
-              <a:off x="6220327" y="2253915"/>
-              <a:ext cx="4900863" cy="3777915"/>
-            </a:xfrm>
-            <a:prstGeom prst="rect">
-              <a:avLst/>
-            </a:prstGeom>
-            <a:noFill/>
-            <a:extLst>
-              <a:ext uri="{909E8E84-426E-40DD-AFC4-6F175D3DCCD1}">
-                <a14:hiddenFill xmlns:a14="http://schemas.microsoft.com/office/drawing/2010/main">
-                  <a:solidFill>
-                    <a:srgbClr val="FFFFFF"/>
-                  </a:solidFill>
-                </a14:hiddenFill>
-              </a:ext>
-            </a:extLst>
-          </p:spPr>
-        </p:pic>
-        <p:sp>
-          <p:nvSpPr>
-            <p:cNvPr id="4" name="Content Placeholder 2"/>
-            <p:cNvSpPr txBox="1">
-              <a:spLocks/>
-            </p:cNvSpPr>
-            <p:nvPr/>
-          </p:nvSpPr>
-          <p:spPr>
-            <a:xfrm>
-              <a:off x="6204285" y="1777498"/>
-              <a:ext cx="4287253" cy="4351338"/>
-            </a:xfrm>
-            <a:prstGeom prst="rect">
-              <a:avLst/>
-            </a:prstGeom>
-          </p:spPr>
-          <p:txBody>
-            <a:bodyPr vert="horz" lIns="91440" tIns="45720" rIns="91440" bIns="45720" rtlCol="0">
-              <a:normAutofit/>
-            </a:bodyPr>
-            <a:lstStyle>
-              <a:lvl1pPr marL="228600" indent="-228600" algn="l" defTabSz="914400" rtl="0" eaLnBrk="1" latinLnBrk="0" hangingPunct="1">
-                <a:lnSpc>
-                  <a:spcPct val="90000"/>
-                </a:lnSpc>
-                <a:spcBef>
-                  <a:spcPts val="1000"/>
-                </a:spcBef>
-                <a:buFont typeface="Arial" panose="020B0604020202020204" pitchFamily="34" charset="0"/>
-                <a:buChar char="•"/>
-                <a:defRPr sz="2800" kern="1200">
-                  <a:solidFill>
-                    <a:schemeClr val="tx1"/>
-                  </a:solidFill>
-                  <a:latin typeface="+mn-lt"/>
-                  <a:ea typeface="+mn-ea"/>
-                  <a:cs typeface="+mn-cs"/>
-                </a:defRPr>
-              </a:lvl1pPr>
-              <a:lvl2pPr marL="685800" indent="-228600" algn="l" defTabSz="914400" rtl="0" eaLnBrk="1" latinLnBrk="0" hangingPunct="1">
-                <a:lnSpc>
-                  <a:spcPct val="90000"/>
-                </a:lnSpc>
-                <a:spcBef>
-                  <a:spcPts val="500"/>
-                </a:spcBef>
-                <a:buFont typeface="Arial" panose="020B0604020202020204" pitchFamily="34" charset="0"/>
-                <a:buChar char="•"/>
-                <a:defRPr sz="2400" kern="1200">
-                  <a:solidFill>
-                    <a:schemeClr val="tx1"/>
-                  </a:solidFill>
-                  <a:latin typeface="+mn-lt"/>
-                  <a:ea typeface="+mn-ea"/>
-                  <a:cs typeface="+mn-cs"/>
-                </a:defRPr>
-              </a:lvl2pPr>
-              <a:lvl3pPr marL="1143000" indent="-228600" algn="l" defTabSz="914400" rtl="0" eaLnBrk="1" latinLnBrk="0" hangingPunct="1">
-                <a:lnSpc>
-                  <a:spcPct val="90000"/>
-                </a:lnSpc>
-                <a:spcBef>
-                  <a:spcPts val="500"/>
-                </a:spcBef>
-                <a:buFont typeface="Arial" panose="020B0604020202020204" pitchFamily="34" charset="0"/>
-                <a:buChar char="•"/>
-                <a:defRPr sz="2000" kern="1200">
-                  <a:solidFill>
-                    <a:schemeClr val="tx1"/>
-                  </a:solidFill>
-                  <a:latin typeface="+mn-lt"/>
-                  <a:ea typeface="+mn-ea"/>
-                  <a:cs typeface="+mn-cs"/>
-                </a:defRPr>
-              </a:lvl3pPr>
-              <a:lvl4pPr marL="1600200" indent="-228600" algn="l" defTabSz="914400" rtl="0" eaLnBrk="1" latinLnBrk="0" hangingPunct="1">
-                <a:lnSpc>
-                  <a:spcPct val="90000"/>
-                </a:lnSpc>
-                <a:spcBef>
-                  <a:spcPts val="500"/>
-                </a:spcBef>
-                <a:buFont typeface="Arial" panose="020B0604020202020204" pitchFamily="34" charset="0"/>
-                <a:buChar char="•"/>
-                <a:defRPr sz="1800" kern="1200">
-                  <a:solidFill>
-                    <a:schemeClr val="tx1"/>
-                  </a:solidFill>
-                  <a:latin typeface="+mn-lt"/>
-                  <a:ea typeface="+mn-ea"/>
-                  <a:cs typeface="+mn-cs"/>
-                </a:defRPr>
-              </a:lvl4pPr>
-              <a:lvl5pPr marL="2057400" indent="-228600" algn="l" defTabSz="914400" rtl="0" eaLnBrk="1" latinLnBrk="0" hangingPunct="1">
-                <a:lnSpc>
-                  <a:spcPct val="90000"/>
-                </a:lnSpc>
-                <a:spcBef>
-                  <a:spcPts val="500"/>
-                </a:spcBef>
-                <a:buFont typeface="Arial" panose="020B0604020202020204" pitchFamily="34" charset="0"/>
-                <a:buChar char="•"/>
-                <a:defRPr sz="1800" kern="1200">
-                  <a:solidFill>
-                    <a:schemeClr val="tx1"/>
-                  </a:solidFill>
-                  <a:latin typeface="+mn-lt"/>
-                  <a:ea typeface="+mn-ea"/>
-                  <a:cs typeface="+mn-cs"/>
-                </a:defRPr>
-              </a:lvl5pPr>
-              <a:lvl6pPr marL="2514600" indent="-228600" algn="l" defTabSz="914400" rtl="0" eaLnBrk="1" latinLnBrk="0" hangingPunct="1">
-                <a:lnSpc>
-                  <a:spcPct val="90000"/>
-                </a:lnSpc>
-                <a:spcBef>
-                  <a:spcPts val="500"/>
-                </a:spcBef>
-                <a:buFont typeface="Arial" panose="020B0604020202020204" pitchFamily="34" charset="0"/>
-                <a:buChar char="•"/>
-                <a:defRPr sz="1800" kern="1200">
-                  <a:solidFill>
-                    <a:schemeClr val="tx1"/>
-                  </a:solidFill>
-                  <a:latin typeface="+mn-lt"/>
-                  <a:ea typeface="+mn-ea"/>
-                  <a:cs typeface="+mn-cs"/>
-                </a:defRPr>
-              </a:lvl6pPr>
-              <a:lvl7pPr marL="2971800" indent="-228600" algn="l" defTabSz="914400" rtl="0" eaLnBrk="1" latinLnBrk="0" hangingPunct="1">
-                <a:lnSpc>
-                  <a:spcPct val="90000"/>
-                </a:lnSpc>
-                <a:spcBef>
-                  <a:spcPts val="500"/>
-                </a:spcBef>
-                <a:buFont typeface="Arial" panose="020B0604020202020204" pitchFamily="34" charset="0"/>
-                <a:buChar char="•"/>
-                <a:defRPr sz="1800" kern="1200">
-                  <a:solidFill>
-                    <a:schemeClr val="tx1"/>
-                  </a:solidFill>
-                  <a:latin typeface="+mn-lt"/>
-                  <a:ea typeface="+mn-ea"/>
-                  <a:cs typeface="+mn-cs"/>
-                </a:defRPr>
-              </a:lvl7pPr>
-              <a:lvl8pPr marL="3429000" indent="-228600" algn="l" defTabSz="914400" rtl="0" eaLnBrk="1" latinLnBrk="0" hangingPunct="1">
-                <a:lnSpc>
-                  <a:spcPct val="90000"/>
-                </a:lnSpc>
-                <a:spcBef>
-                  <a:spcPts val="500"/>
-                </a:spcBef>
-                <a:buFont typeface="Arial" panose="020B0604020202020204" pitchFamily="34" charset="0"/>
-                <a:buChar char="•"/>
-                <a:defRPr sz="1800" kern="1200">
-                  <a:solidFill>
-                    <a:schemeClr val="tx1"/>
-                  </a:solidFill>
-                  <a:latin typeface="+mn-lt"/>
-                  <a:ea typeface="+mn-ea"/>
-                  <a:cs typeface="+mn-cs"/>
-                </a:defRPr>
-              </a:lvl8pPr>
-              <a:lvl9pPr marL="3886200" indent="-228600" algn="l" defTabSz="914400" rtl="0" eaLnBrk="1" latinLnBrk="0" hangingPunct="1">
-                <a:lnSpc>
-                  <a:spcPct val="90000"/>
-                </a:lnSpc>
-                <a:spcBef>
-                  <a:spcPts val="500"/>
-                </a:spcBef>
-                <a:buFont typeface="Arial" panose="020B0604020202020204" pitchFamily="34" charset="0"/>
-                <a:buChar char="•"/>
-                <a:defRPr sz="1800" kern="1200">
-                  <a:solidFill>
-                    <a:schemeClr val="tx1"/>
-                  </a:solidFill>
-                  <a:latin typeface="+mn-lt"/>
-                  <a:ea typeface="+mn-ea"/>
-                  <a:cs typeface="+mn-cs"/>
-                </a:defRPr>
-              </a:lvl9pPr>
-            </a:lstStyle>
-            <a:p>
-              <a:pPr marL="0" indent="0">
-                <a:buFont typeface="Arial" panose="020B0604020202020204" pitchFamily="34" charset="0"/>
-                <a:buNone/>
-              </a:pPr>
-              <a:endParaRPr lang="sv-SE" dirty="0">
-                <a:latin typeface="Consolas" panose="020B0609020204030204" pitchFamily="49" charset="0"/>
-              </a:endParaRPr>
-            </a:p>
-            <a:p>
-              <a:pPr marL="0" indent="0">
-                <a:buFont typeface="Arial" panose="020B0604020202020204" pitchFamily="34" charset="0"/>
-                <a:buNone/>
-              </a:pPr>
-              <a:endParaRPr lang="sv-SE" dirty="0">
-                <a:latin typeface="Consolas" panose="020B0609020204030204" pitchFamily="49" charset="0"/>
-              </a:endParaRPr>
-            </a:p>
-            <a:p>
-              <a:pPr marL="457200" lvl="1" indent="0">
-                <a:buNone/>
-              </a:pPr>
-              <a:r>
-                <a:rPr lang="sv-SE" dirty="0">
-                  <a:solidFill>
-                    <a:srgbClr val="0000FF"/>
-                  </a:solidFill>
-                  <a:latin typeface="Consolas" panose="020B0609020204030204" pitchFamily="49" charset="0"/>
-                </a:rPr>
-                <a:t>var</a:t>
-              </a:r>
-              <a:r>
-                <a:rPr lang="sv-SE" dirty="0">
-                  <a:solidFill>
-                    <a:srgbClr val="000000"/>
-                  </a:solidFill>
-                  <a:latin typeface="Consolas" panose="020B0609020204030204" pitchFamily="49" charset="0"/>
-                </a:rPr>
-                <a:t> b = 4;</a:t>
-              </a:r>
-            </a:p>
-            <a:p>
-              <a:pPr marL="457200" lvl="1" indent="0">
-                <a:buNone/>
-              </a:pPr>
-              <a:endParaRPr lang="sv-SE" dirty="0">
-                <a:solidFill>
-                  <a:srgbClr val="000000"/>
-                </a:solidFill>
-                <a:latin typeface="Consolas" panose="020B0609020204030204" pitchFamily="49" charset="0"/>
-              </a:endParaRPr>
-            </a:p>
-            <a:p>
-              <a:pPr marL="457200" lvl="1" indent="0">
-                <a:buNone/>
-              </a:pPr>
-              <a:r>
-                <a:rPr lang="sv-SE" dirty="0">
-                  <a:solidFill>
-                    <a:srgbClr val="000000"/>
-                  </a:solidFill>
-                  <a:latin typeface="Consolas" panose="020B0609020204030204" pitchFamily="49" charset="0"/>
-                </a:rPr>
-                <a:t>{</a:t>
-              </a:r>
-            </a:p>
-            <a:p>
-              <a:pPr marL="457200" lvl="1" indent="0">
-                <a:buNone/>
-              </a:pPr>
-              <a:r>
-                <a:rPr lang="sv-SE" dirty="0">
-                  <a:solidFill>
-                    <a:srgbClr val="000000"/>
-                  </a:solidFill>
-                  <a:latin typeface="Consolas" panose="020B0609020204030204" pitchFamily="49" charset="0"/>
-                </a:rPr>
-                <a:t>    </a:t>
-              </a:r>
-              <a:r>
-                <a:rPr lang="sv-SE" dirty="0" err="1">
-                  <a:solidFill>
-                    <a:srgbClr val="0000FF"/>
-                  </a:solidFill>
-                  <a:latin typeface="Consolas" panose="020B0609020204030204" pitchFamily="49" charset="0"/>
-                </a:rPr>
-                <a:t>let</a:t>
-              </a:r>
-              <a:r>
-                <a:rPr lang="sv-SE" dirty="0">
-                  <a:solidFill>
-                    <a:srgbClr val="000000"/>
-                  </a:solidFill>
-                  <a:latin typeface="Consolas" panose="020B0609020204030204" pitchFamily="49" charset="0"/>
-                </a:rPr>
-                <a:t> t = 2;</a:t>
-              </a:r>
-            </a:p>
-            <a:p>
-              <a:pPr marL="457200" lvl="1" indent="0">
-                <a:buNone/>
-              </a:pPr>
-              <a:r>
-                <a:rPr lang="sv-SE" dirty="0">
-                  <a:solidFill>
-                    <a:srgbClr val="000000"/>
-                  </a:solidFill>
-                  <a:latin typeface="Consolas" panose="020B0609020204030204" pitchFamily="49" charset="0"/>
-                </a:rPr>
-                <a:t>    console.log(b);</a:t>
-              </a:r>
-            </a:p>
-            <a:p>
-              <a:pPr marL="457200" lvl="1" indent="0">
-                <a:buNone/>
-              </a:pPr>
-              <a:r>
-                <a:rPr lang="sv-SE" dirty="0">
-                  <a:solidFill>
-                    <a:srgbClr val="000000"/>
-                  </a:solidFill>
-                  <a:latin typeface="Consolas" panose="020B0609020204030204" pitchFamily="49" charset="0"/>
-                </a:rPr>
-                <a:t>}</a:t>
-              </a:r>
-            </a:p>
-            <a:p>
-              <a:pPr marL="457200" lvl="1" indent="0">
-                <a:buFont typeface="Arial" panose="020B0604020202020204" pitchFamily="34" charset="0"/>
-                <a:buNone/>
-              </a:pPr>
-              <a:r>
-                <a:rPr lang="sv-SE" dirty="0">
-                  <a:solidFill>
-                    <a:srgbClr val="FF0000"/>
-                  </a:solidFill>
-                  <a:latin typeface="Consolas" panose="020B0609020204030204" pitchFamily="49" charset="0"/>
-                </a:rPr>
-                <a:t>console.log(t);</a:t>
-              </a:r>
-            </a:p>
-            <a:p>
-              <a:pPr marL="914400" lvl="2" indent="0">
-                <a:buFont typeface="Arial" panose="020B0604020202020204" pitchFamily="34" charset="0"/>
-                <a:buNone/>
-              </a:pPr>
-              <a:endParaRPr lang="sv-SE" dirty="0">
-                <a:latin typeface="Consolas" panose="020B0609020204030204" pitchFamily="49" charset="0"/>
-              </a:endParaRPr>
-            </a:p>
-            <a:p>
-              <a:pPr marL="457200" lvl="1" indent="0">
-                <a:buFont typeface="Arial" panose="020B0604020202020204" pitchFamily="34" charset="0"/>
-                <a:buNone/>
-              </a:pPr>
-              <a:endParaRPr lang="sv-SE" dirty="0">
-                <a:latin typeface="Consolas" panose="020B0609020204030204" pitchFamily="49" charset="0"/>
-              </a:endParaRPr>
-            </a:p>
-          </p:txBody>
-        </p:sp>
-      </p:grpSp>
-    </p:spTree>
-    <p:extLst>
-      <p:ext uri="{BB962C8B-B14F-4D97-AF65-F5344CB8AC3E}">
-        <p14:creationId xmlns:p14="http://schemas.microsoft.com/office/powerpoint/2010/main" val="127611591"/>
-      </p:ext>
-    </p:extLst>
-  </p:cSld>
-  <p:clrMapOvr>
-    <a:masterClrMapping/>
-  </p:clrMapOvr>
-  <p:timing>
-    <p:tnLst>
-      <p:par>
-        <p:cTn id="1" dur="indefinite" restart="never" nodeType="tmRoot">
-          <p:childTnLst>
-            <p:seq concurrent="1" nextAc="seek">
-              <p:cTn id="2" dur="indefinite" nodeType="mainSeq">
-                <p:childTnLst>
-                  <p:par>
-                    <p:cTn id="3" fill="hold">
-                      <p:stCondLst>
-                        <p:cond delay="indefinite"/>
-                      </p:stCondLst>
-                      <p:childTnLst>
-                        <p:par>
-                          <p:cTn id="4" fill="hold">
-                            <p:stCondLst>
-                              <p:cond delay="0"/>
-                            </p:stCondLst>
-                            <p:childTnLst>
-                              <p:par>
-                                <p:cTn id="5" presetID="10" presetClass="entr" presetSubtype="0" fill="hold" nodeType="clickEffect">
-                                  <p:stCondLst>
-                                    <p:cond delay="0"/>
-                                  </p:stCondLst>
-                                  <p:childTnLst>
-                                    <p:set>
-                                      <p:cBhvr>
-                                        <p:cTn id="6" dur="1" fill="hold">
-                                          <p:stCondLst>
-                                            <p:cond delay="0"/>
-                                          </p:stCondLst>
-                                        </p:cTn>
-                                        <p:tgtEl>
-                                          <p:spTgt spid="7"/>
-                                        </p:tgtEl>
-                                        <p:attrNameLst>
-                                          <p:attrName>style.visibility</p:attrName>
-                                        </p:attrNameLst>
-                                      </p:cBhvr>
-                                      <p:to>
-                                        <p:strVal val="visible"/>
-                                      </p:to>
-                                    </p:set>
-                                    <p:animEffect transition="in" filter="fade">
-                                      <p:cBhvr>
-                                        <p:cTn id="7" dur="500"/>
-                                        <p:tgtEl>
-                                          <p:spTgt spid="7"/>
-                                        </p:tgtEl>
-                                      </p:cBhvr>
-                                    </p:animEffect>
-                                  </p:childTnLst>
-                                </p:cTn>
-                              </p:par>
-                            </p:childTnLst>
-                          </p:cTn>
-                        </p:par>
-                      </p:childTnLst>
-                    </p:cTn>
-                  </p:par>
-                </p:childTnLst>
-              </p:cTn>
-              <p:prevCondLst>
-                <p:cond evt="onPrev" delay="0">
-                  <p:tgtEl>
-                    <p:sldTgt/>
-                  </p:tgtEl>
-                </p:cond>
-              </p:prevCondLst>
-              <p:nextCondLst>
-                <p:cond evt="onNext" delay="0">
-                  <p:tgtEl>
-                    <p:sldTgt/>
-                  </p:tgtEl>
-                </p:cond>
-              </p:nextCondLst>
-            </p:seq>
-          </p:childTnLst>
-        </p:cTn>
-      </p:par>
-    </p:tnLst>
-  </p:timing>
-</p:sld>
-</file>
-
-<file path=ppt/slides/slide27.xml><?xml version="1.0" encoding="utf-8"?>
-<p:sld xmlns:a="http://schemas.openxmlformats.org/drawingml/2006/main" xmlns:r="http://schemas.openxmlformats.org/officeDocument/2006/relationships" xmlns:p="http://schemas.openxmlformats.org/presentationml/2006/main">
   <p:cSld>
     <p:spTree>
       <p:nvGrpSpPr>
@@ -22072,7 +19303,7 @@
 </p:sld>
 </file>
 
-<file path=ppt/slides/slide28.xml><?xml version="1.0" encoding="utf-8"?>
+<file path=ppt/slides/slide23.xml><?xml version="1.0" encoding="utf-8"?>
 <p:sld xmlns:a="http://schemas.openxmlformats.org/drawingml/2006/main" xmlns:r="http://schemas.openxmlformats.org/officeDocument/2006/relationships" xmlns:p="http://schemas.openxmlformats.org/presentationml/2006/main">
   <p:cSld>
     <p:spTree>
@@ -22462,7 +19693,7 @@
 </p:sld>
 </file>
 
-<file path=ppt/slides/slide29.xml><?xml version="1.0" encoding="utf-8"?>
+<file path=ppt/slides/slide24.xml><?xml version="1.0" encoding="utf-8"?>
 <p:sld xmlns:a="http://schemas.openxmlformats.org/drawingml/2006/main" xmlns:r="http://schemas.openxmlformats.org/officeDocument/2006/relationships" xmlns:p="http://schemas.openxmlformats.org/presentationml/2006/main">
   <p:cSld>
     <p:spTree>
@@ -22786,137 +20017,7 @@
 </p:sld>
 </file>
 
-<file path=ppt/slides/slide3.xml><?xml version="1.0" encoding="utf-8"?>
-<p:sld xmlns:a="http://schemas.openxmlformats.org/drawingml/2006/main" xmlns:r="http://schemas.openxmlformats.org/officeDocument/2006/relationships" xmlns:p="http://schemas.openxmlformats.org/presentationml/2006/main">
-  <p:cSld>
-    <p:spTree>
-      <p:nvGrpSpPr>
-        <p:cNvPr id="1" name=""/>
-        <p:cNvGrpSpPr/>
-        <p:nvPr/>
-      </p:nvGrpSpPr>
-      <p:grpSpPr>
-        <a:xfrm>
-          <a:off x="0" y="0"/>
-          <a:ext cx="0" cy="0"/>
-          <a:chOff x="0" y="0"/>
-          <a:chExt cx="0" cy="0"/>
-        </a:xfrm>
-      </p:grpSpPr>
-      <p:sp>
-        <p:nvSpPr>
-          <p:cNvPr id="2" name="Title 1"/>
-          <p:cNvSpPr>
-            <a:spLocks noGrp="1"/>
-          </p:cNvSpPr>
-          <p:nvPr>
-            <p:ph type="title"/>
-          </p:nvPr>
-        </p:nvSpPr>
-        <p:spPr/>
-        <p:txBody>
-          <a:bodyPr/>
-          <a:lstStyle/>
-          <a:p>
-            <a:r>
-              <a:rPr lang="sv-SE" dirty="0"/>
-              <a:t>Agenda</a:t>
-            </a:r>
-          </a:p>
-        </p:txBody>
-      </p:sp>
-      <p:sp>
-        <p:nvSpPr>
-          <p:cNvPr id="3" name="Content Placeholder 2"/>
-          <p:cNvSpPr>
-            <a:spLocks noGrp="1"/>
-          </p:cNvSpPr>
-          <p:nvPr>
-            <p:ph idx="1"/>
-          </p:nvPr>
-        </p:nvSpPr>
-        <p:spPr/>
-        <p:txBody>
-          <a:bodyPr/>
-          <a:lstStyle/>
-          <a:p>
-            <a:r>
-              <a:rPr lang="sv-SE" dirty="0"/>
-              <a:t>16:00 – Start</a:t>
-            </a:r>
-          </a:p>
-          <a:p>
-            <a:r>
-              <a:rPr lang="sv-SE" dirty="0"/>
-              <a:t>16:10 – </a:t>
-            </a:r>
-            <a:r>
-              <a:rPr lang="sv-SE" dirty="0" err="1"/>
-              <a:t>What</a:t>
-            </a:r>
-            <a:r>
-              <a:rPr lang="sv-SE" dirty="0"/>
-              <a:t> is Azure IoT</a:t>
-            </a:r>
-          </a:p>
-          <a:p>
-            <a:r>
-              <a:rPr lang="sv-SE" dirty="0"/>
-              <a:t>16:30 – </a:t>
-            </a:r>
-            <a:r>
-              <a:rPr lang="sv-SE" dirty="0" err="1"/>
-              <a:t>What</a:t>
-            </a:r>
-            <a:r>
-              <a:rPr lang="sv-SE" dirty="0"/>
-              <a:t> is Node.js</a:t>
-            </a:r>
-          </a:p>
-          <a:p>
-            <a:r>
-              <a:rPr lang="sv-SE" dirty="0"/>
-              <a:t>17:00 – Start </a:t>
-            </a:r>
-            <a:r>
-              <a:rPr lang="sv-SE" dirty="0" err="1"/>
-              <a:t>with</a:t>
-            </a:r>
-            <a:r>
-              <a:rPr lang="sv-SE" dirty="0"/>
-              <a:t> </a:t>
-            </a:r>
-            <a:r>
-              <a:rPr lang="sv-SE" dirty="0" err="1"/>
-              <a:t>labs</a:t>
-            </a:r>
-            <a:endParaRPr lang="sv-SE" dirty="0"/>
-          </a:p>
-          <a:p>
-            <a:endParaRPr lang="sv-SE" dirty="0"/>
-          </a:p>
-          <a:p>
-            <a:r>
-              <a:rPr lang="sv-SE" dirty="0"/>
-              <a:t>19:00 Pizza &amp; Beer</a:t>
-            </a:r>
-          </a:p>
-        </p:txBody>
-      </p:sp>
-    </p:spTree>
-    <p:extLst>
-      <p:ext uri="{BB962C8B-B14F-4D97-AF65-F5344CB8AC3E}">
-        <p14:creationId xmlns:p14="http://schemas.microsoft.com/office/powerpoint/2010/main" val="2072663981"/>
-      </p:ext>
-    </p:extLst>
-  </p:cSld>
-  <p:clrMapOvr>
-    <a:masterClrMapping/>
-  </p:clrMapOvr>
-</p:sld>
-</file>
-
-<file path=ppt/slides/slide30.xml><?xml version="1.0" encoding="utf-8"?>
+<file path=ppt/slides/slide25.xml><?xml version="1.0" encoding="utf-8"?>
 <p:sld xmlns:a="http://schemas.openxmlformats.org/drawingml/2006/main" xmlns:r="http://schemas.openxmlformats.org/officeDocument/2006/relationships" xmlns:p="http://schemas.openxmlformats.org/presentationml/2006/main">
   <p:cSld>
     <p:spTree>
@@ -23253,7 +20354,7 @@
 </p:sld>
 </file>
 
-<file path=ppt/slides/slide31.xml><?xml version="1.0" encoding="utf-8"?>
+<file path=ppt/slides/slide26.xml><?xml version="1.0" encoding="utf-8"?>
 <p:sld xmlns:a="http://schemas.openxmlformats.org/drawingml/2006/main" xmlns:r="http://schemas.openxmlformats.org/officeDocument/2006/relationships" xmlns:p="http://schemas.openxmlformats.org/presentationml/2006/main">
   <p:cSld>
     <p:spTree>
@@ -23354,7 +20455,7 @@
 </p:sld>
 </file>
 
-<file path=ppt/slides/slide32.xml><?xml version="1.0" encoding="utf-8"?>
+<file path=ppt/slides/slide27.xml><?xml version="1.0" encoding="utf-8"?>
 <p:sld xmlns:a="http://schemas.openxmlformats.org/drawingml/2006/main" xmlns:r="http://schemas.openxmlformats.org/officeDocument/2006/relationships" xmlns:p="http://schemas.openxmlformats.org/presentationml/2006/main">
   <p:cSld>
     <p:spTree>
@@ -23651,7 +20752,7 @@
 </p:sld>
 </file>
 
-<file path=ppt/slides/slide33.xml><?xml version="1.0" encoding="utf-8"?>
+<file path=ppt/slides/slide28.xml><?xml version="1.0" encoding="utf-8"?>
 <p:sld xmlns:a="http://schemas.openxmlformats.org/drawingml/2006/main" xmlns:r="http://schemas.openxmlformats.org/officeDocument/2006/relationships" xmlns:p="http://schemas.openxmlformats.org/presentationml/2006/main">
   <p:cSld>
     <p:spTree>
@@ -24264,7 +21365,7 @@
 </p:sld>
 </file>
 
-<file path=ppt/slides/slide34.xml><?xml version="1.0" encoding="utf-8"?>
+<file path=ppt/slides/slide29.xml><?xml version="1.0" encoding="utf-8"?>
 <p:sld xmlns:a="http://schemas.openxmlformats.org/drawingml/2006/main" xmlns:r="http://schemas.openxmlformats.org/officeDocument/2006/relationships" xmlns:p="http://schemas.openxmlformats.org/presentationml/2006/main">
   <p:cSld>
     <p:spTree>
@@ -24878,7 +21979,137 @@
 </p:sld>
 </file>
 
-<file path=ppt/slides/slide35.xml><?xml version="1.0" encoding="utf-8"?>
+<file path=ppt/slides/slide3.xml><?xml version="1.0" encoding="utf-8"?>
+<p:sld xmlns:a="http://schemas.openxmlformats.org/drawingml/2006/main" xmlns:r="http://schemas.openxmlformats.org/officeDocument/2006/relationships" xmlns:p="http://schemas.openxmlformats.org/presentationml/2006/main">
+  <p:cSld>
+    <p:spTree>
+      <p:nvGrpSpPr>
+        <p:cNvPr id="1" name=""/>
+        <p:cNvGrpSpPr/>
+        <p:nvPr/>
+      </p:nvGrpSpPr>
+      <p:grpSpPr>
+        <a:xfrm>
+          <a:off x="0" y="0"/>
+          <a:ext cx="0" cy="0"/>
+          <a:chOff x="0" y="0"/>
+          <a:chExt cx="0" cy="0"/>
+        </a:xfrm>
+      </p:grpSpPr>
+      <p:sp>
+        <p:nvSpPr>
+          <p:cNvPr id="2" name="Title 1"/>
+          <p:cNvSpPr>
+            <a:spLocks noGrp="1"/>
+          </p:cNvSpPr>
+          <p:nvPr>
+            <p:ph type="title"/>
+          </p:nvPr>
+        </p:nvSpPr>
+        <p:spPr/>
+        <p:txBody>
+          <a:bodyPr/>
+          <a:lstStyle/>
+          <a:p>
+            <a:r>
+              <a:rPr lang="sv-SE" dirty="0"/>
+              <a:t>Agenda</a:t>
+            </a:r>
+          </a:p>
+        </p:txBody>
+      </p:sp>
+      <p:sp>
+        <p:nvSpPr>
+          <p:cNvPr id="3" name="Content Placeholder 2"/>
+          <p:cNvSpPr>
+            <a:spLocks noGrp="1"/>
+          </p:cNvSpPr>
+          <p:nvPr>
+            <p:ph idx="1"/>
+          </p:nvPr>
+        </p:nvSpPr>
+        <p:spPr/>
+        <p:txBody>
+          <a:bodyPr/>
+          <a:lstStyle/>
+          <a:p>
+            <a:r>
+              <a:rPr lang="sv-SE" dirty="0"/>
+              <a:t>16:00 – Start</a:t>
+            </a:r>
+          </a:p>
+          <a:p>
+            <a:r>
+              <a:rPr lang="sv-SE" dirty="0"/>
+              <a:t>16:10 – </a:t>
+            </a:r>
+            <a:r>
+              <a:rPr lang="sv-SE" dirty="0" err="1"/>
+              <a:t>What</a:t>
+            </a:r>
+            <a:r>
+              <a:rPr lang="sv-SE" dirty="0"/>
+              <a:t> is Azure IoT</a:t>
+            </a:r>
+          </a:p>
+          <a:p>
+            <a:r>
+              <a:rPr lang="sv-SE" dirty="0"/>
+              <a:t>16:30 – </a:t>
+            </a:r>
+            <a:r>
+              <a:rPr lang="sv-SE" dirty="0" err="1"/>
+              <a:t>What</a:t>
+            </a:r>
+            <a:r>
+              <a:rPr lang="sv-SE" dirty="0"/>
+              <a:t> is Node.js</a:t>
+            </a:r>
+          </a:p>
+          <a:p>
+            <a:r>
+              <a:rPr lang="sv-SE" dirty="0"/>
+              <a:t>17:00 – Start </a:t>
+            </a:r>
+            <a:r>
+              <a:rPr lang="sv-SE" dirty="0" err="1"/>
+              <a:t>with</a:t>
+            </a:r>
+            <a:r>
+              <a:rPr lang="sv-SE" dirty="0"/>
+              <a:t> </a:t>
+            </a:r>
+            <a:r>
+              <a:rPr lang="sv-SE" dirty="0" err="1"/>
+              <a:t>labs</a:t>
+            </a:r>
+            <a:endParaRPr lang="sv-SE" dirty="0"/>
+          </a:p>
+          <a:p>
+            <a:endParaRPr lang="sv-SE" dirty="0"/>
+          </a:p>
+          <a:p>
+            <a:r>
+              <a:rPr lang="sv-SE" dirty="0"/>
+              <a:t>19:00 Pizza &amp; Beer</a:t>
+            </a:r>
+          </a:p>
+        </p:txBody>
+      </p:sp>
+    </p:spTree>
+    <p:extLst>
+      <p:ext uri="{BB962C8B-B14F-4D97-AF65-F5344CB8AC3E}">
+        <p14:creationId xmlns:p14="http://schemas.microsoft.com/office/powerpoint/2010/main" val="2072663981"/>
+      </p:ext>
+    </p:extLst>
+  </p:cSld>
+  <p:clrMapOvr>
+    <a:masterClrMapping/>
+  </p:clrMapOvr>
+</p:sld>
+</file>
+
+<file path=ppt/slides/slide30.xml><?xml version="1.0" encoding="utf-8"?>
 <p:sld xmlns:a="http://schemas.openxmlformats.org/drawingml/2006/main" xmlns:r="http://schemas.openxmlformats.org/officeDocument/2006/relationships" xmlns:p="http://schemas.openxmlformats.org/presentationml/2006/main">
   <p:cSld>
     <p:spTree>
@@ -24992,7 +22223,7 @@
 </p:sld>
 </file>
 
-<file path=ppt/slides/slide36.xml><?xml version="1.0" encoding="utf-8"?>
+<file path=ppt/slides/slide31.xml><?xml version="1.0" encoding="utf-8"?>
 <p:sld xmlns:a="http://schemas.openxmlformats.org/drawingml/2006/main" xmlns:r="http://schemas.openxmlformats.org/officeDocument/2006/relationships" xmlns:p="http://schemas.openxmlformats.org/presentationml/2006/main">
   <p:cSld>
     <p:spTree>
@@ -25952,7 +23183,7 @@
 </p:sld>
 </file>
 
-<file path=ppt/slides/slide37.xml><?xml version="1.0" encoding="utf-8"?>
+<file path=ppt/slides/slide32.xml><?xml version="1.0" encoding="utf-8"?>
 <p:sld xmlns:a="http://schemas.openxmlformats.org/drawingml/2006/main" xmlns:r="http://schemas.openxmlformats.org/officeDocument/2006/relationships" xmlns:p="http://schemas.openxmlformats.org/presentationml/2006/main">
   <p:cSld>
     <p:spTree>
@@ -26562,7 +23793,7 @@
 </p:sld>
 </file>
 
-<file path=ppt/slides/slide38.xml><?xml version="1.0" encoding="utf-8"?>
+<file path=ppt/slides/slide33.xml><?xml version="1.0" encoding="utf-8"?>
 <p:sld xmlns:a="http://schemas.openxmlformats.org/drawingml/2006/main" xmlns:r="http://schemas.openxmlformats.org/officeDocument/2006/relationships" xmlns:p="http://schemas.openxmlformats.org/presentationml/2006/main">
   <p:cSld>
     <p:spTree>
@@ -26781,7 +24012,7 @@
 </p:sld>
 </file>
 
-<file path=ppt/slides/slide39.xml><?xml version="1.0" encoding="utf-8"?>
+<file path=ppt/slides/slide34.xml><?xml version="1.0" encoding="utf-8"?>
 <p:sld xmlns:a="http://schemas.openxmlformats.org/drawingml/2006/main" xmlns:r="http://schemas.openxmlformats.org/officeDocument/2006/relationships" xmlns:p="http://schemas.openxmlformats.org/presentationml/2006/main">
   <p:cSld>
     <p:spTree>
@@ -26895,6 +24126,93 @@
     <p:extLst>
       <p:ext uri="{BB962C8B-B14F-4D97-AF65-F5344CB8AC3E}">
         <p14:creationId xmlns:p14="http://schemas.microsoft.com/office/powerpoint/2010/main" val="3354612062"/>
+      </p:ext>
+    </p:extLst>
+  </p:cSld>
+  <p:clrMapOvr>
+    <a:masterClrMapping/>
+  </p:clrMapOvr>
+</p:sld>
+</file>
+
+<file path=ppt/slides/slide35.xml><?xml version="1.0" encoding="utf-8"?>
+<p:sld xmlns:a="http://schemas.openxmlformats.org/drawingml/2006/main" xmlns:r="http://schemas.openxmlformats.org/officeDocument/2006/relationships" xmlns:p="http://schemas.openxmlformats.org/presentationml/2006/main">
+  <p:cSld>
+    <p:spTree>
+      <p:nvGrpSpPr>
+        <p:cNvPr id="1" name=""/>
+        <p:cNvGrpSpPr/>
+        <p:nvPr/>
+      </p:nvGrpSpPr>
+      <p:grpSpPr>
+        <a:xfrm>
+          <a:off x="0" y="0"/>
+          <a:ext cx="0" cy="0"/>
+          <a:chOff x="0" y="0"/>
+          <a:chExt cx="0" cy="0"/>
+        </a:xfrm>
+      </p:grpSpPr>
+      <p:sp>
+        <p:nvSpPr>
+          <p:cNvPr id="2" name="Title 1"/>
+          <p:cNvSpPr>
+            <a:spLocks noGrp="1"/>
+          </p:cNvSpPr>
+          <p:nvPr>
+            <p:ph type="title"/>
+          </p:nvPr>
+        </p:nvSpPr>
+        <p:spPr>
+          <a:xfrm>
+            <a:off x="607463" y="2307364"/>
+            <a:ext cx="10515600" cy="1325563"/>
+          </a:xfrm>
+        </p:spPr>
+        <p:txBody>
+          <a:bodyPr/>
+          <a:lstStyle/>
+          <a:p>
+            <a:r>
+              <a:rPr lang="en-US" dirty="0"/>
+              <a:t>Let’s start…</a:t>
+            </a:r>
+          </a:p>
+        </p:txBody>
+      </p:sp>
+      <p:sp>
+        <p:nvSpPr>
+          <p:cNvPr id="3" name="TextBox 2"/>
+          <p:cNvSpPr txBox="1"/>
+          <p:nvPr/>
+        </p:nvSpPr>
+        <p:spPr>
+          <a:xfrm>
+            <a:off x="0" y="4038600"/>
+            <a:ext cx="12191999" cy="769441"/>
+          </a:xfrm>
+          <a:prstGeom prst="rect">
+            <a:avLst/>
+          </a:prstGeom>
+          <a:noFill/>
+        </p:spPr>
+        <p:txBody>
+          <a:bodyPr wrap="square" rtlCol="0">
+            <a:spAutoFit/>
+          </a:bodyPr>
+          <a:lstStyle/>
+          <a:p>
+            <a:pPr algn="ctr"/>
+            <a:r>
+              <a:rPr lang="sv-SE" sz="4400" dirty="0"/>
+              <a:t>http://bit.ly/azureiotbootcamp</a:t>
+            </a:r>
+          </a:p>
+        </p:txBody>
+      </p:sp>
+    </p:spTree>
+    <p:extLst>
+      <p:ext uri="{BB962C8B-B14F-4D97-AF65-F5344CB8AC3E}">
+        <p14:creationId xmlns:p14="http://schemas.microsoft.com/office/powerpoint/2010/main" val="2245875904"/>
       </p:ext>
     </p:extLst>
   </p:cSld>
@@ -27145,605 +24463,6 @@
       </p:par>
     </p:tnLst>
   </p:timing>
-</p:sld>
-</file>
-
-<file path=ppt/slides/slide40.xml><?xml version="1.0" encoding="utf-8"?>
-<p:sld xmlns:a="http://schemas.openxmlformats.org/drawingml/2006/main" xmlns:r="http://schemas.openxmlformats.org/officeDocument/2006/relationships" xmlns:p="http://schemas.openxmlformats.org/presentationml/2006/main" show="0">
-  <p:cSld>
-    <p:spTree>
-      <p:nvGrpSpPr>
-        <p:cNvPr id="1" name=""/>
-        <p:cNvGrpSpPr/>
-        <p:nvPr/>
-      </p:nvGrpSpPr>
-      <p:grpSpPr>
-        <a:xfrm>
-          <a:off x="0" y="0"/>
-          <a:ext cx="0" cy="0"/>
-          <a:chOff x="0" y="0"/>
-          <a:chExt cx="0" cy="0"/>
-        </a:xfrm>
-      </p:grpSpPr>
-      <p:pic>
-        <p:nvPicPr>
-          <p:cNvPr id="4" name="Picture 2" descr="C:\Users\wmmih\AppData\Local\Temp\SNAGHTML1288bdde.PNG"/>
-          <p:cNvPicPr>
-            <a:picLocks noChangeAspect="1" noChangeArrowheads="1"/>
-          </p:cNvPicPr>
-          <p:nvPr/>
-        </p:nvPicPr>
-        <p:blipFill>
-          <a:blip r:embed="rId3">
-            <a:extLst>
-              <a:ext uri="{28A0092B-C50C-407E-A947-70E740481C1C}">
-                <a14:useLocalDpi xmlns:a14="http://schemas.microsoft.com/office/drawing/2010/main" val="0"/>
-              </a:ext>
-            </a:extLst>
-          </a:blip>
-          <a:srcRect/>
-          <a:stretch>
-            <a:fillRect/>
-          </a:stretch>
-        </p:blipFill>
-        <p:spPr bwMode="auto">
-          <a:xfrm>
-            <a:off x="433136" y="1485107"/>
-            <a:ext cx="11389895" cy="5164346"/>
-          </a:xfrm>
-          <a:prstGeom prst="rect">
-            <a:avLst/>
-          </a:prstGeom>
-          <a:noFill/>
-          <a:extLst>
-            <a:ext uri="{909E8E84-426E-40DD-AFC4-6F175D3DCCD1}">
-              <a14:hiddenFill xmlns:a14="http://schemas.microsoft.com/office/drawing/2010/main">
-                <a:solidFill>
-                  <a:srgbClr val="FFFFFF"/>
-                </a:solidFill>
-              </a14:hiddenFill>
-            </a:ext>
-          </a:extLst>
-        </p:spPr>
-      </p:pic>
-      <p:sp>
-        <p:nvSpPr>
-          <p:cNvPr id="2" name="Title 1"/>
-          <p:cNvSpPr>
-            <a:spLocks noGrp="1"/>
-          </p:cNvSpPr>
-          <p:nvPr>
-            <p:ph type="title"/>
-          </p:nvPr>
-        </p:nvSpPr>
-        <p:spPr/>
-        <p:txBody>
-          <a:bodyPr/>
-          <a:lstStyle/>
-          <a:p>
-            <a:r>
-              <a:rPr lang="en-US" dirty="0"/>
-              <a:t>JavaScript – modules</a:t>
-            </a:r>
-          </a:p>
-        </p:txBody>
-      </p:sp>
-      <p:sp>
-        <p:nvSpPr>
-          <p:cNvPr id="7" name="TextBox 6"/>
-          <p:cNvSpPr txBox="1"/>
-          <p:nvPr/>
-        </p:nvSpPr>
-        <p:spPr>
-          <a:xfrm>
-            <a:off x="1016000" y="2069814"/>
-            <a:ext cx="10039928" cy="3785652"/>
-          </a:xfrm>
-          <a:prstGeom prst="rect">
-            <a:avLst/>
-          </a:prstGeom>
-          <a:noFill/>
-        </p:spPr>
-        <p:txBody>
-          <a:bodyPr wrap="none" rtlCol="0">
-            <a:spAutoFit/>
-          </a:bodyPr>
-          <a:lstStyle/>
-          <a:p>
-            <a:r>
-              <a:rPr lang="en-US" sz="2400" dirty="0">
-                <a:solidFill>
-                  <a:srgbClr val="0000FF"/>
-                </a:solidFill>
-                <a:latin typeface="Consolas" panose="020B0609020204030204" pitchFamily="49" charset="0"/>
-              </a:rPr>
-              <a:t>function</a:t>
-            </a:r>
-            <a:r>
-              <a:rPr lang="en-US" sz="2400" dirty="0">
-                <a:solidFill>
-                  <a:srgbClr val="000000"/>
-                </a:solidFill>
-                <a:latin typeface="Consolas" panose="020B0609020204030204" pitchFamily="49" charset="0"/>
-              </a:rPr>
-              <a:t> Contact(first, last, phone) {</a:t>
-            </a:r>
-          </a:p>
-          <a:p>
-            <a:r>
-              <a:rPr lang="en-US" sz="2400" dirty="0">
-                <a:solidFill>
-                  <a:srgbClr val="000000"/>
-                </a:solidFill>
-                <a:latin typeface="Consolas" panose="020B0609020204030204" pitchFamily="49" charset="0"/>
-              </a:rPr>
-              <a:t>    </a:t>
-            </a:r>
-            <a:r>
-              <a:rPr lang="en-US" sz="2400" dirty="0" err="1">
-                <a:solidFill>
-                  <a:srgbClr val="0000FF"/>
-                </a:solidFill>
-                <a:latin typeface="Consolas" panose="020B0609020204030204" pitchFamily="49" charset="0"/>
-              </a:rPr>
-              <a:t>this.</a:t>
-            </a:r>
-            <a:r>
-              <a:rPr lang="en-US" sz="2400" dirty="0" err="1">
-                <a:solidFill>
-                  <a:srgbClr val="000000"/>
-                </a:solidFill>
-                <a:latin typeface="Consolas" panose="020B0609020204030204" pitchFamily="49" charset="0"/>
-              </a:rPr>
-              <a:t>firstName</a:t>
-            </a:r>
-            <a:r>
-              <a:rPr lang="en-US" sz="2400" dirty="0">
-                <a:solidFill>
-                  <a:srgbClr val="000000"/>
-                </a:solidFill>
-                <a:latin typeface="Consolas" panose="020B0609020204030204" pitchFamily="49" charset="0"/>
-              </a:rPr>
-              <a:t> = first;</a:t>
-            </a:r>
-          </a:p>
-          <a:p>
-            <a:r>
-              <a:rPr lang="en-US" sz="2400" dirty="0">
-                <a:solidFill>
-                  <a:srgbClr val="000000"/>
-                </a:solidFill>
-                <a:latin typeface="Consolas" panose="020B0609020204030204" pitchFamily="49" charset="0"/>
-              </a:rPr>
-              <a:t>    </a:t>
-            </a:r>
-            <a:r>
-              <a:rPr lang="en-US" sz="2400" dirty="0" err="1">
-                <a:solidFill>
-                  <a:srgbClr val="0000FF"/>
-                </a:solidFill>
-                <a:latin typeface="Consolas" panose="020B0609020204030204" pitchFamily="49" charset="0"/>
-              </a:rPr>
-              <a:t>this.</a:t>
-            </a:r>
-            <a:r>
-              <a:rPr lang="en-US" sz="2400" dirty="0" err="1">
-                <a:solidFill>
-                  <a:srgbClr val="000000"/>
-                </a:solidFill>
-                <a:latin typeface="Consolas" panose="020B0609020204030204" pitchFamily="49" charset="0"/>
-              </a:rPr>
-              <a:t>lastName</a:t>
-            </a:r>
-            <a:r>
-              <a:rPr lang="en-US" sz="2400" dirty="0">
-                <a:solidFill>
-                  <a:srgbClr val="000000"/>
-                </a:solidFill>
-                <a:latin typeface="Consolas" panose="020B0609020204030204" pitchFamily="49" charset="0"/>
-              </a:rPr>
-              <a:t> = last;</a:t>
-            </a:r>
-          </a:p>
-          <a:p>
-            <a:r>
-              <a:rPr lang="en-US" sz="2400" dirty="0">
-                <a:solidFill>
-                  <a:srgbClr val="000000"/>
-                </a:solidFill>
-                <a:latin typeface="Consolas" panose="020B0609020204030204" pitchFamily="49" charset="0"/>
-              </a:rPr>
-              <a:t>    </a:t>
-            </a:r>
-            <a:r>
-              <a:rPr lang="en-US" sz="2400" dirty="0" err="1">
-                <a:solidFill>
-                  <a:srgbClr val="0000FF"/>
-                </a:solidFill>
-                <a:latin typeface="Consolas" panose="020B0609020204030204" pitchFamily="49" charset="0"/>
-              </a:rPr>
-              <a:t>this.</a:t>
-            </a:r>
-            <a:r>
-              <a:rPr lang="en-US" sz="2400" dirty="0" err="1">
-                <a:solidFill>
-                  <a:srgbClr val="000000"/>
-                </a:solidFill>
-                <a:latin typeface="Consolas" panose="020B0609020204030204" pitchFamily="49" charset="0"/>
-              </a:rPr>
-              <a:t>phoneNumber</a:t>
-            </a:r>
-            <a:r>
-              <a:rPr lang="en-US" sz="2400" dirty="0">
-                <a:solidFill>
-                  <a:srgbClr val="000000"/>
-                </a:solidFill>
-                <a:latin typeface="Consolas" panose="020B0609020204030204" pitchFamily="49" charset="0"/>
-              </a:rPr>
-              <a:t> = phone;</a:t>
-            </a:r>
-          </a:p>
-          <a:p>
-            <a:r>
-              <a:rPr lang="en-US" sz="2400" dirty="0">
-                <a:solidFill>
-                  <a:srgbClr val="000000"/>
-                </a:solidFill>
-                <a:latin typeface="Consolas" panose="020B0609020204030204" pitchFamily="49" charset="0"/>
-              </a:rPr>
-              <a:t>    </a:t>
-            </a:r>
-            <a:r>
-              <a:rPr lang="en-US" sz="2400" dirty="0">
-                <a:solidFill>
-                  <a:srgbClr val="0000FF"/>
-                </a:solidFill>
-                <a:latin typeface="Consolas" panose="020B0609020204030204" pitchFamily="49" charset="0"/>
-              </a:rPr>
-              <a:t>this.</a:t>
-            </a:r>
-            <a:r>
-              <a:rPr lang="en-US" sz="2400" dirty="0">
-                <a:solidFill>
-                  <a:srgbClr val="000000"/>
-                </a:solidFill>
-                <a:latin typeface="Consolas" panose="020B0609020204030204" pitchFamily="49" charset="0"/>
-              </a:rPr>
-              <a:t>name = </a:t>
-            </a:r>
-            <a:r>
-              <a:rPr lang="en-US" sz="2400" dirty="0">
-                <a:solidFill>
-                  <a:srgbClr val="0000FF"/>
-                </a:solidFill>
-                <a:latin typeface="Consolas" panose="020B0609020204030204" pitchFamily="49" charset="0"/>
-              </a:rPr>
-              <a:t>function</a:t>
-            </a:r>
-            <a:r>
-              <a:rPr lang="en-US" sz="2400" dirty="0">
-                <a:solidFill>
-                  <a:srgbClr val="000000"/>
-                </a:solidFill>
-                <a:latin typeface="Consolas" panose="020B0609020204030204" pitchFamily="49" charset="0"/>
-              </a:rPr>
-              <a:t> () {</a:t>
-            </a:r>
-          </a:p>
-          <a:p>
-            <a:r>
-              <a:rPr lang="en-US" sz="2400" dirty="0">
-                <a:solidFill>
-                  <a:srgbClr val="000000"/>
-                </a:solidFill>
-                <a:latin typeface="Consolas" panose="020B0609020204030204" pitchFamily="49" charset="0"/>
-              </a:rPr>
-              <a:t>        </a:t>
-            </a:r>
-            <a:r>
-              <a:rPr lang="en-US" sz="2400" dirty="0">
-                <a:solidFill>
-                  <a:srgbClr val="0000FF"/>
-                </a:solidFill>
-                <a:latin typeface="Consolas" panose="020B0609020204030204" pitchFamily="49" charset="0"/>
-              </a:rPr>
-              <a:t>return</a:t>
-            </a:r>
-            <a:r>
-              <a:rPr lang="en-US" sz="2400" dirty="0">
-                <a:solidFill>
-                  <a:srgbClr val="000000"/>
-                </a:solidFill>
-                <a:latin typeface="Consolas" panose="020B0609020204030204" pitchFamily="49" charset="0"/>
-              </a:rPr>
-              <a:t> </a:t>
-            </a:r>
-            <a:r>
-              <a:rPr lang="en-US" sz="2400" dirty="0" err="1">
-                <a:solidFill>
-                  <a:srgbClr val="0000FF"/>
-                </a:solidFill>
-                <a:latin typeface="Consolas" panose="020B0609020204030204" pitchFamily="49" charset="0"/>
-              </a:rPr>
-              <a:t>this.</a:t>
-            </a:r>
-            <a:r>
-              <a:rPr lang="en-US" sz="2400" dirty="0" err="1">
-                <a:solidFill>
-                  <a:srgbClr val="000000"/>
-                </a:solidFill>
-                <a:latin typeface="Consolas" panose="020B0609020204030204" pitchFamily="49" charset="0"/>
-              </a:rPr>
-              <a:t>firstName</a:t>
-            </a:r>
-            <a:r>
-              <a:rPr lang="en-US" sz="2400" dirty="0">
-                <a:solidFill>
-                  <a:srgbClr val="000000"/>
-                </a:solidFill>
-                <a:latin typeface="Consolas" panose="020B0609020204030204" pitchFamily="49" charset="0"/>
-              </a:rPr>
-              <a:t> + </a:t>
-            </a:r>
-            <a:r>
-              <a:rPr lang="en-US" sz="2400" dirty="0">
-                <a:solidFill>
-                  <a:srgbClr val="A31515"/>
-                </a:solidFill>
-                <a:latin typeface="Consolas" panose="020B0609020204030204" pitchFamily="49" charset="0"/>
-              </a:rPr>
-              <a:t>" "</a:t>
-            </a:r>
-            <a:r>
-              <a:rPr lang="en-US" sz="2400" dirty="0">
-                <a:solidFill>
-                  <a:srgbClr val="000000"/>
-                </a:solidFill>
-                <a:latin typeface="Consolas" panose="020B0609020204030204" pitchFamily="49" charset="0"/>
-              </a:rPr>
-              <a:t> + </a:t>
-            </a:r>
-            <a:r>
-              <a:rPr lang="en-US" sz="2400" dirty="0" err="1">
-                <a:solidFill>
-                  <a:srgbClr val="0000FF"/>
-                </a:solidFill>
-                <a:latin typeface="Consolas" panose="020B0609020204030204" pitchFamily="49" charset="0"/>
-              </a:rPr>
-              <a:t>this.</a:t>
-            </a:r>
-            <a:r>
-              <a:rPr lang="en-US" sz="2400" dirty="0" err="1">
-                <a:solidFill>
-                  <a:srgbClr val="000000"/>
-                </a:solidFill>
-                <a:latin typeface="Consolas" panose="020B0609020204030204" pitchFamily="49" charset="0"/>
-              </a:rPr>
-              <a:t>lastName</a:t>
-            </a:r>
-            <a:r>
-              <a:rPr lang="en-US" sz="2400" dirty="0">
-                <a:solidFill>
-                  <a:srgbClr val="000000"/>
-                </a:solidFill>
-                <a:latin typeface="Consolas" panose="020B0609020204030204" pitchFamily="49" charset="0"/>
-              </a:rPr>
-              <a:t>;</a:t>
-            </a:r>
-          </a:p>
-          <a:p>
-            <a:r>
-              <a:rPr lang="en-US" sz="2400" dirty="0">
-                <a:solidFill>
-                  <a:srgbClr val="000000"/>
-                </a:solidFill>
-                <a:latin typeface="Consolas" panose="020B0609020204030204" pitchFamily="49" charset="0"/>
-              </a:rPr>
-              <a:t>    };</a:t>
-            </a:r>
-          </a:p>
-          <a:p>
-            <a:r>
-              <a:rPr lang="en-US" sz="2400" dirty="0">
-                <a:solidFill>
-                  <a:srgbClr val="000000"/>
-                </a:solidFill>
-                <a:latin typeface="Consolas" panose="020B0609020204030204" pitchFamily="49" charset="0"/>
-              </a:rPr>
-              <a:t>}</a:t>
-            </a:r>
-          </a:p>
-          <a:p>
-            <a:r>
-              <a:rPr lang="en-US" sz="2400" dirty="0" err="1">
-                <a:solidFill>
-                  <a:srgbClr val="0000FF"/>
-                </a:solidFill>
-                <a:latin typeface="Consolas" panose="020B0609020204030204" pitchFamily="49" charset="0"/>
-              </a:rPr>
-              <a:t>var</a:t>
-            </a:r>
-            <a:r>
-              <a:rPr lang="en-US" sz="2400" dirty="0">
-                <a:solidFill>
-                  <a:srgbClr val="000000"/>
-                </a:solidFill>
-                <a:latin typeface="Consolas" panose="020B0609020204030204" pitchFamily="49" charset="0"/>
-              </a:rPr>
-              <a:t> </a:t>
-            </a:r>
-            <a:r>
-              <a:rPr lang="en-US" sz="2400" dirty="0" err="1">
-                <a:solidFill>
-                  <a:srgbClr val="000000"/>
-                </a:solidFill>
-                <a:latin typeface="Consolas" panose="020B0609020204030204" pitchFamily="49" charset="0"/>
-              </a:rPr>
-              <a:t>theDude</a:t>
-            </a:r>
-            <a:r>
-              <a:rPr lang="en-US" sz="2400" dirty="0">
-                <a:solidFill>
-                  <a:srgbClr val="000000"/>
-                </a:solidFill>
-                <a:latin typeface="Consolas" panose="020B0609020204030204" pitchFamily="49" charset="0"/>
-              </a:rPr>
-              <a:t> = </a:t>
-            </a:r>
-            <a:r>
-              <a:rPr lang="en-US" sz="2400" dirty="0">
-                <a:solidFill>
-                  <a:srgbClr val="0000FF"/>
-                </a:solidFill>
-                <a:latin typeface="Consolas" panose="020B0609020204030204" pitchFamily="49" charset="0"/>
-              </a:rPr>
-              <a:t>new</a:t>
-            </a:r>
-            <a:r>
-              <a:rPr lang="en-US" sz="2400" dirty="0">
-                <a:solidFill>
-                  <a:srgbClr val="000000"/>
-                </a:solidFill>
-                <a:latin typeface="Consolas" panose="020B0609020204030204" pitchFamily="49" charset="0"/>
-              </a:rPr>
-              <a:t> Contact(</a:t>
-            </a:r>
-            <a:r>
-              <a:rPr lang="en-US" sz="2400" dirty="0">
-                <a:solidFill>
-                  <a:srgbClr val="A31515"/>
-                </a:solidFill>
-                <a:latin typeface="Consolas" panose="020B0609020204030204" pitchFamily="49" charset="0"/>
-              </a:rPr>
-              <a:t>"Jeff"</a:t>
-            </a:r>
-            <a:r>
-              <a:rPr lang="en-US" sz="2400" dirty="0">
-                <a:solidFill>
-                  <a:srgbClr val="000000"/>
-                </a:solidFill>
-                <a:latin typeface="Consolas" panose="020B0609020204030204" pitchFamily="49" charset="0"/>
-              </a:rPr>
-              <a:t>, </a:t>
-            </a:r>
-            <a:r>
-              <a:rPr lang="en-US" sz="2400" dirty="0">
-                <a:solidFill>
-                  <a:srgbClr val="A31515"/>
-                </a:solidFill>
-                <a:latin typeface="Consolas" panose="020B0609020204030204" pitchFamily="49" charset="0"/>
-              </a:rPr>
-              <a:t>"Bridges"</a:t>
-            </a:r>
-            <a:r>
-              <a:rPr lang="en-US" sz="2400" dirty="0">
-                <a:solidFill>
-                  <a:srgbClr val="000000"/>
-                </a:solidFill>
-                <a:latin typeface="Consolas" panose="020B0609020204030204" pitchFamily="49" charset="0"/>
-              </a:rPr>
-              <a:t>, </a:t>
-            </a:r>
-            <a:r>
-              <a:rPr lang="en-US" sz="2400" dirty="0">
-                <a:solidFill>
-                  <a:srgbClr val="A31515"/>
-                </a:solidFill>
-                <a:latin typeface="Consolas" panose="020B0609020204030204" pitchFamily="49" charset="0"/>
-              </a:rPr>
-              <a:t>"123456789"</a:t>
-            </a:r>
-            <a:r>
-              <a:rPr lang="en-US" sz="2400" dirty="0">
-                <a:solidFill>
-                  <a:srgbClr val="000000"/>
-                </a:solidFill>
-                <a:latin typeface="Consolas" panose="020B0609020204030204" pitchFamily="49" charset="0"/>
-              </a:rPr>
-              <a:t>);</a:t>
-            </a:r>
-          </a:p>
-          <a:p>
-            <a:r>
-              <a:rPr lang="en-US" sz="2400" dirty="0">
-                <a:solidFill>
-                  <a:srgbClr val="000000"/>
-                </a:solidFill>
-                <a:latin typeface="Consolas" panose="020B0609020204030204" pitchFamily="49" charset="0"/>
-              </a:rPr>
-              <a:t>console.log(theDude.name());</a:t>
-            </a:r>
-            <a:endParaRPr lang="en-US" sz="2400" dirty="0"/>
-          </a:p>
-        </p:txBody>
-      </p:sp>
-    </p:spTree>
-    <p:extLst>
-      <p:ext uri="{BB962C8B-B14F-4D97-AF65-F5344CB8AC3E}">
-        <p14:creationId xmlns:p14="http://schemas.microsoft.com/office/powerpoint/2010/main" val="2959916388"/>
-      </p:ext>
-    </p:extLst>
-  </p:cSld>
-  <p:clrMapOvr>
-    <a:masterClrMapping/>
-  </p:clrMapOvr>
-</p:sld>
-</file>
-
-<file path=ppt/slides/slide41.xml><?xml version="1.0" encoding="utf-8"?>
-<p:sld xmlns:a="http://schemas.openxmlformats.org/drawingml/2006/main" xmlns:r="http://schemas.openxmlformats.org/officeDocument/2006/relationships" xmlns:p="http://schemas.openxmlformats.org/presentationml/2006/main">
-  <p:cSld>
-    <p:spTree>
-      <p:nvGrpSpPr>
-        <p:cNvPr id="1" name=""/>
-        <p:cNvGrpSpPr/>
-        <p:nvPr/>
-      </p:nvGrpSpPr>
-      <p:grpSpPr>
-        <a:xfrm>
-          <a:off x="0" y="0"/>
-          <a:ext cx="0" cy="0"/>
-          <a:chOff x="0" y="0"/>
-          <a:chExt cx="0" cy="0"/>
-        </a:xfrm>
-      </p:grpSpPr>
-      <p:sp>
-        <p:nvSpPr>
-          <p:cNvPr id="2" name="Title 1"/>
-          <p:cNvSpPr>
-            <a:spLocks noGrp="1"/>
-          </p:cNvSpPr>
-          <p:nvPr>
-            <p:ph type="title"/>
-          </p:nvPr>
-        </p:nvSpPr>
-        <p:spPr>
-          <a:xfrm>
-            <a:off x="607463" y="2307364"/>
-            <a:ext cx="10515600" cy="1325563"/>
-          </a:xfrm>
-        </p:spPr>
-        <p:txBody>
-          <a:bodyPr/>
-          <a:lstStyle/>
-          <a:p>
-            <a:r>
-              <a:rPr lang="en-US" dirty="0"/>
-              <a:t>Let’s start…</a:t>
-            </a:r>
-          </a:p>
-        </p:txBody>
-      </p:sp>
-    </p:spTree>
-    <p:extLst>
-      <p:ext uri="{BB962C8B-B14F-4D97-AF65-F5344CB8AC3E}">
-        <p14:creationId xmlns:p14="http://schemas.microsoft.com/office/powerpoint/2010/main" val="2245875904"/>
-      </p:ext>
-    </p:extLst>
-  </p:cSld>
-  <p:clrMapOvr>
-    <a:masterClrMapping/>
-  </p:clrMapOvr>
 </p:sld>
 </file>
 

--- a/presentation/IoT Bootcamp.pptx
+++ b/presentation/IoT Bootcamp.pptx
@@ -6,7 +6,7 @@
     <p:sldMasterId id="2147483662" r:id="rId2"/>
   </p:sldMasterIdLst>
   <p:notesMasterIdLst>
-    <p:notesMasterId r:id="rId38"/>
+    <p:notesMasterId r:id="rId39"/>
   </p:notesMasterIdLst>
   <p:sldIdLst>
     <p:sldId id="335" r:id="rId3"/>
@@ -18,32 +18,33 @@
     <p:sldId id="340" r:id="rId9"/>
     <p:sldId id="341" r:id="rId10"/>
     <p:sldId id="342" r:id="rId11"/>
-    <p:sldId id="258" r:id="rId12"/>
-    <p:sldId id="256" r:id="rId13"/>
-    <p:sldId id="343" r:id="rId14"/>
-    <p:sldId id="260" r:id="rId15"/>
-    <p:sldId id="333" r:id="rId16"/>
-    <p:sldId id="330" r:id="rId17"/>
-    <p:sldId id="261" r:id="rId18"/>
-    <p:sldId id="263" r:id="rId19"/>
-    <p:sldId id="264" r:id="rId20"/>
-    <p:sldId id="266" r:id="rId21"/>
+    <p:sldId id="345" r:id="rId12"/>
+    <p:sldId id="258" r:id="rId13"/>
+    <p:sldId id="256" r:id="rId14"/>
+    <p:sldId id="343" r:id="rId15"/>
+    <p:sldId id="260" r:id="rId16"/>
+    <p:sldId id="333" r:id="rId17"/>
+    <p:sldId id="330" r:id="rId18"/>
+    <p:sldId id="261" r:id="rId19"/>
+    <p:sldId id="263" r:id="rId20"/>
+    <p:sldId id="264" r:id="rId21"/>
     <p:sldId id="268" r:id="rId22"/>
     <p:sldId id="267" r:id="rId23"/>
-    <p:sldId id="271" r:id="rId24"/>
-    <p:sldId id="272" r:id="rId25"/>
-    <p:sldId id="273" r:id="rId26"/>
-    <p:sldId id="274" r:id="rId27"/>
-    <p:sldId id="316" r:id="rId28"/>
-    <p:sldId id="275" r:id="rId29"/>
-    <p:sldId id="317" r:id="rId30"/>
-    <p:sldId id="318" r:id="rId31"/>
-    <p:sldId id="319" r:id="rId32"/>
-    <p:sldId id="320" r:id="rId33"/>
-    <p:sldId id="328" r:id="rId34"/>
-    <p:sldId id="334" r:id="rId35"/>
-    <p:sldId id="344" r:id="rId36"/>
-    <p:sldId id="280" r:id="rId37"/>
+    <p:sldId id="266" r:id="rId24"/>
+    <p:sldId id="271" r:id="rId25"/>
+    <p:sldId id="272" r:id="rId26"/>
+    <p:sldId id="273" r:id="rId27"/>
+    <p:sldId id="274" r:id="rId28"/>
+    <p:sldId id="316" r:id="rId29"/>
+    <p:sldId id="275" r:id="rId30"/>
+    <p:sldId id="317" r:id="rId31"/>
+    <p:sldId id="318" r:id="rId32"/>
+    <p:sldId id="319" r:id="rId33"/>
+    <p:sldId id="320" r:id="rId34"/>
+    <p:sldId id="328" r:id="rId35"/>
+    <p:sldId id="334" r:id="rId36"/>
+    <p:sldId id="344" r:id="rId37"/>
+    <p:sldId id="280" r:id="rId38"/>
   </p:sldIdLst>
   <p:sldSz cx="12192000" cy="6858000"/>
   <p:notesSz cx="6858000" cy="9144000"/>
@@ -236,7 +237,7 @@
           <a:p>
             <a:fld id="{47191C74-6111-46D8-81BE-7574AEA0A196}" type="datetimeFigureOut">
               <a:rPr lang="en-US" smtClean="0"/>
-              <a:t>5/31/2017</a:t>
+              <a:t>6/1/2017</a:t>
             </a:fld>
             <a:endParaRPr lang="en-US"/>
           </a:p>
@@ -572,7 +573,7 @@
           <a:p>
             <a:fld id="{7FB44AF9-6A08-4C3A-94E4-CB0AC0068279}" type="slidenum">
               <a:rPr lang="sv-SE" smtClean="0"/>
-              <a:t>11</a:t>
+              <a:t>12</a:t>
             </a:fld>
             <a:endParaRPr lang="sv-SE"/>
           </a:p>
@@ -656,7 +657,7 @@
           <a:p>
             <a:fld id="{7FB44AF9-6A08-4C3A-94E4-CB0AC0068279}" type="slidenum">
               <a:rPr lang="sv-SE" smtClean="0"/>
-              <a:t>23</a:t>
+              <a:t>24</a:t>
             </a:fld>
             <a:endParaRPr lang="sv-SE"/>
           </a:p>
@@ -740,7 +741,7 @@
           <a:p>
             <a:fld id="{7FB44AF9-6A08-4C3A-94E4-CB0AC0068279}" type="slidenum">
               <a:rPr lang="sv-SE" smtClean="0"/>
-              <a:t>24</a:t>
+              <a:t>25</a:t>
             </a:fld>
             <a:endParaRPr lang="sv-SE"/>
           </a:p>
@@ -824,7 +825,7 @@
           <a:p>
             <a:fld id="{7FB44AF9-6A08-4C3A-94E4-CB0AC0068279}" type="slidenum">
               <a:rPr lang="sv-SE" smtClean="0"/>
-              <a:t>25</a:t>
+              <a:t>26</a:t>
             </a:fld>
             <a:endParaRPr lang="sv-SE"/>
           </a:p>
@@ -908,7 +909,7 @@
           <a:p>
             <a:fld id="{7FB44AF9-6A08-4C3A-94E4-CB0AC0068279}" type="slidenum">
               <a:rPr lang="sv-SE" smtClean="0"/>
-              <a:t>27</a:t>
+              <a:t>28</a:t>
             </a:fld>
             <a:endParaRPr lang="sv-SE"/>
           </a:p>
@@ -992,7 +993,7 @@
           <a:p>
             <a:fld id="{7FB44AF9-6A08-4C3A-94E4-CB0AC0068279}" type="slidenum">
               <a:rPr lang="sv-SE" smtClean="0"/>
-              <a:t>28</a:t>
+              <a:t>29</a:t>
             </a:fld>
             <a:endParaRPr lang="sv-SE"/>
           </a:p>
@@ -1076,7 +1077,7 @@
           <a:p>
             <a:fld id="{7FB44AF9-6A08-4C3A-94E4-CB0AC0068279}" type="slidenum">
               <a:rPr lang="sv-SE" smtClean="0"/>
-              <a:t>29</a:t>
+              <a:t>30</a:t>
             </a:fld>
             <a:endParaRPr lang="sv-SE"/>
           </a:p>
@@ -1160,7 +1161,7 @@
           <a:p>
             <a:fld id="{7FB44AF9-6A08-4C3A-94E4-CB0AC0068279}" type="slidenum">
               <a:rPr lang="sv-SE" smtClean="0"/>
-              <a:t>31</a:t>
+              <a:t>32</a:t>
             </a:fld>
             <a:endParaRPr lang="sv-SE"/>
           </a:p>
@@ -1888,7 +1889,7 @@
           <a:p>
             <a:fld id="{7FB44AF9-6A08-4C3A-94E4-CB0AC0068279}" type="slidenum">
               <a:rPr lang="sv-SE" smtClean="0"/>
-              <a:t>35</a:t>
+              <a:t>36</a:t>
             </a:fld>
             <a:endParaRPr lang="sv-SE"/>
           </a:p>
@@ -1976,7 +1977,7 @@
           <a:p>
             <a:fld id="{7FB44AF9-6A08-4C3A-94E4-CB0AC0068279}" type="slidenum">
               <a:rPr lang="sv-SE" smtClean="0"/>
-              <a:t>12</a:t>
+              <a:t>13</a:t>
             </a:fld>
             <a:endParaRPr lang="sv-SE"/>
           </a:p>
@@ -2108,7 +2109,7 @@
           <a:p>
             <a:fld id="{7FB44AF9-6A08-4C3A-94E4-CB0AC0068279}" type="slidenum">
               <a:rPr lang="sv-SE" smtClean="0"/>
-              <a:t>16</a:t>
+              <a:t>17</a:t>
             </a:fld>
             <a:endParaRPr lang="sv-SE"/>
           </a:p>
@@ -2233,7 +2234,7 @@
           <a:p>
             <a:fld id="{7FB44AF9-6A08-4C3A-94E4-CB0AC0068279}" type="slidenum">
               <a:rPr lang="sv-SE" smtClean="0"/>
-              <a:t>17</a:t>
+              <a:t>18</a:t>
             </a:fld>
             <a:endParaRPr lang="sv-SE"/>
           </a:p>
@@ -2337,7 +2338,7 @@
           <a:p>
             <a:fld id="{7FB44AF9-6A08-4C3A-94E4-CB0AC0068279}" type="slidenum">
               <a:rPr lang="sv-SE" smtClean="0"/>
-              <a:t>18</a:t>
+              <a:t>19</a:t>
             </a:fld>
             <a:endParaRPr lang="sv-SE"/>
           </a:p>
@@ -2421,7 +2422,7 @@
           <a:p>
             <a:fld id="{7FB44AF9-6A08-4C3A-94E4-CB0AC0068279}" type="slidenum">
               <a:rPr lang="sv-SE" smtClean="0"/>
-              <a:t>19</a:t>
+              <a:t>20</a:t>
             </a:fld>
             <a:endParaRPr lang="sv-SE"/>
           </a:p>
@@ -2430,7 +2431,7 @@
     </p:spTree>
     <p:extLst>
       <p:ext uri="{BB962C8B-B14F-4D97-AF65-F5344CB8AC3E}">
-        <p14:creationId xmlns:p14="http://schemas.microsoft.com/office/powerpoint/2010/main" val="508674689"/>
+        <p14:creationId xmlns:p14="http://schemas.microsoft.com/office/powerpoint/2010/main" val="2277143331"/>
       </p:ext>
     </p:extLst>
   </p:cSld>
@@ -2486,6 +2487,26 @@
           <a:p>
             <a:endParaRPr lang="sv-SE" dirty="0"/>
           </a:p>
+          <a:p>
+            <a:r>
+              <a:rPr lang="sv-SE" dirty="0"/>
+              <a:t>var a = 12.12345;</a:t>
+            </a:r>
+          </a:p>
+          <a:p>
+            <a:r>
+              <a:rPr lang="sv-SE" dirty="0"/>
+              <a:t>var b = </a:t>
+            </a:r>
+            <a:r>
+              <a:rPr lang="sv-SE" dirty="0" err="1"/>
+              <a:t>a.toFixed</a:t>
+            </a:r>
+            <a:r>
+              <a:rPr lang="sv-SE" dirty="0"/>
+              <a:t>(2) / 1;</a:t>
+            </a:r>
+          </a:p>
         </p:txBody>
       </p:sp>
       <p:sp>
@@ -2505,7 +2526,7 @@
           <a:p>
             <a:fld id="{7FB44AF9-6A08-4C3A-94E4-CB0AC0068279}" type="slidenum">
               <a:rPr lang="sv-SE" smtClean="0"/>
-              <a:t>20</a:t>
+              <a:t>21</a:t>
             </a:fld>
             <a:endParaRPr lang="sv-SE"/>
           </a:p>
@@ -2514,7 +2535,7 @@
     </p:spTree>
     <p:extLst>
       <p:ext uri="{BB962C8B-B14F-4D97-AF65-F5344CB8AC3E}">
-        <p14:creationId xmlns:p14="http://schemas.microsoft.com/office/powerpoint/2010/main" val="2277143331"/>
+        <p14:creationId xmlns:p14="http://schemas.microsoft.com/office/powerpoint/2010/main" val="722343129"/>
       </p:ext>
     </p:extLst>
   </p:cSld>
@@ -2570,26 +2591,6 @@
           <a:p>
             <a:endParaRPr lang="sv-SE" dirty="0"/>
           </a:p>
-          <a:p>
-            <a:r>
-              <a:rPr lang="sv-SE" dirty="0"/>
-              <a:t>var a = 12.12345;</a:t>
-            </a:r>
-          </a:p>
-          <a:p>
-            <a:r>
-              <a:rPr lang="sv-SE" dirty="0"/>
-              <a:t>var b = </a:t>
-            </a:r>
-            <a:r>
-              <a:rPr lang="sv-SE" dirty="0" err="1"/>
-              <a:t>a.toFixed</a:t>
-            </a:r>
-            <a:r>
-              <a:rPr lang="sv-SE" dirty="0"/>
-              <a:t>(2) / 1;</a:t>
-            </a:r>
-          </a:p>
         </p:txBody>
       </p:sp>
       <p:sp>
@@ -2609,7 +2610,7 @@
           <a:p>
             <a:fld id="{7FB44AF9-6A08-4C3A-94E4-CB0AC0068279}" type="slidenum">
               <a:rPr lang="sv-SE" smtClean="0"/>
-              <a:t>21</a:t>
+              <a:t>22</a:t>
             </a:fld>
             <a:endParaRPr lang="sv-SE"/>
           </a:p>
@@ -2618,7 +2619,7 @@
     </p:spTree>
     <p:extLst>
       <p:ext uri="{BB962C8B-B14F-4D97-AF65-F5344CB8AC3E}">
-        <p14:creationId xmlns:p14="http://schemas.microsoft.com/office/powerpoint/2010/main" val="722343129"/>
+        <p14:creationId xmlns:p14="http://schemas.microsoft.com/office/powerpoint/2010/main" val="508674689"/>
       </p:ext>
     </p:extLst>
   </p:cSld>
@@ -2693,7 +2694,7 @@
           <a:p>
             <a:fld id="{7FB44AF9-6A08-4C3A-94E4-CB0AC0068279}" type="slidenum">
               <a:rPr lang="sv-SE" smtClean="0"/>
-              <a:t>22</a:t>
+              <a:t>23</a:t>
             </a:fld>
             <a:endParaRPr lang="sv-SE"/>
           </a:p>
@@ -12320,7 +12321,7 @@
           <a:p>
             <a:fld id="{BA60C446-6CB1-44A3-A74E-6FB4AF0231F5}" type="datetimeFigureOut">
               <a:rPr lang="en-US" smtClean="0"/>
-              <a:t>5/31/2017</a:t>
+              <a:t>6/1/2017</a:t>
             </a:fld>
             <a:endParaRPr lang="en-US"/>
           </a:p>
@@ -13676,6 +13677,249 @@
             <a:spLocks noGrp="1"/>
           </p:cNvSpPr>
           <p:nvPr>
+            <p:ph type="title" idx="4294967295"/>
+          </p:nvPr>
+        </p:nvSpPr>
+        <p:spPr>
+          <a:xfrm>
+            <a:off x="0" y="0"/>
+            <a:ext cx="10515600" cy="1325563"/>
+          </a:xfrm>
+        </p:spPr>
+        <p:txBody>
+          <a:bodyPr/>
+          <a:lstStyle/>
+          <a:p>
+            <a:r>
+              <a:rPr lang="sv-SE" dirty="0"/>
+              <a:t>LABS</a:t>
+            </a:r>
+            <a:endParaRPr lang="en-US" dirty="0"/>
+          </a:p>
+        </p:txBody>
+      </p:sp>
+      <p:sp>
+        <p:nvSpPr>
+          <p:cNvPr id="6" name="TextBox 5"/>
+          <p:cNvSpPr txBox="1"/>
+          <p:nvPr/>
+        </p:nvSpPr>
+        <p:spPr>
+          <a:xfrm>
+            <a:off x="838200" y="956231"/>
+            <a:ext cx="4225837" cy="523220"/>
+          </a:xfrm>
+          <a:prstGeom prst="rect">
+            <a:avLst/>
+          </a:prstGeom>
+          <a:noFill/>
+        </p:spPr>
+        <p:txBody>
+          <a:bodyPr wrap="none" rtlCol="0">
+            <a:spAutoFit/>
+          </a:bodyPr>
+          <a:lstStyle/>
+          <a:p>
+            <a:r>
+              <a:rPr lang="en-US" sz="2800" dirty="0"/>
+              <a:t>#4 – Device Management</a:t>
+            </a:r>
+            <a:endParaRPr lang="sv-SE" sz="2800" dirty="0"/>
+          </a:p>
+        </p:txBody>
+      </p:sp>
+      <p:pic>
+        <p:nvPicPr>
+          <p:cNvPr id="9" name="Picture 8"/>
+          <p:cNvPicPr>
+            <a:picLocks noChangeAspect="1"/>
+          </p:cNvPicPr>
+          <p:nvPr/>
+        </p:nvPicPr>
+        <p:blipFill>
+          <a:blip r:embed="rId2">
+            <a:extLst>
+              <a:ext uri="{28A0092B-C50C-407E-A947-70E740481C1C}">
+                <a14:useLocalDpi xmlns:a14="http://schemas.microsoft.com/office/drawing/2010/main" val="0"/>
+              </a:ext>
+            </a:extLst>
+          </a:blip>
+          <a:stretch>
+            <a:fillRect/>
+          </a:stretch>
+        </p:blipFill>
+        <p:spPr>
+          <a:xfrm>
+            <a:off x="1447800" y="1914982"/>
+            <a:ext cx="9182100" cy="2457012"/>
+          </a:xfrm>
+          <a:prstGeom prst="rect">
+            <a:avLst/>
+          </a:prstGeom>
+        </p:spPr>
+      </p:pic>
+      <p:pic>
+        <p:nvPicPr>
+          <p:cNvPr id="4" name="Picture 3"/>
+          <p:cNvPicPr>
+            <a:picLocks noChangeAspect="1"/>
+          </p:cNvPicPr>
+          <p:nvPr/>
+        </p:nvPicPr>
+        <p:blipFill>
+          <a:blip r:embed="rId3">
+            <a:extLst>
+              <a:ext uri="{28A0092B-C50C-407E-A947-70E740481C1C}">
+                <a14:useLocalDpi xmlns:a14="http://schemas.microsoft.com/office/drawing/2010/main" val="0"/>
+              </a:ext>
+            </a:extLst>
+          </a:blip>
+          <a:stretch>
+            <a:fillRect/>
+          </a:stretch>
+        </p:blipFill>
+        <p:spPr>
+          <a:xfrm>
+            <a:off x="1447801" y="4807526"/>
+            <a:ext cx="996820" cy="1019736"/>
+          </a:xfrm>
+          <a:prstGeom prst="rect">
+            <a:avLst/>
+          </a:prstGeom>
+        </p:spPr>
+      </p:pic>
+      <p:sp>
+        <p:nvSpPr>
+          <p:cNvPr id="5" name="TextBox 4"/>
+          <p:cNvSpPr txBox="1"/>
+          <p:nvPr/>
+        </p:nvSpPr>
+        <p:spPr>
+          <a:xfrm>
+            <a:off x="33435" y="5827262"/>
+            <a:ext cx="3825551" cy="627864"/>
+          </a:xfrm>
+          <a:prstGeom prst="rect">
+            <a:avLst/>
+          </a:prstGeom>
+          <a:noFill/>
+        </p:spPr>
+        <p:txBody>
+          <a:bodyPr wrap="square" lIns="182880" tIns="146304" rIns="182880" bIns="146304" rtlCol="0">
+            <a:spAutoFit/>
+          </a:bodyPr>
+          <a:lstStyle/>
+          <a:p>
+            <a:pPr algn="ctr">
+              <a:lnSpc>
+                <a:spcPct val="90000"/>
+              </a:lnSpc>
+              <a:spcAft>
+                <a:spcPts val="600"/>
+              </a:spcAft>
+            </a:pPr>
+            <a:r>
+              <a:rPr lang="sv-SE" sz="2400" dirty="0">
+                <a:gradFill>
+                  <a:gsLst>
+                    <a:gs pos="2917">
+                      <a:schemeClr val="tx1"/>
+                    </a:gs>
+                    <a:gs pos="30000">
+                      <a:schemeClr val="tx1"/>
+                    </a:gs>
+                  </a:gsLst>
+                  <a:lin ang="5400000" scaled="0"/>
+                </a:gradFill>
+              </a:rPr>
+              <a:t>microServiceBus.com</a:t>
+            </a:r>
+          </a:p>
+        </p:txBody>
+      </p:sp>
+      <p:cxnSp>
+        <p:nvCxnSpPr>
+          <p:cNvPr id="8" name="Connector: Elbow 7"/>
+          <p:cNvCxnSpPr>
+            <a:cxnSpLocks/>
+            <a:stCxn id="4" idx="3"/>
+          </p:cNvCxnSpPr>
+          <p:nvPr/>
+        </p:nvCxnSpPr>
+        <p:spPr>
+          <a:xfrm flipV="1">
+            <a:off x="2444621" y="4371994"/>
+            <a:ext cx="2808315" cy="945400"/>
+          </a:xfrm>
+          <a:prstGeom prst="bentConnector3">
+            <a:avLst>
+              <a:gd name="adj1" fmla="val 99880"/>
+            </a:avLst>
+          </a:prstGeom>
+          <a:ln>
+            <a:solidFill>
+              <a:srgbClr val="2350A2"/>
+            </a:solidFill>
+            <a:prstDash val="dash"/>
+            <a:headEnd type="none"/>
+            <a:tailEnd type="triangle"/>
+          </a:ln>
+        </p:spPr>
+        <p:style>
+          <a:lnRef idx="1">
+            <a:schemeClr val="accent1"/>
+          </a:lnRef>
+          <a:fillRef idx="0">
+            <a:schemeClr val="accent1"/>
+          </a:fillRef>
+          <a:effectRef idx="0">
+            <a:schemeClr val="accent1"/>
+          </a:effectRef>
+          <a:fontRef idx="minor">
+            <a:schemeClr val="tx1"/>
+          </a:fontRef>
+        </p:style>
+      </p:cxnSp>
+    </p:spTree>
+    <p:extLst>
+      <p:ext uri="{BB962C8B-B14F-4D97-AF65-F5344CB8AC3E}">
+        <p14:creationId xmlns:p14="http://schemas.microsoft.com/office/powerpoint/2010/main" val="1503768116"/>
+      </p:ext>
+    </p:extLst>
+  </p:cSld>
+  <p:clrMapOvr>
+    <a:masterClrMapping/>
+  </p:clrMapOvr>
+  <p:transition>
+    <p:fade/>
+  </p:transition>
+</p:sld>
+</file>
+
+<file path=ppt/slides/slide11.xml><?xml version="1.0" encoding="utf-8"?>
+<p:sld xmlns:a="http://schemas.openxmlformats.org/drawingml/2006/main" xmlns:r="http://schemas.openxmlformats.org/officeDocument/2006/relationships" xmlns:p="http://schemas.openxmlformats.org/presentationml/2006/main">
+  <p:cSld>
+    <p:spTree>
+      <p:nvGrpSpPr>
+        <p:cNvPr id="1" name=""/>
+        <p:cNvGrpSpPr/>
+        <p:nvPr/>
+      </p:nvGrpSpPr>
+      <p:grpSpPr>
+        <a:xfrm>
+          <a:off x="0" y="0"/>
+          <a:ext cx="0" cy="0"/>
+          <a:chOff x="0" y="0"/>
+          <a:chExt cx="0" cy="0"/>
+        </a:xfrm>
+      </p:grpSpPr>
+      <p:sp>
+        <p:nvSpPr>
+          <p:cNvPr id="2" name="Title 1"/>
+          <p:cNvSpPr>
+            <a:spLocks noGrp="1"/>
+          </p:cNvSpPr>
+          <p:nvPr>
             <p:ph type="title"/>
           </p:nvPr>
         </p:nvSpPr>
@@ -14039,7 +14283,7 @@
 </p:sld>
 </file>
 
-<file path=ppt/slides/slide11.xml><?xml version="1.0" encoding="utf-8"?>
+<file path=ppt/slides/slide12.xml><?xml version="1.0" encoding="utf-8"?>
 <p:sld xmlns:a="http://schemas.openxmlformats.org/drawingml/2006/main" xmlns:r="http://schemas.openxmlformats.org/officeDocument/2006/relationships" xmlns:p="http://schemas.openxmlformats.org/presentationml/2006/main">
   <p:cSld>
     <p:spTree>
@@ -14286,7 +14530,7 @@
 </p:sld>
 </file>
 
-<file path=ppt/slides/slide12.xml><?xml version="1.0" encoding="utf-8"?>
+<file path=ppt/slides/slide13.xml><?xml version="1.0" encoding="utf-8"?>
 <p:sld xmlns:a="http://schemas.openxmlformats.org/drawingml/2006/main" xmlns:r="http://schemas.openxmlformats.org/officeDocument/2006/relationships" xmlns:p="http://schemas.openxmlformats.org/presentationml/2006/main">
   <p:cSld>
     <p:spTree>
@@ -14524,312 +14768,6 @@
     <p:extLst>
       <p:ext uri="{BB962C8B-B14F-4D97-AF65-F5344CB8AC3E}">
         <p14:creationId xmlns:p14="http://schemas.microsoft.com/office/powerpoint/2010/main" val="1357644828"/>
-      </p:ext>
-    </p:extLst>
-  </p:cSld>
-  <p:clrMapOvr>
-    <a:masterClrMapping/>
-  </p:clrMapOvr>
-</p:sld>
-</file>
-
-<file path=ppt/slides/slide13.xml><?xml version="1.0" encoding="utf-8"?>
-<p:sld xmlns:a="http://schemas.openxmlformats.org/drawingml/2006/main" xmlns:r="http://schemas.openxmlformats.org/officeDocument/2006/relationships" xmlns:p="http://schemas.openxmlformats.org/presentationml/2006/main">
-  <p:cSld>
-    <p:spTree>
-      <p:nvGrpSpPr>
-        <p:cNvPr id="1" name=""/>
-        <p:cNvGrpSpPr/>
-        <p:nvPr/>
-      </p:nvGrpSpPr>
-      <p:grpSpPr>
-        <a:xfrm>
-          <a:off x="0" y="0"/>
-          <a:ext cx="0" cy="0"/>
-          <a:chOff x="0" y="0"/>
-          <a:chExt cx="0" cy="0"/>
-        </a:xfrm>
-      </p:grpSpPr>
-      <p:sp>
-        <p:nvSpPr>
-          <p:cNvPr id="2" name="Title 1"/>
-          <p:cNvSpPr>
-            <a:spLocks noGrp="1"/>
-          </p:cNvSpPr>
-          <p:nvPr>
-            <p:ph type="title"/>
-          </p:nvPr>
-        </p:nvSpPr>
-        <p:spPr/>
-        <p:txBody>
-          <a:bodyPr/>
-          <a:lstStyle/>
-          <a:p>
-            <a:r>
-              <a:rPr lang="sv-SE" dirty="0" err="1"/>
-              <a:t>Why</a:t>
-            </a:r>
-            <a:r>
-              <a:rPr lang="sv-SE" dirty="0"/>
-              <a:t> is JavaScript?</a:t>
-            </a:r>
-          </a:p>
-        </p:txBody>
-      </p:sp>
-      <p:sp>
-        <p:nvSpPr>
-          <p:cNvPr id="5" name="Content Placeholder 4"/>
-          <p:cNvSpPr txBox="1">
-            <a:spLocks/>
-          </p:cNvSpPr>
-          <p:nvPr/>
-        </p:nvSpPr>
-        <p:spPr>
-          <a:xfrm>
-            <a:off x="1106214" y="4239196"/>
-            <a:ext cx="10515600" cy="2234646"/>
-          </a:xfrm>
-          <a:prstGeom prst="rect">
-            <a:avLst/>
-          </a:prstGeom>
-        </p:spPr>
-        <p:txBody>
-          <a:bodyPr vert="horz" lIns="91440" tIns="45720" rIns="91440" bIns="45720" rtlCol="0">
-            <a:normAutofit/>
-          </a:bodyPr>
-          <a:lstStyle>
-            <a:lvl1pPr marL="228600" indent="-228600" algn="l" defTabSz="914400" rtl="0" eaLnBrk="1" latinLnBrk="0" hangingPunct="1">
-              <a:lnSpc>
-                <a:spcPct val="90000"/>
-              </a:lnSpc>
-              <a:spcBef>
-                <a:spcPts val="1000"/>
-              </a:spcBef>
-              <a:buFontTx/>
-              <a:buBlip>
-                <a:blip r:embed="rId2"/>
-              </a:buBlip>
-              <a:defRPr sz="2800" kern="1200">
-                <a:solidFill>
-                  <a:schemeClr val="tx1"/>
-                </a:solidFill>
-                <a:latin typeface="Segoe UI Light" panose="020B0502040204020203" pitchFamily="34" charset="0"/>
-                <a:ea typeface="+mn-ea"/>
-                <a:cs typeface="Segoe UI Light" panose="020B0502040204020203" pitchFamily="34" charset="0"/>
-              </a:defRPr>
-            </a:lvl1pPr>
-            <a:lvl2pPr marL="685800" indent="-228600" algn="l" defTabSz="914400" rtl="0" eaLnBrk="1" latinLnBrk="0" hangingPunct="1">
-              <a:lnSpc>
-                <a:spcPct val="90000"/>
-              </a:lnSpc>
-              <a:spcBef>
-                <a:spcPts val="500"/>
-              </a:spcBef>
-              <a:buFontTx/>
-              <a:buBlip>
-                <a:blip r:embed="rId2"/>
-              </a:buBlip>
-              <a:defRPr sz="2400" kern="1200">
-                <a:solidFill>
-                  <a:schemeClr val="tx1"/>
-                </a:solidFill>
-                <a:latin typeface="Segoe UI Light" panose="020B0502040204020203" pitchFamily="34" charset="0"/>
-                <a:ea typeface="+mn-ea"/>
-                <a:cs typeface="Segoe UI Light" panose="020B0502040204020203" pitchFamily="34" charset="0"/>
-              </a:defRPr>
-            </a:lvl2pPr>
-            <a:lvl3pPr marL="1143000" indent="-228600" algn="l" defTabSz="914400" rtl="0" eaLnBrk="1" latinLnBrk="0" hangingPunct="1">
-              <a:lnSpc>
-                <a:spcPct val="90000"/>
-              </a:lnSpc>
-              <a:spcBef>
-                <a:spcPts val="500"/>
-              </a:spcBef>
-              <a:buFontTx/>
-              <a:buBlip>
-                <a:blip r:embed="rId2"/>
-              </a:buBlip>
-              <a:defRPr sz="2000" kern="1200">
-                <a:solidFill>
-                  <a:schemeClr val="tx1"/>
-                </a:solidFill>
-                <a:latin typeface="Segoe UI Light" panose="020B0502040204020203" pitchFamily="34" charset="0"/>
-                <a:ea typeface="+mn-ea"/>
-                <a:cs typeface="Segoe UI Light" panose="020B0502040204020203" pitchFamily="34" charset="0"/>
-              </a:defRPr>
-            </a:lvl3pPr>
-            <a:lvl4pPr marL="1600200" indent="-228600" algn="l" defTabSz="914400" rtl="0" eaLnBrk="1" latinLnBrk="0" hangingPunct="1">
-              <a:lnSpc>
-                <a:spcPct val="90000"/>
-              </a:lnSpc>
-              <a:spcBef>
-                <a:spcPts val="500"/>
-              </a:spcBef>
-              <a:buFontTx/>
-              <a:buBlip>
-                <a:blip r:embed="rId2"/>
-              </a:buBlip>
-              <a:defRPr sz="1800" kern="1200">
-                <a:solidFill>
-                  <a:schemeClr val="tx1"/>
-                </a:solidFill>
-                <a:latin typeface="Segoe UI Light" panose="020B0502040204020203" pitchFamily="34" charset="0"/>
-                <a:ea typeface="+mn-ea"/>
-                <a:cs typeface="Segoe UI Light" panose="020B0502040204020203" pitchFamily="34" charset="0"/>
-              </a:defRPr>
-            </a:lvl4pPr>
-            <a:lvl5pPr marL="2057400" indent="-228600" algn="l" defTabSz="914400" rtl="0" eaLnBrk="1" latinLnBrk="0" hangingPunct="1">
-              <a:lnSpc>
-                <a:spcPct val="90000"/>
-              </a:lnSpc>
-              <a:spcBef>
-                <a:spcPts val="500"/>
-              </a:spcBef>
-              <a:buFontTx/>
-              <a:buBlip>
-                <a:blip r:embed="rId2"/>
-              </a:buBlip>
-              <a:defRPr sz="1800" kern="1200">
-                <a:solidFill>
-                  <a:schemeClr val="tx1"/>
-                </a:solidFill>
-                <a:latin typeface="Segoe UI Light" panose="020B0502040204020203" pitchFamily="34" charset="0"/>
-                <a:ea typeface="+mn-ea"/>
-                <a:cs typeface="Segoe UI Light" panose="020B0502040204020203" pitchFamily="34" charset="0"/>
-              </a:defRPr>
-            </a:lvl5pPr>
-            <a:lvl6pPr marL="2514600" indent="-228600" algn="l" defTabSz="914400" rtl="0" eaLnBrk="1" latinLnBrk="0" hangingPunct="1">
-              <a:lnSpc>
-                <a:spcPct val="90000"/>
-              </a:lnSpc>
-              <a:spcBef>
-                <a:spcPts val="500"/>
-              </a:spcBef>
-              <a:buFont typeface="Arial" panose="020B0604020202020204" pitchFamily="34" charset="0"/>
-              <a:buChar char="•"/>
-              <a:defRPr sz="1800" kern="1200">
-                <a:solidFill>
-                  <a:schemeClr val="tx1"/>
-                </a:solidFill>
-                <a:latin typeface="+mn-lt"/>
-                <a:ea typeface="+mn-ea"/>
-                <a:cs typeface="+mn-cs"/>
-              </a:defRPr>
-            </a:lvl6pPr>
-            <a:lvl7pPr marL="2971800" indent="-228600" algn="l" defTabSz="914400" rtl="0" eaLnBrk="1" latinLnBrk="0" hangingPunct="1">
-              <a:lnSpc>
-                <a:spcPct val="90000"/>
-              </a:lnSpc>
-              <a:spcBef>
-                <a:spcPts val="500"/>
-              </a:spcBef>
-              <a:buFont typeface="Arial" panose="020B0604020202020204" pitchFamily="34" charset="0"/>
-              <a:buChar char="•"/>
-              <a:defRPr sz="1800" kern="1200">
-                <a:solidFill>
-                  <a:schemeClr val="tx1"/>
-                </a:solidFill>
-                <a:latin typeface="+mn-lt"/>
-                <a:ea typeface="+mn-ea"/>
-                <a:cs typeface="+mn-cs"/>
-              </a:defRPr>
-            </a:lvl7pPr>
-            <a:lvl8pPr marL="3429000" indent="-228600" algn="l" defTabSz="914400" rtl="0" eaLnBrk="1" latinLnBrk="0" hangingPunct="1">
-              <a:lnSpc>
-                <a:spcPct val="90000"/>
-              </a:lnSpc>
-              <a:spcBef>
-                <a:spcPts val="500"/>
-              </a:spcBef>
-              <a:buFont typeface="Arial" panose="020B0604020202020204" pitchFamily="34" charset="0"/>
-              <a:buChar char="•"/>
-              <a:defRPr sz="1800" kern="1200">
-                <a:solidFill>
-                  <a:schemeClr val="tx1"/>
-                </a:solidFill>
-                <a:latin typeface="+mn-lt"/>
-                <a:ea typeface="+mn-ea"/>
-                <a:cs typeface="+mn-cs"/>
-              </a:defRPr>
-            </a:lvl8pPr>
-            <a:lvl9pPr marL="3886200" indent="-228600" algn="l" defTabSz="914400" rtl="0" eaLnBrk="1" latinLnBrk="0" hangingPunct="1">
-              <a:lnSpc>
-                <a:spcPct val="90000"/>
-              </a:lnSpc>
-              <a:spcBef>
-                <a:spcPts val="500"/>
-              </a:spcBef>
-              <a:buFont typeface="Arial" panose="020B0604020202020204" pitchFamily="34" charset="0"/>
-              <a:buChar char="•"/>
-              <a:defRPr sz="1800" kern="1200">
-                <a:solidFill>
-                  <a:schemeClr val="tx1"/>
-                </a:solidFill>
-                <a:latin typeface="+mn-lt"/>
-                <a:ea typeface="+mn-ea"/>
-                <a:cs typeface="+mn-cs"/>
-              </a:defRPr>
-            </a:lvl9pPr>
-          </a:lstStyle>
-          <a:p>
-            <a:r>
-              <a:rPr lang="en-US" dirty="0"/>
-              <a:t>IoT Developers are not easy to find</a:t>
-            </a:r>
-          </a:p>
-          <a:p>
-            <a:r>
-              <a:rPr lang="en-US" dirty="0"/>
-              <a:t>Node.js / JavaScript is the fastest growing developer platform today</a:t>
-            </a:r>
-          </a:p>
-        </p:txBody>
-      </p:sp>
-      <p:pic>
-        <p:nvPicPr>
-          <p:cNvPr id="8" name="Picture 2" descr="Image result for javascript logo"/>
-          <p:cNvPicPr>
-            <a:picLocks noChangeAspect="1" noChangeArrowheads="1"/>
-          </p:cNvPicPr>
-          <p:nvPr/>
-        </p:nvPicPr>
-        <p:blipFill>
-          <a:blip r:embed="rId3">
-            <a:extLst>
-              <a:ext uri="{28A0092B-C50C-407E-A947-70E740481C1C}">
-                <a14:useLocalDpi xmlns:a14="http://schemas.microsoft.com/office/drawing/2010/main" val="0"/>
-              </a:ext>
-            </a:extLst>
-          </a:blip>
-          <a:srcRect/>
-          <a:stretch>
-            <a:fillRect/>
-          </a:stretch>
-        </p:blipFill>
-        <p:spPr bwMode="auto">
-          <a:xfrm>
-            <a:off x="4018627" y="1558795"/>
-            <a:ext cx="4154746" cy="2335718"/>
-          </a:xfrm>
-          <a:prstGeom prst="rect">
-            <a:avLst/>
-          </a:prstGeom>
-          <a:noFill/>
-          <a:extLst>
-            <a:ext uri="{909E8E84-426E-40DD-AFC4-6F175D3DCCD1}">
-              <a14:hiddenFill xmlns:a14="http://schemas.microsoft.com/office/drawing/2010/main">
-                <a:solidFill>
-                  <a:srgbClr val="FFFFFF"/>
-                </a:solidFill>
-              </a14:hiddenFill>
-            </a:ext>
-          </a:extLst>
-        </p:spPr>
-      </p:pic>
-    </p:spTree>
-    <p:extLst>
-      <p:ext uri="{BB962C8B-B14F-4D97-AF65-F5344CB8AC3E}">
-        <p14:creationId xmlns:p14="http://schemas.microsoft.com/office/powerpoint/2010/main" val="3384641157"/>
       </p:ext>
     </p:extLst>
   </p:cSld>
@@ -14873,6 +14811,312 @@
           <a:p>
             <a:r>
               <a:rPr lang="sv-SE" dirty="0" err="1"/>
+              <a:t>Why</a:t>
+            </a:r>
+            <a:r>
+              <a:rPr lang="sv-SE" dirty="0"/>
+              <a:t> is JavaScript?</a:t>
+            </a:r>
+          </a:p>
+        </p:txBody>
+      </p:sp>
+      <p:sp>
+        <p:nvSpPr>
+          <p:cNvPr id="5" name="Content Placeholder 4"/>
+          <p:cNvSpPr txBox="1">
+            <a:spLocks/>
+          </p:cNvSpPr>
+          <p:nvPr/>
+        </p:nvSpPr>
+        <p:spPr>
+          <a:xfrm>
+            <a:off x="1106214" y="4239196"/>
+            <a:ext cx="10515600" cy="2234646"/>
+          </a:xfrm>
+          <a:prstGeom prst="rect">
+            <a:avLst/>
+          </a:prstGeom>
+        </p:spPr>
+        <p:txBody>
+          <a:bodyPr vert="horz" lIns="91440" tIns="45720" rIns="91440" bIns="45720" rtlCol="0">
+            <a:normAutofit/>
+          </a:bodyPr>
+          <a:lstStyle>
+            <a:lvl1pPr marL="228600" indent="-228600" algn="l" defTabSz="914400" rtl="0" eaLnBrk="1" latinLnBrk="0" hangingPunct="1">
+              <a:lnSpc>
+                <a:spcPct val="90000"/>
+              </a:lnSpc>
+              <a:spcBef>
+                <a:spcPts val="1000"/>
+              </a:spcBef>
+              <a:buFontTx/>
+              <a:buBlip>
+                <a:blip r:embed="rId2"/>
+              </a:buBlip>
+              <a:defRPr sz="2800" kern="1200">
+                <a:solidFill>
+                  <a:schemeClr val="tx1"/>
+                </a:solidFill>
+                <a:latin typeface="Segoe UI Light" panose="020B0502040204020203" pitchFamily="34" charset="0"/>
+                <a:ea typeface="+mn-ea"/>
+                <a:cs typeface="Segoe UI Light" panose="020B0502040204020203" pitchFamily="34" charset="0"/>
+              </a:defRPr>
+            </a:lvl1pPr>
+            <a:lvl2pPr marL="685800" indent="-228600" algn="l" defTabSz="914400" rtl="0" eaLnBrk="1" latinLnBrk="0" hangingPunct="1">
+              <a:lnSpc>
+                <a:spcPct val="90000"/>
+              </a:lnSpc>
+              <a:spcBef>
+                <a:spcPts val="500"/>
+              </a:spcBef>
+              <a:buFontTx/>
+              <a:buBlip>
+                <a:blip r:embed="rId2"/>
+              </a:buBlip>
+              <a:defRPr sz="2400" kern="1200">
+                <a:solidFill>
+                  <a:schemeClr val="tx1"/>
+                </a:solidFill>
+                <a:latin typeface="Segoe UI Light" panose="020B0502040204020203" pitchFamily="34" charset="0"/>
+                <a:ea typeface="+mn-ea"/>
+                <a:cs typeface="Segoe UI Light" panose="020B0502040204020203" pitchFamily="34" charset="0"/>
+              </a:defRPr>
+            </a:lvl2pPr>
+            <a:lvl3pPr marL="1143000" indent="-228600" algn="l" defTabSz="914400" rtl="0" eaLnBrk="1" latinLnBrk="0" hangingPunct="1">
+              <a:lnSpc>
+                <a:spcPct val="90000"/>
+              </a:lnSpc>
+              <a:spcBef>
+                <a:spcPts val="500"/>
+              </a:spcBef>
+              <a:buFontTx/>
+              <a:buBlip>
+                <a:blip r:embed="rId2"/>
+              </a:buBlip>
+              <a:defRPr sz="2000" kern="1200">
+                <a:solidFill>
+                  <a:schemeClr val="tx1"/>
+                </a:solidFill>
+                <a:latin typeface="Segoe UI Light" panose="020B0502040204020203" pitchFamily="34" charset="0"/>
+                <a:ea typeface="+mn-ea"/>
+                <a:cs typeface="Segoe UI Light" panose="020B0502040204020203" pitchFamily="34" charset="0"/>
+              </a:defRPr>
+            </a:lvl3pPr>
+            <a:lvl4pPr marL="1600200" indent="-228600" algn="l" defTabSz="914400" rtl="0" eaLnBrk="1" latinLnBrk="0" hangingPunct="1">
+              <a:lnSpc>
+                <a:spcPct val="90000"/>
+              </a:lnSpc>
+              <a:spcBef>
+                <a:spcPts val="500"/>
+              </a:spcBef>
+              <a:buFontTx/>
+              <a:buBlip>
+                <a:blip r:embed="rId2"/>
+              </a:buBlip>
+              <a:defRPr sz="1800" kern="1200">
+                <a:solidFill>
+                  <a:schemeClr val="tx1"/>
+                </a:solidFill>
+                <a:latin typeface="Segoe UI Light" panose="020B0502040204020203" pitchFamily="34" charset="0"/>
+                <a:ea typeface="+mn-ea"/>
+                <a:cs typeface="Segoe UI Light" panose="020B0502040204020203" pitchFamily="34" charset="0"/>
+              </a:defRPr>
+            </a:lvl4pPr>
+            <a:lvl5pPr marL="2057400" indent="-228600" algn="l" defTabSz="914400" rtl="0" eaLnBrk="1" latinLnBrk="0" hangingPunct="1">
+              <a:lnSpc>
+                <a:spcPct val="90000"/>
+              </a:lnSpc>
+              <a:spcBef>
+                <a:spcPts val="500"/>
+              </a:spcBef>
+              <a:buFontTx/>
+              <a:buBlip>
+                <a:blip r:embed="rId2"/>
+              </a:buBlip>
+              <a:defRPr sz="1800" kern="1200">
+                <a:solidFill>
+                  <a:schemeClr val="tx1"/>
+                </a:solidFill>
+                <a:latin typeface="Segoe UI Light" panose="020B0502040204020203" pitchFamily="34" charset="0"/>
+                <a:ea typeface="+mn-ea"/>
+                <a:cs typeface="Segoe UI Light" panose="020B0502040204020203" pitchFamily="34" charset="0"/>
+              </a:defRPr>
+            </a:lvl5pPr>
+            <a:lvl6pPr marL="2514600" indent="-228600" algn="l" defTabSz="914400" rtl="0" eaLnBrk="1" latinLnBrk="0" hangingPunct="1">
+              <a:lnSpc>
+                <a:spcPct val="90000"/>
+              </a:lnSpc>
+              <a:spcBef>
+                <a:spcPts val="500"/>
+              </a:spcBef>
+              <a:buFont typeface="Arial" panose="020B0604020202020204" pitchFamily="34" charset="0"/>
+              <a:buChar char="•"/>
+              <a:defRPr sz="1800" kern="1200">
+                <a:solidFill>
+                  <a:schemeClr val="tx1"/>
+                </a:solidFill>
+                <a:latin typeface="+mn-lt"/>
+                <a:ea typeface="+mn-ea"/>
+                <a:cs typeface="+mn-cs"/>
+              </a:defRPr>
+            </a:lvl6pPr>
+            <a:lvl7pPr marL="2971800" indent="-228600" algn="l" defTabSz="914400" rtl="0" eaLnBrk="1" latinLnBrk="0" hangingPunct="1">
+              <a:lnSpc>
+                <a:spcPct val="90000"/>
+              </a:lnSpc>
+              <a:spcBef>
+                <a:spcPts val="500"/>
+              </a:spcBef>
+              <a:buFont typeface="Arial" panose="020B0604020202020204" pitchFamily="34" charset="0"/>
+              <a:buChar char="•"/>
+              <a:defRPr sz="1800" kern="1200">
+                <a:solidFill>
+                  <a:schemeClr val="tx1"/>
+                </a:solidFill>
+                <a:latin typeface="+mn-lt"/>
+                <a:ea typeface="+mn-ea"/>
+                <a:cs typeface="+mn-cs"/>
+              </a:defRPr>
+            </a:lvl7pPr>
+            <a:lvl8pPr marL="3429000" indent="-228600" algn="l" defTabSz="914400" rtl="0" eaLnBrk="1" latinLnBrk="0" hangingPunct="1">
+              <a:lnSpc>
+                <a:spcPct val="90000"/>
+              </a:lnSpc>
+              <a:spcBef>
+                <a:spcPts val="500"/>
+              </a:spcBef>
+              <a:buFont typeface="Arial" panose="020B0604020202020204" pitchFamily="34" charset="0"/>
+              <a:buChar char="•"/>
+              <a:defRPr sz="1800" kern="1200">
+                <a:solidFill>
+                  <a:schemeClr val="tx1"/>
+                </a:solidFill>
+                <a:latin typeface="+mn-lt"/>
+                <a:ea typeface="+mn-ea"/>
+                <a:cs typeface="+mn-cs"/>
+              </a:defRPr>
+            </a:lvl8pPr>
+            <a:lvl9pPr marL="3886200" indent="-228600" algn="l" defTabSz="914400" rtl="0" eaLnBrk="1" latinLnBrk="0" hangingPunct="1">
+              <a:lnSpc>
+                <a:spcPct val="90000"/>
+              </a:lnSpc>
+              <a:spcBef>
+                <a:spcPts val="500"/>
+              </a:spcBef>
+              <a:buFont typeface="Arial" panose="020B0604020202020204" pitchFamily="34" charset="0"/>
+              <a:buChar char="•"/>
+              <a:defRPr sz="1800" kern="1200">
+                <a:solidFill>
+                  <a:schemeClr val="tx1"/>
+                </a:solidFill>
+                <a:latin typeface="+mn-lt"/>
+                <a:ea typeface="+mn-ea"/>
+                <a:cs typeface="+mn-cs"/>
+              </a:defRPr>
+            </a:lvl9pPr>
+          </a:lstStyle>
+          <a:p>
+            <a:r>
+              <a:rPr lang="en-US" dirty="0"/>
+              <a:t>IoT Developers are not easy to find</a:t>
+            </a:r>
+          </a:p>
+          <a:p>
+            <a:r>
+              <a:rPr lang="en-US" dirty="0"/>
+              <a:t>Node.js / JavaScript is the fastest growing developer platform today</a:t>
+            </a:r>
+          </a:p>
+        </p:txBody>
+      </p:sp>
+      <p:pic>
+        <p:nvPicPr>
+          <p:cNvPr id="8" name="Picture 2" descr="Image result for javascript logo"/>
+          <p:cNvPicPr>
+            <a:picLocks noChangeAspect="1" noChangeArrowheads="1"/>
+          </p:cNvPicPr>
+          <p:nvPr/>
+        </p:nvPicPr>
+        <p:blipFill>
+          <a:blip r:embed="rId3">
+            <a:extLst>
+              <a:ext uri="{28A0092B-C50C-407E-A947-70E740481C1C}">
+                <a14:useLocalDpi xmlns:a14="http://schemas.microsoft.com/office/drawing/2010/main" val="0"/>
+              </a:ext>
+            </a:extLst>
+          </a:blip>
+          <a:srcRect/>
+          <a:stretch>
+            <a:fillRect/>
+          </a:stretch>
+        </p:blipFill>
+        <p:spPr bwMode="auto">
+          <a:xfrm>
+            <a:off x="4018627" y="1558795"/>
+            <a:ext cx="4154746" cy="2335718"/>
+          </a:xfrm>
+          <a:prstGeom prst="rect">
+            <a:avLst/>
+          </a:prstGeom>
+          <a:noFill/>
+          <a:extLst>
+            <a:ext uri="{909E8E84-426E-40DD-AFC4-6F175D3DCCD1}">
+              <a14:hiddenFill xmlns:a14="http://schemas.microsoft.com/office/drawing/2010/main">
+                <a:solidFill>
+                  <a:srgbClr val="FFFFFF"/>
+                </a:solidFill>
+              </a14:hiddenFill>
+            </a:ext>
+          </a:extLst>
+        </p:spPr>
+      </p:pic>
+    </p:spTree>
+    <p:extLst>
+      <p:ext uri="{BB962C8B-B14F-4D97-AF65-F5344CB8AC3E}">
+        <p14:creationId xmlns:p14="http://schemas.microsoft.com/office/powerpoint/2010/main" val="3384641157"/>
+      </p:ext>
+    </p:extLst>
+  </p:cSld>
+  <p:clrMapOvr>
+    <a:masterClrMapping/>
+  </p:clrMapOvr>
+</p:sld>
+</file>
+
+<file path=ppt/slides/slide15.xml><?xml version="1.0" encoding="utf-8"?>
+<p:sld xmlns:a="http://schemas.openxmlformats.org/drawingml/2006/main" xmlns:r="http://schemas.openxmlformats.org/officeDocument/2006/relationships" xmlns:p="http://schemas.openxmlformats.org/presentationml/2006/main">
+  <p:cSld>
+    <p:spTree>
+      <p:nvGrpSpPr>
+        <p:cNvPr id="1" name=""/>
+        <p:cNvGrpSpPr/>
+        <p:nvPr/>
+      </p:nvGrpSpPr>
+      <p:grpSpPr>
+        <a:xfrm>
+          <a:off x="0" y="0"/>
+          <a:ext cx="0" cy="0"/>
+          <a:chOff x="0" y="0"/>
+          <a:chExt cx="0" cy="0"/>
+        </a:xfrm>
+      </p:grpSpPr>
+      <p:sp>
+        <p:nvSpPr>
+          <p:cNvPr id="2" name="Title 1"/>
+          <p:cNvSpPr>
+            <a:spLocks noGrp="1"/>
+          </p:cNvSpPr>
+          <p:nvPr>
+            <p:ph type="title"/>
+          </p:nvPr>
+        </p:nvSpPr>
+        <p:spPr/>
+        <p:txBody>
+          <a:bodyPr/>
+          <a:lstStyle/>
+          <a:p>
+            <a:r>
+              <a:rPr lang="sv-SE" dirty="0" err="1"/>
               <a:t>What</a:t>
             </a:r>
             <a:r>
@@ -14986,7 +15230,7 @@
 </p:sld>
 </file>
 
-<file path=ppt/slides/slide15.xml><?xml version="1.0" encoding="utf-8"?>
+<file path=ppt/slides/slide16.xml><?xml version="1.0" encoding="utf-8"?>
 <p:sld xmlns:a="http://schemas.openxmlformats.org/drawingml/2006/main" xmlns:r="http://schemas.openxmlformats.org/officeDocument/2006/relationships" xmlns:p="http://schemas.openxmlformats.org/presentationml/2006/main">
   <p:cSld>
     <p:spTree>
@@ -16881,7 +17125,7 @@
 </p:sld>
 </file>
 
-<file path=ppt/slides/slide16.xml><?xml version="1.0" encoding="utf-8"?>
+<file path=ppt/slides/slide17.xml><?xml version="1.0" encoding="utf-8"?>
 <p:sld xmlns:a="http://schemas.openxmlformats.org/drawingml/2006/main" xmlns:r="http://schemas.openxmlformats.org/officeDocument/2006/relationships" xmlns:p="http://schemas.openxmlformats.org/presentationml/2006/main">
   <p:cSld>
     <p:spTree>
@@ -17151,141 +17395,6 @@
 </p:sld>
 </file>
 
-<file path=ppt/slides/slide17.xml><?xml version="1.0" encoding="utf-8"?>
-<p:sld xmlns:a="http://schemas.openxmlformats.org/drawingml/2006/main" xmlns:r="http://schemas.openxmlformats.org/officeDocument/2006/relationships" xmlns:p="http://schemas.openxmlformats.org/presentationml/2006/main">
-  <p:cSld>
-    <p:spTree>
-      <p:nvGrpSpPr>
-        <p:cNvPr id="1" name=""/>
-        <p:cNvGrpSpPr/>
-        <p:nvPr/>
-      </p:nvGrpSpPr>
-      <p:grpSpPr>
-        <a:xfrm>
-          <a:off x="0" y="0"/>
-          <a:ext cx="0" cy="0"/>
-          <a:chOff x="0" y="0"/>
-          <a:chExt cx="0" cy="0"/>
-        </a:xfrm>
-      </p:grpSpPr>
-      <p:sp>
-        <p:nvSpPr>
-          <p:cNvPr id="2" name="Title 1"/>
-          <p:cNvSpPr>
-            <a:spLocks noGrp="1"/>
-          </p:cNvSpPr>
-          <p:nvPr>
-            <p:ph type="title"/>
-          </p:nvPr>
-        </p:nvSpPr>
-        <p:spPr/>
-        <p:txBody>
-          <a:bodyPr/>
-          <a:lstStyle/>
-          <a:p>
-            <a:r>
-              <a:rPr lang="sv-SE" dirty="0"/>
-              <a:t>JavaScript Syntax</a:t>
-            </a:r>
-          </a:p>
-        </p:txBody>
-      </p:sp>
-      <p:sp>
-        <p:nvSpPr>
-          <p:cNvPr id="3" name="Content Placeholder 2"/>
-          <p:cNvSpPr>
-            <a:spLocks noGrp="1"/>
-          </p:cNvSpPr>
-          <p:nvPr>
-            <p:ph idx="1"/>
-          </p:nvPr>
-        </p:nvSpPr>
-        <p:spPr>
-          <a:xfrm>
-            <a:off x="3838575" y="1854200"/>
-            <a:ext cx="8515350" cy="4351338"/>
-          </a:xfrm>
-        </p:spPr>
-        <p:txBody>
-          <a:bodyPr/>
-          <a:lstStyle/>
-          <a:p>
-            <a:r>
-              <a:rPr lang="sv-SE" sz="3200" dirty="0" err="1"/>
-              <a:t>Values</a:t>
-            </a:r>
-            <a:r>
-              <a:rPr lang="sv-SE" sz="3200" dirty="0"/>
-              <a:t> and </a:t>
-            </a:r>
-            <a:r>
-              <a:rPr lang="sv-SE" sz="3200" dirty="0" err="1"/>
-              <a:t>Types</a:t>
-            </a:r>
-            <a:endParaRPr lang="sv-SE" sz="3200" dirty="0"/>
-          </a:p>
-          <a:p>
-            <a:r>
-              <a:rPr lang="sv-SE" sz="3200" dirty="0"/>
-              <a:t>Operators</a:t>
-            </a:r>
-          </a:p>
-          <a:p>
-            <a:r>
-              <a:rPr lang="sv-SE" sz="3200" dirty="0" err="1"/>
-              <a:t>Variables</a:t>
-            </a:r>
-            <a:r>
-              <a:rPr lang="sv-SE" sz="3200" dirty="0"/>
-              <a:t> and Blocks</a:t>
-            </a:r>
-          </a:p>
-          <a:p>
-            <a:r>
-              <a:rPr lang="sv-SE" sz="3200" dirty="0" err="1"/>
-              <a:t>Conditional</a:t>
-            </a:r>
-            <a:r>
-              <a:rPr lang="sv-SE" sz="3200" dirty="0"/>
-              <a:t> </a:t>
-            </a:r>
-            <a:r>
-              <a:rPr lang="sv-SE" sz="3200" dirty="0" err="1"/>
-              <a:t>statemets</a:t>
-            </a:r>
-            <a:endParaRPr lang="sv-SE" sz="3200" dirty="0"/>
-          </a:p>
-          <a:p>
-            <a:r>
-              <a:rPr lang="sv-SE" sz="3200" dirty="0"/>
-              <a:t>Loops</a:t>
-            </a:r>
-          </a:p>
-          <a:p>
-            <a:r>
-              <a:rPr lang="sv-SE" sz="3200" dirty="0" err="1"/>
-              <a:t>Functions</a:t>
-            </a:r>
-            <a:endParaRPr lang="sv-SE" sz="3200" dirty="0"/>
-          </a:p>
-          <a:p>
-            <a:endParaRPr lang="sv-SE" dirty="0"/>
-          </a:p>
-        </p:txBody>
-      </p:sp>
-    </p:spTree>
-    <p:extLst>
-      <p:ext uri="{BB962C8B-B14F-4D97-AF65-F5344CB8AC3E}">
-        <p14:creationId xmlns:p14="http://schemas.microsoft.com/office/powerpoint/2010/main" val="1046888011"/>
-      </p:ext>
-    </p:extLst>
-  </p:cSld>
-  <p:clrMapOvr>
-    <a:masterClrMapping/>
-  </p:clrMapOvr>
-</p:sld>
-</file>
-
 <file path=ppt/slides/slide18.xml><?xml version="1.0" encoding="utf-8"?>
 <p:sld xmlns:a="http://schemas.openxmlformats.org/drawingml/2006/main" xmlns:r="http://schemas.openxmlformats.org/officeDocument/2006/relationships" xmlns:p="http://schemas.openxmlformats.org/presentationml/2006/main">
   <p:cSld>
@@ -17320,21 +17429,8 @@
           <a:p>
             <a:r>
               <a:rPr lang="sv-SE" dirty="0"/>
-              <a:t>JavaScript – </a:t>
-            </a:r>
-            <a:r>
-              <a:rPr lang="sv-SE" dirty="0" err="1"/>
-              <a:t>Values</a:t>
-            </a:r>
-            <a:r>
-              <a:rPr lang="sv-SE" dirty="0"/>
-              <a:t> and </a:t>
-            </a:r>
-            <a:r>
-              <a:rPr lang="sv-SE" dirty="0" err="1"/>
-              <a:t>Types</a:t>
-            </a:r>
-            <a:endParaRPr lang="sv-SE" dirty="0"/>
+              <a:t>JavaScript Syntax</a:t>
+            </a:r>
           </a:p>
         </p:txBody>
       </p:sp>
@@ -17350,89 +17446,81 @@
         </p:nvSpPr>
         <p:spPr>
           <a:xfrm>
-            <a:off x="1066800" y="1825625"/>
-            <a:ext cx="10286999" cy="4351338"/>
+            <a:off x="3838575" y="1854200"/>
+            <a:ext cx="8515350" cy="4351338"/>
           </a:xfrm>
         </p:spPr>
         <p:txBody>
-          <a:bodyPr>
-            <a:normAutofit/>
-          </a:bodyPr>
+          <a:bodyPr/>
           <a:lstStyle/>
           <a:p>
             <a:r>
-              <a:rPr lang="en-US" dirty="0"/>
-              <a:t>Primitive values</a:t>
-            </a:r>
-          </a:p>
-          <a:p>
-            <a:pPr lvl="1"/>
-            <a:r>
-              <a:rPr lang="en-US" dirty="0"/>
-              <a:t>Boolean</a:t>
-            </a:r>
-          </a:p>
-          <a:p>
-            <a:pPr lvl="1"/>
-            <a:r>
-              <a:rPr lang="en-US" dirty="0"/>
-              <a:t>Number</a:t>
-            </a:r>
-          </a:p>
-          <a:p>
-            <a:pPr lvl="1"/>
-            <a:r>
-              <a:rPr lang="en-US" dirty="0"/>
-              <a:t>String</a:t>
-            </a:r>
-          </a:p>
-          <a:p>
-            <a:pPr lvl="1"/>
-            <a:r>
-              <a:rPr lang="en-US" dirty="0"/>
-              <a:t>Null</a:t>
-            </a:r>
-          </a:p>
-          <a:p>
-            <a:pPr lvl="1"/>
-            <a:r>
-              <a:rPr lang="en-US" dirty="0"/>
-              <a:t>Undefined</a:t>
-            </a:r>
-          </a:p>
-          <a:p>
-            <a:r>
-              <a:rPr lang="en-US" dirty="0"/>
-              <a:t>Objects (Functions)</a:t>
-            </a:r>
-          </a:p>
-          <a:p>
-            <a:pPr lvl="1"/>
-            <a:r>
-              <a:rPr lang="en-US" dirty="0"/>
-              <a:t>Date</a:t>
-            </a:r>
-          </a:p>
-          <a:p>
-            <a:pPr lvl="1"/>
-            <a:r>
-              <a:rPr lang="en-US" dirty="0"/>
-              <a:t>Structured data</a:t>
-            </a:r>
-          </a:p>
-          <a:p>
-            <a:pPr lvl="1"/>
-            <a:r>
-              <a:rPr lang="en-US" dirty="0"/>
-              <a:t>Collections</a:t>
-            </a:r>
+              <a:rPr lang="sv-SE" sz="3200" dirty="0" err="1"/>
+              <a:t>Values</a:t>
+            </a:r>
+            <a:r>
+              <a:rPr lang="sv-SE" sz="3200" dirty="0"/>
+              <a:t> and </a:t>
+            </a:r>
+            <a:r>
+              <a:rPr lang="sv-SE" sz="3200" dirty="0" err="1"/>
+              <a:t>Types</a:t>
+            </a:r>
+            <a:endParaRPr lang="sv-SE" sz="3200" dirty="0"/>
+          </a:p>
+          <a:p>
+            <a:r>
+              <a:rPr lang="sv-SE" sz="3200" dirty="0"/>
+              <a:t>Operators</a:t>
+            </a:r>
+          </a:p>
+          <a:p>
+            <a:r>
+              <a:rPr lang="sv-SE" sz="3200" dirty="0" err="1"/>
+              <a:t>Variables</a:t>
+            </a:r>
+            <a:r>
+              <a:rPr lang="sv-SE" sz="3200" dirty="0"/>
+              <a:t> and Blocks</a:t>
+            </a:r>
+          </a:p>
+          <a:p>
+            <a:r>
+              <a:rPr lang="sv-SE" sz="3200" dirty="0" err="1"/>
+              <a:t>Conditional</a:t>
+            </a:r>
+            <a:r>
+              <a:rPr lang="sv-SE" sz="3200" dirty="0"/>
+              <a:t> </a:t>
+            </a:r>
+            <a:r>
+              <a:rPr lang="sv-SE" sz="3200" dirty="0" err="1"/>
+              <a:t>statemets</a:t>
+            </a:r>
+            <a:endParaRPr lang="sv-SE" sz="3200" dirty="0"/>
+          </a:p>
+          <a:p>
+            <a:r>
+              <a:rPr lang="sv-SE" sz="3200" dirty="0"/>
+              <a:t>Loops</a:t>
+            </a:r>
+          </a:p>
+          <a:p>
+            <a:r>
+              <a:rPr lang="sv-SE" sz="3200" dirty="0" err="1"/>
+              <a:t>Functions</a:t>
+            </a:r>
+            <a:endParaRPr lang="sv-SE" sz="3200" dirty="0"/>
+          </a:p>
+          <a:p>
+            <a:endParaRPr lang="sv-SE" dirty="0"/>
           </a:p>
         </p:txBody>
       </p:sp>
     </p:spTree>
     <p:extLst>
       <p:ext uri="{BB962C8B-B14F-4D97-AF65-F5344CB8AC3E}">
-        <p14:creationId xmlns:p14="http://schemas.microsoft.com/office/powerpoint/2010/main" val="1662059493"/>
+        <p14:creationId xmlns:p14="http://schemas.microsoft.com/office/powerpoint/2010/main" val="1046888011"/>
       </p:ext>
     </p:extLst>
   </p:cSld>
@@ -17475,9 +17563,22 @@
           <a:lstStyle/>
           <a:p>
             <a:r>
-              <a:rPr lang="en-US" dirty="0"/>
-              <a:t>JavaScript – Values and Types</a:t>
-            </a:r>
+              <a:rPr lang="sv-SE" dirty="0"/>
+              <a:t>JavaScript – </a:t>
+            </a:r>
+            <a:r>
+              <a:rPr lang="sv-SE" dirty="0" err="1"/>
+              <a:t>Values</a:t>
+            </a:r>
+            <a:r>
+              <a:rPr lang="sv-SE" dirty="0"/>
+              <a:t> and </a:t>
+            </a:r>
+            <a:r>
+              <a:rPr lang="sv-SE" dirty="0" err="1"/>
+              <a:t>Types</a:t>
+            </a:r>
+            <a:endParaRPr lang="sv-SE" dirty="0"/>
           </a:p>
         </p:txBody>
       </p:sp>
@@ -17493,8 +17594,8 @@
         </p:nvSpPr>
         <p:spPr>
           <a:xfrm>
-            <a:off x="838200" y="2396290"/>
-            <a:ext cx="10515600" cy="3547312"/>
+            <a:off x="1066800" y="1825625"/>
+            <a:ext cx="10286999" cy="4351338"/>
           </a:xfrm>
         </p:spPr>
         <p:txBody>
@@ -17503,217 +17604,79 @@
           </a:bodyPr>
           <a:lstStyle/>
           <a:p>
-            <a:pPr marL="0" indent="0">
-              <a:buNone/>
-            </a:pPr>
             <a:r>
               <a:rPr lang="en-US" dirty="0"/>
-              <a:t>Structured data: JSON</a:t>
-            </a:r>
-          </a:p>
-          <a:p>
-            <a:pPr marL="457200" lvl="1" indent="0">
-              <a:buNone/>
-            </a:pPr>
-            <a:r>
-              <a:rPr lang="sv-SE" dirty="0">
-                <a:solidFill>
-                  <a:srgbClr val="0000FF"/>
-                </a:solidFill>
-                <a:latin typeface="Consolas" panose="020B0609020204030204" pitchFamily="49" charset="0"/>
-              </a:rPr>
-              <a:t>var</a:t>
-            </a:r>
-            <a:r>
-              <a:rPr lang="sv-SE" dirty="0">
-                <a:solidFill>
-                  <a:srgbClr val="000000"/>
-                </a:solidFill>
-                <a:latin typeface="Consolas" panose="020B0609020204030204" pitchFamily="49" charset="0"/>
-              </a:rPr>
-              <a:t> </a:t>
-            </a:r>
-            <a:r>
-              <a:rPr lang="sv-SE" dirty="0" err="1">
-                <a:solidFill>
-                  <a:srgbClr val="000000"/>
-                </a:solidFill>
-                <a:latin typeface="Consolas" panose="020B0609020204030204" pitchFamily="49" charset="0"/>
-              </a:rPr>
-              <a:t>user</a:t>
-            </a:r>
-            <a:r>
-              <a:rPr lang="sv-SE" dirty="0">
-                <a:solidFill>
-                  <a:srgbClr val="000000"/>
-                </a:solidFill>
-                <a:latin typeface="Consolas" panose="020B0609020204030204" pitchFamily="49" charset="0"/>
-              </a:rPr>
-              <a:t> = {</a:t>
-            </a:r>
-          </a:p>
-          <a:p>
-            <a:pPr marL="457200" lvl="1" indent="0">
-              <a:buNone/>
-            </a:pPr>
-            <a:r>
-              <a:rPr lang="sv-SE" dirty="0">
-                <a:solidFill>
-                  <a:srgbClr val="000000"/>
-                </a:solidFill>
-                <a:latin typeface="Consolas" panose="020B0609020204030204" pitchFamily="49" charset="0"/>
-              </a:rPr>
-              <a:t>    id: 1,</a:t>
-            </a:r>
-          </a:p>
-          <a:p>
-            <a:pPr marL="457200" lvl="1" indent="0">
-              <a:buNone/>
-            </a:pPr>
-            <a:r>
-              <a:rPr lang="sv-SE" dirty="0">
-                <a:solidFill>
-                  <a:srgbClr val="000000"/>
-                </a:solidFill>
-                <a:latin typeface="Consolas" panose="020B0609020204030204" pitchFamily="49" charset="0"/>
-              </a:rPr>
-              <a:t>    </a:t>
-            </a:r>
-            <a:r>
-              <a:rPr lang="sv-SE" dirty="0" err="1">
-                <a:solidFill>
-                  <a:srgbClr val="000000"/>
-                </a:solidFill>
-                <a:latin typeface="Consolas" panose="020B0609020204030204" pitchFamily="49" charset="0"/>
-              </a:rPr>
-              <a:t>firstName</a:t>
-            </a:r>
-            <a:r>
-              <a:rPr lang="sv-SE" dirty="0">
-                <a:solidFill>
-                  <a:srgbClr val="000000"/>
-                </a:solidFill>
-                <a:latin typeface="Consolas" panose="020B0609020204030204" pitchFamily="49" charset="0"/>
-              </a:rPr>
-              <a:t>: </a:t>
-            </a:r>
-            <a:r>
-              <a:rPr lang="sv-SE" dirty="0">
-                <a:solidFill>
-                  <a:srgbClr val="A31515"/>
-                </a:solidFill>
-                <a:latin typeface="Consolas" panose="020B0609020204030204" pitchFamily="49" charset="0"/>
-              </a:rPr>
-              <a:t>'Jim'</a:t>
-            </a:r>
-            <a:r>
-              <a:rPr lang="sv-SE" dirty="0">
-                <a:solidFill>
-                  <a:srgbClr val="000000"/>
-                </a:solidFill>
-                <a:latin typeface="Consolas" panose="020B0609020204030204" pitchFamily="49" charset="0"/>
-              </a:rPr>
-              <a:t>,</a:t>
-            </a:r>
-          </a:p>
-          <a:p>
-            <a:pPr marL="457200" lvl="1" indent="0">
-              <a:buNone/>
-            </a:pPr>
-            <a:r>
-              <a:rPr lang="sv-SE" dirty="0">
-                <a:solidFill>
-                  <a:srgbClr val="000000"/>
-                </a:solidFill>
-                <a:latin typeface="Consolas" panose="020B0609020204030204" pitchFamily="49" charset="0"/>
-              </a:rPr>
-              <a:t>    </a:t>
-            </a:r>
-            <a:r>
-              <a:rPr lang="sv-SE" dirty="0" err="1">
-                <a:solidFill>
-                  <a:srgbClr val="000000"/>
-                </a:solidFill>
-                <a:latin typeface="Consolas" panose="020B0609020204030204" pitchFamily="49" charset="0"/>
-              </a:rPr>
-              <a:t>lastName</a:t>
-            </a:r>
-            <a:r>
-              <a:rPr lang="sv-SE" dirty="0">
-                <a:solidFill>
-                  <a:srgbClr val="000000"/>
-                </a:solidFill>
-                <a:latin typeface="Consolas" panose="020B0609020204030204" pitchFamily="49" charset="0"/>
-              </a:rPr>
-              <a:t>: </a:t>
-            </a:r>
-            <a:r>
-              <a:rPr lang="sv-SE" dirty="0">
-                <a:solidFill>
-                  <a:srgbClr val="A31515"/>
-                </a:solidFill>
-                <a:latin typeface="Consolas" panose="020B0609020204030204" pitchFamily="49" charset="0"/>
-              </a:rPr>
-              <a:t>'Morrison'</a:t>
-            </a:r>
-            <a:endParaRPr lang="sv-SE" dirty="0">
-              <a:solidFill>
-                <a:srgbClr val="000000"/>
-              </a:solidFill>
-              <a:latin typeface="Consolas" panose="020B0609020204030204" pitchFamily="49" charset="0"/>
-            </a:endParaRPr>
-          </a:p>
-          <a:p>
-            <a:pPr marL="457200" lvl="1" indent="0">
-              <a:buNone/>
-            </a:pPr>
-            <a:r>
-              <a:rPr lang="sv-SE" dirty="0">
-                <a:solidFill>
-                  <a:srgbClr val="000000"/>
-                </a:solidFill>
-                <a:latin typeface="Consolas" panose="020B0609020204030204" pitchFamily="49" charset="0"/>
-              </a:rPr>
-              <a:t>};</a:t>
-            </a:r>
+              <a:t>Primitive values</a:t>
+            </a:r>
+          </a:p>
+          <a:p>
+            <a:pPr lvl="1"/>
             <a:r>
               <a:rPr lang="en-US" dirty="0"/>
-              <a:t>ions:</a:t>
-            </a:r>
-          </a:p>
-          <a:p>
+              <a:t>Boolean</a:t>
+            </a:r>
+          </a:p>
+          <a:p>
+            <a:pPr lvl="1"/>
             <a:r>
               <a:rPr lang="en-US" dirty="0"/>
-              <a:t>      </a:t>
-            </a:r>
-            <a:r>
-              <a:rPr lang="da-DK" sz="2400" dirty="0">
-                <a:solidFill>
-                  <a:srgbClr val="0000FF"/>
-                </a:solidFill>
-                <a:latin typeface="Consolas" panose="020B0609020204030204" pitchFamily="49" charset="0"/>
-              </a:rPr>
-              <a:t>var</a:t>
-            </a:r>
-            <a:r>
-              <a:rPr lang="da-DK" sz="2400" dirty="0">
-                <a:solidFill>
-                  <a:srgbClr val="000000"/>
-                </a:solidFill>
-                <a:latin typeface="Consolas" panose="020B0609020204030204" pitchFamily="49" charset="0"/>
-              </a:rPr>
-              <a:t> numbers = [user1, user2, user3, user4];</a:t>
-            </a:r>
-            <a:endParaRPr lang="en-US" sz="2400" dirty="0">
-              <a:latin typeface="Consolas" panose="020B0609020204030204" pitchFamily="49" charset="0"/>
-            </a:endParaRPr>
+              <a:t>Number</a:t>
+            </a:r>
+          </a:p>
+          <a:p>
+            <a:pPr lvl="1"/>
+            <a:r>
+              <a:rPr lang="en-US" dirty="0"/>
+              <a:t>String</a:t>
+            </a:r>
+          </a:p>
+          <a:p>
+            <a:pPr lvl="1"/>
+            <a:r>
+              <a:rPr lang="en-US" dirty="0"/>
+              <a:t>Null</a:t>
+            </a:r>
+          </a:p>
+          <a:p>
+            <a:pPr lvl="1"/>
+            <a:r>
+              <a:rPr lang="en-US" dirty="0"/>
+              <a:t>Undefined</a:t>
+            </a:r>
+          </a:p>
+          <a:p>
+            <a:r>
+              <a:rPr lang="en-US" dirty="0"/>
+              <a:t>Objects (Functions)</a:t>
+            </a:r>
+          </a:p>
+          <a:p>
+            <a:pPr lvl="1"/>
+            <a:r>
+              <a:rPr lang="en-US" dirty="0"/>
+              <a:t>Date</a:t>
+            </a:r>
+          </a:p>
+          <a:p>
+            <a:pPr lvl="1"/>
+            <a:r>
+              <a:rPr lang="en-US" dirty="0"/>
+              <a:t>Structured data</a:t>
+            </a:r>
+          </a:p>
+          <a:p>
+            <a:pPr lvl="1"/>
+            <a:r>
+              <a:rPr lang="en-US" dirty="0"/>
+              <a:t>Collections</a:t>
+            </a:r>
           </a:p>
         </p:txBody>
       </p:sp>
     </p:spTree>
     <p:extLst>
       <p:ext uri="{BB962C8B-B14F-4D97-AF65-F5344CB8AC3E}">
-        <p14:creationId xmlns:p14="http://schemas.microsoft.com/office/powerpoint/2010/main" val="2261632746"/>
+        <p14:creationId xmlns:p14="http://schemas.microsoft.com/office/powerpoint/2010/main" val="1662059493"/>
       </p:ext>
     </p:extLst>
   </p:cSld>
@@ -18952,6 +18915,287 @@
 </file>
 
 <file path=ppt/slides/slide22.xml><?xml version="1.0" encoding="utf-8"?>
+<p:sld xmlns:a="http://schemas.openxmlformats.org/drawingml/2006/main" xmlns:r="http://schemas.openxmlformats.org/officeDocument/2006/relationships" xmlns:p="http://schemas.openxmlformats.org/presentationml/2006/main">
+  <p:cSld>
+    <p:spTree>
+      <p:nvGrpSpPr>
+        <p:cNvPr id="1" name=""/>
+        <p:cNvGrpSpPr/>
+        <p:nvPr/>
+      </p:nvGrpSpPr>
+      <p:grpSpPr>
+        <a:xfrm>
+          <a:off x="0" y="0"/>
+          <a:ext cx="0" cy="0"/>
+          <a:chOff x="0" y="0"/>
+          <a:chExt cx="0" cy="0"/>
+        </a:xfrm>
+      </p:grpSpPr>
+      <p:sp>
+        <p:nvSpPr>
+          <p:cNvPr id="2" name="Title 1"/>
+          <p:cNvSpPr>
+            <a:spLocks noGrp="1"/>
+          </p:cNvSpPr>
+          <p:nvPr>
+            <p:ph type="title"/>
+          </p:nvPr>
+        </p:nvSpPr>
+        <p:spPr/>
+        <p:txBody>
+          <a:bodyPr/>
+          <a:lstStyle/>
+          <a:p>
+            <a:r>
+              <a:rPr lang="en-US" dirty="0"/>
+              <a:t>JavaScript – Values and Types</a:t>
+            </a:r>
+          </a:p>
+        </p:txBody>
+      </p:sp>
+      <p:sp>
+        <p:nvSpPr>
+          <p:cNvPr id="3" name="Content Placeholder 2"/>
+          <p:cNvSpPr>
+            <a:spLocks noGrp="1"/>
+          </p:cNvSpPr>
+          <p:nvPr>
+            <p:ph idx="1"/>
+          </p:nvPr>
+        </p:nvSpPr>
+        <p:spPr>
+          <a:xfrm>
+            <a:off x="838200" y="2396290"/>
+            <a:ext cx="10515600" cy="3547312"/>
+          </a:xfrm>
+        </p:spPr>
+        <p:txBody>
+          <a:bodyPr>
+            <a:normAutofit/>
+          </a:bodyPr>
+          <a:lstStyle/>
+          <a:p>
+            <a:pPr marL="0" indent="0">
+              <a:buNone/>
+            </a:pPr>
+            <a:r>
+              <a:rPr lang="en-US" dirty="0"/>
+              <a:t>Structured data: JSON</a:t>
+            </a:r>
+          </a:p>
+          <a:p>
+            <a:pPr marL="457200" lvl="1" indent="0">
+              <a:buNone/>
+            </a:pPr>
+            <a:r>
+              <a:rPr lang="sv-SE" dirty="0">
+                <a:solidFill>
+                  <a:srgbClr val="0000FF"/>
+                </a:solidFill>
+                <a:latin typeface="Consolas" panose="020B0609020204030204" pitchFamily="49" charset="0"/>
+              </a:rPr>
+              <a:t>var</a:t>
+            </a:r>
+            <a:r>
+              <a:rPr lang="sv-SE" dirty="0">
+                <a:solidFill>
+                  <a:srgbClr val="000000"/>
+                </a:solidFill>
+                <a:latin typeface="Consolas" panose="020B0609020204030204" pitchFamily="49" charset="0"/>
+              </a:rPr>
+              <a:t> </a:t>
+            </a:r>
+            <a:r>
+              <a:rPr lang="sv-SE" dirty="0" err="1">
+                <a:solidFill>
+                  <a:srgbClr val="000000"/>
+                </a:solidFill>
+                <a:latin typeface="Consolas" panose="020B0609020204030204" pitchFamily="49" charset="0"/>
+              </a:rPr>
+              <a:t>user</a:t>
+            </a:r>
+            <a:r>
+              <a:rPr lang="sv-SE" dirty="0">
+                <a:solidFill>
+                  <a:srgbClr val="000000"/>
+                </a:solidFill>
+                <a:latin typeface="Consolas" panose="020B0609020204030204" pitchFamily="49" charset="0"/>
+              </a:rPr>
+              <a:t> = {</a:t>
+            </a:r>
+          </a:p>
+          <a:p>
+            <a:pPr marL="457200" lvl="1" indent="0">
+              <a:buNone/>
+            </a:pPr>
+            <a:r>
+              <a:rPr lang="sv-SE" dirty="0">
+                <a:solidFill>
+                  <a:srgbClr val="000000"/>
+                </a:solidFill>
+                <a:latin typeface="Consolas" panose="020B0609020204030204" pitchFamily="49" charset="0"/>
+              </a:rPr>
+              <a:t>    id: 1,</a:t>
+            </a:r>
+          </a:p>
+          <a:p>
+            <a:pPr marL="457200" lvl="1" indent="0">
+              <a:buNone/>
+            </a:pPr>
+            <a:r>
+              <a:rPr lang="sv-SE" dirty="0">
+                <a:solidFill>
+                  <a:srgbClr val="000000"/>
+                </a:solidFill>
+                <a:latin typeface="Consolas" panose="020B0609020204030204" pitchFamily="49" charset="0"/>
+              </a:rPr>
+              <a:t>    </a:t>
+            </a:r>
+            <a:r>
+              <a:rPr lang="sv-SE" dirty="0" err="1">
+                <a:solidFill>
+                  <a:srgbClr val="000000"/>
+                </a:solidFill>
+                <a:latin typeface="Consolas" panose="020B0609020204030204" pitchFamily="49" charset="0"/>
+              </a:rPr>
+              <a:t>firstName</a:t>
+            </a:r>
+            <a:r>
+              <a:rPr lang="sv-SE" dirty="0">
+                <a:solidFill>
+                  <a:srgbClr val="000000"/>
+                </a:solidFill>
+                <a:latin typeface="Consolas" panose="020B0609020204030204" pitchFamily="49" charset="0"/>
+              </a:rPr>
+              <a:t>: </a:t>
+            </a:r>
+            <a:r>
+              <a:rPr lang="sv-SE" dirty="0">
+                <a:solidFill>
+                  <a:srgbClr val="A31515"/>
+                </a:solidFill>
+                <a:latin typeface="Consolas" panose="020B0609020204030204" pitchFamily="49" charset="0"/>
+              </a:rPr>
+              <a:t>'Jim'</a:t>
+            </a:r>
+            <a:r>
+              <a:rPr lang="sv-SE" dirty="0">
+                <a:solidFill>
+                  <a:srgbClr val="000000"/>
+                </a:solidFill>
+                <a:latin typeface="Consolas" panose="020B0609020204030204" pitchFamily="49" charset="0"/>
+              </a:rPr>
+              <a:t>,</a:t>
+            </a:r>
+          </a:p>
+          <a:p>
+            <a:pPr marL="457200" lvl="1" indent="0">
+              <a:buNone/>
+            </a:pPr>
+            <a:r>
+              <a:rPr lang="sv-SE" dirty="0">
+                <a:solidFill>
+                  <a:srgbClr val="000000"/>
+                </a:solidFill>
+                <a:latin typeface="Consolas" panose="020B0609020204030204" pitchFamily="49" charset="0"/>
+              </a:rPr>
+              <a:t>    </a:t>
+            </a:r>
+            <a:r>
+              <a:rPr lang="sv-SE" dirty="0" err="1">
+                <a:solidFill>
+                  <a:srgbClr val="000000"/>
+                </a:solidFill>
+                <a:latin typeface="Consolas" panose="020B0609020204030204" pitchFamily="49" charset="0"/>
+              </a:rPr>
+              <a:t>lastName</a:t>
+            </a:r>
+            <a:r>
+              <a:rPr lang="sv-SE" dirty="0">
+                <a:solidFill>
+                  <a:srgbClr val="000000"/>
+                </a:solidFill>
+                <a:latin typeface="Consolas" panose="020B0609020204030204" pitchFamily="49" charset="0"/>
+              </a:rPr>
+              <a:t>: </a:t>
+            </a:r>
+            <a:r>
+              <a:rPr lang="sv-SE" dirty="0">
+                <a:solidFill>
+                  <a:srgbClr val="A31515"/>
+                </a:solidFill>
+                <a:latin typeface="Consolas" panose="020B0609020204030204" pitchFamily="49" charset="0"/>
+              </a:rPr>
+              <a:t>'Morrison'</a:t>
+            </a:r>
+            <a:endParaRPr lang="sv-SE" dirty="0">
+              <a:solidFill>
+                <a:srgbClr val="000000"/>
+              </a:solidFill>
+              <a:latin typeface="Consolas" panose="020B0609020204030204" pitchFamily="49" charset="0"/>
+            </a:endParaRPr>
+          </a:p>
+          <a:p>
+            <a:pPr marL="457200" lvl="1" indent="0">
+              <a:buNone/>
+            </a:pPr>
+            <a:r>
+              <a:rPr lang="sv-SE" dirty="0">
+                <a:solidFill>
+                  <a:srgbClr val="000000"/>
+                </a:solidFill>
+                <a:latin typeface="Consolas" panose="020B0609020204030204" pitchFamily="49" charset="0"/>
+              </a:rPr>
+              <a:t>};</a:t>
+            </a:r>
+            <a:r>
+              <a:rPr lang="en-US" dirty="0"/>
+              <a:t>ions:</a:t>
+            </a:r>
+          </a:p>
+          <a:p>
+            <a:r>
+              <a:rPr lang="en-US" dirty="0"/>
+              <a:t>      </a:t>
+            </a:r>
+            <a:r>
+              <a:rPr lang="da-DK" sz="2400" dirty="0">
+                <a:solidFill>
+                  <a:srgbClr val="0000FF"/>
+                </a:solidFill>
+                <a:latin typeface="Consolas" panose="020B0609020204030204" pitchFamily="49" charset="0"/>
+              </a:rPr>
+              <a:t>var</a:t>
+            </a:r>
+            <a:r>
+              <a:rPr lang="da-DK" sz="2400" dirty="0">
+                <a:solidFill>
+                  <a:srgbClr val="000000"/>
+                </a:solidFill>
+                <a:latin typeface="Consolas" panose="020B0609020204030204" pitchFamily="49" charset="0"/>
+              </a:rPr>
+              <a:t> numbers = [user1, user2, user3, user4];</a:t>
+            </a:r>
+            <a:endParaRPr lang="en-US" sz="2400" dirty="0">
+              <a:latin typeface="Consolas" panose="020B0609020204030204" pitchFamily="49" charset="0"/>
+            </a:endParaRPr>
+          </a:p>
+        </p:txBody>
+      </p:sp>
+    </p:spTree>
+    <p:extLst>
+      <p:ext uri="{BB962C8B-B14F-4D97-AF65-F5344CB8AC3E}">
+        <p14:creationId xmlns:p14="http://schemas.microsoft.com/office/powerpoint/2010/main" val="2261632746"/>
+      </p:ext>
+    </p:extLst>
+  </p:cSld>
+  <p:clrMapOvr>
+    <a:masterClrMapping/>
+  </p:clrMapOvr>
+</p:sld>
+</file>
+
+<file path=ppt/slides/slide23.xml><?xml version="1.0" encoding="utf-8"?>
 <p:sld xmlns:a="http://schemas.openxmlformats.org/drawingml/2006/main" xmlns:r="http://schemas.openxmlformats.org/officeDocument/2006/relationships" xmlns:p="http://schemas.openxmlformats.org/presentationml/2006/main" show="0">
   <p:cSld>
     <p:spTree>
@@ -19303,7 +19547,7 @@
 </p:sld>
 </file>
 
-<file path=ppt/slides/slide23.xml><?xml version="1.0" encoding="utf-8"?>
+<file path=ppt/slides/slide24.xml><?xml version="1.0" encoding="utf-8"?>
 <p:sld xmlns:a="http://schemas.openxmlformats.org/drawingml/2006/main" xmlns:r="http://schemas.openxmlformats.org/officeDocument/2006/relationships" xmlns:p="http://schemas.openxmlformats.org/presentationml/2006/main">
   <p:cSld>
     <p:spTree>
@@ -19693,7 +19937,7 @@
 </p:sld>
 </file>
 
-<file path=ppt/slides/slide24.xml><?xml version="1.0" encoding="utf-8"?>
+<file path=ppt/slides/slide25.xml><?xml version="1.0" encoding="utf-8"?>
 <p:sld xmlns:a="http://schemas.openxmlformats.org/drawingml/2006/main" xmlns:r="http://schemas.openxmlformats.org/officeDocument/2006/relationships" xmlns:p="http://schemas.openxmlformats.org/presentationml/2006/main">
   <p:cSld>
     <p:spTree>
@@ -20017,7 +20261,7 @@
 </p:sld>
 </file>
 
-<file path=ppt/slides/slide25.xml><?xml version="1.0" encoding="utf-8"?>
+<file path=ppt/slides/slide26.xml><?xml version="1.0" encoding="utf-8"?>
 <p:sld xmlns:a="http://schemas.openxmlformats.org/drawingml/2006/main" xmlns:r="http://schemas.openxmlformats.org/officeDocument/2006/relationships" xmlns:p="http://schemas.openxmlformats.org/presentationml/2006/main">
   <p:cSld>
     <p:spTree>
@@ -20354,7 +20598,7 @@
 </p:sld>
 </file>
 
-<file path=ppt/slides/slide26.xml><?xml version="1.0" encoding="utf-8"?>
+<file path=ppt/slides/slide27.xml><?xml version="1.0" encoding="utf-8"?>
 <p:sld xmlns:a="http://schemas.openxmlformats.org/drawingml/2006/main" xmlns:r="http://schemas.openxmlformats.org/officeDocument/2006/relationships" xmlns:p="http://schemas.openxmlformats.org/presentationml/2006/main">
   <p:cSld>
     <p:spTree>
@@ -20455,7 +20699,7 @@
 </p:sld>
 </file>
 
-<file path=ppt/slides/slide27.xml><?xml version="1.0" encoding="utf-8"?>
+<file path=ppt/slides/slide28.xml><?xml version="1.0" encoding="utf-8"?>
 <p:sld xmlns:a="http://schemas.openxmlformats.org/drawingml/2006/main" xmlns:r="http://schemas.openxmlformats.org/officeDocument/2006/relationships" xmlns:p="http://schemas.openxmlformats.org/presentationml/2006/main">
   <p:cSld>
     <p:spTree>
@@ -20752,7 +20996,7 @@
 </p:sld>
 </file>
 
-<file path=ppt/slides/slide28.xml><?xml version="1.0" encoding="utf-8"?>
+<file path=ppt/slides/slide29.xml><?xml version="1.0" encoding="utf-8"?>
 <p:sld xmlns:a="http://schemas.openxmlformats.org/drawingml/2006/main" xmlns:r="http://schemas.openxmlformats.org/officeDocument/2006/relationships" xmlns:p="http://schemas.openxmlformats.org/presentationml/2006/main">
   <p:cSld>
     <p:spTree>
@@ -21365,7 +21609,137 @@
 </p:sld>
 </file>
 
-<file path=ppt/slides/slide29.xml><?xml version="1.0" encoding="utf-8"?>
+<file path=ppt/slides/slide3.xml><?xml version="1.0" encoding="utf-8"?>
+<p:sld xmlns:a="http://schemas.openxmlformats.org/drawingml/2006/main" xmlns:r="http://schemas.openxmlformats.org/officeDocument/2006/relationships" xmlns:p="http://schemas.openxmlformats.org/presentationml/2006/main">
+  <p:cSld>
+    <p:spTree>
+      <p:nvGrpSpPr>
+        <p:cNvPr id="1" name=""/>
+        <p:cNvGrpSpPr/>
+        <p:nvPr/>
+      </p:nvGrpSpPr>
+      <p:grpSpPr>
+        <a:xfrm>
+          <a:off x="0" y="0"/>
+          <a:ext cx="0" cy="0"/>
+          <a:chOff x="0" y="0"/>
+          <a:chExt cx="0" cy="0"/>
+        </a:xfrm>
+      </p:grpSpPr>
+      <p:sp>
+        <p:nvSpPr>
+          <p:cNvPr id="2" name="Title 1"/>
+          <p:cNvSpPr>
+            <a:spLocks noGrp="1"/>
+          </p:cNvSpPr>
+          <p:nvPr>
+            <p:ph type="title"/>
+          </p:nvPr>
+        </p:nvSpPr>
+        <p:spPr/>
+        <p:txBody>
+          <a:bodyPr/>
+          <a:lstStyle/>
+          <a:p>
+            <a:r>
+              <a:rPr lang="sv-SE" dirty="0"/>
+              <a:t>Agenda</a:t>
+            </a:r>
+          </a:p>
+        </p:txBody>
+      </p:sp>
+      <p:sp>
+        <p:nvSpPr>
+          <p:cNvPr id="3" name="Content Placeholder 2"/>
+          <p:cNvSpPr>
+            <a:spLocks noGrp="1"/>
+          </p:cNvSpPr>
+          <p:nvPr>
+            <p:ph idx="1"/>
+          </p:nvPr>
+        </p:nvSpPr>
+        <p:spPr/>
+        <p:txBody>
+          <a:bodyPr/>
+          <a:lstStyle/>
+          <a:p>
+            <a:r>
+              <a:rPr lang="sv-SE" dirty="0"/>
+              <a:t>16:00 – Start</a:t>
+            </a:r>
+          </a:p>
+          <a:p>
+            <a:r>
+              <a:rPr lang="sv-SE" dirty="0"/>
+              <a:t>16:10 – </a:t>
+            </a:r>
+            <a:r>
+              <a:rPr lang="sv-SE" dirty="0" err="1"/>
+              <a:t>What</a:t>
+            </a:r>
+            <a:r>
+              <a:rPr lang="sv-SE" dirty="0"/>
+              <a:t> is Azure IoT</a:t>
+            </a:r>
+          </a:p>
+          <a:p>
+            <a:r>
+              <a:rPr lang="sv-SE" dirty="0"/>
+              <a:t>16:30 – </a:t>
+            </a:r>
+            <a:r>
+              <a:rPr lang="sv-SE" dirty="0" err="1"/>
+              <a:t>What</a:t>
+            </a:r>
+            <a:r>
+              <a:rPr lang="sv-SE" dirty="0"/>
+              <a:t> is Node.js</a:t>
+            </a:r>
+          </a:p>
+          <a:p>
+            <a:r>
+              <a:rPr lang="sv-SE" dirty="0"/>
+              <a:t>17:00 – Start </a:t>
+            </a:r>
+            <a:r>
+              <a:rPr lang="sv-SE" dirty="0" err="1"/>
+              <a:t>with</a:t>
+            </a:r>
+            <a:r>
+              <a:rPr lang="sv-SE" dirty="0"/>
+              <a:t> </a:t>
+            </a:r>
+            <a:r>
+              <a:rPr lang="sv-SE" dirty="0" err="1"/>
+              <a:t>labs</a:t>
+            </a:r>
+            <a:endParaRPr lang="sv-SE" dirty="0"/>
+          </a:p>
+          <a:p>
+            <a:endParaRPr lang="sv-SE" dirty="0"/>
+          </a:p>
+          <a:p>
+            <a:r>
+              <a:rPr lang="sv-SE" dirty="0"/>
+              <a:t>19:00 Pizza &amp; Beer</a:t>
+            </a:r>
+          </a:p>
+        </p:txBody>
+      </p:sp>
+    </p:spTree>
+    <p:extLst>
+      <p:ext uri="{BB962C8B-B14F-4D97-AF65-F5344CB8AC3E}">
+        <p14:creationId xmlns:p14="http://schemas.microsoft.com/office/powerpoint/2010/main" val="2072663981"/>
+      </p:ext>
+    </p:extLst>
+  </p:cSld>
+  <p:clrMapOvr>
+    <a:masterClrMapping/>
+  </p:clrMapOvr>
+</p:sld>
+</file>
+
+<file path=ppt/slides/slide30.xml><?xml version="1.0" encoding="utf-8"?>
 <p:sld xmlns:a="http://schemas.openxmlformats.org/drawingml/2006/main" xmlns:r="http://schemas.openxmlformats.org/officeDocument/2006/relationships" xmlns:p="http://schemas.openxmlformats.org/presentationml/2006/main">
   <p:cSld>
     <p:spTree>
@@ -21979,137 +22353,7 @@
 </p:sld>
 </file>
 
-<file path=ppt/slides/slide3.xml><?xml version="1.0" encoding="utf-8"?>
-<p:sld xmlns:a="http://schemas.openxmlformats.org/drawingml/2006/main" xmlns:r="http://schemas.openxmlformats.org/officeDocument/2006/relationships" xmlns:p="http://schemas.openxmlformats.org/presentationml/2006/main">
-  <p:cSld>
-    <p:spTree>
-      <p:nvGrpSpPr>
-        <p:cNvPr id="1" name=""/>
-        <p:cNvGrpSpPr/>
-        <p:nvPr/>
-      </p:nvGrpSpPr>
-      <p:grpSpPr>
-        <a:xfrm>
-          <a:off x="0" y="0"/>
-          <a:ext cx="0" cy="0"/>
-          <a:chOff x="0" y="0"/>
-          <a:chExt cx="0" cy="0"/>
-        </a:xfrm>
-      </p:grpSpPr>
-      <p:sp>
-        <p:nvSpPr>
-          <p:cNvPr id="2" name="Title 1"/>
-          <p:cNvSpPr>
-            <a:spLocks noGrp="1"/>
-          </p:cNvSpPr>
-          <p:nvPr>
-            <p:ph type="title"/>
-          </p:nvPr>
-        </p:nvSpPr>
-        <p:spPr/>
-        <p:txBody>
-          <a:bodyPr/>
-          <a:lstStyle/>
-          <a:p>
-            <a:r>
-              <a:rPr lang="sv-SE" dirty="0"/>
-              <a:t>Agenda</a:t>
-            </a:r>
-          </a:p>
-        </p:txBody>
-      </p:sp>
-      <p:sp>
-        <p:nvSpPr>
-          <p:cNvPr id="3" name="Content Placeholder 2"/>
-          <p:cNvSpPr>
-            <a:spLocks noGrp="1"/>
-          </p:cNvSpPr>
-          <p:nvPr>
-            <p:ph idx="1"/>
-          </p:nvPr>
-        </p:nvSpPr>
-        <p:spPr/>
-        <p:txBody>
-          <a:bodyPr/>
-          <a:lstStyle/>
-          <a:p>
-            <a:r>
-              <a:rPr lang="sv-SE" dirty="0"/>
-              <a:t>16:00 – Start</a:t>
-            </a:r>
-          </a:p>
-          <a:p>
-            <a:r>
-              <a:rPr lang="sv-SE" dirty="0"/>
-              <a:t>16:10 – </a:t>
-            </a:r>
-            <a:r>
-              <a:rPr lang="sv-SE" dirty="0" err="1"/>
-              <a:t>What</a:t>
-            </a:r>
-            <a:r>
-              <a:rPr lang="sv-SE" dirty="0"/>
-              <a:t> is Azure IoT</a:t>
-            </a:r>
-          </a:p>
-          <a:p>
-            <a:r>
-              <a:rPr lang="sv-SE" dirty="0"/>
-              <a:t>16:30 – </a:t>
-            </a:r>
-            <a:r>
-              <a:rPr lang="sv-SE" dirty="0" err="1"/>
-              <a:t>What</a:t>
-            </a:r>
-            <a:r>
-              <a:rPr lang="sv-SE" dirty="0"/>
-              <a:t> is Node.js</a:t>
-            </a:r>
-          </a:p>
-          <a:p>
-            <a:r>
-              <a:rPr lang="sv-SE" dirty="0"/>
-              <a:t>17:00 – Start </a:t>
-            </a:r>
-            <a:r>
-              <a:rPr lang="sv-SE" dirty="0" err="1"/>
-              <a:t>with</a:t>
-            </a:r>
-            <a:r>
-              <a:rPr lang="sv-SE" dirty="0"/>
-              <a:t> </a:t>
-            </a:r>
-            <a:r>
-              <a:rPr lang="sv-SE" dirty="0" err="1"/>
-              <a:t>labs</a:t>
-            </a:r>
-            <a:endParaRPr lang="sv-SE" dirty="0"/>
-          </a:p>
-          <a:p>
-            <a:endParaRPr lang="sv-SE" dirty="0"/>
-          </a:p>
-          <a:p>
-            <a:r>
-              <a:rPr lang="sv-SE" dirty="0"/>
-              <a:t>19:00 Pizza &amp; Beer</a:t>
-            </a:r>
-          </a:p>
-        </p:txBody>
-      </p:sp>
-    </p:spTree>
-    <p:extLst>
-      <p:ext uri="{BB962C8B-B14F-4D97-AF65-F5344CB8AC3E}">
-        <p14:creationId xmlns:p14="http://schemas.microsoft.com/office/powerpoint/2010/main" val="2072663981"/>
-      </p:ext>
-    </p:extLst>
-  </p:cSld>
-  <p:clrMapOvr>
-    <a:masterClrMapping/>
-  </p:clrMapOvr>
-</p:sld>
-</file>
-
-<file path=ppt/slides/slide30.xml><?xml version="1.0" encoding="utf-8"?>
+<file path=ppt/slides/slide31.xml><?xml version="1.0" encoding="utf-8"?>
 <p:sld xmlns:a="http://schemas.openxmlformats.org/drawingml/2006/main" xmlns:r="http://schemas.openxmlformats.org/officeDocument/2006/relationships" xmlns:p="http://schemas.openxmlformats.org/presentationml/2006/main">
   <p:cSld>
     <p:spTree>
@@ -22223,7 +22467,7 @@
 </p:sld>
 </file>
 
-<file path=ppt/slides/slide31.xml><?xml version="1.0" encoding="utf-8"?>
+<file path=ppt/slides/slide32.xml><?xml version="1.0" encoding="utf-8"?>
 <p:sld xmlns:a="http://schemas.openxmlformats.org/drawingml/2006/main" xmlns:r="http://schemas.openxmlformats.org/officeDocument/2006/relationships" xmlns:p="http://schemas.openxmlformats.org/presentationml/2006/main">
   <p:cSld>
     <p:spTree>
@@ -23183,7 +23427,7 @@
 </p:sld>
 </file>
 
-<file path=ppt/slides/slide32.xml><?xml version="1.0" encoding="utf-8"?>
+<file path=ppt/slides/slide33.xml><?xml version="1.0" encoding="utf-8"?>
 <p:sld xmlns:a="http://schemas.openxmlformats.org/drawingml/2006/main" xmlns:r="http://schemas.openxmlformats.org/officeDocument/2006/relationships" xmlns:p="http://schemas.openxmlformats.org/presentationml/2006/main">
   <p:cSld>
     <p:spTree>
@@ -23784,225 +24028,6 @@
     <p:extLst>
       <p:ext uri="{BB962C8B-B14F-4D97-AF65-F5344CB8AC3E}">
         <p14:creationId xmlns:p14="http://schemas.microsoft.com/office/powerpoint/2010/main" val="3134774248"/>
-      </p:ext>
-    </p:extLst>
-  </p:cSld>
-  <p:clrMapOvr>
-    <a:masterClrMapping/>
-  </p:clrMapOvr>
-</p:sld>
-</file>
-
-<file path=ppt/slides/slide33.xml><?xml version="1.0" encoding="utf-8"?>
-<p:sld xmlns:a="http://schemas.openxmlformats.org/drawingml/2006/main" xmlns:r="http://schemas.openxmlformats.org/officeDocument/2006/relationships" xmlns:p="http://schemas.openxmlformats.org/presentationml/2006/main">
-  <p:cSld>
-    <p:spTree>
-      <p:nvGrpSpPr>
-        <p:cNvPr id="1" name=""/>
-        <p:cNvGrpSpPr/>
-        <p:nvPr/>
-      </p:nvGrpSpPr>
-      <p:grpSpPr>
-        <a:xfrm>
-          <a:off x="0" y="0"/>
-          <a:ext cx="0" cy="0"/>
-          <a:chOff x="0" y="0"/>
-          <a:chExt cx="0" cy="0"/>
-        </a:xfrm>
-      </p:grpSpPr>
-      <p:sp>
-        <p:nvSpPr>
-          <p:cNvPr id="2" name="Title 1"/>
-          <p:cNvSpPr>
-            <a:spLocks noGrp="1"/>
-          </p:cNvSpPr>
-          <p:nvPr>
-            <p:ph type="title"/>
-          </p:nvPr>
-        </p:nvSpPr>
-        <p:spPr/>
-        <p:txBody>
-          <a:bodyPr>
-            <a:normAutofit/>
-          </a:bodyPr>
-          <a:lstStyle/>
-          <a:p>
-            <a:r>
-              <a:rPr lang="en-US" sz="4000" b="1" dirty="0"/>
-              <a:t>Samples</a:t>
-            </a:r>
-            <a:endParaRPr lang="en-US" sz="4000" dirty="0"/>
-          </a:p>
-        </p:txBody>
-      </p:sp>
-      <p:pic>
-        <p:nvPicPr>
-          <p:cNvPr id="4" name="Picture 2" descr="C:\Users\wmmih\AppData\Local\Temp\SNAGHTML1288bdde.PNG"/>
-          <p:cNvPicPr>
-            <a:picLocks noChangeAspect="1" noChangeArrowheads="1"/>
-          </p:cNvPicPr>
-          <p:nvPr/>
-        </p:nvPicPr>
-        <p:blipFill>
-          <a:blip r:embed="rId2">
-            <a:extLst>
-              <a:ext uri="{28A0092B-C50C-407E-A947-70E740481C1C}">
-                <a14:useLocalDpi xmlns:a14="http://schemas.microsoft.com/office/drawing/2010/main" val="0"/>
-              </a:ext>
-            </a:extLst>
-          </a:blip>
-          <a:srcRect/>
-          <a:stretch>
-            <a:fillRect/>
-          </a:stretch>
-        </p:blipFill>
-        <p:spPr bwMode="auto">
-          <a:xfrm>
-            <a:off x="1327842" y="1194883"/>
-            <a:ext cx="9718201" cy="5433428"/>
-          </a:xfrm>
-          <a:prstGeom prst="rect">
-            <a:avLst/>
-          </a:prstGeom>
-          <a:noFill/>
-          <a:extLst>
-            <a:ext uri="{909E8E84-426E-40DD-AFC4-6F175D3DCCD1}">
-              <a14:hiddenFill xmlns:a14="http://schemas.microsoft.com/office/drawing/2010/main">
-                <a:solidFill>
-                  <a:srgbClr val="FFFFFF"/>
-                </a:solidFill>
-              </a14:hiddenFill>
-            </a:ext>
-          </a:extLst>
-        </p:spPr>
-      </p:pic>
-      <p:sp>
-        <p:nvSpPr>
-          <p:cNvPr id="17" name="TextBox 16"/>
-          <p:cNvSpPr txBox="1"/>
-          <p:nvPr/>
-        </p:nvSpPr>
-        <p:spPr>
-          <a:xfrm>
-            <a:off x="3670050" y="2520446"/>
-            <a:ext cx="4432624" cy="1477328"/>
-          </a:xfrm>
-          <a:prstGeom prst="rect">
-            <a:avLst/>
-          </a:prstGeom>
-          <a:noFill/>
-        </p:spPr>
-        <p:txBody>
-          <a:bodyPr wrap="none" rtlCol="0">
-            <a:spAutoFit/>
-          </a:bodyPr>
-          <a:lstStyle/>
-          <a:p>
-            <a:endParaRPr lang="sv-SE" dirty="0">
-              <a:solidFill>
-                <a:schemeClr val="bg1"/>
-              </a:solidFill>
-            </a:endParaRPr>
-          </a:p>
-          <a:p>
-            <a:r>
-              <a:rPr lang="sv-SE" sz="2400" dirty="0" err="1">
-                <a:solidFill>
-                  <a:schemeClr val="bg1"/>
-                </a:solidFill>
-                <a:latin typeface="Consolas" panose="020B0609020204030204" pitchFamily="49" charset="0"/>
-              </a:rPr>
-              <a:t>setInterval</a:t>
-            </a:r>
-            <a:r>
-              <a:rPr lang="sv-SE" sz="2400" dirty="0">
-                <a:solidFill>
-                  <a:schemeClr val="bg1"/>
-                </a:solidFill>
-                <a:latin typeface="Consolas" panose="020B0609020204030204" pitchFamily="49" charset="0"/>
-              </a:rPr>
-              <a:t>(</a:t>
-            </a:r>
-            <a:r>
-              <a:rPr lang="sv-SE" sz="2400" dirty="0" err="1">
-                <a:solidFill>
-                  <a:srgbClr val="0000FF"/>
-                </a:solidFill>
-                <a:latin typeface="Consolas" panose="020B0609020204030204" pitchFamily="49" charset="0"/>
-              </a:rPr>
-              <a:t>function</a:t>
-            </a:r>
-            <a:r>
-              <a:rPr lang="sv-SE" sz="2400" dirty="0">
-                <a:solidFill>
-                  <a:srgbClr val="0000FF"/>
-                </a:solidFill>
-                <a:latin typeface="Consolas" panose="020B0609020204030204" pitchFamily="49" charset="0"/>
-              </a:rPr>
-              <a:t> </a:t>
-            </a:r>
-            <a:r>
-              <a:rPr lang="sv-SE" sz="2400" dirty="0">
-                <a:solidFill>
-                  <a:schemeClr val="bg1"/>
-                </a:solidFill>
-                <a:latin typeface="Consolas" panose="020B0609020204030204" pitchFamily="49" charset="0"/>
-              </a:rPr>
-              <a:t>() {</a:t>
-            </a:r>
-          </a:p>
-          <a:p>
-            <a:r>
-              <a:rPr lang="sv-SE" sz="2400" dirty="0">
-                <a:solidFill>
-                  <a:schemeClr val="bg1"/>
-                </a:solidFill>
-                <a:latin typeface="Consolas" panose="020B0609020204030204" pitchFamily="49" charset="0"/>
-              </a:rPr>
-              <a:t>   </a:t>
-            </a:r>
-            <a:r>
-              <a:rPr lang="sv-SE" sz="2400" dirty="0">
-                <a:solidFill>
-                  <a:schemeClr val="accent6"/>
-                </a:solidFill>
-                <a:latin typeface="Consolas" panose="020B0609020204030204" pitchFamily="49" charset="0"/>
-              </a:rPr>
-              <a:t>// Do </a:t>
-            </a:r>
-            <a:r>
-              <a:rPr lang="sv-SE" sz="2400" dirty="0" err="1">
-                <a:solidFill>
-                  <a:schemeClr val="accent6"/>
-                </a:solidFill>
-                <a:latin typeface="Consolas" panose="020B0609020204030204" pitchFamily="49" charset="0"/>
-              </a:rPr>
-              <a:t>something</a:t>
-            </a:r>
-            <a:endParaRPr lang="sv-SE" sz="2400" dirty="0">
-              <a:solidFill>
-                <a:schemeClr val="accent6"/>
-              </a:solidFill>
-              <a:latin typeface="Consolas" panose="020B0609020204030204" pitchFamily="49" charset="0"/>
-            </a:endParaRPr>
-          </a:p>
-          <a:p>
-            <a:r>
-              <a:rPr lang="sv-SE" sz="2400" dirty="0">
-                <a:solidFill>
-                  <a:schemeClr val="bg1"/>
-                </a:solidFill>
-                <a:latin typeface="Consolas" panose="020B0609020204030204" pitchFamily="49" charset="0"/>
-              </a:rPr>
-              <a:t>}, 2000);</a:t>
-            </a:r>
-          </a:p>
-        </p:txBody>
-      </p:sp>
-    </p:spTree>
-    <p:extLst>
-      <p:ext uri="{BB962C8B-B14F-4D97-AF65-F5344CB8AC3E}">
-        <p14:creationId xmlns:p14="http://schemas.microsoft.com/office/powerpoint/2010/main" val="3435304293"/>
       </p:ext>
     </p:extLst>
   </p:cSld>
@@ -24041,6 +24066,225 @@
         </p:nvSpPr>
         <p:spPr/>
         <p:txBody>
+          <a:bodyPr>
+            <a:normAutofit/>
+          </a:bodyPr>
+          <a:lstStyle/>
+          <a:p>
+            <a:r>
+              <a:rPr lang="en-US" sz="4000" b="1" dirty="0"/>
+              <a:t>Samples</a:t>
+            </a:r>
+            <a:endParaRPr lang="en-US" sz="4000" dirty="0"/>
+          </a:p>
+        </p:txBody>
+      </p:sp>
+      <p:pic>
+        <p:nvPicPr>
+          <p:cNvPr id="4" name="Picture 2" descr="C:\Users\wmmih\AppData\Local\Temp\SNAGHTML1288bdde.PNG"/>
+          <p:cNvPicPr>
+            <a:picLocks noChangeAspect="1" noChangeArrowheads="1"/>
+          </p:cNvPicPr>
+          <p:nvPr/>
+        </p:nvPicPr>
+        <p:blipFill>
+          <a:blip r:embed="rId2">
+            <a:extLst>
+              <a:ext uri="{28A0092B-C50C-407E-A947-70E740481C1C}">
+                <a14:useLocalDpi xmlns:a14="http://schemas.microsoft.com/office/drawing/2010/main" val="0"/>
+              </a:ext>
+            </a:extLst>
+          </a:blip>
+          <a:srcRect/>
+          <a:stretch>
+            <a:fillRect/>
+          </a:stretch>
+        </p:blipFill>
+        <p:spPr bwMode="auto">
+          <a:xfrm>
+            <a:off x="1327842" y="1194883"/>
+            <a:ext cx="9718201" cy="5433428"/>
+          </a:xfrm>
+          <a:prstGeom prst="rect">
+            <a:avLst/>
+          </a:prstGeom>
+          <a:noFill/>
+          <a:extLst>
+            <a:ext uri="{909E8E84-426E-40DD-AFC4-6F175D3DCCD1}">
+              <a14:hiddenFill xmlns:a14="http://schemas.microsoft.com/office/drawing/2010/main">
+                <a:solidFill>
+                  <a:srgbClr val="FFFFFF"/>
+                </a:solidFill>
+              </a14:hiddenFill>
+            </a:ext>
+          </a:extLst>
+        </p:spPr>
+      </p:pic>
+      <p:sp>
+        <p:nvSpPr>
+          <p:cNvPr id="17" name="TextBox 16"/>
+          <p:cNvSpPr txBox="1"/>
+          <p:nvPr/>
+        </p:nvSpPr>
+        <p:spPr>
+          <a:xfrm>
+            <a:off x="3670050" y="2520446"/>
+            <a:ext cx="4432624" cy="1477328"/>
+          </a:xfrm>
+          <a:prstGeom prst="rect">
+            <a:avLst/>
+          </a:prstGeom>
+          <a:noFill/>
+        </p:spPr>
+        <p:txBody>
+          <a:bodyPr wrap="none" rtlCol="0">
+            <a:spAutoFit/>
+          </a:bodyPr>
+          <a:lstStyle/>
+          <a:p>
+            <a:endParaRPr lang="sv-SE" dirty="0">
+              <a:solidFill>
+                <a:schemeClr val="bg1"/>
+              </a:solidFill>
+            </a:endParaRPr>
+          </a:p>
+          <a:p>
+            <a:r>
+              <a:rPr lang="sv-SE" sz="2400" dirty="0" err="1">
+                <a:solidFill>
+                  <a:schemeClr val="bg1"/>
+                </a:solidFill>
+                <a:latin typeface="Consolas" panose="020B0609020204030204" pitchFamily="49" charset="0"/>
+              </a:rPr>
+              <a:t>setInterval</a:t>
+            </a:r>
+            <a:r>
+              <a:rPr lang="sv-SE" sz="2400" dirty="0">
+                <a:solidFill>
+                  <a:schemeClr val="bg1"/>
+                </a:solidFill>
+                <a:latin typeface="Consolas" panose="020B0609020204030204" pitchFamily="49" charset="0"/>
+              </a:rPr>
+              <a:t>(</a:t>
+            </a:r>
+            <a:r>
+              <a:rPr lang="sv-SE" sz="2400" dirty="0" err="1">
+                <a:solidFill>
+                  <a:srgbClr val="0000FF"/>
+                </a:solidFill>
+                <a:latin typeface="Consolas" panose="020B0609020204030204" pitchFamily="49" charset="0"/>
+              </a:rPr>
+              <a:t>function</a:t>
+            </a:r>
+            <a:r>
+              <a:rPr lang="sv-SE" sz="2400" dirty="0">
+                <a:solidFill>
+                  <a:srgbClr val="0000FF"/>
+                </a:solidFill>
+                <a:latin typeface="Consolas" panose="020B0609020204030204" pitchFamily="49" charset="0"/>
+              </a:rPr>
+              <a:t> </a:t>
+            </a:r>
+            <a:r>
+              <a:rPr lang="sv-SE" sz="2400" dirty="0">
+                <a:solidFill>
+                  <a:schemeClr val="bg1"/>
+                </a:solidFill>
+                <a:latin typeface="Consolas" panose="020B0609020204030204" pitchFamily="49" charset="0"/>
+              </a:rPr>
+              <a:t>() {</a:t>
+            </a:r>
+          </a:p>
+          <a:p>
+            <a:r>
+              <a:rPr lang="sv-SE" sz="2400" dirty="0">
+                <a:solidFill>
+                  <a:schemeClr val="bg1"/>
+                </a:solidFill>
+                <a:latin typeface="Consolas" panose="020B0609020204030204" pitchFamily="49" charset="0"/>
+              </a:rPr>
+              <a:t>   </a:t>
+            </a:r>
+            <a:r>
+              <a:rPr lang="sv-SE" sz="2400" dirty="0">
+                <a:solidFill>
+                  <a:schemeClr val="accent6"/>
+                </a:solidFill>
+                <a:latin typeface="Consolas" panose="020B0609020204030204" pitchFamily="49" charset="0"/>
+              </a:rPr>
+              <a:t>// Do </a:t>
+            </a:r>
+            <a:r>
+              <a:rPr lang="sv-SE" sz="2400" dirty="0" err="1">
+                <a:solidFill>
+                  <a:schemeClr val="accent6"/>
+                </a:solidFill>
+                <a:latin typeface="Consolas" panose="020B0609020204030204" pitchFamily="49" charset="0"/>
+              </a:rPr>
+              <a:t>something</a:t>
+            </a:r>
+            <a:endParaRPr lang="sv-SE" sz="2400" dirty="0">
+              <a:solidFill>
+                <a:schemeClr val="accent6"/>
+              </a:solidFill>
+              <a:latin typeface="Consolas" panose="020B0609020204030204" pitchFamily="49" charset="0"/>
+            </a:endParaRPr>
+          </a:p>
+          <a:p>
+            <a:r>
+              <a:rPr lang="sv-SE" sz="2400" dirty="0">
+                <a:solidFill>
+                  <a:schemeClr val="bg1"/>
+                </a:solidFill>
+                <a:latin typeface="Consolas" panose="020B0609020204030204" pitchFamily="49" charset="0"/>
+              </a:rPr>
+              <a:t>}, 2000);</a:t>
+            </a:r>
+          </a:p>
+        </p:txBody>
+      </p:sp>
+    </p:spTree>
+    <p:extLst>
+      <p:ext uri="{BB962C8B-B14F-4D97-AF65-F5344CB8AC3E}">
+        <p14:creationId xmlns:p14="http://schemas.microsoft.com/office/powerpoint/2010/main" val="3435304293"/>
+      </p:ext>
+    </p:extLst>
+  </p:cSld>
+  <p:clrMapOvr>
+    <a:masterClrMapping/>
+  </p:clrMapOvr>
+</p:sld>
+</file>
+
+<file path=ppt/slides/slide35.xml><?xml version="1.0" encoding="utf-8"?>
+<p:sld xmlns:a="http://schemas.openxmlformats.org/drawingml/2006/main" xmlns:r="http://schemas.openxmlformats.org/officeDocument/2006/relationships" xmlns:p="http://schemas.openxmlformats.org/presentationml/2006/main">
+  <p:cSld>
+    <p:spTree>
+      <p:nvGrpSpPr>
+        <p:cNvPr id="1" name=""/>
+        <p:cNvGrpSpPr/>
+        <p:nvPr/>
+      </p:nvGrpSpPr>
+      <p:grpSpPr>
+        <a:xfrm>
+          <a:off x="0" y="0"/>
+          <a:ext cx="0" cy="0"/>
+          <a:chOff x="0" y="0"/>
+          <a:chExt cx="0" cy="0"/>
+        </a:xfrm>
+      </p:grpSpPr>
+      <p:sp>
+        <p:nvSpPr>
+          <p:cNvPr id="2" name="Title 1"/>
+          <p:cNvSpPr>
+            <a:spLocks noGrp="1"/>
+          </p:cNvSpPr>
+          <p:nvPr>
+            <p:ph type="title"/>
+          </p:nvPr>
+        </p:nvSpPr>
+        <p:spPr/>
+        <p:txBody>
           <a:bodyPr/>
           <a:lstStyle/>
           <a:p>
@@ -24135,7 +24379,7 @@
 </p:sld>
 </file>
 
-<file path=ppt/slides/slide35.xml><?xml version="1.0" encoding="utf-8"?>
+<file path=ppt/slides/slide36.xml><?xml version="1.0" encoding="utf-8"?>
 <p:sld xmlns:a="http://schemas.openxmlformats.org/drawingml/2006/main" xmlns:r="http://schemas.openxmlformats.org/officeDocument/2006/relationships" xmlns:p="http://schemas.openxmlformats.org/presentationml/2006/main">
   <p:cSld>
     <p:spTree>
@@ -24318,7 +24562,7 @@
           <a:p>
             <a:r>
               <a:rPr lang="sv-SE" sz="3600" b="1" dirty="0"/>
-              <a:t>Abdul Haseeb </a:t>
+              <a:t>Haseeb Abdul </a:t>
             </a:r>
             <a:r>
               <a:rPr lang="sv-SE" sz="3600" dirty="0"/>

--- a/presentation/IoT Bootcamp.pptx
+++ b/presentation/IoT Bootcamp.pptx
@@ -237,7 +237,7 @@
           <a:p>
             <a:fld id="{47191C74-6111-46D8-81BE-7574AEA0A196}" type="datetimeFigureOut">
               <a:rPr lang="en-US" smtClean="0"/>
-              <a:t>6/1/2017</a:t>
+              <a:t>6/7/2017</a:t>
             </a:fld>
             <a:endParaRPr lang="en-US"/>
           </a:p>
@@ -12321,7 +12321,7 @@
           <a:p>
             <a:fld id="{BA60C446-6CB1-44A3-A74E-6FB4AF0231F5}" type="datetimeFigureOut">
               <a:rPr lang="en-US" smtClean="0"/>
-              <a:t>6/1/2017</a:t>
+              <a:t>6/7/2017</a:t>
             </a:fld>
             <a:endParaRPr lang="en-US"/>
           </a:p>
